--- a/powerpoint-presentation/Fraud Detection Project.pptx
+++ b/powerpoint-presentation/Fraud Detection Project.pptx
@@ -1,44 +1,47 @@
 
 <file path=ppt/presentation.xml><?xml version="1.0" encoding="utf-8"?>
-<p:presentation xmlns:a="http://schemas.openxmlformats.org/drawingml/2006/main" xmlns:r="http://schemas.openxmlformats.org/officeDocument/2006/relationships" xmlns:mc="http://schemas.openxmlformats.org/markup-compatibility/2006" xmlns:mv="urn:schemas-microsoft-com:mac:vml" xmlns:p="http://schemas.openxmlformats.org/presentationml/2006/main" xmlns:c="http://schemas.openxmlformats.org/drawingml/2006/chart" xmlns:dgm="http://schemas.openxmlformats.org/drawingml/2006/diagram" xmlns:o="urn:schemas-microsoft-com:office:office" xmlns:v="urn:schemas-microsoft-com:vml" xmlns:pvml="urn:schemas-microsoft-com:office:powerpoint" xmlns:com="http://schemas.openxmlformats.org/drawingml/2006/compatibility" xmlns:p14="http://schemas.microsoft.com/office/powerpoint/2010/main" xmlns:p15="http://schemas.microsoft.com/office/powerpoint/2012/main" xmlns:ahyp="http://schemas.microsoft.com/office/drawing/2018/hyperlinkcolor" autoCompressPictures="0" embedTrueTypeFonts="1" strictFirstAndLastChars="0" saveSubsetFonts="1">
+<p:presentation xmlns:a="http://schemas.openxmlformats.org/drawingml/2006/main" xmlns:r="http://schemas.openxmlformats.org/officeDocument/2006/relationships" xmlns:p="http://schemas.openxmlformats.org/presentationml/2006/main" strictFirstAndLastChars="0" embedTrueTypeFonts="1" saveSubsetFonts="1" autoCompressPictures="0">
   <p:sldMasterIdLst>
-    <p:sldMasterId id="2147483659" r:id="rId4"/>
+    <p:sldMasterId id="2147483659" r:id="rId1"/>
   </p:sldMasterIdLst>
   <p:notesMasterIdLst>
-    <p:notesMasterId r:id="rId5"/>
+    <p:notesMasterId r:id="rId23"/>
   </p:notesMasterIdLst>
   <p:sldIdLst>
-    <p:sldId id="256" r:id="rId6"/>
-    <p:sldId id="257" r:id="rId7"/>
-    <p:sldId id="258" r:id="rId8"/>
-    <p:sldId id="259" r:id="rId9"/>
-    <p:sldId id="260" r:id="rId10"/>
-    <p:sldId id="261" r:id="rId11"/>
-    <p:sldId id="262" r:id="rId12"/>
-    <p:sldId id="263" r:id="rId13"/>
-    <p:sldId id="264" r:id="rId14"/>
-    <p:sldId id="265" r:id="rId15"/>
-    <p:sldId id="266" r:id="rId16"/>
-    <p:sldId id="267" r:id="rId17"/>
-    <p:sldId id="268" r:id="rId18"/>
-    <p:sldId id="269" r:id="rId19"/>
-    <p:sldId id="270" r:id="rId20"/>
-    <p:sldId id="271" r:id="rId21"/>
-    <p:sldId id="272" r:id="rId22"/>
-    <p:sldId id="273" r:id="rId23"/>
+    <p:sldId id="256" r:id="rId2"/>
+    <p:sldId id="257" r:id="rId3"/>
+    <p:sldId id="258" r:id="rId4"/>
+    <p:sldId id="259" r:id="rId5"/>
+    <p:sldId id="260" r:id="rId6"/>
+    <p:sldId id="261" r:id="rId7"/>
+    <p:sldId id="262" r:id="rId8"/>
+    <p:sldId id="263" r:id="rId9"/>
+    <p:sldId id="266" r:id="rId10"/>
+    <p:sldId id="264" r:id="rId11"/>
+    <p:sldId id="265" r:id="rId12"/>
+    <p:sldId id="274" r:id="rId13"/>
+    <p:sldId id="267" r:id="rId14"/>
+    <p:sldId id="268" r:id="rId15"/>
+    <p:sldId id="269" r:id="rId16"/>
+    <p:sldId id="276" r:id="rId17"/>
+    <p:sldId id="277" r:id="rId18"/>
+    <p:sldId id="275" r:id="rId19"/>
+    <p:sldId id="271" r:id="rId20"/>
+    <p:sldId id="272" r:id="rId21"/>
+    <p:sldId id="273" r:id="rId22"/>
   </p:sldIdLst>
-  <p:sldSz cy="5143500" cx="9144000"/>
+  <p:sldSz cx="9144000" cy="5143500" type="screen16x9"/>
   <p:notesSz cx="6858000" cy="9144000"/>
   <p:embeddedFontLst>
     <p:embeddedFont>
-      <p:font typeface="Economica"/>
+      <p:font typeface="Economica" panose="020B0604020202020204" charset="0"/>
       <p:regular r:id="rId24"/>
       <p:bold r:id="rId25"/>
       <p:italic r:id="rId26"/>
       <p:boldItalic r:id="rId27"/>
     </p:embeddedFont>
     <p:embeddedFont>
-      <p:font typeface="Open Sans"/>
+      <p:font typeface="Open Sans" panose="020B0606030504020204" pitchFamily="34" charset="0"/>
       <p:regular r:id="rId28"/>
       <p:bold r:id="rId29"/>
       <p:italic r:id="rId30"/>
@@ -46,7 +49,7 @@
     </p:embeddedFont>
   </p:embeddedFontLst>
   <p:defaultTextStyle>
-    <a:defPPr lvl="0" marR="0" rtl="0" algn="l">
+    <a:defPPr marR="0" lvl="0" algn="l" rtl="0">
       <a:lnSpc>
         <a:spcPct val="100000"/>
       </a:lnSpc>
@@ -57,7 +60,7 @@
         <a:spcPts val="0"/>
       </a:spcAft>
     </a:defPPr>
-    <a:lvl1pPr lvl="0" marR="0" rtl="0" algn="l">
+    <a:lvl1pPr marR="0" lvl="0" algn="l" rtl="0">
       <a:lnSpc>
         <a:spcPct val="100000"/>
       </a:lnSpc>
@@ -71,7 +74,7 @@
         <a:srgbClr val="000000"/>
       </a:buClr>
       <a:buFont typeface="Arial"/>
-      <a:defRPr b="0" i="0" sz="1400" u="none" cap="none" strike="noStrike">
+      <a:defRPr sz="1400" b="0" i="0" u="none" strike="noStrike" cap="none">
         <a:solidFill>
           <a:srgbClr val="000000"/>
         </a:solidFill>
@@ -81,7 +84,7 @@
         <a:sym typeface="Arial"/>
       </a:defRPr>
     </a:lvl1pPr>
-    <a:lvl2pPr lvl="1" marR="0" rtl="0" algn="l">
+    <a:lvl2pPr marR="0" lvl="1" algn="l" rtl="0">
       <a:lnSpc>
         <a:spcPct val="100000"/>
       </a:lnSpc>
@@ -95,7 +98,7 @@
         <a:srgbClr val="000000"/>
       </a:buClr>
       <a:buFont typeface="Arial"/>
-      <a:defRPr b="0" i="0" sz="1400" u="none" cap="none" strike="noStrike">
+      <a:defRPr sz="1400" b="0" i="0" u="none" strike="noStrike" cap="none">
         <a:solidFill>
           <a:srgbClr val="000000"/>
         </a:solidFill>
@@ -105,7 +108,7 @@
         <a:sym typeface="Arial"/>
       </a:defRPr>
     </a:lvl2pPr>
-    <a:lvl3pPr lvl="2" marR="0" rtl="0" algn="l">
+    <a:lvl3pPr marR="0" lvl="2" algn="l" rtl="0">
       <a:lnSpc>
         <a:spcPct val="100000"/>
       </a:lnSpc>
@@ -119,7 +122,7 @@
         <a:srgbClr val="000000"/>
       </a:buClr>
       <a:buFont typeface="Arial"/>
-      <a:defRPr b="0" i="0" sz="1400" u="none" cap="none" strike="noStrike">
+      <a:defRPr sz="1400" b="0" i="0" u="none" strike="noStrike" cap="none">
         <a:solidFill>
           <a:srgbClr val="000000"/>
         </a:solidFill>
@@ -129,7 +132,7 @@
         <a:sym typeface="Arial"/>
       </a:defRPr>
     </a:lvl3pPr>
-    <a:lvl4pPr lvl="3" marR="0" rtl="0" algn="l">
+    <a:lvl4pPr marR="0" lvl="3" algn="l" rtl="0">
       <a:lnSpc>
         <a:spcPct val="100000"/>
       </a:lnSpc>
@@ -143,7 +146,7 @@
         <a:srgbClr val="000000"/>
       </a:buClr>
       <a:buFont typeface="Arial"/>
-      <a:defRPr b="0" i="0" sz="1400" u="none" cap="none" strike="noStrike">
+      <a:defRPr sz="1400" b="0" i="0" u="none" strike="noStrike" cap="none">
         <a:solidFill>
           <a:srgbClr val="000000"/>
         </a:solidFill>
@@ -153,7 +156,7 @@
         <a:sym typeface="Arial"/>
       </a:defRPr>
     </a:lvl4pPr>
-    <a:lvl5pPr lvl="4" marR="0" rtl="0" algn="l">
+    <a:lvl5pPr marR="0" lvl="4" algn="l" rtl="0">
       <a:lnSpc>
         <a:spcPct val="100000"/>
       </a:lnSpc>
@@ -167,7 +170,7 @@
         <a:srgbClr val="000000"/>
       </a:buClr>
       <a:buFont typeface="Arial"/>
-      <a:defRPr b="0" i="0" sz="1400" u="none" cap="none" strike="noStrike">
+      <a:defRPr sz="1400" b="0" i="0" u="none" strike="noStrike" cap="none">
         <a:solidFill>
           <a:srgbClr val="000000"/>
         </a:solidFill>
@@ -177,7 +180,7 @@
         <a:sym typeface="Arial"/>
       </a:defRPr>
     </a:lvl5pPr>
-    <a:lvl6pPr lvl="5" marR="0" rtl="0" algn="l">
+    <a:lvl6pPr marR="0" lvl="5" algn="l" rtl="0">
       <a:lnSpc>
         <a:spcPct val="100000"/>
       </a:lnSpc>
@@ -191,7 +194,7 @@
         <a:srgbClr val="000000"/>
       </a:buClr>
       <a:buFont typeface="Arial"/>
-      <a:defRPr b="0" i="0" sz="1400" u="none" cap="none" strike="noStrike">
+      <a:defRPr sz="1400" b="0" i="0" u="none" strike="noStrike" cap="none">
         <a:solidFill>
           <a:srgbClr val="000000"/>
         </a:solidFill>
@@ -201,7 +204,7 @@
         <a:sym typeface="Arial"/>
       </a:defRPr>
     </a:lvl6pPr>
-    <a:lvl7pPr lvl="6" marR="0" rtl="0" algn="l">
+    <a:lvl7pPr marR="0" lvl="6" algn="l" rtl="0">
       <a:lnSpc>
         <a:spcPct val="100000"/>
       </a:lnSpc>
@@ -215,7 +218,7 @@
         <a:srgbClr val="000000"/>
       </a:buClr>
       <a:buFont typeface="Arial"/>
-      <a:defRPr b="0" i="0" sz="1400" u="none" cap="none" strike="noStrike">
+      <a:defRPr sz="1400" b="0" i="0" u="none" strike="noStrike" cap="none">
         <a:solidFill>
           <a:srgbClr val="000000"/>
         </a:solidFill>
@@ -225,7 +228,7 @@
         <a:sym typeface="Arial"/>
       </a:defRPr>
     </a:lvl7pPr>
-    <a:lvl8pPr lvl="7" marR="0" rtl="0" algn="l">
+    <a:lvl8pPr marR="0" lvl="7" algn="l" rtl="0">
       <a:lnSpc>
         <a:spcPct val="100000"/>
       </a:lnSpc>
@@ -239,7 +242,7 @@
         <a:srgbClr val="000000"/>
       </a:buClr>
       <a:buFont typeface="Arial"/>
-      <a:defRPr b="0" i="0" sz="1400" u="none" cap="none" strike="noStrike">
+      <a:defRPr sz="1400" b="0" i="0" u="none" strike="noStrike" cap="none">
         <a:solidFill>
           <a:srgbClr val="000000"/>
         </a:solidFill>
@@ -249,7 +252,7 @@
         <a:sym typeface="Arial"/>
       </a:defRPr>
     </a:lvl8pPr>
-    <a:lvl9pPr lvl="8" marR="0" rtl="0" algn="l">
+    <a:lvl9pPr marR="0" lvl="8" algn="l" rtl="0">
       <a:lnSpc>
         <a:spcPct val="100000"/>
       </a:lnSpc>
@@ -263,7 +266,7 @@
         <a:srgbClr val="000000"/>
       </a:buClr>
       <a:buFont typeface="Arial"/>
-      <a:defRPr b="0" i="0" sz="1400" u="none" cap="none" strike="noStrike">
+      <a:defRPr sz="1400" b="0" i="0" u="none" strike="noStrike" cap="none">
         <a:solidFill>
           <a:srgbClr val="000000"/>
         </a:solidFill>
@@ -276,7 +279,7 @@
   </p:defaultTextStyle>
   <p:extLst>
     <p:ext uri="{EFAFB233-063F-42B5-8137-9DF3F51BA10A}">
-      <p15:sldGuideLst>
+      <p15:sldGuideLst xmlns:p15="http://schemas.microsoft.com/office/powerpoint/2012/main">
         <p15:guide id="1" orient="horz" pos="1620">
           <p15:clr>
             <a:srgbClr val="747775"/>
@@ -293,12 +296,149 @@
 </p:presentation>
 </file>
 
+<file path=ppt/authors.xml><?xml version="1.0" encoding="utf-8"?>
+<p188:authorLst xmlns:a="http://schemas.openxmlformats.org/drawingml/2006/main" xmlns:r="http://schemas.openxmlformats.org/officeDocument/2006/relationships" xmlns:p188="http://schemas.microsoft.com/office/powerpoint/2018/8/main">
+  <p188:author id="{418CBC17-CB30-6D4D-5D9C-FA2B76B5D5AF}" name="Asher Shaw" initials="AS" userId="6a95951e930bc186" providerId="Windows Live"/>
+</p188:authorLst>
+</file>
+
+<file path=ppt/comments/modernComment_108_0.xml><?xml version="1.0" encoding="utf-8"?>
+<p188:cmLst xmlns:a="http://schemas.openxmlformats.org/drawingml/2006/main" xmlns:r="http://schemas.openxmlformats.org/officeDocument/2006/relationships" xmlns:p188="http://schemas.microsoft.com/office/powerpoint/2018/8/main">
+  <p188:cm id="{A453E093-18B7-4A0E-8B4C-8D3EC72286D3}" authorId="{418CBC17-CB30-6D4D-5D9C-FA2B76B5D5AF}" created="2024-02-26T23:44:54.487">
+    <pc:sldMkLst xmlns:pc="http://schemas.microsoft.com/office/powerpoint/2013/main/command">
+      <pc:docMk/>
+      <pc:sldMk cId="0" sldId="264"/>
+    </pc:sldMkLst>
+    <p188:txBody>
+      <a:bodyPr/>
+      <a:lstStyle/>
+      <a:p>
+        <a:r>
+          <a:rPr lang="en-US"/>
+          <a:t>Take a new screenshot with the binned times</a:t>
+        </a:r>
+      </a:p>
+    </p188:txBody>
+  </p188:cm>
+</p188:cmLst>
+</file>
+
+<file path=ppt/comments/modernComment_10A_0.xml><?xml version="1.0" encoding="utf-8"?>
+<p188:cmLst xmlns:a="http://schemas.openxmlformats.org/drawingml/2006/main" xmlns:r="http://schemas.openxmlformats.org/officeDocument/2006/relationships" xmlns:p188="http://schemas.microsoft.com/office/powerpoint/2018/8/main">
+  <p188:cm id="{5304317F-1A04-404F-8BAB-B501505E01A6}" authorId="{418CBC17-CB30-6D4D-5D9C-FA2B76B5D5AF}" created="2024-02-26T23:51:39.220">
+    <pc:sldMkLst xmlns:pc="http://schemas.microsoft.com/office/powerpoint/2013/main/command">
+      <pc:docMk/>
+      <pc:sldMk cId="0" sldId="266"/>
+    </pc:sldMkLst>
+    <p188:txBody>
+      <a:bodyPr/>
+      <a:lstStyle/>
+      <a:p>
+        <a:r>
+          <a:rPr lang="en-US"/>
+          <a:t>Take a new screenshot due to the names of the pandas dataframes</a:t>
+        </a:r>
+      </a:p>
+    </p188:txBody>
+  </p188:cm>
+</p188:cmLst>
+</file>
+
+<file path=ppt/comments/modernComment_10B_0.xml><?xml version="1.0" encoding="utf-8"?>
+<p188:cmLst xmlns:a="http://schemas.openxmlformats.org/drawingml/2006/main" xmlns:r="http://schemas.openxmlformats.org/officeDocument/2006/relationships" xmlns:p188="http://schemas.microsoft.com/office/powerpoint/2018/8/main">
+  <p188:cm id="{FB888FF3-186B-4153-8A7E-9597798FBB69}" authorId="{418CBC17-CB30-6D4D-5D9C-FA2B76B5D5AF}" created="2024-02-26T23:53:26.065">
+    <pc:sldMkLst xmlns:pc="http://schemas.microsoft.com/office/powerpoint/2013/main/command">
+      <pc:docMk/>
+      <pc:sldMk cId="0" sldId="267"/>
+    </pc:sldMkLst>
+    <p188:txBody>
+      <a:bodyPr/>
+      <a:lstStyle/>
+      <a:p>
+        <a:r>
+          <a:rPr lang="en-US"/>
+          <a:t>New screenshot</a:t>
+        </a:r>
+      </a:p>
+    </p188:txBody>
+  </p188:cm>
+</p188:cmLst>
+</file>
+
+<file path=ppt/comments/modernComment_112_58A46474.xml><?xml version="1.0" encoding="utf-8"?>
+<p188:cmLst xmlns:a="http://schemas.openxmlformats.org/drawingml/2006/main" xmlns:r="http://schemas.openxmlformats.org/officeDocument/2006/relationships" xmlns:p188="http://schemas.microsoft.com/office/powerpoint/2018/8/main">
+  <p188:cm id="{442E2378-FDB2-4C5B-B733-B8425BF8F4B5}" authorId="{418CBC17-CB30-6D4D-5D9C-FA2B76B5D5AF}" created="2024-02-26T23:49:09.830">
+    <pc:sldMkLst xmlns:pc="http://schemas.microsoft.com/office/powerpoint/2013/main/command">
+      <pc:docMk/>
+      <pc:sldMk cId="1487168628" sldId="274"/>
+    </pc:sldMkLst>
+    <p188:txBody>
+      <a:bodyPr/>
+      <a:lstStyle/>
+      <a:p>
+        <a:r>
+          <a:rPr lang="en-US"/>
+          <a:t>Take a new screenshot with the cleaned imported data from SQLite</a:t>
+        </a:r>
+      </a:p>
+    </p188:txBody>
+  </p188:cm>
+</p188:cmLst>
+</file>
+
+<file path=ppt/comments/modernComment_114_992B8534.xml><?xml version="1.0" encoding="utf-8"?>
+<p188:cmLst xmlns:a="http://schemas.openxmlformats.org/drawingml/2006/main" xmlns:r="http://schemas.openxmlformats.org/officeDocument/2006/relationships" xmlns:p188="http://schemas.microsoft.com/office/powerpoint/2018/8/main">
+  <p188:cm id="{54100386-C803-4FB7-97FF-F10D6E412E4D}" authorId="{418CBC17-CB30-6D4D-5D9C-FA2B76B5D5AF}" created="2024-02-27T00:05:00.552">
+    <pc:sldMkLst xmlns:pc="http://schemas.microsoft.com/office/powerpoint/2013/main/command">
+      <pc:docMk/>
+      <pc:sldMk cId="2569766196" sldId="276"/>
+    </pc:sldMkLst>
+    <p188:txBody>
+      <a:bodyPr/>
+      <a:lstStyle/>
+      <a:p>
+        <a:r>
+          <a:rPr lang="en-US"/>
+          <a:t>New screenshot</a:t>
+        </a:r>
+      </a:p>
+    </p188:txBody>
+  </p188:cm>
+</p188:cmLst>
+</file>
+
+<file path=ppt/comments/modernComment_115_1220404C.xml><?xml version="1.0" encoding="utf-8"?>
+<p188:cmLst xmlns:a="http://schemas.openxmlformats.org/drawingml/2006/main" xmlns:r="http://schemas.openxmlformats.org/officeDocument/2006/relationships" xmlns:p188="http://schemas.microsoft.com/office/powerpoint/2018/8/main">
+  <p188:cm id="{3579DE6B-9DE2-41C5-B465-43D9958CE0AB}" authorId="{418CBC17-CB30-6D4D-5D9C-FA2B76B5D5AF}" created="2024-02-27T00:05:13.760">
+    <pc:sldMkLst xmlns:pc="http://schemas.microsoft.com/office/powerpoint/2013/main/command">
+      <pc:docMk/>
+      <pc:sldMk cId="304103500" sldId="277"/>
+    </pc:sldMkLst>
+    <p188:txBody>
+      <a:bodyPr/>
+      <a:lstStyle/>
+      <a:p>
+        <a:r>
+          <a:rPr lang="en-US"/>
+          <a:t>New screenshot</a:t>
+        </a:r>
+      </a:p>
+    </p188:txBody>
+  </p188:cm>
+</p188:cmLst>
+</file>
+
 <file path=ppt/notesMasters/notesMaster1.xml><?xml version="1.0" encoding="utf-8"?>
-<p:notesMaster xmlns:a="http://schemas.openxmlformats.org/drawingml/2006/main" xmlns:r="http://schemas.openxmlformats.org/officeDocument/2006/relationships" xmlns:mc="http://schemas.openxmlformats.org/markup-compatibility/2006" xmlns:mv="urn:schemas-microsoft-com:mac:vml" xmlns:p="http://schemas.openxmlformats.org/presentationml/2006/main" xmlns:c="http://schemas.openxmlformats.org/drawingml/2006/chart" xmlns:dgm="http://schemas.openxmlformats.org/drawingml/2006/diagram" xmlns:o="urn:schemas-microsoft-com:office:office" xmlns:v="urn:schemas-microsoft-com:vml" xmlns:pvml="urn:schemas-microsoft-com:office:powerpoint" xmlns:com="http://schemas.openxmlformats.org/drawingml/2006/compatibility" xmlns:p14="http://schemas.microsoft.com/office/powerpoint/2010/main" xmlns:p15="http://schemas.microsoft.com/office/powerpoint/2012/main" xmlns:ahyp="http://schemas.microsoft.com/office/drawing/2018/hyperlinkcolor">
+<p:notesMaster xmlns:a="http://schemas.openxmlformats.org/drawingml/2006/main" xmlns:r="http://schemas.openxmlformats.org/officeDocument/2006/relationships" xmlns:p="http://schemas.openxmlformats.org/presentationml/2006/main">
   <p:cSld>
+    <p:bg>
+      <p:bgRef idx="1001">
+        <a:schemeClr val="bg1"/>
+      </p:bgRef>
+    </p:bg>
     <p:spTree>
       <p:nvGrpSpPr>
-        <p:cNvPr id="2" name="Shape 2"/>
+        <p:cNvPr id="1" name="Shape 2"/>
         <p:cNvGrpSpPr/>
         <p:nvPr/>
       </p:nvGrpSpPr>
@@ -313,9 +453,11 @@
       <p:sp>
         <p:nvSpPr>
           <p:cNvPr id="3" name="Google Shape;3;n"/>
-          <p:cNvSpPr/>
+          <p:cNvSpPr>
+            <a:spLocks noGrp="1" noRot="1" noChangeAspect="1"/>
+          </p:cNvSpPr>
           <p:nvPr>
-            <p:ph idx="2" type="sldImg"/>
+            <p:ph type="sldImg" idx="2"/>
           </p:nvPr>
         </p:nvSpPr>
         <p:spPr>
@@ -324,9 +466,13 @@
             <a:ext cx="6096075" cy="3429000"/>
           </a:xfrm>
           <a:custGeom>
-            <a:rect b="b" l="l" r="r" t="t"/>
+            <a:avLst/>
+            <a:gdLst/>
+            <a:ahLst/>
+            <a:cxnLst/>
+            <a:rect l="l" t="t" r="r" b="b"/>
             <a:pathLst>
-              <a:path extrusionOk="0" h="120000" w="120000">
+              <a:path w="120000" h="120000" extrusionOk="0">
                 <a:moveTo>
                   <a:pt x="0" y="0"/>
                 </a:moveTo>
@@ -344,23 +490,25 @@
             </a:pathLst>
           </a:custGeom>
           <a:noFill/>
-          <a:ln cap="flat" cmpd="sng" w="9525">
+          <a:ln w="9525" cap="flat" cmpd="sng">
             <a:solidFill>
               <a:srgbClr val="000000"/>
             </a:solidFill>
             <a:prstDash val="solid"/>
             <a:round/>
-            <a:headEnd len="sm" w="sm" type="none"/>
-            <a:tailEnd len="sm" w="sm" type="none"/>
+            <a:headEnd type="none" w="sm" len="sm"/>
+            <a:tailEnd type="none" w="sm" len="sm"/>
           </a:ln>
         </p:spPr>
       </p:sp>
       <p:sp>
         <p:nvSpPr>
           <p:cNvPr id="4" name="Google Shape;4;n"/>
-          <p:cNvSpPr txBox="1"/>
+          <p:cNvSpPr txBox="1">
+            <a:spLocks noGrp="1"/>
+          </p:cNvSpPr>
           <p:nvPr>
-            <p:ph idx="1" type="body"/>
+            <p:ph type="body" idx="1"/>
           </p:nvPr>
         </p:nvSpPr>
         <p:spPr>
@@ -377,11 +525,11 @@
           </a:ln>
         </p:spPr>
         <p:txBody>
-          <a:bodyPr anchorCtr="0" anchor="t" bIns="91425" lIns="91425" spcFirstLastPara="1" rIns="91425" wrap="square" tIns="91425">
+          <a:bodyPr spcFirstLastPara="1" wrap="square" lIns="91425" tIns="91425" rIns="91425" bIns="91425" anchor="t" anchorCtr="0">
             <a:noAutofit/>
           </a:bodyPr>
           <a:lstStyle>
-            <a:lvl1pPr indent="-298450" lvl="0" marL="457200">
+            <a:lvl1pPr marL="457200" lvl="0" indent="-298450">
               <a:spcBef>
                 <a:spcPts val="0"/>
               </a:spcBef>
@@ -392,7 +540,7 @@
               <a:buChar char="●"/>
               <a:defRPr sz="1100"/>
             </a:lvl1pPr>
-            <a:lvl2pPr indent="-298450" lvl="1" marL="914400">
+            <a:lvl2pPr marL="914400" lvl="1" indent="-298450">
               <a:spcBef>
                 <a:spcPts val="0"/>
               </a:spcBef>
@@ -403,7 +551,7 @@
               <a:buChar char="○"/>
               <a:defRPr sz="1100"/>
             </a:lvl2pPr>
-            <a:lvl3pPr indent="-298450" lvl="2" marL="1371600">
+            <a:lvl3pPr marL="1371600" lvl="2" indent="-298450">
               <a:spcBef>
                 <a:spcPts val="0"/>
               </a:spcBef>
@@ -414,7 +562,7 @@
               <a:buChar char="■"/>
               <a:defRPr sz="1100"/>
             </a:lvl3pPr>
-            <a:lvl4pPr indent="-298450" lvl="3" marL="1828800">
+            <a:lvl4pPr marL="1828800" lvl="3" indent="-298450">
               <a:spcBef>
                 <a:spcPts val="0"/>
               </a:spcBef>
@@ -425,7 +573,7 @@
               <a:buChar char="●"/>
               <a:defRPr sz="1100"/>
             </a:lvl4pPr>
-            <a:lvl5pPr indent="-298450" lvl="4" marL="2286000">
+            <a:lvl5pPr marL="2286000" lvl="4" indent="-298450">
               <a:spcBef>
                 <a:spcPts val="0"/>
               </a:spcBef>
@@ -436,7 +584,7 @@
               <a:buChar char="○"/>
               <a:defRPr sz="1100"/>
             </a:lvl5pPr>
-            <a:lvl6pPr indent="-298450" lvl="5" marL="2743200">
+            <a:lvl6pPr marL="2743200" lvl="5" indent="-298450">
               <a:spcBef>
                 <a:spcPts val="0"/>
               </a:spcBef>
@@ -447,7 +595,7 @@
               <a:buChar char="■"/>
               <a:defRPr sz="1100"/>
             </a:lvl6pPr>
-            <a:lvl7pPr indent="-298450" lvl="6" marL="3200400">
+            <a:lvl7pPr marL="3200400" lvl="6" indent="-298450">
               <a:spcBef>
                 <a:spcPts val="0"/>
               </a:spcBef>
@@ -458,7 +606,7 @@
               <a:buChar char="●"/>
               <a:defRPr sz="1100"/>
             </a:lvl7pPr>
-            <a:lvl8pPr indent="-298450" lvl="7" marL="3657600">
+            <a:lvl8pPr marL="3657600" lvl="7" indent="-298450">
               <a:spcBef>
                 <a:spcPts val="0"/>
               </a:spcBef>
@@ -469,7 +617,7 @@
               <a:buChar char="○"/>
               <a:defRPr sz="1100"/>
             </a:lvl8pPr>
-            <a:lvl9pPr indent="-298450" lvl="8" marL="4114800">
+            <a:lvl9pPr marL="4114800" lvl="8" indent="-298450">
               <a:spcBef>
                 <a:spcPts val="0"/>
               </a:spcBef>
@@ -481,14 +629,16 @@
               <a:defRPr sz="1100"/>
             </a:lvl9pPr>
           </a:lstStyle>
-          <a:p/>
+          <a:p>
+            <a:endParaRPr/>
+          </a:p>
         </p:txBody>
       </p:sp>
     </p:spTree>
   </p:cSld>
-  <p:clrMap accent1="accent1" accent2="accent2" accent3="accent3" accent4="accent4" accent5="accent5" accent6="accent6" bg1="lt1" bg2="dk2" tx1="dk1" tx2="lt2" folHlink="folHlink" hlink="hlink"/>
+  <p:clrMap bg1="lt1" tx1="dk1" bg2="dk2" tx2="lt2" accent1="accent1" accent2="accent2" accent3="accent3" accent4="accent4" accent5="accent5" accent6="accent6" hlink="hlink" folHlink="folHlink"/>
   <p:notesStyle>
-    <a:defPPr lvl="0" marR="0" rtl="0" algn="l">
+    <a:defPPr marR="0" lvl="0" algn="l" rtl="0">
       <a:lnSpc>
         <a:spcPct val="100000"/>
       </a:lnSpc>
@@ -499,7 +649,7 @@
         <a:spcPts val="0"/>
       </a:spcAft>
     </a:defPPr>
-    <a:lvl1pPr lvl="0" marR="0" rtl="0" algn="l">
+    <a:lvl1pPr marR="0" lvl="0" algn="l" rtl="0">
       <a:lnSpc>
         <a:spcPct val="100000"/>
       </a:lnSpc>
@@ -513,7 +663,7 @@
         <a:srgbClr val="000000"/>
       </a:buClr>
       <a:buFont typeface="Arial"/>
-      <a:defRPr b="0" i="0" sz="1400" u="none" cap="none" strike="noStrike">
+      <a:defRPr sz="1400" b="0" i="0" u="none" strike="noStrike" cap="none">
         <a:solidFill>
           <a:srgbClr val="000000"/>
         </a:solidFill>
@@ -523,7 +673,7 @@
         <a:sym typeface="Arial"/>
       </a:defRPr>
     </a:lvl1pPr>
-    <a:lvl2pPr lvl="1" marR="0" rtl="0" algn="l">
+    <a:lvl2pPr marR="0" lvl="1" algn="l" rtl="0">
       <a:lnSpc>
         <a:spcPct val="100000"/>
       </a:lnSpc>
@@ -537,7 +687,7 @@
         <a:srgbClr val="000000"/>
       </a:buClr>
       <a:buFont typeface="Arial"/>
-      <a:defRPr b="0" i="0" sz="1400" u="none" cap="none" strike="noStrike">
+      <a:defRPr sz="1400" b="0" i="0" u="none" strike="noStrike" cap="none">
         <a:solidFill>
           <a:srgbClr val="000000"/>
         </a:solidFill>
@@ -547,7 +697,7 @@
         <a:sym typeface="Arial"/>
       </a:defRPr>
     </a:lvl2pPr>
-    <a:lvl3pPr lvl="2" marR="0" rtl="0" algn="l">
+    <a:lvl3pPr marR="0" lvl="2" algn="l" rtl="0">
       <a:lnSpc>
         <a:spcPct val="100000"/>
       </a:lnSpc>
@@ -561,7 +711,7 @@
         <a:srgbClr val="000000"/>
       </a:buClr>
       <a:buFont typeface="Arial"/>
-      <a:defRPr b="0" i="0" sz="1400" u="none" cap="none" strike="noStrike">
+      <a:defRPr sz="1400" b="0" i="0" u="none" strike="noStrike" cap="none">
         <a:solidFill>
           <a:srgbClr val="000000"/>
         </a:solidFill>
@@ -571,7 +721,7 @@
         <a:sym typeface="Arial"/>
       </a:defRPr>
     </a:lvl3pPr>
-    <a:lvl4pPr lvl="3" marR="0" rtl="0" algn="l">
+    <a:lvl4pPr marR="0" lvl="3" algn="l" rtl="0">
       <a:lnSpc>
         <a:spcPct val="100000"/>
       </a:lnSpc>
@@ -585,7 +735,7 @@
         <a:srgbClr val="000000"/>
       </a:buClr>
       <a:buFont typeface="Arial"/>
-      <a:defRPr b="0" i="0" sz="1400" u="none" cap="none" strike="noStrike">
+      <a:defRPr sz="1400" b="0" i="0" u="none" strike="noStrike" cap="none">
         <a:solidFill>
           <a:srgbClr val="000000"/>
         </a:solidFill>
@@ -595,7 +745,7 @@
         <a:sym typeface="Arial"/>
       </a:defRPr>
     </a:lvl4pPr>
-    <a:lvl5pPr lvl="4" marR="0" rtl="0" algn="l">
+    <a:lvl5pPr marR="0" lvl="4" algn="l" rtl="0">
       <a:lnSpc>
         <a:spcPct val="100000"/>
       </a:lnSpc>
@@ -609,7 +759,7 @@
         <a:srgbClr val="000000"/>
       </a:buClr>
       <a:buFont typeface="Arial"/>
-      <a:defRPr b="0" i="0" sz="1400" u="none" cap="none" strike="noStrike">
+      <a:defRPr sz="1400" b="0" i="0" u="none" strike="noStrike" cap="none">
         <a:solidFill>
           <a:srgbClr val="000000"/>
         </a:solidFill>
@@ -619,7 +769,7 @@
         <a:sym typeface="Arial"/>
       </a:defRPr>
     </a:lvl5pPr>
-    <a:lvl6pPr lvl="5" marR="0" rtl="0" algn="l">
+    <a:lvl6pPr marR="0" lvl="5" algn="l" rtl="0">
       <a:lnSpc>
         <a:spcPct val="100000"/>
       </a:lnSpc>
@@ -633,7 +783,7 @@
         <a:srgbClr val="000000"/>
       </a:buClr>
       <a:buFont typeface="Arial"/>
-      <a:defRPr b="0" i="0" sz="1400" u="none" cap="none" strike="noStrike">
+      <a:defRPr sz="1400" b="0" i="0" u="none" strike="noStrike" cap="none">
         <a:solidFill>
           <a:srgbClr val="000000"/>
         </a:solidFill>
@@ -643,7 +793,7 @@
         <a:sym typeface="Arial"/>
       </a:defRPr>
     </a:lvl6pPr>
-    <a:lvl7pPr lvl="6" marR="0" rtl="0" algn="l">
+    <a:lvl7pPr marR="0" lvl="6" algn="l" rtl="0">
       <a:lnSpc>
         <a:spcPct val="100000"/>
       </a:lnSpc>
@@ -657,7 +807,7 @@
         <a:srgbClr val="000000"/>
       </a:buClr>
       <a:buFont typeface="Arial"/>
-      <a:defRPr b="0" i="0" sz="1400" u="none" cap="none" strike="noStrike">
+      <a:defRPr sz="1400" b="0" i="0" u="none" strike="noStrike" cap="none">
         <a:solidFill>
           <a:srgbClr val="000000"/>
         </a:solidFill>
@@ -667,7 +817,7 @@
         <a:sym typeface="Arial"/>
       </a:defRPr>
     </a:lvl7pPr>
-    <a:lvl8pPr lvl="7" marR="0" rtl="0" algn="l">
+    <a:lvl8pPr marR="0" lvl="7" algn="l" rtl="0">
       <a:lnSpc>
         <a:spcPct val="100000"/>
       </a:lnSpc>
@@ -681,7 +831,7 @@
         <a:srgbClr val="000000"/>
       </a:buClr>
       <a:buFont typeface="Arial"/>
-      <a:defRPr b="0" i="0" sz="1400" u="none" cap="none" strike="noStrike">
+      <a:defRPr sz="1400" b="0" i="0" u="none" strike="noStrike" cap="none">
         <a:solidFill>
           <a:srgbClr val="000000"/>
         </a:solidFill>
@@ -691,7 +841,7 @@
         <a:sym typeface="Arial"/>
       </a:defRPr>
     </a:lvl8pPr>
-    <a:lvl9pPr lvl="8" marR="0" rtl="0" algn="l">
+    <a:lvl9pPr marR="0" lvl="8" algn="l" rtl="0">
       <a:lnSpc>
         <a:spcPct val="100000"/>
       </a:lnSpc>
@@ -705,7 +855,7 @@
         <a:srgbClr val="000000"/>
       </a:buClr>
       <a:buFont typeface="Arial"/>
-      <a:defRPr b="0" i="0" sz="1400" u="none" cap="none" strike="noStrike">
+      <a:defRPr sz="1400" b="0" i="0" u="none" strike="noStrike" cap="none">
         <a:solidFill>
           <a:srgbClr val="000000"/>
         </a:solidFill>
@@ -720,11 +870,11 @@
 </file>
 
 <file path=ppt/notesSlides/notesSlide1.xml><?xml version="1.0" encoding="utf-8"?>
-<p:notes xmlns:a="http://schemas.openxmlformats.org/drawingml/2006/main" xmlns:r="http://schemas.openxmlformats.org/officeDocument/2006/relationships" xmlns:mc="http://schemas.openxmlformats.org/markup-compatibility/2006" xmlns:mv="urn:schemas-microsoft-com:mac:vml" xmlns:p="http://schemas.openxmlformats.org/presentationml/2006/main" xmlns:c="http://schemas.openxmlformats.org/drawingml/2006/chart" xmlns:dgm="http://schemas.openxmlformats.org/drawingml/2006/diagram" xmlns:o="urn:schemas-microsoft-com:office:office" xmlns:v="urn:schemas-microsoft-com:vml" xmlns:pvml="urn:schemas-microsoft-com:office:powerpoint" xmlns:com="http://schemas.openxmlformats.org/drawingml/2006/compatibility" xmlns:p14="http://schemas.microsoft.com/office/powerpoint/2010/main" xmlns:p15="http://schemas.microsoft.com/office/powerpoint/2012/main" xmlns:ahyp="http://schemas.microsoft.com/office/drawing/2018/hyperlinkcolor" showMasterPhAnim="0" showMasterSp="0">
+<p:notes xmlns:a="http://schemas.openxmlformats.org/drawingml/2006/main" xmlns:r="http://schemas.openxmlformats.org/officeDocument/2006/relationships" xmlns:p="http://schemas.openxmlformats.org/presentationml/2006/main" showMasterSp="0" showMasterPhAnim="0">
   <p:cSld>
     <p:spTree>
       <p:nvGrpSpPr>
-        <p:cNvPr id="58" name="Shape 58"/>
+        <p:cNvPr id="1" name="Shape 58"/>
         <p:cNvGrpSpPr/>
         <p:nvPr/>
       </p:nvGrpSpPr>
@@ -739,9 +889,11 @@
       <p:sp>
         <p:nvSpPr>
           <p:cNvPr id="59" name="Google Shape;59;p:notes"/>
-          <p:cNvSpPr/>
+          <p:cNvSpPr>
+            <a:spLocks noGrp="1" noRot="1" noChangeAspect="1"/>
+          </p:cNvSpPr>
           <p:nvPr>
-            <p:ph idx="2" type="sldImg"/>
+            <p:ph type="sldImg" idx="2"/>
           </p:nvPr>
         </p:nvSpPr>
         <p:spPr>
@@ -750,9 +902,13 @@
             <a:ext cx="6096075" cy="3429000"/>
           </a:xfrm>
           <a:custGeom>
-            <a:rect b="b" l="l" r="r" t="t"/>
+            <a:avLst/>
+            <a:gdLst/>
+            <a:ahLst/>
+            <a:cxnLst/>
+            <a:rect l="l" t="t" r="r" b="b"/>
             <a:pathLst>
-              <a:path extrusionOk="0" h="120000" w="120000">
+              <a:path w="120000" h="120000" extrusionOk="0">
                 <a:moveTo>
                   <a:pt x="0" y="0"/>
                 </a:moveTo>
@@ -774,9 +930,11 @@
       <p:sp>
         <p:nvSpPr>
           <p:cNvPr id="60" name="Google Shape;60;p:notes"/>
-          <p:cNvSpPr txBox="1"/>
+          <p:cNvSpPr txBox="1">
+            <a:spLocks noGrp="1"/>
+          </p:cNvSpPr>
           <p:nvPr>
-            <p:ph idx="1" type="body"/>
+            <p:ph type="body" idx="1"/>
           </p:nvPr>
         </p:nvSpPr>
         <p:spPr>
@@ -789,12 +947,12 @@
           </a:prstGeom>
         </p:spPr>
         <p:txBody>
-          <a:bodyPr anchorCtr="0" anchor="t" bIns="91425" lIns="91425" spcFirstLastPara="1" rIns="91425" wrap="square" tIns="91425">
+          <a:bodyPr spcFirstLastPara="1" wrap="square" lIns="91425" tIns="91425" rIns="91425" bIns="91425" anchor="t" anchorCtr="0">
             <a:noAutofit/>
           </a:bodyPr>
           <a:lstStyle/>
           <a:p>
-            <a:pPr indent="0" lvl="0" marL="0" rtl="0" algn="l">
+            <a:pPr marL="0" lvl="0" indent="0" algn="l" rtl="0">
               <a:spcBef>
                 <a:spcPts val="0"/>
               </a:spcBef>
@@ -803,9 +961,6 @@
               </a:spcAft>
               <a:buNone/>
             </a:pPr>
-            <a:r>
-              <a:t/>
-            </a:r>
             <a:endParaRPr/>
           </a:p>
         </p:txBody>
@@ -819,11 +974,11 @@
 </file>
 
 <file path=ppt/notesSlides/notesSlide10.xml><?xml version="1.0" encoding="utf-8"?>
-<p:notes xmlns:a="http://schemas.openxmlformats.org/drawingml/2006/main" xmlns:r="http://schemas.openxmlformats.org/officeDocument/2006/relationships" xmlns:mc="http://schemas.openxmlformats.org/markup-compatibility/2006" xmlns:mv="urn:schemas-microsoft-com:mac:vml" xmlns:p="http://schemas.openxmlformats.org/presentationml/2006/main" xmlns:c="http://schemas.openxmlformats.org/drawingml/2006/chart" xmlns:dgm="http://schemas.openxmlformats.org/drawingml/2006/diagram" xmlns:o="urn:schemas-microsoft-com:office:office" xmlns:v="urn:schemas-microsoft-com:vml" xmlns:pvml="urn:schemas-microsoft-com:office:powerpoint" xmlns:com="http://schemas.openxmlformats.org/drawingml/2006/compatibility" xmlns:p14="http://schemas.microsoft.com/office/powerpoint/2010/main" xmlns:p15="http://schemas.microsoft.com/office/powerpoint/2012/main" xmlns:ahyp="http://schemas.microsoft.com/office/drawing/2018/hyperlinkcolor" showMasterPhAnim="0" showMasterSp="0">
+<p:notes xmlns:a="http://schemas.openxmlformats.org/drawingml/2006/main" xmlns:r="http://schemas.openxmlformats.org/officeDocument/2006/relationships" xmlns:p="http://schemas.openxmlformats.org/presentationml/2006/main" showMasterSp="0" showMasterPhAnim="0">
   <p:cSld>
     <p:spTree>
       <p:nvGrpSpPr>
-        <p:cNvPr id="122" name="Shape 122"/>
+        <p:cNvPr id="1" name="Shape 115"/>
         <p:cNvGrpSpPr/>
         <p:nvPr/>
       </p:nvGrpSpPr>
@@ -837,21 +992,27 @@
       </p:grpSpPr>
       <p:sp>
         <p:nvSpPr>
-          <p:cNvPr id="123" name="Google Shape;123;g2a02246be5e_0_35:notes"/>
-          <p:cNvSpPr/>
+          <p:cNvPr id="116" name="Google Shape;116;g29f943ba83d_0_20:notes"/>
+          <p:cNvSpPr>
+            <a:spLocks noGrp="1" noRot="1" noChangeAspect="1"/>
+          </p:cNvSpPr>
           <p:nvPr>
-            <p:ph idx="2" type="sldImg"/>
+            <p:ph type="sldImg" idx="2"/>
           </p:nvPr>
         </p:nvSpPr>
         <p:spPr>
           <a:xfrm>
-            <a:off x="381300" y="685800"/>
+            <a:off x="381000" y="685800"/>
             <a:ext cx="6096000" cy="3429000"/>
           </a:xfrm>
           <a:custGeom>
-            <a:rect b="b" l="l" r="r" t="t"/>
+            <a:avLst/>
+            <a:gdLst/>
+            <a:ahLst/>
+            <a:cxnLst/>
+            <a:rect l="l" t="t" r="r" b="b"/>
             <a:pathLst>
-              <a:path extrusionOk="0" h="120000" w="120000">
+              <a:path w="120000" h="120000" extrusionOk="0">
                 <a:moveTo>
                   <a:pt x="0" y="0"/>
                 </a:moveTo>
@@ -872,10 +1033,12 @@
       </p:sp>
       <p:sp>
         <p:nvSpPr>
-          <p:cNvPr id="124" name="Google Shape;124;g2a02246be5e_0_35:notes"/>
-          <p:cNvSpPr txBox="1"/>
+          <p:cNvPr id="117" name="Google Shape;117;g29f943ba83d_0_20:notes"/>
+          <p:cNvSpPr txBox="1">
+            <a:spLocks noGrp="1"/>
+          </p:cNvSpPr>
           <p:nvPr>
-            <p:ph idx="1" type="body"/>
+            <p:ph type="body" idx="1"/>
           </p:nvPr>
         </p:nvSpPr>
         <p:spPr>
@@ -888,12 +1051,12 @@
           </a:prstGeom>
         </p:spPr>
         <p:txBody>
-          <a:bodyPr anchorCtr="0" anchor="t" bIns="91425" lIns="91425" spcFirstLastPara="1" rIns="91425" wrap="square" tIns="91425">
+          <a:bodyPr spcFirstLastPara="1" wrap="square" lIns="91425" tIns="91425" rIns="91425" bIns="91425" anchor="t" anchorCtr="0">
             <a:noAutofit/>
           </a:bodyPr>
           <a:lstStyle/>
           <a:p>
-            <a:pPr indent="0" lvl="0" marL="0" rtl="0" algn="l">
+            <a:pPr marL="0" lvl="0" indent="0" algn="l" rtl="0">
               <a:spcBef>
                 <a:spcPts val="0"/>
               </a:spcBef>
@@ -902,9 +1065,6 @@
               </a:spcAft>
               <a:buNone/>
             </a:pPr>
-            <a:r>
-              <a:t/>
-            </a:r>
             <a:endParaRPr/>
           </a:p>
         </p:txBody>
@@ -918,11 +1078,11 @@
 </file>
 
 <file path=ppt/notesSlides/notesSlide11.xml><?xml version="1.0" encoding="utf-8"?>
-<p:notes xmlns:a="http://schemas.openxmlformats.org/drawingml/2006/main" xmlns:r="http://schemas.openxmlformats.org/officeDocument/2006/relationships" xmlns:mc="http://schemas.openxmlformats.org/markup-compatibility/2006" xmlns:mv="urn:schemas-microsoft-com:mac:vml" xmlns:p="http://schemas.openxmlformats.org/presentationml/2006/main" xmlns:c="http://schemas.openxmlformats.org/drawingml/2006/chart" xmlns:dgm="http://schemas.openxmlformats.org/drawingml/2006/diagram" xmlns:o="urn:schemas-microsoft-com:office:office" xmlns:v="urn:schemas-microsoft-com:vml" xmlns:pvml="urn:schemas-microsoft-com:office:powerpoint" xmlns:com="http://schemas.openxmlformats.org/drawingml/2006/compatibility" xmlns:p14="http://schemas.microsoft.com/office/powerpoint/2010/main" xmlns:p15="http://schemas.microsoft.com/office/powerpoint/2012/main" xmlns:ahyp="http://schemas.microsoft.com/office/drawing/2018/hyperlinkcolor" showMasterPhAnim="0" showMasterSp="0">
+<p:notes xmlns:a="http://schemas.openxmlformats.org/drawingml/2006/main" xmlns:r="http://schemas.openxmlformats.org/officeDocument/2006/relationships" xmlns:p="http://schemas.openxmlformats.org/presentationml/2006/main" showMasterSp="0" showMasterPhAnim="0">
   <p:cSld>
     <p:spTree>
       <p:nvGrpSpPr>
-        <p:cNvPr id="129" name="Shape 129"/>
+        <p:cNvPr id="1" name="Shape 122"/>
         <p:cNvGrpSpPr/>
         <p:nvPr/>
       </p:nvGrpSpPr>
@@ -936,21 +1096,27 @@
       </p:grpSpPr>
       <p:sp>
         <p:nvSpPr>
-          <p:cNvPr id="130" name="Google Shape;130;g2a02246be5e_0_48:notes"/>
-          <p:cNvSpPr/>
+          <p:cNvPr id="123" name="Google Shape;123;g2a02246be5e_0_35:notes"/>
+          <p:cNvSpPr>
+            <a:spLocks noGrp="1" noRot="1" noChangeAspect="1"/>
+          </p:cNvSpPr>
           <p:nvPr>
-            <p:ph idx="2" type="sldImg"/>
+            <p:ph type="sldImg" idx="2"/>
           </p:nvPr>
         </p:nvSpPr>
         <p:spPr>
           <a:xfrm>
-            <a:off x="381300" y="685800"/>
+            <a:off x="381000" y="685800"/>
             <a:ext cx="6096000" cy="3429000"/>
           </a:xfrm>
           <a:custGeom>
-            <a:rect b="b" l="l" r="r" t="t"/>
+            <a:avLst/>
+            <a:gdLst/>
+            <a:ahLst/>
+            <a:cxnLst/>
+            <a:rect l="l" t="t" r="r" b="b"/>
             <a:pathLst>
-              <a:path extrusionOk="0" h="120000" w="120000">
+              <a:path w="120000" h="120000" extrusionOk="0">
                 <a:moveTo>
                   <a:pt x="0" y="0"/>
                 </a:moveTo>
@@ -971,10 +1137,12 @@
       </p:sp>
       <p:sp>
         <p:nvSpPr>
-          <p:cNvPr id="131" name="Google Shape;131;g2a02246be5e_0_48:notes"/>
-          <p:cNvSpPr txBox="1"/>
+          <p:cNvPr id="124" name="Google Shape;124;g2a02246be5e_0_35:notes"/>
+          <p:cNvSpPr txBox="1">
+            <a:spLocks noGrp="1"/>
+          </p:cNvSpPr>
           <p:nvPr>
-            <p:ph idx="1" type="body"/>
+            <p:ph type="body" idx="1"/>
           </p:nvPr>
         </p:nvSpPr>
         <p:spPr>
@@ -987,12 +1155,12 @@
           </a:prstGeom>
         </p:spPr>
         <p:txBody>
-          <a:bodyPr anchorCtr="0" anchor="t" bIns="91425" lIns="91425" spcFirstLastPara="1" rIns="91425" wrap="square" tIns="91425">
+          <a:bodyPr spcFirstLastPara="1" wrap="square" lIns="91425" tIns="91425" rIns="91425" bIns="91425" anchor="t" anchorCtr="0">
             <a:noAutofit/>
           </a:bodyPr>
           <a:lstStyle/>
           <a:p>
-            <a:pPr indent="0" lvl="0" marL="0" rtl="0" algn="l">
+            <a:pPr marL="0" lvl="0" indent="0" algn="l" rtl="0">
               <a:spcBef>
                 <a:spcPts val="0"/>
               </a:spcBef>
@@ -1001,9 +1169,6 @@
               </a:spcAft>
               <a:buNone/>
             </a:pPr>
-            <a:r>
-              <a:t/>
-            </a:r>
             <a:endParaRPr/>
           </a:p>
         </p:txBody>
@@ -1017,11 +1182,17 @@
 </file>
 
 <file path=ppt/notesSlides/notesSlide12.xml><?xml version="1.0" encoding="utf-8"?>
-<p:notes xmlns:a="http://schemas.openxmlformats.org/drawingml/2006/main" xmlns:r="http://schemas.openxmlformats.org/officeDocument/2006/relationships" xmlns:mc="http://schemas.openxmlformats.org/markup-compatibility/2006" xmlns:mv="urn:schemas-microsoft-com:mac:vml" xmlns:p="http://schemas.openxmlformats.org/presentationml/2006/main" xmlns:c="http://schemas.openxmlformats.org/drawingml/2006/chart" xmlns:dgm="http://schemas.openxmlformats.org/drawingml/2006/diagram" xmlns:o="urn:schemas-microsoft-com:office:office" xmlns:v="urn:schemas-microsoft-com:vml" xmlns:pvml="urn:schemas-microsoft-com:office:powerpoint" xmlns:com="http://schemas.openxmlformats.org/drawingml/2006/compatibility" xmlns:p14="http://schemas.microsoft.com/office/powerpoint/2010/main" xmlns:p15="http://schemas.microsoft.com/office/powerpoint/2012/main" xmlns:ahyp="http://schemas.microsoft.com/office/drawing/2018/hyperlinkcolor" showMasterPhAnim="0" showMasterSp="0">
+<p:notes xmlns:a="http://schemas.openxmlformats.org/drawingml/2006/main" xmlns:r="http://schemas.openxmlformats.org/officeDocument/2006/relationships" xmlns:p="http://schemas.openxmlformats.org/presentationml/2006/main" showMasterSp="0" showMasterPhAnim="0">
   <p:cSld>
     <p:spTree>
       <p:nvGrpSpPr>
-        <p:cNvPr id="137" name="Shape 137"/>
+        <p:cNvPr id="1" name="Shape 129">
+          <a:extLst>
+            <a:ext uri="{FF2B5EF4-FFF2-40B4-BE49-F238E27FC236}">
+              <a16:creationId xmlns:a16="http://schemas.microsoft.com/office/drawing/2014/main" id="{289CE702-DA00-FA25-8421-3D35A8F1460E}"/>
+            </a:ext>
+          </a:extLst>
+        </p:cNvPr>
         <p:cNvGrpSpPr/>
         <p:nvPr/>
       </p:nvGrpSpPr>
@@ -1035,21 +1206,33 @@
       </p:grpSpPr>
       <p:sp>
         <p:nvSpPr>
-          <p:cNvPr id="138" name="Google Shape;138;g29f943ba83d_0_10:notes"/>
-          <p:cNvSpPr/>
+          <p:cNvPr id="130" name="Google Shape;130;g2a02246be5e_0_48:notes">
+            <a:extLst>
+              <a:ext uri="{FF2B5EF4-FFF2-40B4-BE49-F238E27FC236}">
+                <a16:creationId xmlns:a16="http://schemas.microsoft.com/office/drawing/2014/main" id="{F213EA35-2BB6-7C8B-BA5E-E5D80D834C5A}"/>
+              </a:ext>
+            </a:extLst>
+          </p:cNvPr>
+          <p:cNvSpPr>
+            <a:spLocks noGrp="1" noRot="1" noChangeAspect="1"/>
+          </p:cNvSpPr>
           <p:nvPr>
-            <p:ph idx="2" type="sldImg"/>
+            <p:ph type="sldImg" idx="2"/>
           </p:nvPr>
         </p:nvSpPr>
         <p:spPr>
           <a:xfrm>
-            <a:off x="381300" y="685800"/>
+            <a:off x="381000" y="685800"/>
             <a:ext cx="6096000" cy="3429000"/>
           </a:xfrm>
           <a:custGeom>
-            <a:rect b="b" l="l" r="r" t="t"/>
+            <a:avLst/>
+            <a:gdLst/>
+            <a:ahLst/>
+            <a:cxnLst/>
+            <a:rect l="l" t="t" r="r" b="b"/>
             <a:pathLst>
-              <a:path extrusionOk="0" h="120000" w="120000">
+              <a:path w="120000" h="120000" extrusionOk="0">
                 <a:moveTo>
                   <a:pt x="0" y="0"/>
                 </a:moveTo>
@@ -1070,10 +1253,18 @@
       </p:sp>
       <p:sp>
         <p:nvSpPr>
-          <p:cNvPr id="139" name="Google Shape;139;g29f943ba83d_0_10:notes"/>
-          <p:cNvSpPr txBox="1"/>
+          <p:cNvPr id="131" name="Google Shape;131;g2a02246be5e_0_48:notes">
+            <a:extLst>
+              <a:ext uri="{FF2B5EF4-FFF2-40B4-BE49-F238E27FC236}">
+                <a16:creationId xmlns:a16="http://schemas.microsoft.com/office/drawing/2014/main" id="{2089D8D1-FE1A-1457-047D-992F7B4634D6}"/>
+              </a:ext>
+            </a:extLst>
+          </p:cNvPr>
+          <p:cNvSpPr txBox="1">
+            <a:spLocks noGrp="1"/>
+          </p:cNvSpPr>
           <p:nvPr>
-            <p:ph idx="1" type="body"/>
+            <p:ph type="body" idx="1"/>
           </p:nvPr>
         </p:nvSpPr>
         <p:spPr>
@@ -1086,12 +1277,12 @@
           </a:prstGeom>
         </p:spPr>
         <p:txBody>
-          <a:bodyPr anchorCtr="0" anchor="t" bIns="91425" lIns="91425" spcFirstLastPara="1" rIns="91425" wrap="square" tIns="91425">
+          <a:bodyPr spcFirstLastPara="1" wrap="square" lIns="91425" tIns="91425" rIns="91425" bIns="91425" anchor="t" anchorCtr="0">
             <a:noAutofit/>
           </a:bodyPr>
           <a:lstStyle/>
           <a:p>
-            <a:pPr indent="0" lvl="0" marL="0" rtl="0" algn="l">
+            <a:pPr marL="0" lvl="0" indent="0" algn="l" rtl="0">
               <a:spcBef>
                 <a:spcPts val="0"/>
               </a:spcBef>
@@ -1100,14 +1291,16 @@
               </a:spcAft>
               <a:buNone/>
             </a:pPr>
-            <a:r>
-              <a:t/>
-            </a:r>
             <a:endParaRPr/>
           </a:p>
         </p:txBody>
       </p:sp>
     </p:spTree>
+    <p:extLst>
+      <p:ext uri="{BB962C8B-B14F-4D97-AF65-F5344CB8AC3E}">
+        <p14:creationId xmlns:p14="http://schemas.microsoft.com/office/powerpoint/2010/main" val="2429447810"/>
+      </p:ext>
+    </p:extLst>
   </p:cSld>
   <p:clrMapOvr>
     <a:masterClrMapping/>
@@ -1116,11 +1309,11 @@
 </file>
 
 <file path=ppt/notesSlides/notesSlide13.xml><?xml version="1.0" encoding="utf-8"?>
-<p:notes xmlns:a="http://schemas.openxmlformats.org/drawingml/2006/main" xmlns:r="http://schemas.openxmlformats.org/officeDocument/2006/relationships" xmlns:mc="http://schemas.openxmlformats.org/markup-compatibility/2006" xmlns:mv="urn:schemas-microsoft-com:mac:vml" xmlns:p="http://schemas.openxmlformats.org/presentationml/2006/main" xmlns:c="http://schemas.openxmlformats.org/drawingml/2006/chart" xmlns:dgm="http://schemas.openxmlformats.org/drawingml/2006/diagram" xmlns:o="urn:schemas-microsoft-com:office:office" xmlns:v="urn:schemas-microsoft-com:vml" xmlns:pvml="urn:schemas-microsoft-com:office:powerpoint" xmlns:com="http://schemas.openxmlformats.org/drawingml/2006/compatibility" xmlns:p14="http://schemas.microsoft.com/office/powerpoint/2010/main" xmlns:p15="http://schemas.microsoft.com/office/powerpoint/2012/main" xmlns:ahyp="http://schemas.microsoft.com/office/drawing/2018/hyperlinkcolor" showMasterPhAnim="0" showMasterSp="0">
+<p:notes xmlns:a="http://schemas.openxmlformats.org/drawingml/2006/main" xmlns:r="http://schemas.openxmlformats.org/officeDocument/2006/relationships" xmlns:p="http://schemas.openxmlformats.org/presentationml/2006/main" showMasterSp="0" showMasterPhAnim="0">
   <p:cSld>
     <p:spTree>
       <p:nvGrpSpPr>
-        <p:cNvPr id="144" name="Shape 144"/>
+        <p:cNvPr id="1" name="Shape 137"/>
         <p:cNvGrpSpPr/>
         <p:nvPr/>
       </p:nvGrpSpPr>
@@ -1134,21 +1327,27 @@
       </p:grpSpPr>
       <p:sp>
         <p:nvSpPr>
-          <p:cNvPr id="145" name="Google Shape;145;g29f943ba83d_0_330:notes"/>
-          <p:cNvSpPr/>
+          <p:cNvPr id="138" name="Google Shape;138;g29f943ba83d_0_10:notes"/>
+          <p:cNvSpPr>
+            <a:spLocks noGrp="1" noRot="1" noChangeAspect="1"/>
+          </p:cNvSpPr>
           <p:nvPr>
-            <p:ph idx="2" type="sldImg"/>
+            <p:ph type="sldImg" idx="2"/>
           </p:nvPr>
         </p:nvSpPr>
         <p:spPr>
           <a:xfrm>
-            <a:off x="381300" y="685800"/>
+            <a:off x="381000" y="685800"/>
             <a:ext cx="6096000" cy="3429000"/>
           </a:xfrm>
           <a:custGeom>
-            <a:rect b="b" l="l" r="r" t="t"/>
+            <a:avLst/>
+            <a:gdLst/>
+            <a:ahLst/>
+            <a:cxnLst/>
+            <a:rect l="l" t="t" r="r" b="b"/>
             <a:pathLst>
-              <a:path extrusionOk="0" h="120000" w="120000">
+              <a:path w="120000" h="120000" extrusionOk="0">
                 <a:moveTo>
                   <a:pt x="0" y="0"/>
                 </a:moveTo>
@@ -1169,10 +1368,12 @@
       </p:sp>
       <p:sp>
         <p:nvSpPr>
-          <p:cNvPr id="146" name="Google Shape;146;g29f943ba83d_0_330:notes"/>
-          <p:cNvSpPr txBox="1"/>
+          <p:cNvPr id="139" name="Google Shape;139;g29f943ba83d_0_10:notes"/>
+          <p:cNvSpPr txBox="1">
+            <a:spLocks noGrp="1"/>
+          </p:cNvSpPr>
           <p:nvPr>
-            <p:ph idx="1" type="body"/>
+            <p:ph type="body" idx="1"/>
           </p:nvPr>
         </p:nvSpPr>
         <p:spPr>
@@ -1185,12 +1386,12 @@
           </a:prstGeom>
         </p:spPr>
         <p:txBody>
-          <a:bodyPr anchorCtr="0" anchor="t" bIns="91425" lIns="91425" spcFirstLastPara="1" rIns="91425" wrap="square" tIns="91425">
+          <a:bodyPr spcFirstLastPara="1" wrap="square" lIns="91425" tIns="91425" rIns="91425" bIns="91425" anchor="t" anchorCtr="0">
             <a:noAutofit/>
           </a:bodyPr>
           <a:lstStyle/>
           <a:p>
-            <a:pPr indent="0" lvl="0" marL="0" rtl="0" algn="l">
+            <a:pPr marL="0" lvl="0" indent="0" algn="l" rtl="0">
               <a:spcBef>
                 <a:spcPts val="0"/>
               </a:spcBef>
@@ -1199,9 +1400,6 @@
               </a:spcAft>
               <a:buNone/>
             </a:pPr>
-            <a:r>
-              <a:t/>
-            </a:r>
             <a:endParaRPr/>
           </a:p>
         </p:txBody>
@@ -1215,11 +1413,11 @@
 </file>
 
 <file path=ppt/notesSlides/notesSlide14.xml><?xml version="1.0" encoding="utf-8"?>
-<p:notes xmlns:a="http://schemas.openxmlformats.org/drawingml/2006/main" xmlns:r="http://schemas.openxmlformats.org/officeDocument/2006/relationships" xmlns:mc="http://schemas.openxmlformats.org/markup-compatibility/2006" xmlns:mv="urn:schemas-microsoft-com:mac:vml" xmlns:p="http://schemas.openxmlformats.org/presentationml/2006/main" xmlns:c="http://schemas.openxmlformats.org/drawingml/2006/chart" xmlns:dgm="http://schemas.openxmlformats.org/drawingml/2006/diagram" xmlns:o="urn:schemas-microsoft-com:office:office" xmlns:v="urn:schemas-microsoft-com:vml" xmlns:pvml="urn:schemas-microsoft-com:office:powerpoint" xmlns:com="http://schemas.openxmlformats.org/drawingml/2006/compatibility" xmlns:p14="http://schemas.microsoft.com/office/powerpoint/2010/main" xmlns:p15="http://schemas.microsoft.com/office/powerpoint/2012/main" xmlns:ahyp="http://schemas.microsoft.com/office/drawing/2018/hyperlinkcolor" showMasterPhAnim="0" showMasterSp="0">
+<p:notes xmlns:a="http://schemas.openxmlformats.org/drawingml/2006/main" xmlns:r="http://schemas.openxmlformats.org/officeDocument/2006/relationships" xmlns:p="http://schemas.openxmlformats.org/presentationml/2006/main" showMasterSp="0" showMasterPhAnim="0">
   <p:cSld>
     <p:spTree>
       <p:nvGrpSpPr>
-        <p:cNvPr id="153" name="Shape 153"/>
+        <p:cNvPr id="1" name="Shape 144"/>
         <p:cNvGrpSpPr/>
         <p:nvPr/>
       </p:nvGrpSpPr>
@@ -1233,21 +1431,27 @@
       </p:grpSpPr>
       <p:sp>
         <p:nvSpPr>
-          <p:cNvPr id="154" name="Google Shape;154;g2a02246be5e_0_65:notes"/>
-          <p:cNvSpPr/>
+          <p:cNvPr id="145" name="Google Shape;145;g29f943ba83d_0_330:notes"/>
+          <p:cNvSpPr>
+            <a:spLocks noGrp="1" noRot="1" noChangeAspect="1"/>
+          </p:cNvSpPr>
           <p:nvPr>
-            <p:ph idx="2" type="sldImg"/>
+            <p:ph type="sldImg" idx="2"/>
           </p:nvPr>
         </p:nvSpPr>
         <p:spPr>
           <a:xfrm>
-            <a:off x="381300" y="685800"/>
+            <a:off x="381000" y="685800"/>
             <a:ext cx="6096000" cy="3429000"/>
           </a:xfrm>
           <a:custGeom>
-            <a:rect b="b" l="l" r="r" t="t"/>
+            <a:avLst/>
+            <a:gdLst/>
+            <a:ahLst/>
+            <a:cxnLst/>
+            <a:rect l="l" t="t" r="r" b="b"/>
             <a:pathLst>
-              <a:path extrusionOk="0" h="120000" w="120000">
+              <a:path w="120000" h="120000" extrusionOk="0">
                 <a:moveTo>
                   <a:pt x="0" y="0"/>
                 </a:moveTo>
@@ -1268,10 +1472,12 @@
       </p:sp>
       <p:sp>
         <p:nvSpPr>
-          <p:cNvPr id="155" name="Google Shape;155;g2a02246be5e_0_65:notes"/>
-          <p:cNvSpPr txBox="1"/>
+          <p:cNvPr id="146" name="Google Shape;146;g29f943ba83d_0_330:notes"/>
+          <p:cNvSpPr txBox="1">
+            <a:spLocks noGrp="1"/>
+          </p:cNvSpPr>
           <p:nvPr>
-            <p:ph idx="1" type="body"/>
+            <p:ph type="body" idx="1"/>
           </p:nvPr>
         </p:nvSpPr>
         <p:spPr>
@@ -1284,12 +1490,12 @@
           </a:prstGeom>
         </p:spPr>
         <p:txBody>
-          <a:bodyPr anchorCtr="0" anchor="t" bIns="91425" lIns="91425" spcFirstLastPara="1" rIns="91425" wrap="square" tIns="91425">
+          <a:bodyPr spcFirstLastPara="1" wrap="square" lIns="91425" tIns="91425" rIns="91425" bIns="91425" anchor="t" anchorCtr="0">
             <a:noAutofit/>
           </a:bodyPr>
           <a:lstStyle/>
           <a:p>
-            <a:pPr indent="0" lvl="0" marL="0" rtl="0" algn="l">
+            <a:pPr marL="0" lvl="0" indent="0" algn="l" rtl="0">
               <a:spcBef>
                 <a:spcPts val="0"/>
               </a:spcBef>
@@ -1298,9 +1504,6 @@
               </a:spcAft>
               <a:buNone/>
             </a:pPr>
-            <a:r>
-              <a:t/>
-            </a:r>
             <a:endParaRPr/>
           </a:p>
         </p:txBody>
@@ -1314,11 +1517,11 @@
 </file>
 
 <file path=ppt/notesSlides/notesSlide15.xml><?xml version="1.0" encoding="utf-8"?>
-<p:notes xmlns:a="http://schemas.openxmlformats.org/drawingml/2006/main" xmlns:r="http://schemas.openxmlformats.org/officeDocument/2006/relationships" xmlns:mc="http://schemas.openxmlformats.org/markup-compatibility/2006" xmlns:mv="urn:schemas-microsoft-com:mac:vml" xmlns:p="http://schemas.openxmlformats.org/presentationml/2006/main" xmlns:c="http://schemas.openxmlformats.org/drawingml/2006/chart" xmlns:dgm="http://schemas.openxmlformats.org/drawingml/2006/diagram" xmlns:o="urn:schemas-microsoft-com:office:office" xmlns:v="urn:schemas-microsoft-com:vml" xmlns:pvml="urn:schemas-microsoft-com:office:powerpoint" xmlns:com="http://schemas.openxmlformats.org/drawingml/2006/compatibility" xmlns:p14="http://schemas.microsoft.com/office/powerpoint/2010/main" xmlns:p15="http://schemas.microsoft.com/office/powerpoint/2012/main" xmlns:ahyp="http://schemas.microsoft.com/office/drawing/2018/hyperlinkcolor" showMasterPhAnim="0" showMasterSp="0">
+<p:notes xmlns:a="http://schemas.openxmlformats.org/drawingml/2006/main" xmlns:r="http://schemas.openxmlformats.org/officeDocument/2006/relationships" xmlns:p="http://schemas.openxmlformats.org/presentationml/2006/main" showMasterSp="0" showMasterPhAnim="0">
   <p:cSld>
     <p:spTree>
       <p:nvGrpSpPr>
-        <p:cNvPr id="160" name="Shape 160"/>
+        <p:cNvPr id="1" name="Shape 153"/>
         <p:cNvGrpSpPr/>
         <p:nvPr/>
       </p:nvGrpSpPr>
@@ -1332,10 +1535,12 @@
       </p:grpSpPr>
       <p:sp>
         <p:nvSpPr>
-          <p:cNvPr id="161" name="Google Shape;161;g29f943ba83d_0_321:notes"/>
-          <p:cNvSpPr/>
+          <p:cNvPr id="154" name="Google Shape;154;g2a02246be5e_0_65:notes"/>
+          <p:cNvSpPr>
+            <a:spLocks noGrp="1" noRot="1" noChangeAspect="1"/>
+          </p:cNvSpPr>
           <p:nvPr>
-            <p:ph idx="2" type="sldImg"/>
+            <p:ph type="sldImg" idx="2"/>
           </p:nvPr>
         </p:nvSpPr>
         <p:spPr>
@@ -1344,9 +1549,13 @@
             <a:ext cx="6096000" cy="3429000"/>
           </a:xfrm>
           <a:custGeom>
-            <a:rect b="b" l="l" r="r" t="t"/>
+            <a:avLst/>
+            <a:gdLst/>
+            <a:ahLst/>
+            <a:cxnLst/>
+            <a:rect l="l" t="t" r="r" b="b"/>
             <a:pathLst>
-              <a:path extrusionOk="0" h="120000" w="120000">
+              <a:path w="120000" h="120000" extrusionOk="0">
                 <a:moveTo>
                   <a:pt x="0" y="0"/>
                 </a:moveTo>
@@ -1367,10 +1576,12 @@
       </p:sp>
       <p:sp>
         <p:nvSpPr>
-          <p:cNvPr id="162" name="Google Shape;162;g29f943ba83d_0_321:notes"/>
-          <p:cNvSpPr txBox="1"/>
+          <p:cNvPr id="155" name="Google Shape;155;g2a02246be5e_0_65:notes"/>
+          <p:cNvSpPr txBox="1">
+            <a:spLocks noGrp="1"/>
+          </p:cNvSpPr>
           <p:nvPr>
-            <p:ph idx="1" type="body"/>
+            <p:ph type="body" idx="1"/>
           </p:nvPr>
         </p:nvSpPr>
         <p:spPr>
@@ -1383,12 +1594,12 @@
           </a:prstGeom>
         </p:spPr>
         <p:txBody>
-          <a:bodyPr anchorCtr="0" anchor="t" bIns="91425" lIns="91425" spcFirstLastPara="1" rIns="91425" wrap="square" tIns="91425">
+          <a:bodyPr spcFirstLastPara="1" wrap="square" lIns="91425" tIns="91425" rIns="91425" bIns="91425" anchor="t" anchorCtr="0">
             <a:noAutofit/>
           </a:bodyPr>
           <a:lstStyle/>
           <a:p>
-            <a:pPr indent="0" lvl="0" marL="0" rtl="0" algn="l">
+            <a:pPr marL="0" lvl="0" indent="0" algn="l" rtl="0">
               <a:spcBef>
                 <a:spcPts val="0"/>
               </a:spcBef>
@@ -1397,9 +1608,6 @@
               </a:spcAft>
               <a:buNone/>
             </a:pPr>
-            <a:r>
-              <a:t/>
-            </a:r>
             <a:endParaRPr/>
           </a:p>
         </p:txBody>
@@ -1413,11 +1621,17 @@
 </file>
 
 <file path=ppt/notesSlides/notesSlide16.xml><?xml version="1.0" encoding="utf-8"?>
-<p:notes xmlns:a="http://schemas.openxmlformats.org/drawingml/2006/main" xmlns:r="http://schemas.openxmlformats.org/officeDocument/2006/relationships" xmlns:mc="http://schemas.openxmlformats.org/markup-compatibility/2006" xmlns:mv="urn:schemas-microsoft-com:mac:vml" xmlns:p="http://schemas.openxmlformats.org/presentationml/2006/main" xmlns:c="http://schemas.openxmlformats.org/drawingml/2006/chart" xmlns:dgm="http://schemas.openxmlformats.org/drawingml/2006/diagram" xmlns:o="urn:schemas-microsoft-com:office:office" xmlns:v="urn:schemas-microsoft-com:vml" xmlns:pvml="urn:schemas-microsoft-com:office:powerpoint" xmlns:com="http://schemas.openxmlformats.org/drawingml/2006/compatibility" xmlns:p14="http://schemas.microsoft.com/office/powerpoint/2010/main" xmlns:p15="http://schemas.microsoft.com/office/powerpoint/2012/main" xmlns:ahyp="http://schemas.microsoft.com/office/drawing/2018/hyperlinkcolor" showMasterPhAnim="0" showMasterSp="0">
+<p:notes xmlns:a="http://schemas.openxmlformats.org/drawingml/2006/main" xmlns:r="http://schemas.openxmlformats.org/officeDocument/2006/relationships" xmlns:p="http://schemas.openxmlformats.org/presentationml/2006/main" showMasterSp="0" showMasterPhAnim="0">
   <p:cSld>
     <p:spTree>
       <p:nvGrpSpPr>
-        <p:cNvPr id="169" name="Shape 169"/>
+        <p:cNvPr id="1" name="Shape 129">
+          <a:extLst>
+            <a:ext uri="{FF2B5EF4-FFF2-40B4-BE49-F238E27FC236}">
+              <a16:creationId xmlns:a16="http://schemas.microsoft.com/office/drawing/2014/main" id="{74290DB5-238F-324E-B5CC-8BDB6DF022F2}"/>
+            </a:ext>
+          </a:extLst>
+        </p:cNvPr>
         <p:cNvGrpSpPr/>
         <p:nvPr/>
       </p:nvGrpSpPr>
@@ -1431,21 +1645,33 @@
       </p:grpSpPr>
       <p:sp>
         <p:nvSpPr>
-          <p:cNvPr id="170" name="Google Shape;170;g2a02246be5e_0_43:notes"/>
-          <p:cNvSpPr/>
+          <p:cNvPr id="130" name="Google Shape;130;g2a02246be5e_0_48:notes">
+            <a:extLst>
+              <a:ext uri="{FF2B5EF4-FFF2-40B4-BE49-F238E27FC236}">
+                <a16:creationId xmlns:a16="http://schemas.microsoft.com/office/drawing/2014/main" id="{C29E1F51-BD4F-4FB7-50BD-C4F1F6C39B4C}"/>
+              </a:ext>
+            </a:extLst>
+          </p:cNvPr>
+          <p:cNvSpPr>
+            <a:spLocks noGrp="1" noRot="1" noChangeAspect="1"/>
+          </p:cNvSpPr>
           <p:nvPr>
-            <p:ph idx="2" type="sldImg"/>
+            <p:ph type="sldImg" idx="2"/>
           </p:nvPr>
         </p:nvSpPr>
         <p:spPr>
           <a:xfrm>
-            <a:off x="381300" y="685800"/>
+            <a:off x="381000" y="685800"/>
             <a:ext cx="6096000" cy="3429000"/>
           </a:xfrm>
           <a:custGeom>
-            <a:rect b="b" l="l" r="r" t="t"/>
+            <a:avLst/>
+            <a:gdLst/>
+            <a:ahLst/>
+            <a:cxnLst/>
+            <a:rect l="l" t="t" r="r" b="b"/>
             <a:pathLst>
-              <a:path extrusionOk="0" h="120000" w="120000">
+              <a:path w="120000" h="120000" extrusionOk="0">
                 <a:moveTo>
                   <a:pt x="0" y="0"/>
                 </a:moveTo>
@@ -1466,10 +1692,18 @@
       </p:sp>
       <p:sp>
         <p:nvSpPr>
-          <p:cNvPr id="171" name="Google Shape;171;g2a02246be5e_0_43:notes"/>
-          <p:cNvSpPr txBox="1"/>
+          <p:cNvPr id="131" name="Google Shape;131;g2a02246be5e_0_48:notes">
+            <a:extLst>
+              <a:ext uri="{FF2B5EF4-FFF2-40B4-BE49-F238E27FC236}">
+                <a16:creationId xmlns:a16="http://schemas.microsoft.com/office/drawing/2014/main" id="{8D42EEEC-0E48-9C5A-4374-81751D9D89A6}"/>
+              </a:ext>
+            </a:extLst>
+          </p:cNvPr>
+          <p:cNvSpPr txBox="1">
+            <a:spLocks noGrp="1"/>
+          </p:cNvSpPr>
           <p:nvPr>
-            <p:ph idx="1" type="body"/>
+            <p:ph type="body" idx="1"/>
           </p:nvPr>
         </p:nvSpPr>
         <p:spPr>
@@ -1482,12 +1716,12 @@
           </a:prstGeom>
         </p:spPr>
         <p:txBody>
-          <a:bodyPr anchorCtr="0" anchor="t" bIns="91425" lIns="91425" spcFirstLastPara="1" rIns="91425" wrap="square" tIns="91425">
+          <a:bodyPr spcFirstLastPara="1" wrap="square" lIns="91425" tIns="91425" rIns="91425" bIns="91425" anchor="t" anchorCtr="0">
             <a:noAutofit/>
           </a:bodyPr>
           <a:lstStyle/>
           <a:p>
-            <a:pPr indent="0" lvl="0" marL="0" rtl="0" algn="l">
+            <a:pPr marL="0" lvl="0" indent="0" algn="l" rtl="0">
               <a:spcBef>
                 <a:spcPts val="0"/>
               </a:spcBef>
@@ -1496,14 +1730,16 @@
               </a:spcAft>
               <a:buNone/>
             </a:pPr>
-            <a:r>
-              <a:t/>
-            </a:r>
             <a:endParaRPr/>
           </a:p>
         </p:txBody>
       </p:sp>
     </p:spTree>
+    <p:extLst>
+      <p:ext uri="{BB962C8B-B14F-4D97-AF65-F5344CB8AC3E}">
+        <p14:creationId xmlns:p14="http://schemas.microsoft.com/office/powerpoint/2010/main" val="3544646591"/>
+      </p:ext>
+    </p:extLst>
   </p:cSld>
   <p:clrMapOvr>
     <a:masterClrMapping/>
@@ -1512,11 +1748,17 @@
 </file>
 
 <file path=ppt/notesSlides/notesSlide17.xml><?xml version="1.0" encoding="utf-8"?>
-<p:notes xmlns:a="http://schemas.openxmlformats.org/drawingml/2006/main" xmlns:r="http://schemas.openxmlformats.org/officeDocument/2006/relationships" xmlns:mc="http://schemas.openxmlformats.org/markup-compatibility/2006" xmlns:mv="urn:schemas-microsoft-com:mac:vml" xmlns:p="http://schemas.openxmlformats.org/presentationml/2006/main" xmlns:c="http://schemas.openxmlformats.org/drawingml/2006/chart" xmlns:dgm="http://schemas.openxmlformats.org/drawingml/2006/diagram" xmlns:o="urn:schemas-microsoft-com:office:office" xmlns:v="urn:schemas-microsoft-com:vml" xmlns:pvml="urn:schemas-microsoft-com:office:powerpoint" xmlns:com="http://schemas.openxmlformats.org/drawingml/2006/compatibility" xmlns:p14="http://schemas.microsoft.com/office/powerpoint/2010/main" xmlns:p15="http://schemas.microsoft.com/office/powerpoint/2012/main" xmlns:ahyp="http://schemas.microsoft.com/office/drawing/2018/hyperlinkcolor" showMasterPhAnim="0" showMasterSp="0">
+<p:notes xmlns:a="http://schemas.openxmlformats.org/drawingml/2006/main" xmlns:r="http://schemas.openxmlformats.org/officeDocument/2006/relationships" xmlns:p="http://schemas.openxmlformats.org/presentationml/2006/main" showMasterSp="0" showMasterPhAnim="0">
   <p:cSld>
     <p:spTree>
       <p:nvGrpSpPr>
-        <p:cNvPr id="176" name="Shape 176"/>
+        <p:cNvPr id="1" name="Shape 137">
+          <a:extLst>
+            <a:ext uri="{FF2B5EF4-FFF2-40B4-BE49-F238E27FC236}">
+              <a16:creationId xmlns:a16="http://schemas.microsoft.com/office/drawing/2014/main" id="{C961211E-27DD-4598-77FE-C6B03481B7E2}"/>
+            </a:ext>
+          </a:extLst>
+        </p:cNvPr>
         <p:cNvGrpSpPr/>
         <p:nvPr/>
       </p:nvGrpSpPr>
@@ -1530,21 +1772,33 @@
       </p:grpSpPr>
       <p:sp>
         <p:nvSpPr>
-          <p:cNvPr id="177" name="Google Shape;177;g26275de8092_0_0:notes"/>
-          <p:cNvSpPr/>
+          <p:cNvPr id="138" name="Google Shape;138;g29f943ba83d_0_10:notes">
+            <a:extLst>
+              <a:ext uri="{FF2B5EF4-FFF2-40B4-BE49-F238E27FC236}">
+                <a16:creationId xmlns:a16="http://schemas.microsoft.com/office/drawing/2014/main" id="{D601E09C-E3EE-D9A0-AD7B-8A98A78A20A8}"/>
+              </a:ext>
+            </a:extLst>
+          </p:cNvPr>
+          <p:cNvSpPr>
+            <a:spLocks noGrp="1" noRot="1" noChangeAspect="1"/>
+          </p:cNvSpPr>
           <p:nvPr>
-            <p:ph idx="2" type="sldImg"/>
+            <p:ph type="sldImg" idx="2"/>
           </p:nvPr>
         </p:nvSpPr>
         <p:spPr>
           <a:xfrm>
-            <a:off x="381300" y="685800"/>
+            <a:off x="381000" y="685800"/>
             <a:ext cx="6096000" cy="3429000"/>
           </a:xfrm>
           <a:custGeom>
-            <a:rect b="b" l="l" r="r" t="t"/>
+            <a:avLst/>
+            <a:gdLst/>
+            <a:ahLst/>
+            <a:cxnLst/>
+            <a:rect l="l" t="t" r="r" b="b"/>
             <a:pathLst>
-              <a:path extrusionOk="0" h="120000" w="120000">
+              <a:path w="120000" h="120000" extrusionOk="0">
                 <a:moveTo>
                   <a:pt x="0" y="0"/>
                 </a:moveTo>
@@ -1565,10 +1819,18 @@
       </p:sp>
       <p:sp>
         <p:nvSpPr>
-          <p:cNvPr id="178" name="Google Shape;178;g26275de8092_0_0:notes"/>
-          <p:cNvSpPr txBox="1"/>
+          <p:cNvPr id="139" name="Google Shape;139;g29f943ba83d_0_10:notes">
+            <a:extLst>
+              <a:ext uri="{FF2B5EF4-FFF2-40B4-BE49-F238E27FC236}">
+                <a16:creationId xmlns:a16="http://schemas.microsoft.com/office/drawing/2014/main" id="{736B291A-BC1A-6455-9492-4012D051834A}"/>
+              </a:ext>
+            </a:extLst>
+          </p:cNvPr>
+          <p:cNvSpPr txBox="1">
+            <a:spLocks noGrp="1"/>
+          </p:cNvSpPr>
           <p:nvPr>
-            <p:ph idx="1" type="body"/>
+            <p:ph type="body" idx="1"/>
           </p:nvPr>
         </p:nvSpPr>
         <p:spPr>
@@ -1581,12 +1843,12 @@
           </a:prstGeom>
         </p:spPr>
         <p:txBody>
-          <a:bodyPr anchorCtr="0" anchor="t" bIns="91425" lIns="91425" spcFirstLastPara="1" rIns="91425" wrap="square" tIns="91425">
+          <a:bodyPr spcFirstLastPara="1" wrap="square" lIns="91425" tIns="91425" rIns="91425" bIns="91425" anchor="t" anchorCtr="0">
             <a:noAutofit/>
           </a:bodyPr>
           <a:lstStyle/>
           <a:p>
-            <a:pPr indent="0" lvl="0" marL="0" rtl="0" algn="l">
+            <a:pPr marL="0" lvl="0" indent="0" algn="l" rtl="0">
               <a:spcBef>
                 <a:spcPts val="0"/>
               </a:spcBef>
@@ -1595,14 +1857,16 @@
               </a:spcAft>
               <a:buNone/>
             </a:pPr>
-            <a:r>
-              <a:t/>
-            </a:r>
             <a:endParaRPr/>
           </a:p>
         </p:txBody>
       </p:sp>
     </p:spTree>
+    <p:extLst>
+      <p:ext uri="{BB962C8B-B14F-4D97-AF65-F5344CB8AC3E}">
+        <p14:creationId xmlns:p14="http://schemas.microsoft.com/office/powerpoint/2010/main" val="2990864515"/>
+      </p:ext>
+    </p:extLst>
   </p:cSld>
   <p:clrMapOvr>
     <a:masterClrMapping/>
@@ -1611,11 +1875,17 @@
 </file>
 
 <file path=ppt/notesSlides/notesSlide18.xml><?xml version="1.0" encoding="utf-8"?>
-<p:notes xmlns:a="http://schemas.openxmlformats.org/drawingml/2006/main" xmlns:r="http://schemas.openxmlformats.org/officeDocument/2006/relationships" xmlns:mc="http://schemas.openxmlformats.org/markup-compatibility/2006" xmlns:mv="urn:schemas-microsoft-com:mac:vml" xmlns:p="http://schemas.openxmlformats.org/presentationml/2006/main" xmlns:c="http://schemas.openxmlformats.org/drawingml/2006/chart" xmlns:dgm="http://schemas.openxmlformats.org/drawingml/2006/diagram" xmlns:o="urn:schemas-microsoft-com:office:office" xmlns:v="urn:schemas-microsoft-com:vml" xmlns:pvml="urn:schemas-microsoft-com:office:powerpoint" xmlns:com="http://schemas.openxmlformats.org/drawingml/2006/compatibility" xmlns:p14="http://schemas.microsoft.com/office/powerpoint/2010/main" xmlns:p15="http://schemas.microsoft.com/office/powerpoint/2012/main" xmlns:ahyp="http://schemas.microsoft.com/office/drawing/2018/hyperlinkcolor" showMasterPhAnim="0" showMasterSp="0">
+<p:notes xmlns:a="http://schemas.openxmlformats.org/drawingml/2006/main" xmlns:r="http://schemas.openxmlformats.org/officeDocument/2006/relationships" xmlns:p="http://schemas.openxmlformats.org/presentationml/2006/main" showMasterSp="0" showMasterPhAnim="0">
   <p:cSld>
     <p:spTree>
       <p:nvGrpSpPr>
-        <p:cNvPr id="182" name="Shape 182"/>
+        <p:cNvPr id="1" name="Shape 160">
+          <a:extLst>
+            <a:ext uri="{FF2B5EF4-FFF2-40B4-BE49-F238E27FC236}">
+              <a16:creationId xmlns:a16="http://schemas.microsoft.com/office/drawing/2014/main" id="{D7CBC091-0C68-8B34-D53A-FA39AA711948}"/>
+            </a:ext>
+          </a:extLst>
+        </p:cNvPr>
         <p:cNvGrpSpPr/>
         <p:nvPr/>
       </p:nvGrpSpPr>
@@ -1629,21 +1899,33 @@
       </p:grpSpPr>
       <p:sp>
         <p:nvSpPr>
-          <p:cNvPr id="183" name="Google Shape;183;g29f65666c06_0_0:notes"/>
-          <p:cNvSpPr/>
+          <p:cNvPr id="161" name="Google Shape;161;g29f943ba83d_0_321:notes">
+            <a:extLst>
+              <a:ext uri="{FF2B5EF4-FFF2-40B4-BE49-F238E27FC236}">
+                <a16:creationId xmlns:a16="http://schemas.microsoft.com/office/drawing/2014/main" id="{7CF76B30-CF2F-9294-CC87-70B990C34810}"/>
+              </a:ext>
+            </a:extLst>
+          </p:cNvPr>
+          <p:cNvSpPr>
+            <a:spLocks noGrp="1" noRot="1" noChangeAspect="1"/>
+          </p:cNvSpPr>
           <p:nvPr>
-            <p:ph idx="2" type="sldImg"/>
+            <p:ph type="sldImg" idx="2"/>
           </p:nvPr>
         </p:nvSpPr>
         <p:spPr>
           <a:xfrm>
-            <a:off x="381300" y="685800"/>
+            <a:off x="381000" y="685800"/>
             <a:ext cx="6096000" cy="3429000"/>
           </a:xfrm>
           <a:custGeom>
-            <a:rect b="b" l="l" r="r" t="t"/>
+            <a:avLst/>
+            <a:gdLst/>
+            <a:ahLst/>
+            <a:cxnLst/>
+            <a:rect l="l" t="t" r="r" b="b"/>
             <a:pathLst>
-              <a:path extrusionOk="0" h="120000" w="120000">
+              <a:path w="120000" h="120000" extrusionOk="0">
                 <a:moveTo>
                   <a:pt x="0" y="0"/>
                 </a:moveTo>
@@ -1664,10 +1946,18 @@
       </p:sp>
       <p:sp>
         <p:nvSpPr>
-          <p:cNvPr id="184" name="Google Shape;184;g29f65666c06_0_0:notes"/>
-          <p:cNvSpPr txBox="1"/>
+          <p:cNvPr id="162" name="Google Shape;162;g29f943ba83d_0_321:notes">
+            <a:extLst>
+              <a:ext uri="{FF2B5EF4-FFF2-40B4-BE49-F238E27FC236}">
+                <a16:creationId xmlns:a16="http://schemas.microsoft.com/office/drawing/2014/main" id="{4F2E29CE-6FEE-2F35-4E86-0F3F42DDE03B}"/>
+              </a:ext>
+            </a:extLst>
+          </p:cNvPr>
+          <p:cNvSpPr txBox="1">
+            <a:spLocks noGrp="1"/>
+          </p:cNvSpPr>
           <p:nvPr>
-            <p:ph idx="1" type="body"/>
+            <p:ph type="body" idx="1"/>
           </p:nvPr>
         </p:nvSpPr>
         <p:spPr>
@@ -1680,12 +1970,12 @@
           </a:prstGeom>
         </p:spPr>
         <p:txBody>
-          <a:bodyPr anchorCtr="0" anchor="t" bIns="91425" lIns="91425" spcFirstLastPara="1" rIns="91425" wrap="square" tIns="91425">
+          <a:bodyPr spcFirstLastPara="1" wrap="square" lIns="91425" tIns="91425" rIns="91425" bIns="91425" anchor="t" anchorCtr="0">
             <a:noAutofit/>
           </a:bodyPr>
           <a:lstStyle/>
           <a:p>
-            <a:pPr indent="0" lvl="0" marL="0" rtl="0" algn="l">
+            <a:pPr marL="0" lvl="0" indent="0" algn="l" rtl="0">
               <a:spcBef>
                 <a:spcPts val="0"/>
               </a:spcBef>
@@ -1694,14 +1984,16 @@
               </a:spcAft>
               <a:buNone/>
             </a:pPr>
-            <a:r>
-              <a:t/>
-            </a:r>
             <a:endParaRPr/>
           </a:p>
         </p:txBody>
       </p:sp>
     </p:spTree>
+    <p:extLst>
+      <p:ext uri="{BB962C8B-B14F-4D97-AF65-F5344CB8AC3E}">
+        <p14:creationId xmlns:p14="http://schemas.microsoft.com/office/powerpoint/2010/main" val="3530680213"/>
+      </p:ext>
+    </p:extLst>
   </p:cSld>
   <p:clrMapOvr>
     <a:masterClrMapping/>
@@ -1709,12 +2001,12 @@
 </p:notes>
 </file>
 
-<file path=ppt/notesSlides/notesSlide2.xml><?xml version="1.0" encoding="utf-8"?>
-<p:notes xmlns:a="http://schemas.openxmlformats.org/drawingml/2006/main" xmlns:r="http://schemas.openxmlformats.org/officeDocument/2006/relationships" xmlns:mc="http://schemas.openxmlformats.org/markup-compatibility/2006" xmlns:mv="urn:schemas-microsoft-com:mac:vml" xmlns:p="http://schemas.openxmlformats.org/presentationml/2006/main" xmlns:c="http://schemas.openxmlformats.org/drawingml/2006/chart" xmlns:dgm="http://schemas.openxmlformats.org/drawingml/2006/diagram" xmlns:o="urn:schemas-microsoft-com:office:office" xmlns:v="urn:schemas-microsoft-com:vml" xmlns:pvml="urn:schemas-microsoft-com:office:powerpoint" xmlns:com="http://schemas.openxmlformats.org/drawingml/2006/compatibility" xmlns:p14="http://schemas.microsoft.com/office/powerpoint/2010/main" xmlns:p15="http://schemas.microsoft.com/office/powerpoint/2012/main" xmlns:ahyp="http://schemas.microsoft.com/office/drawing/2018/hyperlinkcolor" showMasterPhAnim="0" showMasterSp="0">
+<file path=ppt/notesSlides/notesSlide19.xml><?xml version="1.0" encoding="utf-8"?>
+<p:notes xmlns:a="http://schemas.openxmlformats.org/drawingml/2006/main" xmlns:r="http://schemas.openxmlformats.org/officeDocument/2006/relationships" xmlns:p="http://schemas.openxmlformats.org/presentationml/2006/main" showMasterSp="0" showMasterPhAnim="0">
   <p:cSld>
     <p:spTree>
       <p:nvGrpSpPr>
-        <p:cNvPr id="64" name="Shape 64"/>
+        <p:cNvPr id="1" name="Shape 169"/>
         <p:cNvGrpSpPr/>
         <p:nvPr/>
       </p:nvGrpSpPr>
@@ -1728,21 +2020,27 @@
       </p:grpSpPr>
       <p:sp>
         <p:nvSpPr>
-          <p:cNvPr id="65" name="Google Shape;65;g29f943ba83d_1_0:notes"/>
-          <p:cNvSpPr/>
+          <p:cNvPr id="170" name="Google Shape;170;g2a02246be5e_0_43:notes"/>
+          <p:cNvSpPr>
+            <a:spLocks noGrp="1" noRot="1" noChangeAspect="1"/>
+          </p:cNvSpPr>
           <p:nvPr>
-            <p:ph idx="2" type="sldImg"/>
+            <p:ph type="sldImg" idx="2"/>
           </p:nvPr>
         </p:nvSpPr>
         <p:spPr>
           <a:xfrm>
-            <a:off x="381300" y="685800"/>
+            <a:off x="381000" y="685800"/>
             <a:ext cx="6096000" cy="3429000"/>
           </a:xfrm>
           <a:custGeom>
-            <a:rect b="b" l="l" r="r" t="t"/>
+            <a:avLst/>
+            <a:gdLst/>
+            <a:ahLst/>
+            <a:cxnLst/>
+            <a:rect l="l" t="t" r="r" b="b"/>
             <a:pathLst>
-              <a:path extrusionOk="0" h="120000" w="120000">
+              <a:path w="120000" h="120000" extrusionOk="0">
                 <a:moveTo>
                   <a:pt x="0" y="0"/>
                 </a:moveTo>
@@ -1763,10 +2061,12 @@
       </p:sp>
       <p:sp>
         <p:nvSpPr>
-          <p:cNvPr id="66" name="Google Shape;66;g29f943ba83d_1_0:notes"/>
-          <p:cNvSpPr txBox="1"/>
+          <p:cNvPr id="171" name="Google Shape;171;g2a02246be5e_0_43:notes"/>
+          <p:cNvSpPr txBox="1">
+            <a:spLocks noGrp="1"/>
+          </p:cNvSpPr>
           <p:nvPr>
-            <p:ph idx="1" type="body"/>
+            <p:ph type="body" idx="1"/>
           </p:nvPr>
         </p:nvSpPr>
         <p:spPr>
@@ -1779,12 +2079,12 @@
           </a:prstGeom>
         </p:spPr>
         <p:txBody>
-          <a:bodyPr anchorCtr="0" anchor="t" bIns="91425" lIns="91425" spcFirstLastPara="1" rIns="91425" wrap="square" tIns="91425">
+          <a:bodyPr spcFirstLastPara="1" wrap="square" lIns="91425" tIns="91425" rIns="91425" bIns="91425" anchor="t" anchorCtr="0">
             <a:noAutofit/>
           </a:bodyPr>
           <a:lstStyle/>
           <a:p>
-            <a:pPr indent="0" lvl="0" marL="0" rtl="0" algn="l">
+            <a:pPr marL="0" lvl="0" indent="0" algn="l" rtl="0">
               <a:spcBef>
                 <a:spcPts val="0"/>
               </a:spcBef>
@@ -1793,9 +2093,6 @@
               </a:spcAft>
               <a:buNone/>
             </a:pPr>
-            <a:r>
-              <a:t/>
-            </a:r>
             <a:endParaRPr/>
           </a:p>
         </p:txBody>
@@ -1808,12 +2105,12 @@
 </p:notes>
 </file>
 
-<file path=ppt/notesSlides/notesSlide3.xml><?xml version="1.0" encoding="utf-8"?>
-<p:notes xmlns:a="http://schemas.openxmlformats.org/drawingml/2006/main" xmlns:r="http://schemas.openxmlformats.org/officeDocument/2006/relationships" xmlns:mc="http://schemas.openxmlformats.org/markup-compatibility/2006" xmlns:mv="urn:schemas-microsoft-com:mac:vml" xmlns:p="http://schemas.openxmlformats.org/presentationml/2006/main" xmlns:c="http://schemas.openxmlformats.org/drawingml/2006/chart" xmlns:dgm="http://schemas.openxmlformats.org/drawingml/2006/diagram" xmlns:o="urn:schemas-microsoft-com:office:office" xmlns:v="urn:schemas-microsoft-com:vml" xmlns:pvml="urn:schemas-microsoft-com:office:powerpoint" xmlns:com="http://schemas.openxmlformats.org/drawingml/2006/compatibility" xmlns:p14="http://schemas.microsoft.com/office/powerpoint/2010/main" xmlns:p15="http://schemas.microsoft.com/office/powerpoint/2012/main" xmlns:ahyp="http://schemas.microsoft.com/office/drawing/2018/hyperlinkcolor" showMasterPhAnim="0" showMasterSp="0">
+<file path=ppt/notesSlides/notesSlide2.xml><?xml version="1.0" encoding="utf-8"?>
+<p:notes xmlns:a="http://schemas.openxmlformats.org/drawingml/2006/main" xmlns:r="http://schemas.openxmlformats.org/officeDocument/2006/relationships" xmlns:p="http://schemas.openxmlformats.org/presentationml/2006/main" showMasterSp="0" showMasterPhAnim="0">
   <p:cSld>
     <p:spTree>
       <p:nvGrpSpPr>
-        <p:cNvPr id="71" name="Shape 71"/>
+        <p:cNvPr id="1" name="Shape 64"/>
         <p:cNvGrpSpPr/>
         <p:nvPr/>
       </p:nvGrpSpPr>
@@ -1827,21 +2124,27 @@
       </p:grpSpPr>
       <p:sp>
         <p:nvSpPr>
-          <p:cNvPr id="72" name="Google Shape;72;g2a02246be5e_0_19:notes"/>
-          <p:cNvSpPr/>
+          <p:cNvPr id="65" name="Google Shape;65;g29f943ba83d_1_0:notes"/>
+          <p:cNvSpPr>
+            <a:spLocks noGrp="1" noRot="1" noChangeAspect="1"/>
+          </p:cNvSpPr>
           <p:nvPr>
-            <p:ph idx="2" type="sldImg"/>
+            <p:ph type="sldImg" idx="2"/>
           </p:nvPr>
         </p:nvSpPr>
         <p:spPr>
           <a:xfrm>
-            <a:off x="381300" y="685800"/>
+            <a:off x="381000" y="685800"/>
             <a:ext cx="6096000" cy="3429000"/>
           </a:xfrm>
           <a:custGeom>
-            <a:rect b="b" l="l" r="r" t="t"/>
+            <a:avLst/>
+            <a:gdLst/>
+            <a:ahLst/>
+            <a:cxnLst/>
+            <a:rect l="l" t="t" r="r" b="b"/>
             <a:pathLst>
-              <a:path extrusionOk="0" h="120000" w="120000">
+              <a:path w="120000" h="120000" extrusionOk="0">
                 <a:moveTo>
                   <a:pt x="0" y="0"/>
                 </a:moveTo>
@@ -1862,10 +2165,12 @@
       </p:sp>
       <p:sp>
         <p:nvSpPr>
-          <p:cNvPr id="73" name="Google Shape;73;g2a02246be5e_0_19:notes"/>
-          <p:cNvSpPr txBox="1"/>
+          <p:cNvPr id="66" name="Google Shape;66;g29f943ba83d_1_0:notes"/>
+          <p:cNvSpPr txBox="1">
+            <a:spLocks noGrp="1"/>
+          </p:cNvSpPr>
           <p:nvPr>
-            <p:ph idx="1" type="body"/>
+            <p:ph type="body" idx="1"/>
           </p:nvPr>
         </p:nvSpPr>
         <p:spPr>
@@ -1878,12 +2183,12 @@
           </a:prstGeom>
         </p:spPr>
         <p:txBody>
-          <a:bodyPr anchorCtr="0" anchor="t" bIns="91425" lIns="91425" spcFirstLastPara="1" rIns="91425" wrap="square" tIns="91425">
+          <a:bodyPr spcFirstLastPara="1" wrap="square" lIns="91425" tIns="91425" rIns="91425" bIns="91425" anchor="t" anchorCtr="0">
             <a:noAutofit/>
           </a:bodyPr>
           <a:lstStyle/>
           <a:p>
-            <a:pPr indent="0" lvl="0" marL="0" rtl="0" algn="l">
+            <a:pPr marL="0" lvl="0" indent="0" algn="l" rtl="0">
               <a:spcBef>
                 <a:spcPts val="0"/>
               </a:spcBef>
@@ -1892,9 +2197,6 @@
               </a:spcAft>
               <a:buNone/>
             </a:pPr>
-            <a:r>
-              <a:t/>
-            </a:r>
             <a:endParaRPr/>
           </a:p>
         </p:txBody>
@@ -1907,12 +2209,12 @@
 </p:notes>
 </file>
 
-<file path=ppt/notesSlides/notesSlide4.xml><?xml version="1.0" encoding="utf-8"?>
-<p:notes xmlns:a="http://schemas.openxmlformats.org/drawingml/2006/main" xmlns:r="http://schemas.openxmlformats.org/officeDocument/2006/relationships" xmlns:mc="http://schemas.openxmlformats.org/markup-compatibility/2006" xmlns:mv="urn:schemas-microsoft-com:mac:vml" xmlns:p="http://schemas.openxmlformats.org/presentationml/2006/main" xmlns:c="http://schemas.openxmlformats.org/drawingml/2006/chart" xmlns:dgm="http://schemas.openxmlformats.org/drawingml/2006/diagram" xmlns:o="urn:schemas-microsoft-com:office:office" xmlns:v="urn:schemas-microsoft-com:vml" xmlns:pvml="urn:schemas-microsoft-com:office:powerpoint" xmlns:com="http://schemas.openxmlformats.org/drawingml/2006/compatibility" xmlns:p14="http://schemas.microsoft.com/office/powerpoint/2010/main" xmlns:p15="http://schemas.microsoft.com/office/powerpoint/2012/main" xmlns:ahyp="http://schemas.microsoft.com/office/drawing/2018/hyperlinkcolor" showMasterPhAnim="0" showMasterSp="0">
+<file path=ppt/notesSlides/notesSlide20.xml><?xml version="1.0" encoding="utf-8"?>
+<p:notes xmlns:a="http://schemas.openxmlformats.org/drawingml/2006/main" xmlns:r="http://schemas.openxmlformats.org/officeDocument/2006/relationships" xmlns:p="http://schemas.openxmlformats.org/presentationml/2006/main" showMasterSp="0" showMasterPhAnim="0">
   <p:cSld>
     <p:spTree>
       <p:nvGrpSpPr>
-        <p:cNvPr id="77" name="Shape 77"/>
+        <p:cNvPr id="1" name="Shape 176"/>
         <p:cNvGrpSpPr/>
         <p:nvPr/>
       </p:nvGrpSpPr>
@@ -1926,10 +2228,12 @@
       </p:grpSpPr>
       <p:sp>
         <p:nvSpPr>
-          <p:cNvPr id="78" name="Google Shape;78;g2a02246be5e_0_12:notes"/>
-          <p:cNvSpPr/>
+          <p:cNvPr id="177" name="Google Shape;177;g26275de8092_0_0:notes"/>
+          <p:cNvSpPr>
+            <a:spLocks noGrp="1" noRot="1" noChangeAspect="1"/>
+          </p:cNvSpPr>
           <p:nvPr>
-            <p:ph idx="2" type="sldImg"/>
+            <p:ph type="sldImg" idx="2"/>
           </p:nvPr>
         </p:nvSpPr>
         <p:spPr>
@@ -1938,9 +2242,13 @@
             <a:ext cx="6096000" cy="3429000"/>
           </a:xfrm>
           <a:custGeom>
-            <a:rect b="b" l="l" r="r" t="t"/>
+            <a:avLst/>
+            <a:gdLst/>
+            <a:ahLst/>
+            <a:cxnLst/>
+            <a:rect l="l" t="t" r="r" b="b"/>
             <a:pathLst>
-              <a:path extrusionOk="0" h="120000" w="120000">
+              <a:path w="120000" h="120000" extrusionOk="0">
                 <a:moveTo>
                   <a:pt x="0" y="0"/>
                 </a:moveTo>
@@ -1961,10 +2269,12 @@
       </p:sp>
       <p:sp>
         <p:nvSpPr>
-          <p:cNvPr id="79" name="Google Shape;79;g2a02246be5e_0_12:notes"/>
-          <p:cNvSpPr txBox="1"/>
+          <p:cNvPr id="178" name="Google Shape;178;g26275de8092_0_0:notes"/>
+          <p:cNvSpPr txBox="1">
+            <a:spLocks noGrp="1"/>
+          </p:cNvSpPr>
           <p:nvPr>
-            <p:ph idx="1" type="body"/>
+            <p:ph type="body" idx="1"/>
           </p:nvPr>
         </p:nvSpPr>
         <p:spPr>
@@ -1977,12 +2287,12 @@
           </a:prstGeom>
         </p:spPr>
         <p:txBody>
-          <a:bodyPr anchorCtr="0" anchor="t" bIns="91425" lIns="91425" spcFirstLastPara="1" rIns="91425" wrap="square" tIns="91425">
+          <a:bodyPr spcFirstLastPara="1" wrap="square" lIns="91425" tIns="91425" rIns="91425" bIns="91425" anchor="t" anchorCtr="0">
             <a:noAutofit/>
           </a:bodyPr>
           <a:lstStyle/>
           <a:p>
-            <a:pPr indent="0" lvl="0" marL="0" rtl="0" algn="l">
+            <a:pPr marL="0" lvl="0" indent="0" algn="l" rtl="0">
               <a:spcBef>
                 <a:spcPts val="0"/>
               </a:spcBef>
@@ -1991,9 +2301,6 @@
               </a:spcAft>
               <a:buNone/>
             </a:pPr>
-            <a:r>
-              <a:t/>
-            </a:r>
             <a:endParaRPr/>
           </a:p>
         </p:txBody>
@@ -2006,12 +2313,12 @@
 </p:notes>
 </file>
 
-<file path=ppt/notesSlides/notesSlide5.xml><?xml version="1.0" encoding="utf-8"?>
-<p:notes xmlns:a="http://schemas.openxmlformats.org/drawingml/2006/main" xmlns:r="http://schemas.openxmlformats.org/officeDocument/2006/relationships" xmlns:mc="http://schemas.openxmlformats.org/markup-compatibility/2006" xmlns:mv="urn:schemas-microsoft-com:mac:vml" xmlns:p="http://schemas.openxmlformats.org/presentationml/2006/main" xmlns:c="http://schemas.openxmlformats.org/drawingml/2006/chart" xmlns:dgm="http://schemas.openxmlformats.org/drawingml/2006/diagram" xmlns:o="urn:schemas-microsoft-com:office:office" xmlns:v="urn:schemas-microsoft-com:vml" xmlns:pvml="urn:schemas-microsoft-com:office:powerpoint" xmlns:com="http://schemas.openxmlformats.org/drawingml/2006/compatibility" xmlns:p14="http://schemas.microsoft.com/office/powerpoint/2010/main" xmlns:p15="http://schemas.microsoft.com/office/powerpoint/2012/main" xmlns:ahyp="http://schemas.microsoft.com/office/drawing/2018/hyperlinkcolor" showMasterPhAnim="0" showMasterSp="0">
+<file path=ppt/notesSlides/notesSlide21.xml><?xml version="1.0" encoding="utf-8"?>
+<p:notes xmlns:a="http://schemas.openxmlformats.org/drawingml/2006/main" xmlns:r="http://schemas.openxmlformats.org/officeDocument/2006/relationships" xmlns:p="http://schemas.openxmlformats.org/presentationml/2006/main" showMasterSp="0" showMasterPhAnim="0">
   <p:cSld>
     <p:spTree>
       <p:nvGrpSpPr>
-        <p:cNvPr id="85" name="Shape 85"/>
+        <p:cNvPr id="1" name="Shape 182"/>
         <p:cNvGrpSpPr/>
         <p:nvPr/>
       </p:nvGrpSpPr>
@@ -2025,21 +2332,27 @@
       </p:grpSpPr>
       <p:sp>
         <p:nvSpPr>
-          <p:cNvPr id="86" name="Google Shape;86;g29f943ba83d_0_0:notes"/>
-          <p:cNvSpPr/>
+          <p:cNvPr id="183" name="Google Shape;183;g29f65666c06_0_0:notes"/>
+          <p:cNvSpPr>
+            <a:spLocks noGrp="1" noRot="1" noChangeAspect="1"/>
+          </p:cNvSpPr>
           <p:nvPr>
-            <p:ph idx="2" type="sldImg"/>
+            <p:ph type="sldImg" idx="2"/>
           </p:nvPr>
         </p:nvSpPr>
         <p:spPr>
           <a:xfrm>
-            <a:off x="381300" y="685800"/>
+            <a:off x="381000" y="685800"/>
             <a:ext cx="6096000" cy="3429000"/>
           </a:xfrm>
           <a:custGeom>
-            <a:rect b="b" l="l" r="r" t="t"/>
+            <a:avLst/>
+            <a:gdLst/>
+            <a:ahLst/>
+            <a:cxnLst/>
+            <a:rect l="l" t="t" r="r" b="b"/>
             <a:pathLst>
-              <a:path extrusionOk="0" h="120000" w="120000">
+              <a:path w="120000" h="120000" extrusionOk="0">
                 <a:moveTo>
                   <a:pt x="0" y="0"/>
                 </a:moveTo>
@@ -2060,10 +2373,12 @@
       </p:sp>
       <p:sp>
         <p:nvSpPr>
-          <p:cNvPr id="87" name="Google Shape;87;g29f943ba83d_0_0:notes"/>
-          <p:cNvSpPr txBox="1"/>
+          <p:cNvPr id="184" name="Google Shape;184;g29f65666c06_0_0:notes"/>
+          <p:cNvSpPr txBox="1">
+            <a:spLocks noGrp="1"/>
+          </p:cNvSpPr>
           <p:nvPr>
-            <p:ph idx="1" type="body"/>
+            <p:ph type="body" idx="1"/>
           </p:nvPr>
         </p:nvSpPr>
         <p:spPr>
@@ -2076,12 +2391,12 @@
           </a:prstGeom>
         </p:spPr>
         <p:txBody>
-          <a:bodyPr anchorCtr="0" anchor="t" bIns="91425" lIns="91425" spcFirstLastPara="1" rIns="91425" wrap="square" tIns="91425">
+          <a:bodyPr spcFirstLastPara="1" wrap="square" lIns="91425" tIns="91425" rIns="91425" bIns="91425" anchor="t" anchorCtr="0">
             <a:noAutofit/>
           </a:bodyPr>
           <a:lstStyle/>
           <a:p>
-            <a:pPr indent="0" lvl="0" marL="0" rtl="0" algn="l">
+            <a:pPr marL="0" lvl="0" indent="0" algn="l" rtl="0">
               <a:spcBef>
                 <a:spcPts val="0"/>
               </a:spcBef>
@@ -2090,9 +2405,6 @@
               </a:spcAft>
               <a:buNone/>
             </a:pPr>
-            <a:r>
-              <a:t/>
-            </a:r>
             <a:endParaRPr/>
           </a:p>
         </p:txBody>
@@ -2105,12 +2417,12 @@
 </p:notes>
 </file>
 
-<file path=ppt/notesSlides/notesSlide6.xml><?xml version="1.0" encoding="utf-8"?>
-<p:notes xmlns:a="http://schemas.openxmlformats.org/drawingml/2006/main" xmlns:r="http://schemas.openxmlformats.org/officeDocument/2006/relationships" xmlns:mc="http://schemas.openxmlformats.org/markup-compatibility/2006" xmlns:mv="urn:schemas-microsoft-com:mac:vml" xmlns:p="http://schemas.openxmlformats.org/presentationml/2006/main" xmlns:c="http://schemas.openxmlformats.org/drawingml/2006/chart" xmlns:dgm="http://schemas.openxmlformats.org/drawingml/2006/diagram" xmlns:o="urn:schemas-microsoft-com:office:office" xmlns:v="urn:schemas-microsoft-com:vml" xmlns:pvml="urn:schemas-microsoft-com:office:powerpoint" xmlns:com="http://schemas.openxmlformats.org/drawingml/2006/compatibility" xmlns:p14="http://schemas.microsoft.com/office/powerpoint/2010/main" xmlns:p15="http://schemas.microsoft.com/office/powerpoint/2012/main" xmlns:ahyp="http://schemas.microsoft.com/office/drawing/2018/hyperlinkcolor" showMasterPhAnim="0" showMasterSp="0">
+<file path=ppt/notesSlides/notesSlide3.xml><?xml version="1.0" encoding="utf-8"?>
+<p:notes xmlns:a="http://schemas.openxmlformats.org/drawingml/2006/main" xmlns:r="http://schemas.openxmlformats.org/officeDocument/2006/relationships" xmlns:p="http://schemas.openxmlformats.org/presentationml/2006/main" showMasterSp="0" showMasterPhAnim="0">
   <p:cSld>
     <p:spTree>
       <p:nvGrpSpPr>
-        <p:cNvPr id="94" name="Shape 94"/>
+        <p:cNvPr id="1" name="Shape 71"/>
         <p:cNvGrpSpPr/>
         <p:nvPr/>
       </p:nvGrpSpPr>
@@ -2124,10 +2436,12 @@
       </p:grpSpPr>
       <p:sp>
         <p:nvSpPr>
-          <p:cNvPr id="95" name="Google Shape;95;g2a02246be5e_0_1:notes"/>
-          <p:cNvSpPr/>
+          <p:cNvPr id="72" name="Google Shape;72;g2a02246be5e_0_19:notes"/>
+          <p:cNvSpPr>
+            <a:spLocks noGrp="1" noRot="1" noChangeAspect="1"/>
+          </p:cNvSpPr>
           <p:nvPr>
-            <p:ph idx="2" type="sldImg"/>
+            <p:ph type="sldImg" idx="2"/>
           </p:nvPr>
         </p:nvSpPr>
         <p:spPr>
@@ -2136,9 +2450,13 @@
             <a:ext cx="6096000" cy="3429000"/>
           </a:xfrm>
           <a:custGeom>
-            <a:rect b="b" l="l" r="r" t="t"/>
+            <a:avLst/>
+            <a:gdLst/>
+            <a:ahLst/>
+            <a:cxnLst/>
+            <a:rect l="l" t="t" r="r" b="b"/>
             <a:pathLst>
-              <a:path extrusionOk="0" h="120000" w="120000">
+              <a:path w="120000" h="120000" extrusionOk="0">
                 <a:moveTo>
                   <a:pt x="0" y="0"/>
                 </a:moveTo>
@@ -2159,10 +2477,12 @@
       </p:sp>
       <p:sp>
         <p:nvSpPr>
-          <p:cNvPr id="96" name="Google Shape;96;g2a02246be5e_0_1:notes"/>
-          <p:cNvSpPr txBox="1"/>
+          <p:cNvPr id="73" name="Google Shape;73;g2a02246be5e_0_19:notes"/>
+          <p:cNvSpPr txBox="1">
+            <a:spLocks noGrp="1"/>
+          </p:cNvSpPr>
           <p:nvPr>
-            <p:ph idx="1" type="body"/>
+            <p:ph type="body" idx="1"/>
           </p:nvPr>
         </p:nvSpPr>
         <p:spPr>
@@ -2175,12 +2495,12 @@
           </a:prstGeom>
         </p:spPr>
         <p:txBody>
-          <a:bodyPr anchorCtr="0" anchor="t" bIns="91425" lIns="91425" spcFirstLastPara="1" rIns="91425" wrap="square" tIns="91425">
+          <a:bodyPr spcFirstLastPara="1" wrap="square" lIns="91425" tIns="91425" rIns="91425" bIns="91425" anchor="t" anchorCtr="0">
             <a:noAutofit/>
           </a:bodyPr>
           <a:lstStyle/>
           <a:p>
-            <a:pPr indent="0" lvl="0" marL="0" rtl="0" algn="l">
+            <a:pPr marL="0" lvl="0" indent="0" algn="l" rtl="0">
               <a:spcBef>
                 <a:spcPts val="0"/>
               </a:spcBef>
@@ -2189,9 +2509,6 @@
               </a:spcAft>
               <a:buNone/>
             </a:pPr>
-            <a:r>
-              <a:t/>
-            </a:r>
             <a:endParaRPr/>
           </a:p>
         </p:txBody>
@@ -2204,12 +2521,12 @@
 </p:notes>
 </file>
 
-<file path=ppt/notesSlides/notesSlide7.xml><?xml version="1.0" encoding="utf-8"?>
-<p:notes xmlns:a="http://schemas.openxmlformats.org/drawingml/2006/main" xmlns:r="http://schemas.openxmlformats.org/officeDocument/2006/relationships" xmlns:mc="http://schemas.openxmlformats.org/markup-compatibility/2006" xmlns:mv="urn:schemas-microsoft-com:mac:vml" xmlns:p="http://schemas.openxmlformats.org/presentationml/2006/main" xmlns:c="http://schemas.openxmlformats.org/drawingml/2006/chart" xmlns:dgm="http://schemas.openxmlformats.org/drawingml/2006/diagram" xmlns:o="urn:schemas-microsoft-com:office:office" xmlns:v="urn:schemas-microsoft-com:vml" xmlns:pvml="urn:schemas-microsoft-com:office:powerpoint" xmlns:com="http://schemas.openxmlformats.org/drawingml/2006/compatibility" xmlns:p14="http://schemas.microsoft.com/office/powerpoint/2010/main" xmlns:p15="http://schemas.microsoft.com/office/powerpoint/2012/main" xmlns:ahyp="http://schemas.microsoft.com/office/drawing/2018/hyperlinkcolor" showMasterPhAnim="0" showMasterSp="0">
+<file path=ppt/notesSlides/notesSlide4.xml><?xml version="1.0" encoding="utf-8"?>
+<p:notes xmlns:a="http://schemas.openxmlformats.org/drawingml/2006/main" xmlns:r="http://schemas.openxmlformats.org/officeDocument/2006/relationships" xmlns:p="http://schemas.openxmlformats.org/presentationml/2006/main" showMasterSp="0" showMasterPhAnim="0">
   <p:cSld>
     <p:spTree>
       <p:nvGrpSpPr>
-        <p:cNvPr id="101" name="Shape 101"/>
+        <p:cNvPr id="1" name="Shape 77"/>
         <p:cNvGrpSpPr/>
         <p:nvPr/>
       </p:nvGrpSpPr>
@@ -2223,21 +2540,27 @@
       </p:grpSpPr>
       <p:sp>
         <p:nvSpPr>
-          <p:cNvPr id="102" name="Google Shape;102;g2a02246be5e_0_27:notes"/>
-          <p:cNvSpPr/>
+          <p:cNvPr id="78" name="Google Shape;78;g2a02246be5e_0_12:notes"/>
+          <p:cNvSpPr>
+            <a:spLocks noGrp="1" noRot="1" noChangeAspect="1"/>
+          </p:cNvSpPr>
           <p:nvPr>
-            <p:ph idx="2" type="sldImg"/>
+            <p:ph type="sldImg" idx="2"/>
           </p:nvPr>
         </p:nvSpPr>
         <p:spPr>
           <a:xfrm>
-            <a:off x="381300" y="685800"/>
+            <a:off x="381000" y="685800"/>
             <a:ext cx="6096000" cy="3429000"/>
           </a:xfrm>
           <a:custGeom>
-            <a:rect b="b" l="l" r="r" t="t"/>
+            <a:avLst/>
+            <a:gdLst/>
+            <a:ahLst/>
+            <a:cxnLst/>
+            <a:rect l="l" t="t" r="r" b="b"/>
             <a:pathLst>
-              <a:path extrusionOk="0" h="120000" w="120000">
+              <a:path w="120000" h="120000" extrusionOk="0">
                 <a:moveTo>
                   <a:pt x="0" y="0"/>
                 </a:moveTo>
@@ -2258,10 +2581,12 @@
       </p:sp>
       <p:sp>
         <p:nvSpPr>
-          <p:cNvPr id="103" name="Google Shape;103;g2a02246be5e_0_27:notes"/>
-          <p:cNvSpPr txBox="1"/>
+          <p:cNvPr id="79" name="Google Shape;79;g2a02246be5e_0_12:notes"/>
+          <p:cNvSpPr txBox="1">
+            <a:spLocks noGrp="1"/>
+          </p:cNvSpPr>
           <p:nvPr>
-            <p:ph idx="1" type="body"/>
+            <p:ph type="body" idx="1"/>
           </p:nvPr>
         </p:nvSpPr>
         <p:spPr>
@@ -2274,12 +2599,12 @@
           </a:prstGeom>
         </p:spPr>
         <p:txBody>
-          <a:bodyPr anchorCtr="0" anchor="t" bIns="91425" lIns="91425" spcFirstLastPara="1" rIns="91425" wrap="square" tIns="91425">
+          <a:bodyPr spcFirstLastPara="1" wrap="square" lIns="91425" tIns="91425" rIns="91425" bIns="91425" anchor="t" anchorCtr="0">
             <a:noAutofit/>
           </a:bodyPr>
           <a:lstStyle/>
           <a:p>
-            <a:pPr indent="0" lvl="0" marL="0" rtl="0" algn="l">
+            <a:pPr marL="0" lvl="0" indent="0" algn="l" rtl="0">
               <a:spcBef>
                 <a:spcPts val="0"/>
               </a:spcBef>
@@ -2288,9 +2613,6 @@
               </a:spcAft>
               <a:buNone/>
             </a:pPr>
-            <a:r>
-              <a:t/>
-            </a:r>
             <a:endParaRPr/>
           </a:p>
         </p:txBody>
@@ -2303,12 +2625,12 @@
 </p:notes>
 </file>
 
-<file path=ppt/notesSlides/notesSlide8.xml><?xml version="1.0" encoding="utf-8"?>
-<p:notes xmlns:a="http://schemas.openxmlformats.org/drawingml/2006/main" xmlns:r="http://schemas.openxmlformats.org/officeDocument/2006/relationships" xmlns:mc="http://schemas.openxmlformats.org/markup-compatibility/2006" xmlns:mv="urn:schemas-microsoft-com:mac:vml" xmlns:p="http://schemas.openxmlformats.org/presentationml/2006/main" xmlns:c="http://schemas.openxmlformats.org/drawingml/2006/chart" xmlns:dgm="http://schemas.openxmlformats.org/drawingml/2006/diagram" xmlns:o="urn:schemas-microsoft-com:office:office" xmlns:v="urn:schemas-microsoft-com:vml" xmlns:pvml="urn:schemas-microsoft-com:office:powerpoint" xmlns:com="http://schemas.openxmlformats.org/drawingml/2006/compatibility" xmlns:p14="http://schemas.microsoft.com/office/powerpoint/2010/main" xmlns:p15="http://schemas.microsoft.com/office/powerpoint/2012/main" xmlns:ahyp="http://schemas.microsoft.com/office/drawing/2018/hyperlinkcolor" showMasterPhAnim="0" showMasterSp="0">
+<file path=ppt/notesSlides/notesSlide5.xml><?xml version="1.0" encoding="utf-8"?>
+<p:notes xmlns:a="http://schemas.openxmlformats.org/drawingml/2006/main" xmlns:r="http://schemas.openxmlformats.org/officeDocument/2006/relationships" xmlns:p="http://schemas.openxmlformats.org/presentationml/2006/main" showMasterSp="0" showMasterPhAnim="0">
   <p:cSld>
     <p:spTree>
       <p:nvGrpSpPr>
-        <p:cNvPr id="108" name="Shape 108"/>
+        <p:cNvPr id="1" name="Shape 85"/>
         <p:cNvGrpSpPr/>
         <p:nvPr/>
       </p:nvGrpSpPr>
@@ -2322,10 +2644,12 @@
       </p:grpSpPr>
       <p:sp>
         <p:nvSpPr>
-          <p:cNvPr id="109" name="Google Shape;109;g29f943ba83d_0_25:notes"/>
-          <p:cNvSpPr/>
+          <p:cNvPr id="86" name="Google Shape;86;g29f943ba83d_0_0:notes"/>
+          <p:cNvSpPr>
+            <a:spLocks noGrp="1" noRot="1" noChangeAspect="1"/>
+          </p:cNvSpPr>
           <p:nvPr>
-            <p:ph idx="2" type="sldImg"/>
+            <p:ph type="sldImg" idx="2"/>
           </p:nvPr>
         </p:nvSpPr>
         <p:spPr>
@@ -2334,9 +2658,13 @@
             <a:ext cx="6096000" cy="3429000"/>
           </a:xfrm>
           <a:custGeom>
-            <a:rect b="b" l="l" r="r" t="t"/>
+            <a:avLst/>
+            <a:gdLst/>
+            <a:ahLst/>
+            <a:cxnLst/>
+            <a:rect l="l" t="t" r="r" b="b"/>
             <a:pathLst>
-              <a:path extrusionOk="0" h="120000" w="120000">
+              <a:path w="120000" h="120000" extrusionOk="0">
                 <a:moveTo>
                   <a:pt x="0" y="0"/>
                 </a:moveTo>
@@ -2357,10 +2685,12 @@
       </p:sp>
       <p:sp>
         <p:nvSpPr>
-          <p:cNvPr id="110" name="Google Shape;110;g29f943ba83d_0_25:notes"/>
-          <p:cNvSpPr txBox="1"/>
+          <p:cNvPr id="87" name="Google Shape;87;g29f943ba83d_0_0:notes"/>
+          <p:cNvSpPr txBox="1">
+            <a:spLocks noGrp="1"/>
+          </p:cNvSpPr>
           <p:nvPr>
-            <p:ph idx="1" type="body"/>
+            <p:ph type="body" idx="1"/>
           </p:nvPr>
         </p:nvSpPr>
         <p:spPr>
@@ -2373,12 +2703,12 @@
           </a:prstGeom>
         </p:spPr>
         <p:txBody>
-          <a:bodyPr anchorCtr="0" anchor="t" bIns="91425" lIns="91425" spcFirstLastPara="1" rIns="91425" wrap="square" tIns="91425">
+          <a:bodyPr spcFirstLastPara="1" wrap="square" lIns="91425" tIns="91425" rIns="91425" bIns="91425" anchor="t" anchorCtr="0">
             <a:noAutofit/>
           </a:bodyPr>
           <a:lstStyle/>
           <a:p>
-            <a:pPr indent="0" lvl="0" marL="0" rtl="0" algn="l">
+            <a:pPr marL="0" lvl="0" indent="0" algn="l" rtl="0">
               <a:spcBef>
                 <a:spcPts val="0"/>
               </a:spcBef>
@@ -2387,9 +2717,6 @@
               </a:spcAft>
               <a:buNone/>
             </a:pPr>
-            <a:r>
-              <a:t/>
-            </a:r>
             <a:endParaRPr/>
           </a:p>
         </p:txBody>
@@ -2402,12 +2729,12 @@
 </p:notes>
 </file>
 
-<file path=ppt/notesSlides/notesSlide9.xml><?xml version="1.0" encoding="utf-8"?>
-<p:notes xmlns:a="http://schemas.openxmlformats.org/drawingml/2006/main" xmlns:r="http://schemas.openxmlformats.org/officeDocument/2006/relationships" xmlns:mc="http://schemas.openxmlformats.org/markup-compatibility/2006" xmlns:mv="urn:schemas-microsoft-com:mac:vml" xmlns:p="http://schemas.openxmlformats.org/presentationml/2006/main" xmlns:c="http://schemas.openxmlformats.org/drawingml/2006/chart" xmlns:dgm="http://schemas.openxmlformats.org/drawingml/2006/diagram" xmlns:o="urn:schemas-microsoft-com:office:office" xmlns:v="urn:schemas-microsoft-com:vml" xmlns:pvml="urn:schemas-microsoft-com:office:powerpoint" xmlns:com="http://schemas.openxmlformats.org/drawingml/2006/compatibility" xmlns:p14="http://schemas.microsoft.com/office/powerpoint/2010/main" xmlns:p15="http://schemas.microsoft.com/office/powerpoint/2012/main" xmlns:ahyp="http://schemas.microsoft.com/office/drawing/2018/hyperlinkcolor" showMasterPhAnim="0" showMasterSp="0">
+<file path=ppt/notesSlides/notesSlide6.xml><?xml version="1.0" encoding="utf-8"?>
+<p:notes xmlns:a="http://schemas.openxmlformats.org/drawingml/2006/main" xmlns:r="http://schemas.openxmlformats.org/officeDocument/2006/relationships" xmlns:p="http://schemas.openxmlformats.org/presentationml/2006/main" showMasterSp="0" showMasterPhAnim="0">
   <p:cSld>
     <p:spTree>
       <p:nvGrpSpPr>
-        <p:cNvPr id="115" name="Shape 115"/>
+        <p:cNvPr id="1" name="Shape 94"/>
         <p:cNvGrpSpPr/>
         <p:nvPr/>
       </p:nvGrpSpPr>
@@ -2421,10 +2748,12 @@
       </p:grpSpPr>
       <p:sp>
         <p:nvSpPr>
-          <p:cNvPr id="116" name="Google Shape;116;g29f943ba83d_0_20:notes"/>
-          <p:cNvSpPr/>
+          <p:cNvPr id="95" name="Google Shape;95;g2a02246be5e_0_1:notes"/>
+          <p:cNvSpPr>
+            <a:spLocks noGrp="1" noRot="1" noChangeAspect="1"/>
+          </p:cNvSpPr>
           <p:nvPr>
-            <p:ph idx="2" type="sldImg"/>
+            <p:ph type="sldImg" idx="2"/>
           </p:nvPr>
         </p:nvSpPr>
         <p:spPr>
@@ -2433,9 +2762,13 @@
             <a:ext cx="6096000" cy="3429000"/>
           </a:xfrm>
           <a:custGeom>
-            <a:rect b="b" l="l" r="r" t="t"/>
+            <a:avLst/>
+            <a:gdLst/>
+            <a:ahLst/>
+            <a:cxnLst/>
+            <a:rect l="l" t="t" r="r" b="b"/>
             <a:pathLst>
-              <a:path extrusionOk="0" h="120000" w="120000">
+              <a:path w="120000" h="120000" extrusionOk="0">
                 <a:moveTo>
                   <a:pt x="0" y="0"/>
                 </a:moveTo>
@@ -2456,10 +2789,12 @@
       </p:sp>
       <p:sp>
         <p:nvSpPr>
-          <p:cNvPr id="117" name="Google Shape;117;g29f943ba83d_0_20:notes"/>
-          <p:cNvSpPr txBox="1"/>
+          <p:cNvPr id="96" name="Google Shape;96;g2a02246be5e_0_1:notes"/>
+          <p:cNvSpPr txBox="1">
+            <a:spLocks noGrp="1"/>
+          </p:cNvSpPr>
           <p:nvPr>
-            <p:ph idx="1" type="body"/>
+            <p:ph type="body" idx="1"/>
           </p:nvPr>
         </p:nvSpPr>
         <p:spPr>
@@ -2472,12 +2807,12 @@
           </a:prstGeom>
         </p:spPr>
         <p:txBody>
-          <a:bodyPr anchorCtr="0" anchor="t" bIns="91425" lIns="91425" spcFirstLastPara="1" rIns="91425" wrap="square" tIns="91425">
+          <a:bodyPr spcFirstLastPara="1" wrap="square" lIns="91425" tIns="91425" rIns="91425" bIns="91425" anchor="t" anchorCtr="0">
             <a:noAutofit/>
           </a:bodyPr>
           <a:lstStyle/>
           <a:p>
-            <a:pPr indent="0" lvl="0" marL="0" rtl="0" algn="l">
+            <a:pPr marL="0" lvl="0" indent="0" algn="l" rtl="0">
               <a:spcBef>
                 <a:spcPts val="0"/>
               </a:spcBef>
@@ -2486,9 +2821,318 @@
               </a:spcAft>
               <a:buNone/>
             </a:pPr>
-            <a:r>
-              <a:t/>
-            </a:r>
+            <a:endParaRPr/>
+          </a:p>
+        </p:txBody>
+      </p:sp>
+    </p:spTree>
+  </p:cSld>
+  <p:clrMapOvr>
+    <a:masterClrMapping/>
+  </p:clrMapOvr>
+</p:notes>
+</file>
+
+<file path=ppt/notesSlides/notesSlide7.xml><?xml version="1.0" encoding="utf-8"?>
+<p:notes xmlns:a="http://schemas.openxmlformats.org/drawingml/2006/main" xmlns:r="http://schemas.openxmlformats.org/officeDocument/2006/relationships" xmlns:p="http://schemas.openxmlformats.org/presentationml/2006/main" showMasterSp="0" showMasterPhAnim="0">
+  <p:cSld>
+    <p:spTree>
+      <p:nvGrpSpPr>
+        <p:cNvPr id="1" name="Shape 101"/>
+        <p:cNvGrpSpPr/>
+        <p:nvPr/>
+      </p:nvGrpSpPr>
+      <p:grpSpPr>
+        <a:xfrm>
+          <a:off x="0" y="0"/>
+          <a:ext cx="0" cy="0"/>
+          <a:chOff x="0" y="0"/>
+          <a:chExt cx="0" cy="0"/>
+        </a:xfrm>
+      </p:grpSpPr>
+      <p:sp>
+        <p:nvSpPr>
+          <p:cNvPr id="102" name="Google Shape;102;g2a02246be5e_0_27:notes"/>
+          <p:cNvSpPr>
+            <a:spLocks noGrp="1" noRot="1" noChangeAspect="1"/>
+          </p:cNvSpPr>
+          <p:nvPr>
+            <p:ph type="sldImg" idx="2"/>
+          </p:nvPr>
+        </p:nvSpPr>
+        <p:spPr>
+          <a:xfrm>
+            <a:off x="381300" y="685800"/>
+            <a:ext cx="6096000" cy="3429000"/>
+          </a:xfrm>
+          <a:custGeom>
+            <a:avLst/>
+            <a:gdLst/>
+            <a:ahLst/>
+            <a:cxnLst/>
+            <a:rect l="l" t="t" r="r" b="b"/>
+            <a:pathLst>
+              <a:path w="120000" h="120000" extrusionOk="0">
+                <a:moveTo>
+                  <a:pt x="0" y="0"/>
+                </a:moveTo>
+                <a:lnTo>
+                  <a:pt x="120000" y="0"/>
+                </a:lnTo>
+                <a:lnTo>
+                  <a:pt x="120000" y="120000"/>
+                </a:lnTo>
+                <a:lnTo>
+                  <a:pt x="0" y="120000"/>
+                </a:lnTo>
+                <a:close/>
+              </a:path>
+            </a:pathLst>
+          </a:custGeom>
+        </p:spPr>
+      </p:sp>
+      <p:sp>
+        <p:nvSpPr>
+          <p:cNvPr id="103" name="Google Shape;103;g2a02246be5e_0_27:notes"/>
+          <p:cNvSpPr txBox="1">
+            <a:spLocks noGrp="1"/>
+          </p:cNvSpPr>
+          <p:nvPr>
+            <p:ph type="body" idx="1"/>
+          </p:nvPr>
+        </p:nvSpPr>
+        <p:spPr>
+          <a:xfrm>
+            <a:off x="685800" y="4343400"/>
+            <a:ext cx="5486400" cy="4114800"/>
+          </a:xfrm>
+          <a:prstGeom prst="rect">
+            <a:avLst/>
+          </a:prstGeom>
+        </p:spPr>
+        <p:txBody>
+          <a:bodyPr spcFirstLastPara="1" wrap="square" lIns="91425" tIns="91425" rIns="91425" bIns="91425" anchor="t" anchorCtr="0">
+            <a:noAutofit/>
+          </a:bodyPr>
+          <a:lstStyle/>
+          <a:p>
+            <a:pPr marL="0" lvl="0" indent="0" algn="l" rtl="0">
+              <a:spcBef>
+                <a:spcPts val="0"/>
+              </a:spcBef>
+              <a:spcAft>
+                <a:spcPts val="0"/>
+              </a:spcAft>
+              <a:buNone/>
+            </a:pPr>
+            <a:endParaRPr/>
+          </a:p>
+        </p:txBody>
+      </p:sp>
+    </p:spTree>
+  </p:cSld>
+  <p:clrMapOvr>
+    <a:masterClrMapping/>
+  </p:clrMapOvr>
+</p:notes>
+</file>
+
+<file path=ppt/notesSlides/notesSlide8.xml><?xml version="1.0" encoding="utf-8"?>
+<p:notes xmlns:a="http://schemas.openxmlformats.org/drawingml/2006/main" xmlns:r="http://schemas.openxmlformats.org/officeDocument/2006/relationships" xmlns:p="http://schemas.openxmlformats.org/presentationml/2006/main" showMasterSp="0" showMasterPhAnim="0">
+  <p:cSld>
+    <p:spTree>
+      <p:nvGrpSpPr>
+        <p:cNvPr id="1" name="Shape 108"/>
+        <p:cNvGrpSpPr/>
+        <p:nvPr/>
+      </p:nvGrpSpPr>
+      <p:grpSpPr>
+        <a:xfrm>
+          <a:off x="0" y="0"/>
+          <a:ext cx="0" cy="0"/>
+          <a:chOff x="0" y="0"/>
+          <a:chExt cx="0" cy="0"/>
+        </a:xfrm>
+      </p:grpSpPr>
+      <p:sp>
+        <p:nvSpPr>
+          <p:cNvPr id="109" name="Google Shape;109;g29f943ba83d_0_25:notes"/>
+          <p:cNvSpPr>
+            <a:spLocks noGrp="1" noRot="1" noChangeAspect="1"/>
+          </p:cNvSpPr>
+          <p:nvPr>
+            <p:ph type="sldImg" idx="2"/>
+          </p:nvPr>
+        </p:nvSpPr>
+        <p:spPr>
+          <a:xfrm>
+            <a:off x="381300" y="685800"/>
+            <a:ext cx="6096000" cy="3429000"/>
+          </a:xfrm>
+          <a:custGeom>
+            <a:avLst/>
+            <a:gdLst/>
+            <a:ahLst/>
+            <a:cxnLst/>
+            <a:rect l="l" t="t" r="r" b="b"/>
+            <a:pathLst>
+              <a:path w="120000" h="120000" extrusionOk="0">
+                <a:moveTo>
+                  <a:pt x="0" y="0"/>
+                </a:moveTo>
+                <a:lnTo>
+                  <a:pt x="120000" y="0"/>
+                </a:lnTo>
+                <a:lnTo>
+                  <a:pt x="120000" y="120000"/>
+                </a:lnTo>
+                <a:lnTo>
+                  <a:pt x="0" y="120000"/>
+                </a:lnTo>
+                <a:close/>
+              </a:path>
+            </a:pathLst>
+          </a:custGeom>
+        </p:spPr>
+      </p:sp>
+      <p:sp>
+        <p:nvSpPr>
+          <p:cNvPr id="110" name="Google Shape;110;g29f943ba83d_0_25:notes"/>
+          <p:cNvSpPr txBox="1">
+            <a:spLocks noGrp="1"/>
+          </p:cNvSpPr>
+          <p:nvPr>
+            <p:ph type="body" idx="1"/>
+          </p:nvPr>
+        </p:nvSpPr>
+        <p:spPr>
+          <a:xfrm>
+            <a:off x="685800" y="4343400"/>
+            <a:ext cx="5486400" cy="4114800"/>
+          </a:xfrm>
+          <a:prstGeom prst="rect">
+            <a:avLst/>
+          </a:prstGeom>
+        </p:spPr>
+        <p:txBody>
+          <a:bodyPr spcFirstLastPara="1" wrap="square" lIns="91425" tIns="91425" rIns="91425" bIns="91425" anchor="t" anchorCtr="0">
+            <a:noAutofit/>
+          </a:bodyPr>
+          <a:lstStyle/>
+          <a:p>
+            <a:pPr marL="0" lvl="0" indent="0" algn="l" rtl="0">
+              <a:spcBef>
+                <a:spcPts val="0"/>
+              </a:spcBef>
+              <a:spcAft>
+                <a:spcPts val="0"/>
+              </a:spcAft>
+              <a:buNone/>
+            </a:pPr>
+            <a:endParaRPr/>
+          </a:p>
+        </p:txBody>
+      </p:sp>
+    </p:spTree>
+  </p:cSld>
+  <p:clrMapOvr>
+    <a:masterClrMapping/>
+  </p:clrMapOvr>
+</p:notes>
+</file>
+
+<file path=ppt/notesSlides/notesSlide9.xml><?xml version="1.0" encoding="utf-8"?>
+<p:notes xmlns:a="http://schemas.openxmlformats.org/drawingml/2006/main" xmlns:r="http://schemas.openxmlformats.org/officeDocument/2006/relationships" xmlns:p="http://schemas.openxmlformats.org/presentationml/2006/main" showMasterSp="0" showMasterPhAnim="0">
+  <p:cSld>
+    <p:spTree>
+      <p:nvGrpSpPr>
+        <p:cNvPr id="1" name="Shape 129"/>
+        <p:cNvGrpSpPr/>
+        <p:nvPr/>
+      </p:nvGrpSpPr>
+      <p:grpSpPr>
+        <a:xfrm>
+          <a:off x="0" y="0"/>
+          <a:ext cx="0" cy="0"/>
+          <a:chOff x="0" y="0"/>
+          <a:chExt cx="0" cy="0"/>
+        </a:xfrm>
+      </p:grpSpPr>
+      <p:sp>
+        <p:nvSpPr>
+          <p:cNvPr id="130" name="Google Shape;130;g2a02246be5e_0_48:notes"/>
+          <p:cNvSpPr>
+            <a:spLocks noGrp="1" noRot="1" noChangeAspect="1"/>
+          </p:cNvSpPr>
+          <p:nvPr>
+            <p:ph type="sldImg" idx="2"/>
+          </p:nvPr>
+        </p:nvSpPr>
+        <p:spPr>
+          <a:xfrm>
+            <a:off x="381000" y="685800"/>
+            <a:ext cx="6096000" cy="3429000"/>
+          </a:xfrm>
+          <a:custGeom>
+            <a:avLst/>
+            <a:gdLst/>
+            <a:ahLst/>
+            <a:cxnLst/>
+            <a:rect l="l" t="t" r="r" b="b"/>
+            <a:pathLst>
+              <a:path w="120000" h="120000" extrusionOk="0">
+                <a:moveTo>
+                  <a:pt x="0" y="0"/>
+                </a:moveTo>
+                <a:lnTo>
+                  <a:pt x="120000" y="0"/>
+                </a:lnTo>
+                <a:lnTo>
+                  <a:pt x="120000" y="120000"/>
+                </a:lnTo>
+                <a:lnTo>
+                  <a:pt x="0" y="120000"/>
+                </a:lnTo>
+                <a:close/>
+              </a:path>
+            </a:pathLst>
+          </a:custGeom>
+        </p:spPr>
+      </p:sp>
+      <p:sp>
+        <p:nvSpPr>
+          <p:cNvPr id="131" name="Google Shape;131;g2a02246be5e_0_48:notes"/>
+          <p:cNvSpPr txBox="1">
+            <a:spLocks noGrp="1"/>
+          </p:cNvSpPr>
+          <p:nvPr>
+            <p:ph type="body" idx="1"/>
+          </p:nvPr>
+        </p:nvSpPr>
+        <p:spPr>
+          <a:xfrm>
+            <a:off x="685800" y="4343400"/>
+            <a:ext cx="5486400" cy="4114800"/>
+          </a:xfrm>
+          <a:prstGeom prst="rect">
+            <a:avLst/>
+          </a:prstGeom>
+        </p:spPr>
+        <p:txBody>
+          <a:bodyPr spcFirstLastPara="1" wrap="square" lIns="91425" tIns="91425" rIns="91425" bIns="91425" anchor="t" anchorCtr="0">
+            <a:noAutofit/>
+          </a:bodyPr>
+          <a:lstStyle/>
+          <a:p>
+            <a:pPr marL="0" lvl="0" indent="0" algn="l" rtl="0">
+              <a:spcBef>
+                <a:spcPts val="0"/>
+              </a:spcBef>
+              <a:spcAft>
+                <a:spcPts val="0"/>
+              </a:spcAft>
+              <a:buNone/>
+            </a:pPr>
             <a:endParaRPr/>
           </a:p>
         </p:txBody>
@@ -2502,11 +3146,11 @@
 </file>
 
 <file path=ppt/slideLayouts/slideLayout1.xml><?xml version="1.0" encoding="utf-8"?>
-<p:sldLayout xmlns:a="http://schemas.openxmlformats.org/drawingml/2006/main" xmlns:r="http://schemas.openxmlformats.org/officeDocument/2006/relationships" xmlns:mc="http://schemas.openxmlformats.org/markup-compatibility/2006" xmlns:mv="urn:schemas-microsoft-com:mac:vml" xmlns:p="http://schemas.openxmlformats.org/presentationml/2006/main" xmlns:c="http://schemas.openxmlformats.org/drawingml/2006/chart" xmlns:dgm="http://schemas.openxmlformats.org/drawingml/2006/diagram" xmlns:o="urn:schemas-microsoft-com:office:office" xmlns:v="urn:schemas-microsoft-com:vml" xmlns:pvml="urn:schemas-microsoft-com:office:powerpoint" xmlns:com="http://schemas.openxmlformats.org/drawingml/2006/compatibility" xmlns:p14="http://schemas.microsoft.com/office/powerpoint/2010/main" xmlns:p15="http://schemas.microsoft.com/office/powerpoint/2012/main" xmlns:ahyp="http://schemas.microsoft.com/office/drawing/2018/hyperlinkcolor" matchingName="Title slide" type="title">
+<p:sldLayout xmlns:a="http://schemas.openxmlformats.org/drawingml/2006/main" xmlns:r="http://schemas.openxmlformats.org/officeDocument/2006/relationships" xmlns:p="http://schemas.openxmlformats.org/presentationml/2006/main" matchingName="Title slide" type="title">
   <p:cSld name="TITLE">
     <p:spTree>
       <p:nvGrpSpPr>
-        <p:cNvPr id="9" name="Shape 9"/>
+        <p:cNvPr id="1" name="Shape 9"/>
         <p:cNvGrpSpPr/>
         <p:nvPr/>
       </p:nvGrpSpPr>
@@ -2530,9 +3174,13 @@
             <a:ext cx="1081625" cy="1124950"/>
           </a:xfrm>
           <a:custGeom>
-            <a:rect b="b" l="l" r="r" t="t"/>
+            <a:avLst/>
+            <a:gdLst/>
+            <a:ahLst/>
+            <a:cxnLst/>
+            <a:rect l="l" t="t" r="r" b="b"/>
             <a:pathLst>
-              <a:path extrusionOk="0" h="44998" w="43265">
+              <a:path w="43265" h="44998" extrusionOk="0">
                 <a:moveTo>
                   <a:pt x="0" y="44998"/>
                 </a:moveTo>
@@ -2546,14 +3194,14 @@
             </a:pathLst>
           </a:custGeom>
           <a:noFill/>
-          <a:ln cap="flat" cmpd="sng" w="28575">
+          <a:ln w="28575" cap="flat" cmpd="sng">
             <a:solidFill>
               <a:schemeClr val="lt2"/>
             </a:solidFill>
             <a:prstDash val="solid"/>
             <a:miter lim="8000"/>
-            <a:headEnd len="sm" w="sm" type="none"/>
-            <a:tailEnd len="sm" w="sm" type="none"/>
+            <a:headEnd type="none" w="sm" len="sm"/>
+            <a:tailEnd type="none" w="sm" len="sm"/>
           </a:ln>
         </p:spPr>
       </p:sp>
@@ -2569,9 +3217,13 @@
             <a:ext cx="1081625" cy="1124950"/>
           </a:xfrm>
           <a:custGeom>
-            <a:rect b="b" l="l" r="r" t="t"/>
+            <a:avLst/>
+            <a:gdLst/>
+            <a:ahLst/>
+            <a:cxnLst/>
+            <a:rect l="l" t="t" r="r" b="b"/>
             <a:pathLst>
-              <a:path extrusionOk="0" h="44998" w="43265">
+              <a:path w="43265" h="44998" extrusionOk="0">
                 <a:moveTo>
                   <a:pt x="0" y="44998"/>
                 </a:moveTo>
@@ -2585,21 +3237,23 @@
             </a:pathLst>
           </a:custGeom>
           <a:noFill/>
-          <a:ln cap="flat" cmpd="sng" w="28575">
+          <a:ln w="28575" cap="flat" cmpd="sng">
             <a:solidFill>
               <a:schemeClr val="lt2"/>
             </a:solidFill>
             <a:prstDash val="solid"/>
             <a:miter lim="8000"/>
-            <a:headEnd len="sm" w="sm" type="none"/>
-            <a:tailEnd len="sm" w="sm" type="none"/>
+            <a:headEnd type="none" w="sm" len="sm"/>
+            <a:tailEnd type="none" w="sm" len="sm"/>
           </a:ln>
         </p:spPr>
       </p:sp>
       <p:sp>
         <p:nvSpPr>
           <p:cNvPr id="12" name="Google Shape;12;p2"/>
-          <p:cNvSpPr txBox="1"/>
+          <p:cNvSpPr txBox="1">
+            <a:spLocks noGrp="1"/>
+          </p:cNvSpPr>
           <p:nvPr>
             <p:ph type="ctrTitle"/>
           </p:nvPr>
@@ -2614,7 +3268,7 @@
           </a:prstGeom>
         </p:spPr>
         <p:txBody>
-          <a:bodyPr anchorCtr="0" anchor="b" bIns="91425" lIns="91425" spcFirstLastPara="1" rIns="91425" wrap="square" tIns="91425">
+          <a:bodyPr spcFirstLastPara="1" wrap="square" lIns="91425" tIns="91425" rIns="91425" bIns="91425" anchor="b" anchorCtr="0">
             <a:normAutofit/>
           </a:bodyPr>
           <a:lstStyle>
@@ -2718,15 +3372,19 @@
               <a:defRPr/>
             </a:lvl9pPr>
           </a:lstStyle>
-          <a:p/>
+          <a:p>
+            <a:endParaRPr/>
+          </a:p>
         </p:txBody>
       </p:sp>
       <p:sp>
         <p:nvSpPr>
           <p:cNvPr id="13" name="Google Shape;13;p2"/>
-          <p:cNvSpPr txBox="1"/>
+          <p:cNvSpPr txBox="1">
+            <a:spLocks noGrp="1"/>
+          </p:cNvSpPr>
           <p:nvPr>
-            <p:ph idx="1" type="subTitle"/>
+            <p:ph type="subTitle" idx="1"/>
           </p:nvPr>
         </p:nvSpPr>
         <p:spPr>
@@ -2739,7 +3397,7 @@
           </a:prstGeom>
         </p:spPr>
         <p:txBody>
-          <a:bodyPr anchorCtr="0" anchor="t" bIns="91425" lIns="91425" spcFirstLastPara="1" rIns="91425" wrap="square" tIns="91425">
+          <a:bodyPr spcFirstLastPara="1" wrap="square" lIns="91425" tIns="91425" rIns="91425" bIns="91425" anchor="t" anchorCtr="0">
             <a:normAutofit/>
           </a:bodyPr>
           <a:lstStyle>
@@ -2924,15 +3582,19 @@
               </a:defRPr>
             </a:lvl9pPr>
           </a:lstStyle>
-          <a:p/>
+          <a:p>
+            <a:endParaRPr/>
+          </a:p>
         </p:txBody>
       </p:sp>
       <p:sp>
         <p:nvSpPr>
           <p:cNvPr id="14" name="Google Shape;14;p2"/>
-          <p:cNvSpPr txBox="1"/>
+          <p:cNvSpPr txBox="1">
+            <a:spLocks noGrp="1"/>
+          </p:cNvSpPr>
           <p:nvPr>
-            <p:ph idx="12" type="sldNum"/>
+            <p:ph type="sldNum" idx="12"/>
           </p:nvPr>
         </p:nvSpPr>
         <p:spPr>
@@ -2945,7 +3607,7 @@
           </a:prstGeom>
         </p:spPr>
         <p:txBody>
-          <a:bodyPr anchorCtr="0" anchor="ctr" bIns="91425" lIns="91425" spcFirstLastPara="1" rIns="91425" wrap="square" tIns="91425">
+          <a:bodyPr spcFirstLastPara="1" wrap="square" lIns="91425" tIns="91425" rIns="91425" bIns="91425" anchor="ctr" anchorCtr="0">
             <a:normAutofit/>
           </a:bodyPr>
           <a:lstStyle>
@@ -2987,7 +3649,7 @@
             </a:lvl9pPr>
           </a:lstStyle>
           <a:p>
-            <a:pPr indent="0" lvl="0" marL="0" rtl="0" algn="r">
+            <a:pPr marL="0" lvl="0" indent="0" algn="r" rtl="0">
               <a:spcBef>
                 <a:spcPts val="0"/>
               </a:spcBef>
@@ -3013,11 +3675,11 @@
 </file>
 
 <file path=ppt/slideLayouts/slideLayout10.xml><?xml version="1.0" encoding="utf-8"?>
-<p:sldLayout xmlns:a="http://schemas.openxmlformats.org/drawingml/2006/main" xmlns:r="http://schemas.openxmlformats.org/officeDocument/2006/relationships" xmlns:mc="http://schemas.openxmlformats.org/markup-compatibility/2006" xmlns:mv="urn:schemas-microsoft-com:mac:vml" xmlns:p="http://schemas.openxmlformats.org/presentationml/2006/main" xmlns:c="http://schemas.openxmlformats.org/drawingml/2006/chart" xmlns:dgm="http://schemas.openxmlformats.org/drawingml/2006/diagram" xmlns:o="urn:schemas-microsoft-com:office:office" xmlns:v="urn:schemas-microsoft-com:vml" xmlns:pvml="urn:schemas-microsoft-com:office:powerpoint" xmlns:com="http://schemas.openxmlformats.org/drawingml/2006/compatibility" xmlns:p14="http://schemas.microsoft.com/office/powerpoint/2010/main" xmlns:p15="http://schemas.microsoft.com/office/powerpoint/2012/main" xmlns:ahyp="http://schemas.microsoft.com/office/drawing/2018/hyperlinkcolor" matchingName="Big number">
+<p:sldLayout xmlns:a="http://schemas.openxmlformats.org/drawingml/2006/main" xmlns:r="http://schemas.openxmlformats.org/officeDocument/2006/relationships" xmlns:p="http://schemas.openxmlformats.org/presentationml/2006/main" matchingName="Big number">
   <p:cSld name="BIG_NUMBER">
     <p:spTree>
       <p:nvGrpSpPr>
-        <p:cNvPr id="51" name="Shape 51"/>
+        <p:cNvPr id="1" name="Shape 51"/>
         <p:cNvGrpSpPr/>
         <p:nvPr/>
       </p:nvGrpSpPr>
@@ -3051,12 +3713,12 @@
           </a:ln>
         </p:spPr>
         <p:txBody>
-          <a:bodyPr anchorCtr="0" anchor="ctr" bIns="91425" lIns="91425" spcFirstLastPara="1" rIns="91425" wrap="square" tIns="91425">
+          <a:bodyPr spcFirstLastPara="1" wrap="square" lIns="91425" tIns="91425" rIns="91425" bIns="91425" anchor="ctr" anchorCtr="0">
             <a:noAutofit/>
           </a:bodyPr>
           <a:lstStyle/>
           <a:p>
-            <a:pPr indent="0" lvl="0" marL="0" rtl="0" algn="l">
+            <a:pPr marL="0" lvl="0" indent="0" algn="l" rtl="0">
               <a:spcBef>
                 <a:spcPts val="0"/>
               </a:spcBef>
@@ -3065,9 +3727,6 @@
               </a:spcAft>
               <a:buNone/>
             </a:pPr>
-            <a:r>
-              <a:t/>
-            </a:r>
             <a:endParaRPr/>
           </a:p>
         </p:txBody>
@@ -3075,9 +3734,11 @@
       <p:sp>
         <p:nvSpPr>
           <p:cNvPr id="53" name="Google Shape;53;p11"/>
-          <p:cNvSpPr txBox="1"/>
+          <p:cNvSpPr txBox="1">
+            <a:spLocks noGrp="1"/>
+          </p:cNvSpPr>
           <p:nvPr>
-            <p:ph hasCustomPrompt="1" type="title"/>
+            <p:ph type="title" hasCustomPrompt="1"/>
           </p:nvPr>
         </p:nvSpPr>
         <p:spPr>
@@ -3090,7 +3751,7 @@
           </a:prstGeom>
         </p:spPr>
         <p:txBody>
-          <a:bodyPr anchorCtr="0" anchor="ctr" bIns="91425" lIns="91425" spcFirstLastPara="1" rIns="91425" wrap="square" tIns="91425">
+          <a:bodyPr spcFirstLastPara="1" wrap="square" lIns="91425" tIns="91425" rIns="91425" bIns="91425" anchor="ctr" anchorCtr="0">
             <a:normAutofit/>
           </a:bodyPr>
           <a:lstStyle>
@@ -3267,9 +3928,11 @@
       <p:sp>
         <p:nvSpPr>
           <p:cNvPr id="54" name="Google Shape;54;p11"/>
-          <p:cNvSpPr txBox="1"/>
+          <p:cNvSpPr txBox="1">
+            <a:spLocks noGrp="1"/>
+          </p:cNvSpPr>
           <p:nvPr>
-            <p:ph idx="1" type="body"/>
+            <p:ph type="body" idx="1"/>
           </p:nvPr>
         </p:nvSpPr>
         <p:spPr>
@@ -3282,11 +3945,11 @@
           </a:prstGeom>
         </p:spPr>
         <p:txBody>
-          <a:bodyPr anchorCtr="0" anchor="t" bIns="91425" lIns="91425" spcFirstLastPara="1" rIns="91425" wrap="square" tIns="91425">
+          <a:bodyPr spcFirstLastPara="1" wrap="square" lIns="91425" tIns="91425" rIns="91425" bIns="91425" anchor="t" anchorCtr="0">
             <a:normAutofit/>
           </a:bodyPr>
           <a:lstStyle>
-            <a:lvl1pPr indent="-342900" lvl="0" marL="457200" algn="ctr">
+            <a:lvl1pPr marL="457200" lvl="0" indent="-342900" algn="ctr">
               <a:spcBef>
                 <a:spcPts val="0"/>
               </a:spcBef>
@@ -3297,7 +3960,7 @@
               <a:buChar char="●"/>
               <a:defRPr/>
             </a:lvl1pPr>
-            <a:lvl2pPr indent="-317500" lvl="1" marL="914400" algn="ctr">
+            <a:lvl2pPr marL="914400" lvl="1" indent="-317500" algn="ctr">
               <a:spcBef>
                 <a:spcPts val="0"/>
               </a:spcBef>
@@ -3308,7 +3971,7 @@
               <a:buChar char="○"/>
               <a:defRPr/>
             </a:lvl2pPr>
-            <a:lvl3pPr indent="-317500" lvl="2" marL="1371600" algn="ctr">
+            <a:lvl3pPr marL="1371600" lvl="2" indent="-317500" algn="ctr">
               <a:spcBef>
                 <a:spcPts val="0"/>
               </a:spcBef>
@@ -3319,7 +3982,7 @@
               <a:buChar char="■"/>
               <a:defRPr/>
             </a:lvl3pPr>
-            <a:lvl4pPr indent="-317500" lvl="3" marL="1828800" algn="ctr">
+            <a:lvl4pPr marL="1828800" lvl="3" indent="-317500" algn="ctr">
               <a:spcBef>
                 <a:spcPts val="0"/>
               </a:spcBef>
@@ -3330,7 +3993,7 @@
               <a:buChar char="●"/>
               <a:defRPr/>
             </a:lvl4pPr>
-            <a:lvl5pPr indent="-317500" lvl="4" marL="2286000" algn="ctr">
+            <a:lvl5pPr marL="2286000" lvl="4" indent="-317500" algn="ctr">
               <a:spcBef>
                 <a:spcPts val="0"/>
               </a:spcBef>
@@ -3341,7 +4004,7 @@
               <a:buChar char="○"/>
               <a:defRPr/>
             </a:lvl5pPr>
-            <a:lvl6pPr indent="-317500" lvl="5" marL="2743200" algn="ctr">
+            <a:lvl6pPr marL="2743200" lvl="5" indent="-317500" algn="ctr">
               <a:spcBef>
                 <a:spcPts val="0"/>
               </a:spcBef>
@@ -3352,7 +4015,7 @@
               <a:buChar char="■"/>
               <a:defRPr/>
             </a:lvl6pPr>
-            <a:lvl7pPr indent="-317500" lvl="6" marL="3200400" algn="ctr">
+            <a:lvl7pPr marL="3200400" lvl="6" indent="-317500" algn="ctr">
               <a:spcBef>
                 <a:spcPts val="0"/>
               </a:spcBef>
@@ -3363,7 +4026,7 @@
               <a:buChar char="●"/>
               <a:defRPr/>
             </a:lvl7pPr>
-            <a:lvl8pPr indent="-317500" lvl="7" marL="3657600" algn="ctr">
+            <a:lvl8pPr marL="3657600" lvl="7" indent="-317500" algn="ctr">
               <a:spcBef>
                 <a:spcPts val="0"/>
               </a:spcBef>
@@ -3374,7 +4037,7 @@
               <a:buChar char="○"/>
               <a:defRPr/>
             </a:lvl8pPr>
-            <a:lvl9pPr indent="-317500" lvl="8" marL="4114800" algn="ctr">
+            <a:lvl9pPr marL="4114800" lvl="8" indent="-317500" algn="ctr">
               <a:spcBef>
                 <a:spcPts val="0"/>
               </a:spcBef>
@@ -3386,15 +4049,19 @@
               <a:defRPr/>
             </a:lvl9pPr>
           </a:lstStyle>
-          <a:p/>
+          <a:p>
+            <a:endParaRPr/>
+          </a:p>
         </p:txBody>
       </p:sp>
       <p:sp>
         <p:nvSpPr>
           <p:cNvPr id="55" name="Google Shape;55;p11"/>
-          <p:cNvSpPr txBox="1"/>
+          <p:cNvSpPr txBox="1">
+            <a:spLocks noGrp="1"/>
+          </p:cNvSpPr>
           <p:nvPr>
-            <p:ph idx="12" type="sldNum"/>
+            <p:ph type="sldNum" idx="12"/>
           </p:nvPr>
         </p:nvSpPr>
         <p:spPr>
@@ -3407,7 +4074,7 @@
           </a:prstGeom>
         </p:spPr>
         <p:txBody>
-          <a:bodyPr anchorCtr="0" anchor="ctr" bIns="91425" lIns="91425" spcFirstLastPara="1" rIns="91425" wrap="square" tIns="91425">
+          <a:bodyPr spcFirstLastPara="1" wrap="square" lIns="91425" tIns="91425" rIns="91425" bIns="91425" anchor="ctr" anchorCtr="0">
             <a:normAutofit/>
           </a:bodyPr>
           <a:lstStyle>
@@ -3449,7 +4116,7 @@
             </a:lvl9pPr>
           </a:lstStyle>
           <a:p>
-            <a:pPr indent="0" lvl="0" marL="0" rtl="0" algn="r">
+            <a:pPr marL="0" lvl="0" indent="0" algn="r" rtl="0">
               <a:spcBef>
                 <a:spcPts val="0"/>
               </a:spcBef>
@@ -3475,11 +4142,11 @@
 </file>
 
 <file path=ppt/slideLayouts/slideLayout11.xml><?xml version="1.0" encoding="utf-8"?>
-<p:sldLayout xmlns:a="http://schemas.openxmlformats.org/drawingml/2006/main" xmlns:r="http://schemas.openxmlformats.org/officeDocument/2006/relationships" xmlns:mc="http://schemas.openxmlformats.org/markup-compatibility/2006" xmlns:mv="urn:schemas-microsoft-com:mac:vml" xmlns:p="http://schemas.openxmlformats.org/presentationml/2006/main" xmlns:c="http://schemas.openxmlformats.org/drawingml/2006/chart" xmlns:dgm="http://schemas.openxmlformats.org/drawingml/2006/diagram" xmlns:o="urn:schemas-microsoft-com:office:office" xmlns:v="urn:schemas-microsoft-com:vml" xmlns:pvml="urn:schemas-microsoft-com:office:powerpoint" xmlns:com="http://schemas.openxmlformats.org/drawingml/2006/compatibility" xmlns:p14="http://schemas.microsoft.com/office/powerpoint/2010/main" xmlns:p15="http://schemas.microsoft.com/office/powerpoint/2012/main" xmlns:ahyp="http://schemas.microsoft.com/office/drawing/2018/hyperlinkcolor" matchingName="Blank" type="blank">
+<p:sldLayout xmlns:a="http://schemas.openxmlformats.org/drawingml/2006/main" xmlns:r="http://schemas.openxmlformats.org/officeDocument/2006/relationships" xmlns:p="http://schemas.openxmlformats.org/presentationml/2006/main" matchingName="Blank" type="blank">
   <p:cSld name="BLANK">
     <p:spTree>
       <p:nvGrpSpPr>
-        <p:cNvPr id="56" name="Shape 56"/>
+        <p:cNvPr id="1" name="Shape 56"/>
         <p:cNvGrpSpPr/>
         <p:nvPr/>
       </p:nvGrpSpPr>
@@ -3494,9 +4161,11 @@
       <p:sp>
         <p:nvSpPr>
           <p:cNvPr id="57" name="Google Shape;57;p12"/>
-          <p:cNvSpPr txBox="1"/>
+          <p:cNvSpPr txBox="1">
+            <a:spLocks noGrp="1"/>
+          </p:cNvSpPr>
           <p:nvPr>
-            <p:ph idx="12" type="sldNum"/>
+            <p:ph type="sldNum" idx="12"/>
           </p:nvPr>
         </p:nvSpPr>
         <p:spPr>
@@ -3509,7 +4178,7 @@
           </a:prstGeom>
         </p:spPr>
         <p:txBody>
-          <a:bodyPr anchorCtr="0" anchor="ctr" bIns="91425" lIns="91425" spcFirstLastPara="1" rIns="91425" wrap="square" tIns="91425">
+          <a:bodyPr spcFirstLastPara="1" wrap="square" lIns="91425" tIns="91425" rIns="91425" bIns="91425" anchor="ctr" anchorCtr="0">
             <a:normAutofit/>
           </a:bodyPr>
           <a:lstStyle>
@@ -3551,7 +4220,7 @@
             </a:lvl9pPr>
           </a:lstStyle>
           <a:p>
-            <a:pPr indent="0" lvl="0" marL="0" rtl="0" algn="r">
+            <a:pPr marL="0" lvl="0" indent="0" algn="r" rtl="0">
               <a:spcBef>
                 <a:spcPts val="0"/>
               </a:spcBef>
@@ -3577,11 +4246,11 @@
 </file>
 
 <file path=ppt/slideLayouts/slideLayout2.xml><?xml version="1.0" encoding="utf-8"?>
-<p:sldLayout xmlns:a="http://schemas.openxmlformats.org/drawingml/2006/main" xmlns:r="http://schemas.openxmlformats.org/officeDocument/2006/relationships" xmlns:mc="http://schemas.openxmlformats.org/markup-compatibility/2006" xmlns:mv="urn:schemas-microsoft-com:mac:vml" xmlns:p="http://schemas.openxmlformats.org/presentationml/2006/main" xmlns:c="http://schemas.openxmlformats.org/drawingml/2006/chart" xmlns:dgm="http://schemas.openxmlformats.org/drawingml/2006/diagram" xmlns:o="urn:schemas-microsoft-com:office:office" xmlns:v="urn:schemas-microsoft-com:vml" xmlns:pvml="urn:schemas-microsoft-com:office:powerpoint" xmlns:com="http://schemas.openxmlformats.org/drawingml/2006/compatibility" xmlns:p14="http://schemas.microsoft.com/office/powerpoint/2010/main" xmlns:p15="http://schemas.microsoft.com/office/powerpoint/2012/main" xmlns:ahyp="http://schemas.microsoft.com/office/drawing/2018/hyperlinkcolor" matchingName="Section header" type="secHead">
+<p:sldLayout xmlns:a="http://schemas.openxmlformats.org/drawingml/2006/main" xmlns:r="http://schemas.openxmlformats.org/officeDocument/2006/relationships" xmlns:p="http://schemas.openxmlformats.org/presentationml/2006/main" matchingName="Section header" type="secHead">
   <p:cSld name="SECTION_HEADER">
     <p:spTree>
       <p:nvGrpSpPr>
-        <p:cNvPr id="15" name="Shape 15"/>
+        <p:cNvPr id="1" name="Shape 15"/>
         <p:cNvGrpSpPr/>
         <p:nvPr/>
       </p:nvGrpSpPr>
@@ -3605,9 +4274,13 @@
             <a:ext cx="1081625" cy="1124950"/>
           </a:xfrm>
           <a:custGeom>
-            <a:rect b="b" l="l" r="r" t="t"/>
+            <a:avLst/>
+            <a:gdLst/>
+            <a:ahLst/>
+            <a:cxnLst/>
+            <a:rect l="l" t="t" r="r" b="b"/>
             <a:pathLst>
-              <a:path extrusionOk="0" h="44998" w="43265">
+              <a:path w="43265" h="44998" extrusionOk="0">
                 <a:moveTo>
                   <a:pt x="0" y="44998"/>
                 </a:moveTo>
@@ -3621,14 +4294,14 @@
             </a:pathLst>
           </a:custGeom>
           <a:noFill/>
-          <a:ln cap="flat" cmpd="sng" w="28575">
+          <a:ln w="28575" cap="flat" cmpd="sng">
             <a:solidFill>
               <a:schemeClr val="lt2"/>
             </a:solidFill>
             <a:prstDash val="solid"/>
             <a:miter lim="8000"/>
-            <a:headEnd len="sm" w="sm" type="none"/>
-            <a:tailEnd len="sm" w="sm" type="none"/>
+            <a:headEnd type="none" w="sm" len="sm"/>
+            <a:tailEnd type="none" w="sm" len="sm"/>
           </a:ln>
         </p:spPr>
       </p:sp>
@@ -3639,14 +4312,18 @@
           <p:nvPr/>
         </p:nvSpPr>
         <p:spPr>
-          <a:xfrm flipH="1" rot="10800000">
+          <a:xfrm rot="10800000" flipH="1">
             <a:off x="466425" y="3558325"/>
             <a:ext cx="1081625" cy="1124950"/>
           </a:xfrm>
           <a:custGeom>
-            <a:rect b="b" l="l" r="r" t="t"/>
+            <a:avLst/>
+            <a:gdLst/>
+            <a:ahLst/>
+            <a:cxnLst/>
+            <a:rect l="l" t="t" r="r" b="b"/>
             <a:pathLst>
-              <a:path extrusionOk="0" h="44998" w="43265">
+              <a:path w="43265" h="44998" extrusionOk="0">
                 <a:moveTo>
                   <a:pt x="0" y="44998"/>
                 </a:moveTo>
@@ -3660,21 +4337,23 @@
             </a:pathLst>
           </a:custGeom>
           <a:noFill/>
-          <a:ln cap="flat" cmpd="sng" w="28575">
+          <a:ln w="28575" cap="flat" cmpd="sng">
             <a:solidFill>
               <a:schemeClr val="lt2"/>
             </a:solidFill>
             <a:prstDash val="solid"/>
             <a:miter lim="8000"/>
-            <a:headEnd len="sm" w="sm" type="none"/>
-            <a:tailEnd len="sm" w="sm" type="none"/>
+            <a:headEnd type="none" w="sm" len="sm"/>
+            <a:tailEnd type="none" w="sm" len="sm"/>
           </a:ln>
         </p:spPr>
       </p:sp>
       <p:sp>
         <p:nvSpPr>
           <p:cNvPr id="18" name="Google Shape;18;p3"/>
-          <p:cNvSpPr txBox="1"/>
+          <p:cNvSpPr txBox="1">
+            <a:spLocks noGrp="1"/>
+          </p:cNvSpPr>
           <p:nvPr>
             <p:ph type="title"/>
           </p:nvPr>
@@ -3689,7 +4368,7 @@
           </a:prstGeom>
         </p:spPr>
         <p:txBody>
-          <a:bodyPr anchorCtr="0" anchor="ctr" bIns="91425" lIns="91425" spcFirstLastPara="1" rIns="91425" wrap="square" tIns="91425">
+          <a:bodyPr spcFirstLastPara="1" wrap="square" lIns="91425" tIns="91425" rIns="91425" bIns="91425" anchor="ctr" anchorCtr="0">
             <a:normAutofit/>
           </a:bodyPr>
           <a:lstStyle>
@@ -3793,15 +4472,19 @@
               <a:defRPr/>
             </a:lvl9pPr>
           </a:lstStyle>
-          <a:p/>
+          <a:p>
+            <a:endParaRPr/>
+          </a:p>
         </p:txBody>
       </p:sp>
       <p:sp>
         <p:nvSpPr>
           <p:cNvPr id="19" name="Google Shape;19;p3"/>
-          <p:cNvSpPr txBox="1"/>
+          <p:cNvSpPr txBox="1">
+            <a:spLocks noGrp="1"/>
+          </p:cNvSpPr>
           <p:nvPr>
-            <p:ph idx="12" type="sldNum"/>
+            <p:ph type="sldNum" idx="12"/>
           </p:nvPr>
         </p:nvSpPr>
         <p:spPr>
@@ -3814,7 +4497,7 @@
           </a:prstGeom>
         </p:spPr>
         <p:txBody>
-          <a:bodyPr anchorCtr="0" anchor="ctr" bIns="91425" lIns="91425" spcFirstLastPara="1" rIns="91425" wrap="square" tIns="91425">
+          <a:bodyPr spcFirstLastPara="1" wrap="square" lIns="91425" tIns="91425" rIns="91425" bIns="91425" anchor="ctr" anchorCtr="0">
             <a:normAutofit/>
           </a:bodyPr>
           <a:lstStyle>
@@ -3856,7 +4539,7 @@
             </a:lvl9pPr>
           </a:lstStyle>
           <a:p>
-            <a:pPr indent="0" lvl="0" marL="0" rtl="0" algn="r">
+            <a:pPr marL="0" lvl="0" indent="0" algn="r" rtl="0">
               <a:spcBef>
                 <a:spcPts val="0"/>
               </a:spcBef>
@@ -3882,11 +4565,11 @@
 </file>
 
 <file path=ppt/slideLayouts/slideLayout3.xml><?xml version="1.0" encoding="utf-8"?>
-<p:sldLayout xmlns:a="http://schemas.openxmlformats.org/drawingml/2006/main" xmlns:r="http://schemas.openxmlformats.org/officeDocument/2006/relationships" xmlns:mc="http://schemas.openxmlformats.org/markup-compatibility/2006" xmlns:mv="urn:schemas-microsoft-com:mac:vml" xmlns:p="http://schemas.openxmlformats.org/presentationml/2006/main" xmlns:c="http://schemas.openxmlformats.org/drawingml/2006/chart" xmlns:dgm="http://schemas.openxmlformats.org/drawingml/2006/diagram" xmlns:o="urn:schemas-microsoft-com:office:office" xmlns:v="urn:schemas-microsoft-com:vml" xmlns:pvml="urn:schemas-microsoft-com:office:powerpoint" xmlns:com="http://schemas.openxmlformats.org/drawingml/2006/compatibility" xmlns:p14="http://schemas.microsoft.com/office/powerpoint/2010/main" xmlns:p15="http://schemas.microsoft.com/office/powerpoint/2012/main" xmlns:ahyp="http://schemas.microsoft.com/office/drawing/2018/hyperlinkcolor" matchingName="Title and body" type="tx">
+<p:sldLayout xmlns:a="http://schemas.openxmlformats.org/drawingml/2006/main" xmlns:r="http://schemas.openxmlformats.org/officeDocument/2006/relationships" xmlns:p="http://schemas.openxmlformats.org/presentationml/2006/main" matchingName="Title and body" type="tx">
   <p:cSld name="TITLE_AND_BODY">
     <p:spTree>
       <p:nvGrpSpPr>
-        <p:cNvPr id="20" name="Shape 20"/>
+        <p:cNvPr id="1" name="Shape 20"/>
         <p:cNvGrpSpPr/>
         <p:nvPr/>
       </p:nvGrpSpPr>
@@ -3920,12 +4603,12 @@
           </a:ln>
         </p:spPr>
         <p:txBody>
-          <a:bodyPr anchorCtr="0" anchor="ctr" bIns="91425" lIns="91425" spcFirstLastPara="1" rIns="91425" wrap="square" tIns="91425">
+          <a:bodyPr spcFirstLastPara="1" wrap="square" lIns="91425" tIns="91425" rIns="91425" bIns="91425" anchor="ctr" anchorCtr="0">
             <a:noAutofit/>
           </a:bodyPr>
           <a:lstStyle/>
           <a:p>
-            <a:pPr indent="0" lvl="0" marL="0" rtl="0" algn="l">
+            <a:pPr marL="0" lvl="0" indent="0" algn="l" rtl="0">
               <a:spcBef>
                 <a:spcPts val="0"/>
               </a:spcBef>
@@ -3934,9 +4617,6 @@
               </a:spcAft>
               <a:buNone/>
             </a:pPr>
-            <a:r>
-              <a:t/>
-            </a:r>
             <a:endParaRPr/>
           </a:p>
         </p:txBody>
@@ -3944,7 +4624,9 @@
       <p:sp>
         <p:nvSpPr>
           <p:cNvPr id="22" name="Google Shape;22;p4"/>
-          <p:cNvSpPr txBox="1"/>
+          <p:cNvSpPr txBox="1">
+            <a:spLocks noGrp="1"/>
+          </p:cNvSpPr>
           <p:nvPr>
             <p:ph type="title"/>
           </p:nvPr>
@@ -3959,7 +4641,7 @@
           </a:prstGeom>
         </p:spPr>
         <p:txBody>
-          <a:bodyPr anchorCtr="0" anchor="b" bIns="91425" lIns="91425" spcFirstLastPara="1" rIns="91425" wrap="square" tIns="91425">
+          <a:bodyPr spcFirstLastPara="1" wrap="square" lIns="91425" tIns="91425" rIns="91425" bIns="91425" anchor="b" anchorCtr="0">
             <a:normAutofit/>
           </a:bodyPr>
           <a:lstStyle>
@@ -4063,15 +4745,19 @@
               <a:defRPr/>
             </a:lvl9pPr>
           </a:lstStyle>
-          <a:p/>
+          <a:p>
+            <a:endParaRPr/>
+          </a:p>
         </p:txBody>
       </p:sp>
       <p:sp>
         <p:nvSpPr>
           <p:cNvPr id="23" name="Google Shape;23;p4"/>
-          <p:cNvSpPr txBox="1"/>
+          <p:cNvSpPr txBox="1">
+            <a:spLocks noGrp="1"/>
+          </p:cNvSpPr>
           <p:nvPr>
-            <p:ph idx="1" type="body"/>
+            <p:ph type="body" idx="1"/>
           </p:nvPr>
         </p:nvSpPr>
         <p:spPr>
@@ -4084,11 +4770,11 @@
           </a:prstGeom>
         </p:spPr>
         <p:txBody>
-          <a:bodyPr anchorCtr="0" anchor="t" bIns="91425" lIns="91425" spcFirstLastPara="1" rIns="91425" wrap="square" tIns="91425">
+          <a:bodyPr spcFirstLastPara="1" wrap="square" lIns="91425" tIns="91425" rIns="91425" bIns="91425" anchor="t" anchorCtr="0">
             <a:normAutofit/>
           </a:bodyPr>
           <a:lstStyle>
-            <a:lvl1pPr indent="-342900" lvl="0" marL="457200">
+            <a:lvl1pPr marL="457200" lvl="0" indent="-342900">
               <a:spcBef>
                 <a:spcPts val="0"/>
               </a:spcBef>
@@ -4099,7 +4785,7 @@
               <a:buChar char="●"/>
               <a:defRPr/>
             </a:lvl1pPr>
-            <a:lvl2pPr indent="-317500" lvl="1" marL="914400">
+            <a:lvl2pPr marL="914400" lvl="1" indent="-317500">
               <a:spcBef>
                 <a:spcPts val="0"/>
               </a:spcBef>
@@ -4110,7 +4796,7 @@
               <a:buChar char="○"/>
               <a:defRPr/>
             </a:lvl2pPr>
-            <a:lvl3pPr indent="-317500" lvl="2" marL="1371600">
+            <a:lvl3pPr marL="1371600" lvl="2" indent="-317500">
               <a:spcBef>
                 <a:spcPts val="0"/>
               </a:spcBef>
@@ -4121,7 +4807,7 @@
               <a:buChar char="■"/>
               <a:defRPr/>
             </a:lvl3pPr>
-            <a:lvl4pPr indent="-317500" lvl="3" marL="1828800">
+            <a:lvl4pPr marL="1828800" lvl="3" indent="-317500">
               <a:spcBef>
                 <a:spcPts val="0"/>
               </a:spcBef>
@@ -4132,7 +4818,7 @@
               <a:buChar char="●"/>
               <a:defRPr/>
             </a:lvl4pPr>
-            <a:lvl5pPr indent="-317500" lvl="4" marL="2286000">
+            <a:lvl5pPr marL="2286000" lvl="4" indent="-317500">
               <a:spcBef>
                 <a:spcPts val="0"/>
               </a:spcBef>
@@ -4143,7 +4829,7 @@
               <a:buChar char="○"/>
               <a:defRPr/>
             </a:lvl5pPr>
-            <a:lvl6pPr indent="-317500" lvl="5" marL="2743200">
+            <a:lvl6pPr marL="2743200" lvl="5" indent="-317500">
               <a:spcBef>
                 <a:spcPts val="0"/>
               </a:spcBef>
@@ -4154,7 +4840,7 @@
               <a:buChar char="■"/>
               <a:defRPr/>
             </a:lvl6pPr>
-            <a:lvl7pPr indent="-317500" lvl="6" marL="3200400">
+            <a:lvl7pPr marL="3200400" lvl="6" indent="-317500">
               <a:spcBef>
                 <a:spcPts val="0"/>
               </a:spcBef>
@@ -4165,7 +4851,7 @@
               <a:buChar char="●"/>
               <a:defRPr/>
             </a:lvl7pPr>
-            <a:lvl8pPr indent="-317500" lvl="7" marL="3657600">
+            <a:lvl8pPr marL="3657600" lvl="7" indent="-317500">
               <a:spcBef>
                 <a:spcPts val="0"/>
               </a:spcBef>
@@ -4176,7 +4862,7 @@
               <a:buChar char="○"/>
               <a:defRPr/>
             </a:lvl8pPr>
-            <a:lvl9pPr indent="-317500" lvl="8" marL="4114800">
+            <a:lvl9pPr marL="4114800" lvl="8" indent="-317500">
               <a:spcBef>
                 <a:spcPts val="0"/>
               </a:spcBef>
@@ -4188,15 +4874,19 @@
               <a:defRPr/>
             </a:lvl9pPr>
           </a:lstStyle>
-          <a:p/>
+          <a:p>
+            <a:endParaRPr/>
+          </a:p>
         </p:txBody>
       </p:sp>
       <p:sp>
         <p:nvSpPr>
           <p:cNvPr id="24" name="Google Shape;24;p4"/>
-          <p:cNvSpPr txBox="1"/>
+          <p:cNvSpPr txBox="1">
+            <a:spLocks noGrp="1"/>
+          </p:cNvSpPr>
           <p:nvPr>
-            <p:ph idx="12" type="sldNum"/>
+            <p:ph type="sldNum" idx="12"/>
           </p:nvPr>
         </p:nvSpPr>
         <p:spPr>
@@ -4209,7 +4899,7 @@
           </a:prstGeom>
         </p:spPr>
         <p:txBody>
-          <a:bodyPr anchorCtr="0" anchor="ctr" bIns="91425" lIns="91425" spcFirstLastPara="1" rIns="91425" wrap="square" tIns="91425">
+          <a:bodyPr spcFirstLastPara="1" wrap="square" lIns="91425" tIns="91425" rIns="91425" bIns="91425" anchor="ctr" anchorCtr="0">
             <a:normAutofit/>
           </a:bodyPr>
           <a:lstStyle>
@@ -4251,7 +4941,7 @@
             </a:lvl9pPr>
           </a:lstStyle>
           <a:p>
-            <a:pPr indent="0" lvl="0" marL="0" rtl="0" algn="r">
+            <a:pPr marL="0" lvl="0" indent="0" algn="r" rtl="0">
               <a:spcBef>
                 <a:spcPts val="0"/>
               </a:spcBef>
@@ -4277,11 +4967,11 @@
 </file>
 
 <file path=ppt/slideLayouts/slideLayout4.xml><?xml version="1.0" encoding="utf-8"?>
-<p:sldLayout xmlns:a="http://schemas.openxmlformats.org/drawingml/2006/main" xmlns:r="http://schemas.openxmlformats.org/officeDocument/2006/relationships" xmlns:mc="http://schemas.openxmlformats.org/markup-compatibility/2006" xmlns:mv="urn:schemas-microsoft-com:mac:vml" xmlns:p="http://schemas.openxmlformats.org/presentationml/2006/main" xmlns:c="http://schemas.openxmlformats.org/drawingml/2006/chart" xmlns:dgm="http://schemas.openxmlformats.org/drawingml/2006/diagram" xmlns:o="urn:schemas-microsoft-com:office:office" xmlns:v="urn:schemas-microsoft-com:vml" xmlns:pvml="urn:schemas-microsoft-com:office:powerpoint" xmlns:com="http://schemas.openxmlformats.org/drawingml/2006/compatibility" xmlns:p14="http://schemas.microsoft.com/office/powerpoint/2010/main" xmlns:p15="http://schemas.microsoft.com/office/powerpoint/2012/main" xmlns:ahyp="http://schemas.microsoft.com/office/drawing/2018/hyperlinkcolor" matchingName="Title and two columns" type="twoColTx">
+<p:sldLayout xmlns:a="http://schemas.openxmlformats.org/drawingml/2006/main" xmlns:r="http://schemas.openxmlformats.org/officeDocument/2006/relationships" xmlns:p="http://schemas.openxmlformats.org/presentationml/2006/main" matchingName="Title and two columns" type="twoColTx">
   <p:cSld name="TITLE_AND_TWO_COLUMNS">
     <p:spTree>
       <p:nvGrpSpPr>
-        <p:cNvPr id="25" name="Shape 25"/>
+        <p:cNvPr id="1" name="Shape 25"/>
         <p:cNvGrpSpPr/>
         <p:nvPr/>
       </p:nvGrpSpPr>
@@ -4296,7 +4986,9 @@
       <p:sp>
         <p:nvSpPr>
           <p:cNvPr id="26" name="Google Shape;26;p5"/>
-          <p:cNvSpPr txBox="1"/>
+          <p:cNvSpPr txBox="1">
+            <a:spLocks noGrp="1"/>
+          </p:cNvSpPr>
           <p:nvPr>
             <p:ph type="title"/>
           </p:nvPr>
@@ -4311,7 +5003,7 @@
           </a:prstGeom>
         </p:spPr>
         <p:txBody>
-          <a:bodyPr anchorCtr="0" anchor="b" bIns="91425" lIns="91425" spcFirstLastPara="1" rIns="91425" wrap="square" tIns="91425">
+          <a:bodyPr spcFirstLastPara="1" wrap="square" lIns="91425" tIns="91425" rIns="91425" bIns="91425" anchor="b" anchorCtr="0">
             <a:normAutofit/>
           </a:bodyPr>
           <a:lstStyle>
@@ -4415,15 +5107,19 @@
               <a:defRPr/>
             </a:lvl9pPr>
           </a:lstStyle>
-          <a:p/>
+          <a:p>
+            <a:endParaRPr/>
+          </a:p>
         </p:txBody>
       </p:sp>
       <p:sp>
         <p:nvSpPr>
           <p:cNvPr id="27" name="Google Shape;27;p5"/>
-          <p:cNvSpPr txBox="1"/>
+          <p:cNvSpPr txBox="1">
+            <a:spLocks noGrp="1"/>
+          </p:cNvSpPr>
           <p:nvPr>
-            <p:ph idx="1" type="body"/>
+            <p:ph type="body" idx="1"/>
           </p:nvPr>
         </p:nvSpPr>
         <p:spPr>
@@ -4436,11 +5132,11 @@
           </a:prstGeom>
         </p:spPr>
         <p:txBody>
-          <a:bodyPr anchorCtr="0" anchor="t" bIns="91425" lIns="91425" spcFirstLastPara="1" rIns="91425" wrap="square" tIns="91425">
+          <a:bodyPr spcFirstLastPara="1" wrap="square" lIns="91425" tIns="91425" rIns="91425" bIns="91425" anchor="t" anchorCtr="0">
             <a:normAutofit/>
           </a:bodyPr>
           <a:lstStyle>
-            <a:lvl1pPr indent="-317500" lvl="0" marL="457200">
+            <a:lvl1pPr marL="457200" lvl="0" indent="-317500">
               <a:spcBef>
                 <a:spcPts val="0"/>
               </a:spcBef>
@@ -4451,7 +5147,7 @@
               <a:buChar char="●"/>
               <a:defRPr sz="1400"/>
             </a:lvl1pPr>
-            <a:lvl2pPr indent="-304800" lvl="1" marL="914400">
+            <a:lvl2pPr marL="914400" lvl="1" indent="-304800">
               <a:spcBef>
                 <a:spcPts val="0"/>
               </a:spcBef>
@@ -4462,7 +5158,7 @@
               <a:buChar char="○"/>
               <a:defRPr sz="1200"/>
             </a:lvl2pPr>
-            <a:lvl3pPr indent="-304800" lvl="2" marL="1371600">
+            <a:lvl3pPr marL="1371600" lvl="2" indent="-304800">
               <a:spcBef>
                 <a:spcPts val="0"/>
               </a:spcBef>
@@ -4473,7 +5169,7 @@
               <a:buChar char="■"/>
               <a:defRPr sz="1200"/>
             </a:lvl3pPr>
-            <a:lvl4pPr indent="-304800" lvl="3" marL="1828800">
+            <a:lvl4pPr marL="1828800" lvl="3" indent="-304800">
               <a:spcBef>
                 <a:spcPts val="0"/>
               </a:spcBef>
@@ -4484,7 +5180,7 @@
               <a:buChar char="●"/>
               <a:defRPr sz="1200"/>
             </a:lvl4pPr>
-            <a:lvl5pPr indent="-304800" lvl="4" marL="2286000">
+            <a:lvl5pPr marL="2286000" lvl="4" indent="-304800">
               <a:spcBef>
                 <a:spcPts val="0"/>
               </a:spcBef>
@@ -4495,7 +5191,7 @@
               <a:buChar char="○"/>
               <a:defRPr sz="1200"/>
             </a:lvl5pPr>
-            <a:lvl6pPr indent="-304800" lvl="5" marL="2743200">
+            <a:lvl6pPr marL="2743200" lvl="5" indent="-304800">
               <a:spcBef>
                 <a:spcPts val="0"/>
               </a:spcBef>
@@ -4506,7 +5202,7 @@
               <a:buChar char="■"/>
               <a:defRPr sz="1200"/>
             </a:lvl6pPr>
-            <a:lvl7pPr indent="-304800" lvl="6" marL="3200400">
+            <a:lvl7pPr marL="3200400" lvl="6" indent="-304800">
               <a:spcBef>
                 <a:spcPts val="0"/>
               </a:spcBef>
@@ -4517,7 +5213,7 @@
               <a:buChar char="●"/>
               <a:defRPr sz="1200"/>
             </a:lvl7pPr>
-            <a:lvl8pPr indent="-304800" lvl="7" marL="3657600">
+            <a:lvl8pPr marL="3657600" lvl="7" indent="-304800">
               <a:spcBef>
                 <a:spcPts val="0"/>
               </a:spcBef>
@@ -4528,7 +5224,7 @@
               <a:buChar char="○"/>
               <a:defRPr sz="1200"/>
             </a:lvl8pPr>
-            <a:lvl9pPr indent="-304800" lvl="8" marL="4114800">
+            <a:lvl9pPr marL="4114800" lvl="8" indent="-304800">
               <a:spcBef>
                 <a:spcPts val="0"/>
               </a:spcBef>
@@ -4540,15 +5236,19 @@
               <a:defRPr sz="1200"/>
             </a:lvl9pPr>
           </a:lstStyle>
-          <a:p/>
+          <a:p>
+            <a:endParaRPr/>
+          </a:p>
         </p:txBody>
       </p:sp>
       <p:sp>
         <p:nvSpPr>
           <p:cNvPr id="28" name="Google Shape;28;p5"/>
-          <p:cNvSpPr txBox="1"/>
+          <p:cNvSpPr txBox="1">
+            <a:spLocks noGrp="1"/>
+          </p:cNvSpPr>
           <p:nvPr>
-            <p:ph idx="2" type="body"/>
+            <p:ph type="body" idx="2"/>
           </p:nvPr>
         </p:nvSpPr>
         <p:spPr>
@@ -4561,11 +5261,11 @@
           </a:prstGeom>
         </p:spPr>
         <p:txBody>
-          <a:bodyPr anchorCtr="0" anchor="t" bIns="91425" lIns="91425" spcFirstLastPara="1" rIns="91425" wrap="square" tIns="91425">
+          <a:bodyPr spcFirstLastPara="1" wrap="square" lIns="91425" tIns="91425" rIns="91425" bIns="91425" anchor="t" anchorCtr="0">
             <a:normAutofit/>
           </a:bodyPr>
           <a:lstStyle>
-            <a:lvl1pPr indent="-317500" lvl="0" marL="457200">
+            <a:lvl1pPr marL="457200" lvl="0" indent="-317500">
               <a:spcBef>
                 <a:spcPts val="0"/>
               </a:spcBef>
@@ -4576,7 +5276,7 @@
               <a:buChar char="●"/>
               <a:defRPr sz="1400"/>
             </a:lvl1pPr>
-            <a:lvl2pPr indent="-304800" lvl="1" marL="914400">
+            <a:lvl2pPr marL="914400" lvl="1" indent="-304800">
               <a:spcBef>
                 <a:spcPts val="0"/>
               </a:spcBef>
@@ -4587,7 +5287,7 @@
               <a:buChar char="○"/>
               <a:defRPr sz="1200"/>
             </a:lvl2pPr>
-            <a:lvl3pPr indent="-304800" lvl="2" marL="1371600">
+            <a:lvl3pPr marL="1371600" lvl="2" indent="-304800">
               <a:spcBef>
                 <a:spcPts val="0"/>
               </a:spcBef>
@@ -4598,7 +5298,7 @@
               <a:buChar char="■"/>
               <a:defRPr sz="1200"/>
             </a:lvl3pPr>
-            <a:lvl4pPr indent="-304800" lvl="3" marL="1828800">
+            <a:lvl4pPr marL="1828800" lvl="3" indent="-304800">
               <a:spcBef>
                 <a:spcPts val="0"/>
               </a:spcBef>
@@ -4609,7 +5309,7 @@
               <a:buChar char="●"/>
               <a:defRPr sz="1200"/>
             </a:lvl4pPr>
-            <a:lvl5pPr indent="-304800" lvl="4" marL="2286000">
+            <a:lvl5pPr marL="2286000" lvl="4" indent="-304800">
               <a:spcBef>
                 <a:spcPts val="0"/>
               </a:spcBef>
@@ -4620,7 +5320,7 @@
               <a:buChar char="○"/>
               <a:defRPr sz="1200"/>
             </a:lvl5pPr>
-            <a:lvl6pPr indent="-304800" lvl="5" marL="2743200">
+            <a:lvl6pPr marL="2743200" lvl="5" indent="-304800">
               <a:spcBef>
                 <a:spcPts val="0"/>
               </a:spcBef>
@@ -4631,7 +5331,7 @@
               <a:buChar char="■"/>
               <a:defRPr sz="1200"/>
             </a:lvl6pPr>
-            <a:lvl7pPr indent="-304800" lvl="6" marL="3200400">
+            <a:lvl7pPr marL="3200400" lvl="6" indent="-304800">
               <a:spcBef>
                 <a:spcPts val="0"/>
               </a:spcBef>
@@ -4642,7 +5342,7 @@
               <a:buChar char="●"/>
               <a:defRPr sz="1200"/>
             </a:lvl7pPr>
-            <a:lvl8pPr indent="-304800" lvl="7" marL="3657600">
+            <a:lvl8pPr marL="3657600" lvl="7" indent="-304800">
               <a:spcBef>
                 <a:spcPts val="0"/>
               </a:spcBef>
@@ -4653,7 +5353,7 @@
               <a:buChar char="○"/>
               <a:defRPr sz="1200"/>
             </a:lvl8pPr>
-            <a:lvl9pPr indent="-304800" lvl="8" marL="4114800">
+            <a:lvl9pPr marL="4114800" lvl="8" indent="-304800">
               <a:spcBef>
                 <a:spcPts val="0"/>
               </a:spcBef>
@@ -4665,15 +5365,19 @@
               <a:defRPr sz="1200"/>
             </a:lvl9pPr>
           </a:lstStyle>
-          <a:p/>
+          <a:p>
+            <a:endParaRPr/>
+          </a:p>
         </p:txBody>
       </p:sp>
       <p:sp>
         <p:nvSpPr>
           <p:cNvPr id="29" name="Google Shape;29;p5"/>
-          <p:cNvSpPr txBox="1"/>
+          <p:cNvSpPr txBox="1">
+            <a:spLocks noGrp="1"/>
+          </p:cNvSpPr>
           <p:nvPr>
-            <p:ph idx="12" type="sldNum"/>
+            <p:ph type="sldNum" idx="12"/>
           </p:nvPr>
         </p:nvSpPr>
         <p:spPr>
@@ -4686,7 +5390,7 @@
           </a:prstGeom>
         </p:spPr>
         <p:txBody>
-          <a:bodyPr anchorCtr="0" anchor="ctr" bIns="91425" lIns="91425" spcFirstLastPara="1" rIns="91425" wrap="square" tIns="91425">
+          <a:bodyPr spcFirstLastPara="1" wrap="square" lIns="91425" tIns="91425" rIns="91425" bIns="91425" anchor="ctr" anchorCtr="0">
             <a:normAutofit/>
           </a:bodyPr>
           <a:lstStyle>
@@ -4728,7 +5432,7 @@
             </a:lvl9pPr>
           </a:lstStyle>
           <a:p>
-            <a:pPr indent="0" lvl="0" marL="0" rtl="0" algn="r">
+            <a:pPr marL="0" lvl="0" indent="0" algn="r" rtl="0">
               <a:spcBef>
                 <a:spcPts val="0"/>
               </a:spcBef>
@@ -4754,11 +5458,11 @@
 </file>
 
 <file path=ppt/slideLayouts/slideLayout5.xml><?xml version="1.0" encoding="utf-8"?>
-<p:sldLayout xmlns:a="http://schemas.openxmlformats.org/drawingml/2006/main" xmlns:r="http://schemas.openxmlformats.org/officeDocument/2006/relationships" xmlns:mc="http://schemas.openxmlformats.org/markup-compatibility/2006" xmlns:mv="urn:schemas-microsoft-com:mac:vml" xmlns:p="http://schemas.openxmlformats.org/presentationml/2006/main" xmlns:c="http://schemas.openxmlformats.org/drawingml/2006/chart" xmlns:dgm="http://schemas.openxmlformats.org/drawingml/2006/diagram" xmlns:o="urn:schemas-microsoft-com:office:office" xmlns:v="urn:schemas-microsoft-com:vml" xmlns:pvml="urn:schemas-microsoft-com:office:powerpoint" xmlns:com="http://schemas.openxmlformats.org/drawingml/2006/compatibility" xmlns:p14="http://schemas.microsoft.com/office/powerpoint/2010/main" xmlns:p15="http://schemas.microsoft.com/office/powerpoint/2012/main" xmlns:ahyp="http://schemas.microsoft.com/office/drawing/2018/hyperlinkcolor" matchingName="Title only" type="titleOnly">
+<p:sldLayout xmlns:a="http://schemas.openxmlformats.org/drawingml/2006/main" xmlns:r="http://schemas.openxmlformats.org/officeDocument/2006/relationships" xmlns:p="http://schemas.openxmlformats.org/presentationml/2006/main" matchingName="Title only" type="titleOnly">
   <p:cSld name="TITLE_ONLY">
     <p:spTree>
       <p:nvGrpSpPr>
-        <p:cNvPr id="30" name="Shape 30"/>
+        <p:cNvPr id="1" name="Shape 30"/>
         <p:cNvGrpSpPr/>
         <p:nvPr/>
       </p:nvGrpSpPr>
@@ -4773,7 +5477,9 @@
       <p:sp>
         <p:nvSpPr>
           <p:cNvPr id="31" name="Google Shape;31;p6"/>
-          <p:cNvSpPr txBox="1"/>
+          <p:cNvSpPr txBox="1">
+            <a:spLocks noGrp="1"/>
+          </p:cNvSpPr>
           <p:nvPr>
             <p:ph type="title"/>
           </p:nvPr>
@@ -4788,7 +5494,7 @@
           </a:prstGeom>
         </p:spPr>
         <p:txBody>
-          <a:bodyPr anchorCtr="0" anchor="b" bIns="91425" lIns="91425" spcFirstLastPara="1" rIns="91425" wrap="square" tIns="91425">
+          <a:bodyPr spcFirstLastPara="1" wrap="square" lIns="91425" tIns="91425" rIns="91425" bIns="91425" anchor="b" anchorCtr="0">
             <a:normAutofit/>
           </a:bodyPr>
           <a:lstStyle>
@@ -4892,15 +5598,19 @@
               <a:defRPr/>
             </a:lvl9pPr>
           </a:lstStyle>
-          <a:p/>
+          <a:p>
+            <a:endParaRPr/>
+          </a:p>
         </p:txBody>
       </p:sp>
       <p:sp>
         <p:nvSpPr>
           <p:cNvPr id="32" name="Google Shape;32;p6"/>
-          <p:cNvSpPr txBox="1"/>
+          <p:cNvSpPr txBox="1">
+            <a:spLocks noGrp="1"/>
+          </p:cNvSpPr>
           <p:nvPr>
-            <p:ph idx="12" type="sldNum"/>
+            <p:ph type="sldNum" idx="12"/>
           </p:nvPr>
         </p:nvSpPr>
         <p:spPr>
@@ -4913,7 +5623,7 @@
           </a:prstGeom>
         </p:spPr>
         <p:txBody>
-          <a:bodyPr anchorCtr="0" anchor="ctr" bIns="91425" lIns="91425" spcFirstLastPara="1" rIns="91425" wrap="square" tIns="91425">
+          <a:bodyPr spcFirstLastPara="1" wrap="square" lIns="91425" tIns="91425" rIns="91425" bIns="91425" anchor="ctr" anchorCtr="0">
             <a:normAutofit/>
           </a:bodyPr>
           <a:lstStyle>
@@ -4955,7 +5665,7 @@
             </a:lvl9pPr>
           </a:lstStyle>
           <a:p>
-            <a:pPr indent="0" lvl="0" marL="0" rtl="0" algn="r">
+            <a:pPr marL="0" lvl="0" indent="0" algn="r" rtl="0">
               <a:spcBef>
                 <a:spcPts val="0"/>
               </a:spcBef>
@@ -4981,11 +5691,11 @@
 </file>
 
 <file path=ppt/slideLayouts/slideLayout6.xml><?xml version="1.0" encoding="utf-8"?>
-<p:sldLayout xmlns:a="http://schemas.openxmlformats.org/drawingml/2006/main" xmlns:r="http://schemas.openxmlformats.org/officeDocument/2006/relationships" xmlns:mc="http://schemas.openxmlformats.org/markup-compatibility/2006" xmlns:mv="urn:schemas-microsoft-com:mac:vml" xmlns:p="http://schemas.openxmlformats.org/presentationml/2006/main" xmlns:c="http://schemas.openxmlformats.org/drawingml/2006/chart" xmlns:dgm="http://schemas.openxmlformats.org/drawingml/2006/diagram" xmlns:o="urn:schemas-microsoft-com:office:office" xmlns:v="urn:schemas-microsoft-com:vml" xmlns:pvml="urn:schemas-microsoft-com:office:powerpoint" xmlns:com="http://schemas.openxmlformats.org/drawingml/2006/compatibility" xmlns:p14="http://schemas.microsoft.com/office/powerpoint/2010/main" xmlns:p15="http://schemas.microsoft.com/office/powerpoint/2012/main" xmlns:ahyp="http://schemas.microsoft.com/office/drawing/2018/hyperlinkcolor" matchingName="One column text">
+<p:sldLayout xmlns:a="http://schemas.openxmlformats.org/drawingml/2006/main" xmlns:r="http://schemas.openxmlformats.org/officeDocument/2006/relationships" xmlns:p="http://schemas.openxmlformats.org/presentationml/2006/main" matchingName="One column text">
   <p:cSld name="ONE_COLUMN_TEXT">
     <p:spTree>
       <p:nvGrpSpPr>
-        <p:cNvPr id="33" name="Shape 33"/>
+        <p:cNvPr id="1" name="Shape 33"/>
         <p:cNvGrpSpPr/>
         <p:nvPr/>
       </p:nvGrpSpPr>
@@ -5000,7 +5710,9 @@
       <p:sp>
         <p:nvSpPr>
           <p:cNvPr id="34" name="Google Shape;34;p7"/>
-          <p:cNvSpPr txBox="1"/>
+          <p:cNvSpPr txBox="1">
+            <a:spLocks noGrp="1"/>
+          </p:cNvSpPr>
           <p:nvPr>
             <p:ph type="title"/>
           </p:nvPr>
@@ -5015,7 +5727,7 @@
           </a:prstGeom>
         </p:spPr>
         <p:txBody>
-          <a:bodyPr anchorCtr="0" anchor="b" bIns="91425" lIns="91425" spcFirstLastPara="1" rIns="91425" wrap="square" tIns="91425">
+          <a:bodyPr spcFirstLastPara="1" wrap="square" lIns="91425" tIns="91425" rIns="91425" bIns="91425" anchor="b" anchorCtr="0">
             <a:normAutofit/>
           </a:bodyPr>
           <a:lstStyle>
@@ -5119,15 +5831,19 @@
               <a:defRPr sz="3000"/>
             </a:lvl9pPr>
           </a:lstStyle>
-          <a:p/>
+          <a:p>
+            <a:endParaRPr/>
+          </a:p>
         </p:txBody>
       </p:sp>
       <p:sp>
         <p:nvSpPr>
           <p:cNvPr id="35" name="Google Shape;35;p7"/>
-          <p:cNvSpPr txBox="1"/>
+          <p:cNvSpPr txBox="1">
+            <a:spLocks noGrp="1"/>
+          </p:cNvSpPr>
           <p:nvPr>
-            <p:ph idx="1" type="body"/>
+            <p:ph type="body" idx="1"/>
           </p:nvPr>
         </p:nvSpPr>
         <p:spPr>
@@ -5140,11 +5856,11 @@
           </a:prstGeom>
         </p:spPr>
         <p:txBody>
-          <a:bodyPr anchorCtr="0" anchor="t" bIns="91425" lIns="91425" spcFirstLastPara="1" rIns="91425" wrap="square" tIns="91425">
+          <a:bodyPr spcFirstLastPara="1" wrap="square" lIns="91425" tIns="91425" rIns="91425" bIns="91425" anchor="t" anchorCtr="0">
             <a:normAutofit/>
           </a:bodyPr>
           <a:lstStyle>
-            <a:lvl1pPr indent="-304800" lvl="0" marL="457200">
+            <a:lvl1pPr marL="457200" lvl="0" indent="-304800">
               <a:spcBef>
                 <a:spcPts val="0"/>
               </a:spcBef>
@@ -5155,7 +5871,7 @@
               <a:buChar char="●"/>
               <a:defRPr sz="1200"/>
             </a:lvl1pPr>
-            <a:lvl2pPr indent="-304800" lvl="1" marL="914400">
+            <a:lvl2pPr marL="914400" lvl="1" indent="-304800">
               <a:spcBef>
                 <a:spcPts val="0"/>
               </a:spcBef>
@@ -5166,7 +5882,7 @@
               <a:buChar char="○"/>
               <a:defRPr sz="1200"/>
             </a:lvl2pPr>
-            <a:lvl3pPr indent="-304800" lvl="2" marL="1371600">
+            <a:lvl3pPr marL="1371600" lvl="2" indent="-304800">
               <a:spcBef>
                 <a:spcPts val="0"/>
               </a:spcBef>
@@ -5177,7 +5893,7 @@
               <a:buChar char="■"/>
               <a:defRPr sz="1200"/>
             </a:lvl3pPr>
-            <a:lvl4pPr indent="-304800" lvl="3" marL="1828800">
+            <a:lvl4pPr marL="1828800" lvl="3" indent="-304800">
               <a:spcBef>
                 <a:spcPts val="0"/>
               </a:spcBef>
@@ -5188,7 +5904,7 @@
               <a:buChar char="●"/>
               <a:defRPr sz="1200"/>
             </a:lvl4pPr>
-            <a:lvl5pPr indent="-304800" lvl="4" marL="2286000">
+            <a:lvl5pPr marL="2286000" lvl="4" indent="-304800">
               <a:spcBef>
                 <a:spcPts val="0"/>
               </a:spcBef>
@@ -5199,7 +5915,7 @@
               <a:buChar char="○"/>
               <a:defRPr sz="1200"/>
             </a:lvl5pPr>
-            <a:lvl6pPr indent="-304800" lvl="5" marL="2743200">
+            <a:lvl6pPr marL="2743200" lvl="5" indent="-304800">
               <a:spcBef>
                 <a:spcPts val="0"/>
               </a:spcBef>
@@ -5210,7 +5926,7 @@
               <a:buChar char="■"/>
               <a:defRPr sz="1200"/>
             </a:lvl6pPr>
-            <a:lvl7pPr indent="-304800" lvl="6" marL="3200400">
+            <a:lvl7pPr marL="3200400" lvl="6" indent="-304800">
               <a:spcBef>
                 <a:spcPts val="0"/>
               </a:spcBef>
@@ -5221,7 +5937,7 @@
               <a:buChar char="●"/>
               <a:defRPr sz="1200"/>
             </a:lvl7pPr>
-            <a:lvl8pPr indent="-304800" lvl="7" marL="3657600">
+            <a:lvl8pPr marL="3657600" lvl="7" indent="-304800">
               <a:spcBef>
                 <a:spcPts val="0"/>
               </a:spcBef>
@@ -5232,7 +5948,7 @@
               <a:buChar char="○"/>
               <a:defRPr sz="1200"/>
             </a:lvl8pPr>
-            <a:lvl9pPr indent="-304800" lvl="8" marL="4114800">
+            <a:lvl9pPr marL="4114800" lvl="8" indent="-304800">
               <a:spcBef>
                 <a:spcPts val="0"/>
               </a:spcBef>
@@ -5244,15 +5960,19 @@
               <a:defRPr sz="1200"/>
             </a:lvl9pPr>
           </a:lstStyle>
-          <a:p/>
+          <a:p>
+            <a:endParaRPr/>
+          </a:p>
         </p:txBody>
       </p:sp>
       <p:sp>
         <p:nvSpPr>
           <p:cNvPr id="36" name="Google Shape;36;p7"/>
-          <p:cNvSpPr txBox="1"/>
+          <p:cNvSpPr txBox="1">
+            <a:spLocks noGrp="1"/>
+          </p:cNvSpPr>
           <p:nvPr>
-            <p:ph idx="12" type="sldNum"/>
+            <p:ph type="sldNum" idx="12"/>
           </p:nvPr>
         </p:nvSpPr>
         <p:spPr>
@@ -5265,7 +5985,7 @@
           </a:prstGeom>
         </p:spPr>
         <p:txBody>
-          <a:bodyPr anchorCtr="0" anchor="ctr" bIns="91425" lIns="91425" spcFirstLastPara="1" rIns="91425" wrap="square" tIns="91425">
+          <a:bodyPr spcFirstLastPara="1" wrap="square" lIns="91425" tIns="91425" rIns="91425" bIns="91425" anchor="ctr" anchorCtr="0">
             <a:normAutofit/>
           </a:bodyPr>
           <a:lstStyle>
@@ -5307,7 +6027,7 @@
             </a:lvl9pPr>
           </a:lstStyle>
           <a:p>
-            <a:pPr indent="0" lvl="0" marL="0" rtl="0" algn="r">
+            <a:pPr marL="0" lvl="0" indent="0" algn="r" rtl="0">
               <a:spcBef>
                 <a:spcPts val="0"/>
               </a:spcBef>
@@ -5333,11 +6053,11 @@
 </file>
 
 <file path=ppt/slideLayouts/slideLayout7.xml><?xml version="1.0" encoding="utf-8"?>
-<p:sldLayout xmlns:a="http://schemas.openxmlformats.org/drawingml/2006/main" xmlns:r="http://schemas.openxmlformats.org/officeDocument/2006/relationships" xmlns:mc="http://schemas.openxmlformats.org/markup-compatibility/2006" xmlns:mv="urn:schemas-microsoft-com:mac:vml" xmlns:p="http://schemas.openxmlformats.org/presentationml/2006/main" xmlns:c="http://schemas.openxmlformats.org/drawingml/2006/chart" xmlns:dgm="http://schemas.openxmlformats.org/drawingml/2006/diagram" xmlns:o="urn:schemas-microsoft-com:office:office" xmlns:v="urn:schemas-microsoft-com:vml" xmlns:pvml="urn:schemas-microsoft-com:office:powerpoint" xmlns:com="http://schemas.openxmlformats.org/drawingml/2006/compatibility" xmlns:p14="http://schemas.microsoft.com/office/powerpoint/2010/main" xmlns:p15="http://schemas.microsoft.com/office/powerpoint/2012/main" xmlns:ahyp="http://schemas.microsoft.com/office/drawing/2018/hyperlinkcolor" matchingName="Main point">
+<p:sldLayout xmlns:a="http://schemas.openxmlformats.org/drawingml/2006/main" xmlns:r="http://schemas.openxmlformats.org/officeDocument/2006/relationships" xmlns:p="http://schemas.openxmlformats.org/presentationml/2006/main" matchingName="Main point">
   <p:cSld name="MAIN_POINT">
     <p:spTree>
       <p:nvGrpSpPr>
-        <p:cNvPr id="37" name="Shape 37"/>
+        <p:cNvPr id="1" name="Shape 37"/>
         <p:cNvGrpSpPr/>
         <p:nvPr/>
       </p:nvGrpSpPr>
@@ -5371,12 +6091,12 @@
           </a:ln>
         </p:spPr>
         <p:txBody>
-          <a:bodyPr anchorCtr="0" anchor="ctr" bIns="91425" lIns="91425" spcFirstLastPara="1" rIns="91425" wrap="square" tIns="91425">
+          <a:bodyPr spcFirstLastPara="1" wrap="square" lIns="91425" tIns="91425" rIns="91425" bIns="91425" anchor="ctr" anchorCtr="0">
             <a:noAutofit/>
           </a:bodyPr>
           <a:lstStyle/>
           <a:p>
-            <a:pPr indent="0" lvl="0" marL="0" rtl="0" algn="l">
+            <a:pPr marL="0" lvl="0" indent="0" algn="l" rtl="0">
               <a:spcBef>
                 <a:spcPts val="0"/>
               </a:spcBef>
@@ -5385,9 +6105,6 @@
               </a:spcAft>
               <a:buNone/>
             </a:pPr>
-            <a:r>
-              <a:t/>
-            </a:r>
             <a:endParaRPr/>
           </a:p>
         </p:txBody>
@@ -5395,7 +6112,9 @@
       <p:sp>
         <p:nvSpPr>
           <p:cNvPr id="39" name="Google Shape;39;p8"/>
-          <p:cNvSpPr txBox="1"/>
+          <p:cNvSpPr txBox="1">
+            <a:spLocks noGrp="1"/>
+          </p:cNvSpPr>
           <p:nvPr>
             <p:ph type="title"/>
           </p:nvPr>
@@ -5410,7 +6129,7 @@
           </a:prstGeom>
         </p:spPr>
         <p:txBody>
-          <a:bodyPr anchorCtr="0" anchor="ctr" bIns="91425" lIns="91425" spcFirstLastPara="1" rIns="91425" wrap="square" tIns="91425">
+          <a:bodyPr spcFirstLastPara="1" wrap="square" lIns="91425" tIns="91425" rIns="91425" bIns="91425" anchor="ctr" anchorCtr="0">
             <a:normAutofit/>
           </a:bodyPr>
           <a:lstStyle>
@@ -5514,15 +6233,19 @@
               <a:defRPr sz="4800"/>
             </a:lvl9pPr>
           </a:lstStyle>
-          <a:p/>
+          <a:p>
+            <a:endParaRPr/>
+          </a:p>
         </p:txBody>
       </p:sp>
       <p:sp>
         <p:nvSpPr>
           <p:cNvPr id="40" name="Google Shape;40;p8"/>
-          <p:cNvSpPr txBox="1"/>
+          <p:cNvSpPr txBox="1">
+            <a:spLocks noGrp="1"/>
+          </p:cNvSpPr>
           <p:nvPr>
-            <p:ph idx="12" type="sldNum"/>
+            <p:ph type="sldNum" idx="12"/>
           </p:nvPr>
         </p:nvSpPr>
         <p:spPr>
@@ -5535,7 +6258,7 @@
           </a:prstGeom>
         </p:spPr>
         <p:txBody>
-          <a:bodyPr anchorCtr="0" anchor="ctr" bIns="91425" lIns="91425" spcFirstLastPara="1" rIns="91425" wrap="square" tIns="91425">
+          <a:bodyPr spcFirstLastPara="1" wrap="square" lIns="91425" tIns="91425" rIns="91425" bIns="91425" anchor="ctr" anchorCtr="0">
             <a:normAutofit/>
           </a:bodyPr>
           <a:lstStyle>
@@ -5577,7 +6300,7 @@
             </a:lvl9pPr>
           </a:lstStyle>
           <a:p>
-            <a:pPr indent="0" lvl="0" marL="0" rtl="0" algn="r">
+            <a:pPr marL="0" lvl="0" indent="0" algn="r" rtl="0">
               <a:spcBef>
                 <a:spcPts val="0"/>
               </a:spcBef>
@@ -5603,11 +6326,11 @@
 </file>
 
 <file path=ppt/slideLayouts/slideLayout8.xml><?xml version="1.0" encoding="utf-8"?>
-<p:sldLayout xmlns:a="http://schemas.openxmlformats.org/drawingml/2006/main" xmlns:r="http://schemas.openxmlformats.org/officeDocument/2006/relationships" xmlns:mc="http://schemas.openxmlformats.org/markup-compatibility/2006" xmlns:mv="urn:schemas-microsoft-com:mac:vml" xmlns:p="http://schemas.openxmlformats.org/presentationml/2006/main" xmlns:c="http://schemas.openxmlformats.org/drawingml/2006/chart" xmlns:dgm="http://schemas.openxmlformats.org/drawingml/2006/diagram" xmlns:o="urn:schemas-microsoft-com:office:office" xmlns:v="urn:schemas-microsoft-com:vml" xmlns:pvml="urn:schemas-microsoft-com:office:powerpoint" xmlns:com="http://schemas.openxmlformats.org/drawingml/2006/compatibility" xmlns:p14="http://schemas.microsoft.com/office/powerpoint/2010/main" xmlns:p15="http://schemas.microsoft.com/office/powerpoint/2012/main" xmlns:ahyp="http://schemas.microsoft.com/office/drawing/2018/hyperlinkcolor" matchingName="Section title and description">
+<p:sldLayout xmlns:a="http://schemas.openxmlformats.org/drawingml/2006/main" xmlns:r="http://schemas.openxmlformats.org/officeDocument/2006/relationships" xmlns:p="http://schemas.openxmlformats.org/presentationml/2006/main" matchingName="Section title and description">
   <p:cSld name="SECTION_TITLE_AND_DESCRIPTION">
     <p:spTree>
       <p:nvGrpSpPr>
-        <p:cNvPr id="41" name="Shape 41"/>
+        <p:cNvPr id="1" name="Shape 41"/>
         <p:cNvGrpSpPr/>
         <p:nvPr/>
       </p:nvGrpSpPr>
@@ -5641,12 +6364,12 @@
           </a:ln>
         </p:spPr>
         <p:txBody>
-          <a:bodyPr anchorCtr="0" anchor="ctr" bIns="91425" lIns="91425" spcFirstLastPara="1" rIns="91425" wrap="square" tIns="91425">
+          <a:bodyPr spcFirstLastPara="1" wrap="square" lIns="91425" tIns="91425" rIns="91425" bIns="91425" anchor="ctr" anchorCtr="0">
             <a:noAutofit/>
           </a:bodyPr>
           <a:lstStyle/>
           <a:p>
-            <a:pPr indent="0" lvl="0" marL="0" rtl="0" algn="l">
+            <a:pPr marL="0" lvl="0" indent="0" algn="l" rtl="0">
               <a:spcBef>
                 <a:spcPts val="0"/>
               </a:spcBef>
@@ -5655,9 +6378,6 @@
               </a:spcAft>
               <a:buNone/>
             </a:pPr>
-            <a:r>
-              <a:t/>
-            </a:r>
             <a:endParaRPr/>
           </a:p>
         </p:txBody>
@@ -5677,21 +6397,23 @@
             <a:avLst/>
           </a:prstGeom>
           <a:noFill/>
-          <a:ln cap="flat" cmpd="sng" w="19050">
+          <a:ln w="19050" cap="flat" cmpd="sng">
             <a:solidFill>
               <a:schemeClr val="lt1"/>
             </a:solidFill>
             <a:prstDash val="solid"/>
             <a:round/>
-            <a:headEnd len="sm" w="sm" type="none"/>
-            <a:tailEnd len="sm" w="sm" type="none"/>
+            <a:headEnd type="none" w="sm" len="sm"/>
+            <a:tailEnd type="none" w="sm" len="sm"/>
           </a:ln>
         </p:spPr>
       </p:cxnSp>
       <p:sp>
         <p:nvSpPr>
           <p:cNvPr id="44" name="Google Shape;44;p9"/>
-          <p:cNvSpPr txBox="1"/>
+          <p:cNvSpPr txBox="1">
+            <a:spLocks noGrp="1"/>
+          </p:cNvSpPr>
           <p:nvPr>
             <p:ph type="title"/>
           </p:nvPr>
@@ -5706,7 +6428,7 @@
           </a:prstGeom>
         </p:spPr>
         <p:txBody>
-          <a:bodyPr anchorCtr="0" anchor="b" bIns="91425" lIns="91425" spcFirstLastPara="1" rIns="91425" wrap="square" tIns="91425">
+          <a:bodyPr spcFirstLastPara="1" wrap="square" lIns="91425" tIns="91425" rIns="91425" bIns="91425" anchor="b" anchorCtr="0">
             <a:normAutofit/>
           </a:bodyPr>
           <a:lstStyle>
@@ -5873,15 +6595,19 @@
               </a:defRPr>
             </a:lvl9pPr>
           </a:lstStyle>
-          <a:p/>
+          <a:p>
+            <a:endParaRPr/>
+          </a:p>
         </p:txBody>
       </p:sp>
       <p:sp>
         <p:nvSpPr>
           <p:cNvPr id="45" name="Google Shape;45;p9"/>
-          <p:cNvSpPr txBox="1"/>
+          <p:cNvSpPr txBox="1">
+            <a:spLocks noGrp="1"/>
+          </p:cNvSpPr>
           <p:nvPr>
-            <p:ph idx="1" type="subTitle"/>
+            <p:ph type="subTitle" idx="1"/>
           </p:nvPr>
         </p:nvSpPr>
         <p:spPr>
@@ -5894,7 +6620,7 @@
           </a:prstGeom>
         </p:spPr>
         <p:txBody>
-          <a:bodyPr anchorCtr="0" anchor="t" bIns="91425" lIns="91425" spcFirstLastPara="1" rIns="91425" wrap="square" tIns="91425">
+          <a:bodyPr spcFirstLastPara="1" wrap="square" lIns="91425" tIns="91425" rIns="91425" bIns="91425" anchor="t" anchorCtr="0">
             <a:normAutofit/>
           </a:bodyPr>
           <a:lstStyle>
@@ -6079,15 +6805,19 @@
               </a:defRPr>
             </a:lvl9pPr>
           </a:lstStyle>
-          <a:p/>
+          <a:p>
+            <a:endParaRPr/>
+          </a:p>
         </p:txBody>
       </p:sp>
       <p:sp>
         <p:nvSpPr>
           <p:cNvPr id="46" name="Google Shape;46;p9"/>
-          <p:cNvSpPr txBox="1"/>
+          <p:cNvSpPr txBox="1">
+            <a:spLocks noGrp="1"/>
+          </p:cNvSpPr>
           <p:nvPr>
-            <p:ph idx="2" type="body"/>
+            <p:ph type="body" idx="2"/>
           </p:nvPr>
         </p:nvSpPr>
         <p:spPr>
@@ -6100,11 +6830,11 @@
           </a:prstGeom>
         </p:spPr>
         <p:txBody>
-          <a:bodyPr anchorCtr="0" anchor="ctr" bIns="91425" lIns="91425" spcFirstLastPara="1" rIns="91425" wrap="square" tIns="91425">
+          <a:bodyPr spcFirstLastPara="1" wrap="square" lIns="91425" tIns="91425" rIns="91425" bIns="91425" anchor="ctr" anchorCtr="0">
             <a:normAutofit/>
           </a:bodyPr>
           <a:lstStyle>
-            <a:lvl1pPr indent="-342900" lvl="0" marL="457200">
+            <a:lvl1pPr marL="457200" lvl="0" indent="-342900">
               <a:spcBef>
                 <a:spcPts val="0"/>
               </a:spcBef>
@@ -6122,7 +6852,7 @@
                 </a:solidFill>
               </a:defRPr>
             </a:lvl1pPr>
-            <a:lvl2pPr indent="-317500" lvl="1" marL="914400">
+            <a:lvl2pPr marL="914400" lvl="1" indent="-317500">
               <a:spcBef>
                 <a:spcPts val="0"/>
               </a:spcBef>
@@ -6140,7 +6870,7 @@
                 </a:solidFill>
               </a:defRPr>
             </a:lvl2pPr>
-            <a:lvl3pPr indent="-317500" lvl="2" marL="1371600">
+            <a:lvl3pPr marL="1371600" lvl="2" indent="-317500">
               <a:spcBef>
                 <a:spcPts val="0"/>
               </a:spcBef>
@@ -6158,7 +6888,7 @@
                 </a:solidFill>
               </a:defRPr>
             </a:lvl3pPr>
-            <a:lvl4pPr indent="-317500" lvl="3" marL="1828800">
+            <a:lvl4pPr marL="1828800" lvl="3" indent="-317500">
               <a:spcBef>
                 <a:spcPts val="0"/>
               </a:spcBef>
@@ -6176,7 +6906,7 @@
                 </a:solidFill>
               </a:defRPr>
             </a:lvl4pPr>
-            <a:lvl5pPr indent="-317500" lvl="4" marL="2286000">
+            <a:lvl5pPr marL="2286000" lvl="4" indent="-317500">
               <a:spcBef>
                 <a:spcPts val="0"/>
               </a:spcBef>
@@ -6194,7 +6924,7 @@
                 </a:solidFill>
               </a:defRPr>
             </a:lvl5pPr>
-            <a:lvl6pPr indent="-317500" lvl="5" marL="2743200">
+            <a:lvl6pPr marL="2743200" lvl="5" indent="-317500">
               <a:spcBef>
                 <a:spcPts val="0"/>
               </a:spcBef>
@@ -6212,7 +6942,7 @@
                 </a:solidFill>
               </a:defRPr>
             </a:lvl6pPr>
-            <a:lvl7pPr indent="-317500" lvl="6" marL="3200400">
+            <a:lvl7pPr marL="3200400" lvl="6" indent="-317500">
               <a:spcBef>
                 <a:spcPts val="0"/>
               </a:spcBef>
@@ -6230,7 +6960,7 @@
                 </a:solidFill>
               </a:defRPr>
             </a:lvl7pPr>
-            <a:lvl8pPr indent="-317500" lvl="7" marL="3657600">
+            <a:lvl8pPr marL="3657600" lvl="7" indent="-317500">
               <a:spcBef>
                 <a:spcPts val="0"/>
               </a:spcBef>
@@ -6248,7 +6978,7 @@
                 </a:solidFill>
               </a:defRPr>
             </a:lvl8pPr>
-            <a:lvl9pPr indent="-317500" lvl="8" marL="4114800">
+            <a:lvl9pPr marL="4114800" lvl="8" indent="-317500">
               <a:spcBef>
                 <a:spcPts val="0"/>
               </a:spcBef>
@@ -6267,15 +6997,19 @@
               </a:defRPr>
             </a:lvl9pPr>
           </a:lstStyle>
-          <a:p/>
+          <a:p>
+            <a:endParaRPr/>
+          </a:p>
         </p:txBody>
       </p:sp>
       <p:sp>
         <p:nvSpPr>
           <p:cNvPr id="47" name="Google Shape;47;p9"/>
-          <p:cNvSpPr txBox="1"/>
+          <p:cNvSpPr txBox="1">
+            <a:spLocks noGrp="1"/>
+          </p:cNvSpPr>
           <p:nvPr>
-            <p:ph idx="12" type="sldNum"/>
+            <p:ph type="sldNum" idx="12"/>
           </p:nvPr>
         </p:nvSpPr>
         <p:spPr>
@@ -6288,7 +7022,7 @@
           </a:prstGeom>
         </p:spPr>
         <p:txBody>
-          <a:bodyPr anchorCtr="0" anchor="ctr" bIns="91425" lIns="91425" spcFirstLastPara="1" rIns="91425" wrap="square" tIns="91425">
+          <a:bodyPr spcFirstLastPara="1" wrap="square" lIns="91425" tIns="91425" rIns="91425" bIns="91425" anchor="ctr" anchorCtr="0">
             <a:normAutofit/>
           </a:bodyPr>
           <a:lstStyle>
@@ -6366,7 +7100,7 @@
             </a:lvl9pPr>
           </a:lstStyle>
           <a:p>
-            <a:pPr indent="0" lvl="0" marL="0" rtl="0" algn="r">
+            <a:pPr marL="0" lvl="0" indent="0" algn="r" rtl="0">
               <a:spcBef>
                 <a:spcPts val="0"/>
               </a:spcBef>
@@ -6392,11 +7126,11 @@
 </file>
 
 <file path=ppt/slideLayouts/slideLayout9.xml><?xml version="1.0" encoding="utf-8"?>
-<p:sldLayout xmlns:a="http://schemas.openxmlformats.org/drawingml/2006/main" xmlns:r="http://schemas.openxmlformats.org/officeDocument/2006/relationships" xmlns:mc="http://schemas.openxmlformats.org/markup-compatibility/2006" xmlns:mv="urn:schemas-microsoft-com:mac:vml" xmlns:p="http://schemas.openxmlformats.org/presentationml/2006/main" xmlns:c="http://schemas.openxmlformats.org/drawingml/2006/chart" xmlns:dgm="http://schemas.openxmlformats.org/drawingml/2006/diagram" xmlns:o="urn:schemas-microsoft-com:office:office" xmlns:v="urn:schemas-microsoft-com:vml" xmlns:pvml="urn:schemas-microsoft-com:office:powerpoint" xmlns:com="http://schemas.openxmlformats.org/drawingml/2006/compatibility" xmlns:p14="http://schemas.microsoft.com/office/powerpoint/2010/main" xmlns:p15="http://schemas.microsoft.com/office/powerpoint/2012/main" xmlns:ahyp="http://schemas.microsoft.com/office/drawing/2018/hyperlinkcolor" matchingName="Caption">
+<p:sldLayout xmlns:a="http://schemas.openxmlformats.org/drawingml/2006/main" xmlns:r="http://schemas.openxmlformats.org/officeDocument/2006/relationships" xmlns:p="http://schemas.openxmlformats.org/presentationml/2006/main" matchingName="Caption">
   <p:cSld name="CAPTION_ONLY">
     <p:spTree>
       <p:nvGrpSpPr>
-        <p:cNvPr id="48" name="Shape 48"/>
+        <p:cNvPr id="1" name="Shape 48"/>
         <p:cNvGrpSpPr/>
         <p:nvPr/>
       </p:nvGrpSpPr>
@@ -6411,9 +7145,11 @@
       <p:sp>
         <p:nvSpPr>
           <p:cNvPr id="49" name="Google Shape;49;p10"/>
-          <p:cNvSpPr txBox="1"/>
+          <p:cNvSpPr txBox="1">
+            <a:spLocks noGrp="1"/>
+          </p:cNvSpPr>
           <p:nvPr>
-            <p:ph idx="1" type="body"/>
+            <p:ph type="body" idx="1"/>
           </p:nvPr>
         </p:nvSpPr>
         <p:spPr>
@@ -6426,11 +7162,11 @@
           </a:prstGeom>
         </p:spPr>
         <p:txBody>
-          <a:bodyPr anchorCtr="0" anchor="ctr" bIns="91425" lIns="91425" spcFirstLastPara="1" rIns="91425" wrap="square" tIns="91425">
+          <a:bodyPr spcFirstLastPara="1" wrap="square" lIns="91425" tIns="91425" rIns="91425" bIns="91425" anchor="ctr" anchorCtr="0">
             <a:normAutofit/>
           </a:bodyPr>
           <a:lstStyle>
-            <a:lvl1pPr indent="-228600" lvl="0" marL="457200">
+            <a:lvl1pPr marL="457200" lvl="0" indent="-228600">
               <a:lnSpc>
                 <a:spcPct val="100000"/>
               </a:lnSpc>
@@ -6451,15 +7187,19 @@
               </a:defRPr>
             </a:lvl1pPr>
           </a:lstStyle>
-          <a:p/>
+          <a:p>
+            <a:endParaRPr/>
+          </a:p>
         </p:txBody>
       </p:sp>
       <p:sp>
         <p:nvSpPr>
           <p:cNvPr id="50" name="Google Shape;50;p10"/>
-          <p:cNvSpPr txBox="1"/>
+          <p:cNvSpPr txBox="1">
+            <a:spLocks noGrp="1"/>
+          </p:cNvSpPr>
           <p:nvPr>
-            <p:ph idx="12" type="sldNum"/>
+            <p:ph type="sldNum" idx="12"/>
           </p:nvPr>
         </p:nvSpPr>
         <p:spPr>
@@ -6472,7 +7212,7 @@
           </a:prstGeom>
         </p:spPr>
         <p:txBody>
-          <a:bodyPr anchorCtr="0" anchor="ctr" bIns="91425" lIns="91425" spcFirstLastPara="1" rIns="91425" wrap="square" tIns="91425">
+          <a:bodyPr spcFirstLastPara="1" wrap="square" lIns="91425" tIns="91425" rIns="91425" bIns="91425" anchor="ctr" anchorCtr="0">
             <a:normAutofit/>
           </a:bodyPr>
           <a:lstStyle>
@@ -6514,7 +7254,7 @@
             </a:lvl9pPr>
           </a:lstStyle>
           <a:p>
-            <a:pPr indent="0" lvl="0" marL="0" rtl="0" algn="r">
+            <a:pPr marL="0" lvl="0" indent="0" algn="r" rtl="0">
               <a:spcBef>
                 <a:spcPts val="0"/>
               </a:spcBef>
@@ -6540,18 +7280,19 @@
 </file>
 
 <file path=ppt/slideMasters/slideMaster1.xml><?xml version="1.0" encoding="utf-8"?>
-<p:sldMaster xmlns:a="http://schemas.openxmlformats.org/drawingml/2006/main" xmlns:r="http://schemas.openxmlformats.org/officeDocument/2006/relationships" xmlns:mc="http://schemas.openxmlformats.org/markup-compatibility/2006" xmlns:mv="urn:schemas-microsoft-com:mac:vml" xmlns:p="http://schemas.openxmlformats.org/presentationml/2006/main" xmlns:c="http://schemas.openxmlformats.org/drawingml/2006/chart" xmlns:dgm="http://schemas.openxmlformats.org/drawingml/2006/diagram" xmlns:o="urn:schemas-microsoft-com:office:office" xmlns:v="urn:schemas-microsoft-com:vml" xmlns:pvml="urn:schemas-microsoft-com:office:powerpoint" xmlns:com="http://schemas.openxmlformats.org/drawingml/2006/compatibility" xmlns:p14="http://schemas.microsoft.com/office/powerpoint/2010/main" xmlns:p15="http://schemas.microsoft.com/office/powerpoint/2012/main" xmlns:ahyp="http://schemas.microsoft.com/office/drawing/2018/hyperlinkcolor">
+<p:sldMaster xmlns:a="http://schemas.openxmlformats.org/drawingml/2006/main" xmlns:r="http://schemas.openxmlformats.org/officeDocument/2006/relationships" xmlns:p="http://schemas.openxmlformats.org/presentationml/2006/main">
   <p:cSld name="luxe">
     <p:bg>
       <p:bgPr>
         <a:solidFill>
           <a:schemeClr val="lt1"/>
         </a:solidFill>
+        <a:effectLst/>
       </p:bgPr>
     </p:bg>
     <p:spTree>
       <p:nvGrpSpPr>
-        <p:cNvPr id="5" name="Shape 5"/>
+        <p:cNvPr id="1" name="Shape 5"/>
         <p:cNvGrpSpPr/>
         <p:nvPr/>
       </p:nvGrpSpPr>
@@ -6566,7 +7307,9 @@
       <p:sp>
         <p:nvSpPr>
           <p:cNvPr id="6" name="Google Shape;6;p1"/>
-          <p:cNvSpPr txBox="1"/>
+          <p:cNvSpPr txBox="1">
+            <a:spLocks noGrp="1"/>
+          </p:cNvSpPr>
           <p:nvPr>
             <p:ph type="title"/>
           </p:nvPr>
@@ -6585,7 +7328,7 @@
           </a:ln>
         </p:spPr>
         <p:txBody>
-          <a:bodyPr anchorCtr="0" anchor="b" bIns="91425" lIns="91425" spcFirstLastPara="1" rIns="91425" wrap="square" tIns="91425">
+          <a:bodyPr spcFirstLastPara="1" wrap="square" lIns="91425" tIns="91425" rIns="91425" bIns="91425" anchor="b" anchorCtr="0">
             <a:normAutofit/>
           </a:bodyPr>
           <a:lstStyle>
@@ -6797,15 +7540,19 @@
               </a:defRPr>
             </a:lvl9pPr>
           </a:lstStyle>
-          <a:p/>
+          <a:p>
+            <a:endParaRPr/>
+          </a:p>
         </p:txBody>
       </p:sp>
       <p:sp>
         <p:nvSpPr>
           <p:cNvPr id="7" name="Google Shape;7;p1"/>
-          <p:cNvSpPr txBox="1"/>
+          <p:cNvSpPr txBox="1">
+            <a:spLocks noGrp="1"/>
+          </p:cNvSpPr>
           <p:nvPr>
-            <p:ph idx="1" type="body"/>
+            <p:ph type="body" idx="1"/>
           </p:nvPr>
         </p:nvSpPr>
         <p:spPr>
@@ -6822,11 +7569,11 @@
           </a:ln>
         </p:spPr>
         <p:txBody>
-          <a:bodyPr anchorCtr="0" anchor="t" bIns="91425" lIns="91425" spcFirstLastPara="1" rIns="91425" wrap="square" tIns="91425">
+          <a:bodyPr spcFirstLastPara="1" wrap="square" lIns="91425" tIns="91425" rIns="91425" bIns="91425" anchor="t" anchorCtr="0">
             <a:normAutofit/>
           </a:bodyPr>
           <a:lstStyle>
-            <a:lvl1pPr indent="-342900" lvl="0" marL="457200">
+            <a:lvl1pPr marL="457200" lvl="0" indent="-342900">
               <a:lnSpc>
                 <a:spcPct val="115000"/>
               </a:lnSpc>
@@ -6852,7 +7599,7 @@
                 <a:sym typeface="Open Sans"/>
               </a:defRPr>
             </a:lvl1pPr>
-            <a:lvl2pPr indent="-317500" lvl="1" marL="914400">
+            <a:lvl2pPr marL="914400" lvl="1" indent="-317500">
               <a:lnSpc>
                 <a:spcPct val="115000"/>
               </a:lnSpc>
@@ -6878,7 +7625,7 @@
                 <a:sym typeface="Open Sans"/>
               </a:defRPr>
             </a:lvl2pPr>
-            <a:lvl3pPr indent="-317500" lvl="2" marL="1371600">
+            <a:lvl3pPr marL="1371600" lvl="2" indent="-317500">
               <a:lnSpc>
                 <a:spcPct val="115000"/>
               </a:lnSpc>
@@ -6904,7 +7651,7 @@
                 <a:sym typeface="Open Sans"/>
               </a:defRPr>
             </a:lvl3pPr>
-            <a:lvl4pPr indent="-317500" lvl="3" marL="1828800">
+            <a:lvl4pPr marL="1828800" lvl="3" indent="-317500">
               <a:lnSpc>
                 <a:spcPct val="115000"/>
               </a:lnSpc>
@@ -6930,7 +7677,7 @@
                 <a:sym typeface="Open Sans"/>
               </a:defRPr>
             </a:lvl4pPr>
-            <a:lvl5pPr indent="-317500" lvl="4" marL="2286000">
+            <a:lvl5pPr marL="2286000" lvl="4" indent="-317500">
               <a:lnSpc>
                 <a:spcPct val="115000"/>
               </a:lnSpc>
@@ -6956,7 +7703,7 @@
                 <a:sym typeface="Open Sans"/>
               </a:defRPr>
             </a:lvl5pPr>
-            <a:lvl6pPr indent="-317500" lvl="5" marL="2743200">
+            <a:lvl6pPr marL="2743200" lvl="5" indent="-317500">
               <a:lnSpc>
                 <a:spcPct val="115000"/>
               </a:lnSpc>
@@ -6982,7 +7729,7 @@
                 <a:sym typeface="Open Sans"/>
               </a:defRPr>
             </a:lvl6pPr>
-            <a:lvl7pPr indent="-317500" lvl="6" marL="3200400">
+            <a:lvl7pPr marL="3200400" lvl="6" indent="-317500">
               <a:lnSpc>
                 <a:spcPct val="115000"/>
               </a:lnSpc>
@@ -7008,7 +7755,7 @@
                 <a:sym typeface="Open Sans"/>
               </a:defRPr>
             </a:lvl7pPr>
-            <a:lvl8pPr indent="-317500" lvl="7" marL="3657600">
+            <a:lvl8pPr marL="3657600" lvl="7" indent="-317500">
               <a:lnSpc>
                 <a:spcPct val="115000"/>
               </a:lnSpc>
@@ -7034,7 +7781,7 @@
                 <a:sym typeface="Open Sans"/>
               </a:defRPr>
             </a:lvl8pPr>
-            <a:lvl9pPr indent="-317500" lvl="8" marL="4114800">
+            <a:lvl9pPr marL="4114800" lvl="8" indent="-317500">
               <a:lnSpc>
                 <a:spcPct val="115000"/>
               </a:lnSpc>
@@ -7061,15 +7808,19 @@
               </a:defRPr>
             </a:lvl9pPr>
           </a:lstStyle>
-          <a:p/>
+          <a:p>
+            <a:endParaRPr/>
+          </a:p>
         </p:txBody>
       </p:sp>
       <p:sp>
         <p:nvSpPr>
           <p:cNvPr id="8" name="Google Shape;8;p1"/>
-          <p:cNvSpPr txBox="1"/>
+          <p:cNvSpPr txBox="1">
+            <a:spLocks noGrp="1"/>
+          </p:cNvSpPr>
           <p:nvPr>
-            <p:ph idx="12" type="sldNum"/>
+            <p:ph type="sldNum" idx="12"/>
           </p:nvPr>
         </p:nvSpPr>
         <p:spPr>
@@ -7086,7 +7837,7 @@
           </a:ln>
         </p:spPr>
         <p:txBody>
-          <a:bodyPr anchorCtr="0" anchor="ctr" bIns="91425" lIns="91425" spcFirstLastPara="1" rIns="91425" wrap="square" tIns="91425">
+          <a:bodyPr spcFirstLastPara="1" wrap="square" lIns="91425" tIns="91425" rIns="91425" bIns="91425" anchor="ctr" anchorCtr="0">
             <a:normAutofit/>
           </a:bodyPr>
           <a:lstStyle>
@@ -7200,7 +7951,7 @@
             </a:lvl9pPr>
           </a:lstStyle>
           <a:p>
-            <a:pPr indent="0" lvl="0" marL="0" rtl="0" algn="r">
+            <a:pPr marL="0" lvl="0" indent="0" algn="r" rtl="0">
               <a:spcBef>
                 <a:spcPts val="0"/>
               </a:spcBef>
@@ -7219,7 +7970,7 @@
       </p:sp>
     </p:spTree>
   </p:cSld>
-  <p:clrMap accent1="accent1" accent2="accent2" accent3="accent3" accent4="accent4" accent5="accent5" accent6="accent6" bg1="lt1" bg2="dk2" tx1="dk1" tx2="lt2" folHlink="folHlink" hlink="hlink"/>
+  <p:clrMap bg1="lt1" tx1="dk1" bg2="dk2" tx2="lt2" accent1="accent1" accent2="accent2" accent3="accent3" accent4="accent4" accent5="accent5" accent6="accent6" hlink="hlink" folHlink="folHlink"/>
   <p:sldLayoutIdLst>
     <p:sldLayoutId id="2147483648" r:id="rId1"/>
     <p:sldLayoutId id="2147483649" r:id="rId2"/>
@@ -7233,10 +7984,10 @@
     <p:sldLayoutId id="2147483657" r:id="rId10"/>
     <p:sldLayoutId id="2147483658" r:id="rId11"/>
   </p:sldLayoutIdLst>
-  <p:hf dt="0" ftr="0" hdr="0" sldNum="0"/>
+  <p:hf sldNum="0" hdr="0" ftr="0" dt="0"/>
   <p:txStyles>
     <p:titleStyle>
-      <a:defPPr lvl="0" marR="0" rtl="0" algn="l">
+      <a:defPPr marR="0" lvl="0" algn="l" rtl="0">
         <a:lnSpc>
           <a:spcPct val="100000"/>
         </a:lnSpc>
@@ -7247,7 +7998,7 @@
           <a:spcPts val="0"/>
         </a:spcAft>
       </a:defPPr>
-      <a:lvl1pPr lvl="0" marR="0" rtl="0" algn="l">
+      <a:lvl1pPr marR="0" lvl="0" algn="l" rtl="0">
         <a:lnSpc>
           <a:spcPct val="100000"/>
         </a:lnSpc>
@@ -7261,7 +8012,7 @@
           <a:srgbClr val="000000"/>
         </a:buClr>
         <a:buFont typeface="Arial"/>
-        <a:defRPr b="0" i="0" sz="1400" u="none" cap="none" strike="noStrike">
+        <a:defRPr sz="1400" b="0" i="0" u="none" strike="noStrike" cap="none">
           <a:solidFill>
             <a:srgbClr val="000000"/>
           </a:solidFill>
@@ -7271,7 +8022,7 @@
           <a:sym typeface="Arial"/>
         </a:defRPr>
       </a:lvl1pPr>
-      <a:lvl2pPr lvl="1" marR="0" rtl="0" algn="l">
+      <a:lvl2pPr marR="0" lvl="1" algn="l" rtl="0">
         <a:lnSpc>
           <a:spcPct val="100000"/>
         </a:lnSpc>
@@ -7285,7 +8036,7 @@
           <a:srgbClr val="000000"/>
         </a:buClr>
         <a:buFont typeface="Arial"/>
-        <a:defRPr b="0" i="0" sz="1400" u="none" cap="none" strike="noStrike">
+        <a:defRPr sz="1400" b="0" i="0" u="none" strike="noStrike" cap="none">
           <a:solidFill>
             <a:srgbClr val="000000"/>
           </a:solidFill>
@@ -7295,7 +8046,7 @@
           <a:sym typeface="Arial"/>
         </a:defRPr>
       </a:lvl2pPr>
-      <a:lvl3pPr lvl="2" marR="0" rtl="0" algn="l">
+      <a:lvl3pPr marR="0" lvl="2" algn="l" rtl="0">
         <a:lnSpc>
           <a:spcPct val="100000"/>
         </a:lnSpc>
@@ -7309,7 +8060,7 @@
           <a:srgbClr val="000000"/>
         </a:buClr>
         <a:buFont typeface="Arial"/>
-        <a:defRPr b="0" i="0" sz="1400" u="none" cap="none" strike="noStrike">
+        <a:defRPr sz="1400" b="0" i="0" u="none" strike="noStrike" cap="none">
           <a:solidFill>
             <a:srgbClr val="000000"/>
           </a:solidFill>
@@ -7319,7 +8070,7 @@
           <a:sym typeface="Arial"/>
         </a:defRPr>
       </a:lvl3pPr>
-      <a:lvl4pPr lvl="3" marR="0" rtl="0" algn="l">
+      <a:lvl4pPr marR="0" lvl="3" algn="l" rtl="0">
         <a:lnSpc>
           <a:spcPct val="100000"/>
         </a:lnSpc>
@@ -7333,7 +8084,7 @@
           <a:srgbClr val="000000"/>
         </a:buClr>
         <a:buFont typeface="Arial"/>
-        <a:defRPr b="0" i="0" sz="1400" u="none" cap="none" strike="noStrike">
+        <a:defRPr sz="1400" b="0" i="0" u="none" strike="noStrike" cap="none">
           <a:solidFill>
             <a:srgbClr val="000000"/>
           </a:solidFill>
@@ -7343,7 +8094,7 @@
           <a:sym typeface="Arial"/>
         </a:defRPr>
       </a:lvl4pPr>
-      <a:lvl5pPr lvl="4" marR="0" rtl="0" algn="l">
+      <a:lvl5pPr marR="0" lvl="4" algn="l" rtl="0">
         <a:lnSpc>
           <a:spcPct val="100000"/>
         </a:lnSpc>
@@ -7357,7 +8108,7 @@
           <a:srgbClr val="000000"/>
         </a:buClr>
         <a:buFont typeface="Arial"/>
-        <a:defRPr b="0" i="0" sz="1400" u="none" cap="none" strike="noStrike">
+        <a:defRPr sz="1400" b="0" i="0" u="none" strike="noStrike" cap="none">
           <a:solidFill>
             <a:srgbClr val="000000"/>
           </a:solidFill>
@@ -7367,7 +8118,7 @@
           <a:sym typeface="Arial"/>
         </a:defRPr>
       </a:lvl5pPr>
-      <a:lvl6pPr lvl="5" marR="0" rtl="0" algn="l">
+      <a:lvl6pPr marR="0" lvl="5" algn="l" rtl="0">
         <a:lnSpc>
           <a:spcPct val="100000"/>
         </a:lnSpc>
@@ -7381,7 +8132,7 @@
           <a:srgbClr val="000000"/>
         </a:buClr>
         <a:buFont typeface="Arial"/>
-        <a:defRPr b="0" i="0" sz="1400" u="none" cap="none" strike="noStrike">
+        <a:defRPr sz="1400" b="0" i="0" u="none" strike="noStrike" cap="none">
           <a:solidFill>
             <a:srgbClr val="000000"/>
           </a:solidFill>
@@ -7391,7 +8142,7 @@
           <a:sym typeface="Arial"/>
         </a:defRPr>
       </a:lvl6pPr>
-      <a:lvl7pPr lvl="6" marR="0" rtl="0" algn="l">
+      <a:lvl7pPr marR="0" lvl="6" algn="l" rtl="0">
         <a:lnSpc>
           <a:spcPct val="100000"/>
         </a:lnSpc>
@@ -7405,7 +8156,7 @@
           <a:srgbClr val="000000"/>
         </a:buClr>
         <a:buFont typeface="Arial"/>
-        <a:defRPr b="0" i="0" sz="1400" u="none" cap="none" strike="noStrike">
+        <a:defRPr sz="1400" b="0" i="0" u="none" strike="noStrike" cap="none">
           <a:solidFill>
             <a:srgbClr val="000000"/>
           </a:solidFill>
@@ -7415,7 +8166,7 @@
           <a:sym typeface="Arial"/>
         </a:defRPr>
       </a:lvl7pPr>
-      <a:lvl8pPr lvl="7" marR="0" rtl="0" algn="l">
+      <a:lvl8pPr marR="0" lvl="7" algn="l" rtl="0">
         <a:lnSpc>
           <a:spcPct val="100000"/>
         </a:lnSpc>
@@ -7429,7 +8180,7 @@
           <a:srgbClr val="000000"/>
         </a:buClr>
         <a:buFont typeface="Arial"/>
-        <a:defRPr b="0" i="0" sz="1400" u="none" cap="none" strike="noStrike">
+        <a:defRPr sz="1400" b="0" i="0" u="none" strike="noStrike" cap="none">
           <a:solidFill>
             <a:srgbClr val="000000"/>
           </a:solidFill>
@@ -7439,7 +8190,7 @@
           <a:sym typeface="Arial"/>
         </a:defRPr>
       </a:lvl8pPr>
-      <a:lvl9pPr lvl="8" marR="0" rtl="0" algn="l">
+      <a:lvl9pPr marR="0" lvl="8" algn="l" rtl="0">
         <a:lnSpc>
           <a:spcPct val="100000"/>
         </a:lnSpc>
@@ -7453,7 +8204,7 @@
           <a:srgbClr val="000000"/>
         </a:buClr>
         <a:buFont typeface="Arial"/>
-        <a:defRPr b="0" i="0" sz="1400" u="none" cap="none" strike="noStrike">
+        <a:defRPr sz="1400" b="0" i="0" u="none" strike="noStrike" cap="none">
           <a:solidFill>
             <a:srgbClr val="000000"/>
           </a:solidFill>
@@ -7465,7 +8216,7 @@
       </a:lvl9pPr>
     </p:titleStyle>
     <p:bodyStyle>
-      <a:defPPr lvl="0" marR="0" rtl="0" algn="l">
+      <a:defPPr marR="0" lvl="0" algn="l" rtl="0">
         <a:lnSpc>
           <a:spcPct val="100000"/>
         </a:lnSpc>
@@ -7476,7 +8227,7 @@
           <a:spcPts val="0"/>
         </a:spcAft>
       </a:defPPr>
-      <a:lvl1pPr lvl="0" marR="0" rtl="0" algn="l">
+      <a:lvl1pPr marR="0" lvl="0" algn="l" rtl="0">
         <a:lnSpc>
           <a:spcPct val="100000"/>
         </a:lnSpc>
@@ -7490,7 +8241,7 @@
           <a:srgbClr val="000000"/>
         </a:buClr>
         <a:buFont typeface="Arial"/>
-        <a:defRPr b="0" i="0" sz="1400" u="none" cap="none" strike="noStrike">
+        <a:defRPr sz="1400" b="0" i="0" u="none" strike="noStrike" cap="none">
           <a:solidFill>
             <a:srgbClr val="000000"/>
           </a:solidFill>
@@ -7500,7 +8251,7 @@
           <a:sym typeface="Arial"/>
         </a:defRPr>
       </a:lvl1pPr>
-      <a:lvl2pPr lvl="1" marR="0" rtl="0" algn="l">
+      <a:lvl2pPr marR="0" lvl="1" algn="l" rtl="0">
         <a:lnSpc>
           <a:spcPct val="100000"/>
         </a:lnSpc>
@@ -7514,7 +8265,7 @@
           <a:srgbClr val="000000"/>
         </a:buClr>
         <a:buFont typeface="Arial"/>
-        <a:defRPr b="0" i="0" sz="1400" u="none" cap="none" strike="noStrike">
+        <a:defRPr sz="1400" b="0" i="0" u="none" strike="noStrike" cap="none">
           <a:solidFill>
             <a:srgbClr val="000000"/>
           </a:solidFill>
@@ -7524,7 +8275,7 @@
           <a:sym typeface="Arial"/>
         </a:defRPr>
       </a:lvl2pPr>
-      <a:lvl3pPr lvl="2" marR="0" rtl="0" algn="l">
+      <a:lvl3pPr marR="0" lvl="2" algn="l" rtl="0">
         <a:lnSpc>
           <a:spcPct val="100000"/>
         </a:lnSpc>
@@ -7538,7 +8289,7 @@
           <a:srgbClr val="000000"/>
         </a:buClr>
         <a:buFont typeface="Arial"/>
-        <a:defRPr b="0" i="0" sz="1400" u="none" cap="none" strike="noStrike">
+        <a:defRPr sz="1400" b="0" i="0" u="none" strike="noStrike" cap="none">
           <a:solidFill>
             <a:srgbClr val="000000"/>
           </a:solidFill>
@@ -7548,7 +8299,7 @@
           <a:sym typeface="Arial"/>
         </a:defRPr>
       </a:lvl3pPr>
-      <a:lvl4pPr lvl="3" marR="0" rtl="0" algn="l">
+      <a:lvl4pPr marR="0" lvl="3" algn="l" rtl="0">
         <a:lnSpc>
           <a:spcPct val="100000"/>
         </a:lnSpc>
@@ -7562,7 +8313,7 @@
           <a:srgbClr val="000000"/>
         </a:buClr>
         <a:buFont typeface="Arial"/>
-        <a:defRPr b="0" i="0" sz="1400" u="none" cap="none" strike="noStrike">
+        <a:defRPr sz="1400" b="0" i="0" u="none" strike="noStrike" cap="none">
           <a:solidFill>
             <a:srgbClr val="000000"/>
           </a:solidFill>
@@ -7572,7 +8323,7 @@
           <a:sym typeface="Arial"/>
         </a:defRPr>
       </a:lvl4pPr>
-      <a:lvl5pPr lvl="4" marR="0" rtl="0" algn="l">
+      <a:lvl5pPr marR="0" lvl="4" algn="l" rtl="0">
         <a:lnSpc>
           <a:spcPct val="100000"/>
         </a:lnSpc>
@@ -7586,7 +8337,7 @@
           <a:srgbClr val="000000"/>
         </a:buClr>
         <a:buFont typeface="Arial"/>
-        <a:defRPr b="0" i="0" sz="1400" u="none" cap="none" strike="noStrike">
+        <a:defRPr sz="1400" b="0" i="0" u="none" strike="noStrike" cap="none">
           <a:solidFill>
             <a:srgbClr val="000000"/>
           </a:solidFill>
@@ -7596,7 +8347,7 @@
           <a:sym typeface="Arial"/>
         </a:defRPr>
       </a:lvl5pPr>
-      <a:lvl6pPr lvl="5" marR="0" rtl="0" algn="l">
+      <a:lvl6pPr marR="0" lvl="5" algn="l" rtl="0">
         <a:lnSpc>
           <a:spcPct val="100000"/>
         </a:lnSpc>
@@ -7610,7 +8361,7 @@
           <a:srgbClr val="000000"/>
         </a:buClr>
         <a:buFont typeface="Arial"/>
-        <a:defRPr b="0" i="0" sz="1400" u="none" cap="none" strike="noStrike">
+        <a:defRPr sz="1400" b="0" i="0" u="none" strike="noStrike" cap="none">
           <a:solidFill>
             <a:srgbClr val="000000"/>
           </a:solidFill>
@@ -7620,7 +8371,7 @@
           <a:sym typeface="Arial"/>
         </a:defRPr>
       </a:lvl6pPr>
-      <a:lvl7pPr lvl="6" marR="0" rtl="0" algn="l">
+      <a:lvl7pPr marR="0" lvl="6" algn="l" rtl="0">
         <a:lnSpc>
           <a:spcPct val="100000"/>
         </a:lnSpc>
@@ -7634,7 +8385,7 @@
           <a:srgbClr val="000000"/>
         </a:buClr>
         <a:buFont typeface="Arial"/>
-        <a:defRPr b="0" i="0" sz="1400" u="none" cap="none" strike="noStrike">
+        <a:defRPr sz="1400" b="0" i="0" u="none" strike="noStrike" cap="none">
           <a:solidFill>
             <a:srgbClr val="000000"/>
           </a:solidFill>
@@ -7644,7 +8395,7 @@
           <a:sym typeface="Arial"/>
         </a:defRPr>
       </a:lvl7pPr>
-      <a:lvl8pPr lvl="7" marR="0" rtl="0" algn="l">
+      <a:lvl8pPr marR="0" lvl="7" algn="l" rtl="0">
         <a:lnSpc>
           <a:spcPct val="100000"/>
         </a:lnSpc>
@@ -7658,7 +8409,7 @@
           <a:srgbClr val="000000"/>
         </a:buClr>
         <a:buFont typeface="Arial"/>
-        <a:defRPr b="0" i="0" sz="1400" u="none" cap="none" strike="noStrike">
+        <a:defRPr sz="1400" b="0" i="0" u="none" strike="noStrike" cap="none">
           <a:solidFill>
             <a:srgbClr val="000000"/>
           </a:solidFill>
@@ -7668,7 +8419,7 @@
           <a:sym typeface="Arial"/>
         </a:defRPr>
       </a:lvl8pPr>
-      <a:lvl9pPr lvl="8" marR="0" rtl="0" algn="l">
+      <a:lvl9pPr marR="0" lvl="8" algn="l" rtl="0">
         <a:lnSpc>
           <a:spcPct val="100000"/>
         </a:lnSpc>
@@ -7682,7 +8433,7 @@
           <a:srgbClr val="000000"/>
         </a:buClr>
         <a:buFont typeface="Arial"/>
-        <a:defRPr b="0" i="0" sz="1400" u="none" cap="none" strike="noStrike">
+        <a:defRPr sz="1400" b="0" i="0" u="none" strike="noStrike" cap="none">
           <a:solidFill>
             <a:srgbClr val="000000"/>
           </a:solidFill>
@@ -7694,7 +8445,7 @@
       </a:lvl9pPr>
     </p:bodyStyle>
     <p:otherStyle>
-      <a:defPPr lvl="0" marR="0" rtl="0" algn="l">
+      <a:defPPr marR="0" lvl="0" algn="l" rtl="0">
         <a:lnSpc>
           <a:spcPct val="100000"/>
         </a:lnSpc>
@@ -7705,7 +8456,7 @@
           <a:spcPts val="0"/>
         </a:spcAft>
       </a:defPPr>
-      <a:lvl1pPr lvl="0" marR="0" rtl="0" algn="l">
+      <a:lvl1pPr marR="0" lvl="0" algn="l" rtl="0">
         <a:lnSpc>
           <a:spcPct val="100000"/>
         </a:lnSpc>
@@ -7719,7 +8470,7 @@
           <a:srgbClr val="000000"/>
         </a:buClr>
         <a:buFont typeface="Arial"/>
-        <a:defRPr b="0" i="0" sz="1400" u="none" cap="none" strike="noStrike">
+        <a:defRPr sz="1400" b="0" i="0" u="none" strike="noStrike" cap="none">
           <a:solidFill>
             <a:srgbClr val="000000"/>
           </a:solidFill>
@@ -7729,7 +8480,7 @@
           <a:sym typeface="Arial"/>
         </a:defRPr>
       </a:lvl1pPr>
-      <a:lvl2pPr lvl="1" marR="0" rtl="0" algn="l">
+      <a:lvl2pPr marR="0" lvl="1" algn="l" rtl="0">
         <a:lnSpc>
           <a:spcPct val="100000"/>
         </a:lnSpc>
@@ -7743,7 +8494,7 @@
           <a:srgbClr val="000000"/>
         </a:buClr>
         <a:buFont typeface="Arial"/>
-        <a:defRPr b="0" i="0" sz="1400" u="none" cap="none" strike="noStrike">
+        <a:defRPr sz="1400" b="0" i="0" u="none" strike="noStrike" cap="none">
           <a:solidFill>
             <a:srgbClr val="000000"/>
           </a:solidFill>
@@ -7753,7 +8504,7 @@
           <a:sym typeface="Arial"/>
         </a:defRPr>
       </a:lvl2pPr>
-      <a:lvl3pPr lvl="2" marR="0" rtl="0" algn="l">
+      <a:lvl3pPr marR="0" lvl="2" algn="l" rtl="0">
         <a:lnSpc>
           <a:spcPct val="100000"/>
         </a:lnSpc>
@@ -7767,7 +8518,7 @@
           <a:srgbClr val="000000"/>
         </a:buClr>
         <a:buFont typeface="Arial"/>
-        <a:defRPr b="0" i="0" sz="1400" u="none" cap="none" strike="noStrike">
+        <a:defRPr sz="1400" b="0" i="0" u="none" strike="noStrike" cap="none">
           <a:solidFill>
             <a:srgbClr val="000000"/>
           </a:solidFill>
@@ -7777,7 +8528,7 @@
           <a:sym typeface="Arial"/>
         </a:defRPr>
       </a:lvl3pPr>
-      <a:lvl4pPr lvl="3" marR="0" rtl="0" algn="l">
+      <a:lvl4pPr marR="0" lvl="3" algn="l" rtl="0">
         <a:lnSpc>
           <a:spcPct val="100000"/>
         </a:lnSpc>
@@ -7791,7 +8542,7 @@
           <a:srgbClr val="000000"/>
         </a:buClr>
         <a:buFont typeface="Arial"/>
-        <a:defRPr b="0" i="0" sz="1400" u="none" cap="none" strike="noStrike">
+        <a:defRPr sz="1400" b="0" i="0" u="none" strike="noStrike" cap="none">
           <a:solidFill>
             <a:srgbClr val="000000"/>
           </a:solidFill>
@@ -7801,7 +8552,7 @@
           <a:sym typeface="Arial"/>
         </a:defRPr>
       </a:lvl4pPr>
-      <a:lvl5pPr lvl="4" marR="0" rtl="0" algn="l">
+      <a:lvl5pPr marR="0" lvl="4" algn="l" rtl="0">
         <a:lnSpc>
           <a:spcPct val="100000"/>
         </a:lnSpc>
@@ -7815,7 +8566,7 @@
           <a:srgbClr val="000000"/>
         </a:buClr>
         <a:buFont typeface="Arial"/>
-        <a:defRPr b="0" i="0" sz="1400" u="none" cap="none" strike="noStrike">
+        <a:defRPr sz="1400" b="0" i="0" u="none" strike="noStrike" cap="none">
           <a:solidFill>
             <a:srgbClr val="000000"/>
           </a:solidFill>
@@ -7825,7 +8576,7 @@
           <a:sym typeface="Arial"/>
         </a:defRPr>
       </a:lvl5pPr>
-      <a:lvl6pPr lvl="5" marR="0" rtl="0" algn="l">
+      <a:lvl6pPr marR="0" lvl="5" algn="l" rtl="0">
         <a:lnSpc>
           <a:spcPct val="100000"/>
         </a:lnSpc>
@@ -7839,7 +8590,7 @@
           <a:srgbClr val="000000"/>
         </a:buClr>
         <a:buFont typeface="Arial"/>
-        <a:defRPr b="0" i="0" sz="1400" u="none" cap="none" strike="noStrike">
+        <a:defRPr sz="1400" b="0" i="0" u="none" strike="noStrike" cap="none">
           <a:solidFill>
             <a:srgbClr val="000000"/>
           </a:solidFill>
@@ -7849,7 +8600,7 @@
           <a:sym typeface="Arial"/>
         </a:defRPr>
       </a:lvl6pPr>
-      <a:lvl7pPr lvl="6" marR="0" rtl="0" algn="l">
+      <a:lvl7pPr marR="0" lvl="6" algn="l" rtl="0">
         <a:lnSpc>
           <a:spcPct val="100000"/>
         </a:lnSpc>
@@ -7863,7 +8614,7 @@
           <a:srgbClr val="000000"/>
         </a:buClr>
         <a:buFont typeface="Arial"/>
-        <a:defRPr b="0" i="0" sz="1400" u="none" cap="none" strike="noStrike">
+        <a:defRPr sz="1400" b="0" i="0" u="none" strike="noStrike" cap="none">
           <a:solidFill>
             <a:srgbClr val="000000"/>
           </a:solidFill>
@@ -7873,7 +8624,7 @@
           <a:sym typeface="Arial"/>
         </a:defRPr>
       </a:lvl7pPr>
-      <a:lvl8pPr lvl="7" marR="0" rtl="0" algn="l">
+      <a:lvl8pPr marR="0" lvl="7" algn="l" rtl="0">
         <a:lnSpc>
           <a:spcPct val="100000"/>
         </a:lnSpc>
@@ -7887,7 +8638,7 @@
           <a:srgbClr val="000000"/>
         </a:buClr>
         <a:buFont typeface="Arial"/>
-        <a:defRPr b="0" i="0" sz="1400" u="none" cap="none" strike="noStrike">
+        <a:defRPr sz="1400" b="0" i="0" u="none" strike="noStrike" cap="none">
           <a:solidFill>
             <a:srgbClr val="000000"/>
           </a:solidFill>
@@ -7897,7 +8648,7 @@
           <a:sym typeface="Arial"/>
         </a:defRPr>
       </a:lvl8pPr>
-      <a:lvl9pPr lvl="8" marR="0" rtl="0" algn="l">
+      <a:lvl9pPr marR="0" lvl="8" algn="l" rtl="0">
         <a:lnSpc>
           <a:spcPct val="100000"/>
         </a:lnSpc>
@@ -7911,7 +8662,7 @@
           <a:srgbClr val="000000"/>
         </a:buClr>
         <a:buFont typeface="Arial"/>
-        <a:defRPr b="0" i="0" sz="1400" u="none" cap="none" strike="noStrike">
+        <a:defRPr sz="1400" b="0" i="0" u="none" strike="noStrike" cap="none">
           <a:solidFill>
             <a:srgbClr val="000000"/>
           </a:solidFill>
@@ -7927,11 +8678,11 @@
 </file>
 
 <file path=ppt/slides/slide1.xml><?xml version="1.0" encoding="utf-8"?>
-<p:sld xmlns:a="http://schemas.openxmlformats.org/drawingml/2006/main" xmlns:r="http://schemas.openxmlformats.org/officeDocument/2006/relationships" xmlns:mc="http://schemas.openxmlformats.org/markup-compatibility/2006" xmlns:mv="urn:schemas-microsoft-com:mac:vml" xmlns:p="http://schemas.openxmlformats.org/presentationml/2006/main" xmlns:c="http://schemas.openxmlformats.org/drawingml/2006/chart" xmlns:dgm="http://schemas.openxmlformats.org/drawingml/2006/diagram" xmlns:o="urn:schemas-microsoft-com:office:office" xmlns:v="urn:schemas-microsoft-com:vml" xmlns:pvml="urn:schemas-microsoft-com:office:powerpoint" xmlns:com="http://schemas.openxmlformats.org/drawingml/2006/compatibility" xmlns:p14="http://schemas.microsoft.com/office/powerpoint/2010/main" xmlns:p15="http://schemas.microsoft.com/office/powerpoint/2012/main" xmlns:ahyp="http://schemas.microsoft.com/office/drawing/2018/hyperlinkcolor">
+<p:sld xmlns:a="http://schemas.openxmlformats.org/drawingml/2006/main" xmlns:r="http://schemas.openxmlformats.org/officeDocument/2006/relationships" xmlns:p="http://schemas.openxmlformats.org/presentationml/2006/main">
   <p:cSld>
     <p:spTree>
       <p:nvGrpSpPr>
-        <p:cNvPr id="61" name="Shape 61"/>
+        <p:cNvPr id="1" name="Shape 61"/>
         <p:cNvGrpSpPr/>
         <p:nvPr/>
       </p:nvGrpSpPr>
@@ -7946,7 +8697,9 @@
       <p:sp>
         <p:nvSpPr>
           <p:cNvPr id="62" name="Google Shape;62;p13"/>
-          <p:cNvSpPr txBox="1"/>
+          <p:cNvSpPr txBox="1">
+            <a:spLocks noGrp="1"/>
+          </p:cNvSpPr>
           <p:nvPr>
             <p:ph type="ctrTitle"/>
           </p:nvPr>
@@ -7961,12 +8714,12 @@
           </a:prstGeom>
         </p:spPr>
         <p:txBody>
-          <a:bodyPr anchorCtr="0" anchor="b" bIns="91425" lIns="91425" spcFirstLastPara="1" rIns="91425" wrap="square" tIns="91425">
+          <a:bodyPr spcFirstLastPara="1" wrap="square" lIns="91425" tIns="91425" rIns="91425" bIns="91425" anchor="b" anchorCtr="0">
             <a:noAutofit/>
           </a:bodyPr>
           <a:lstStyle/>
           <a:p>
-            <a:pPr indent="0" lvl="0" marL="0" rtl="0" algn="l">
+            <a:pPr marL="0" lvl="0" indent="0" algn="l" rtl="0">
               <a:spcBef>
                 <a:spcPts val="0"/>
               </a:spcBef>
@@ -7987,9 +8740,11 @@
       <p:sp>
         <p:nvSpPr>
           <p:cNvPr id="63" name="Google Shape;63;p13"/>
-          <p:cNvSpPr txBox="1"/>
+          <p:cNvSpPr txBox="1">
+            <a:spLocks noGrp="1"/>
+          </p:cNvSpPr>
           <p:nvPr>
-            <p:ph idx="1" type="subTitle"/>
+            <p:ph type="subTitle" idx="1"/>
           </p:nvPr>
         </p:nvSpPr>
         <p:spPr>
@@ -8002,12 +8757,12 @@
           </a:prstGeom>
         </p:spPr>
         <p:txBody>
-          <a:bodyPr anchorCtr="0" anchor="t" bIns="91425" lIns="91425" spcFirstLastPara="1" rIns="91425" wrap="square" tIns="91425">
+          <a:bodyPr spcFirstLastPara="1" wrap="square" lIns="91425" tIns="91425" rIns="91425" bIns="91425" anchor="t" anchorCtr="0">
             <a:normAutofit fontScale="85000" lnSpcReduction="10000"/>
           </a:bodyPr>
           <a:lstStyle/>
           <a:p>
-            <a:pPr indent="0" lvl="0" marL="0" rtl="0" algn="ctr">
+            <a:pPr marL="0" lvl="0" indent="0" algn="ctr" rtl="0">
               <a:spcBef>
                 <a:spcPts val="0"/>
               </a:spcBef>
@@ -8033,11 +8788,155 @@
 </file>
 
 <file path=ppt/slides/slide10.xml><?xml version="1.0" encoding="utf-8"?>
-<p:sld xmlns:a="http://schemas.openxmlformats.org/drawingml/2006/main" xmlns:r="http://schemas.openxmlformats.org/officeDocument/2006/relationships" xmlns:mc="http://schemas.openxmlformats.org/markup-compatibility/2006" xmlns:mv="urn:schemas-microsoft-com:mac:vml" xmlns:p="http://schemas.openxmlformats.org/presentationml/2006/main" xmlns:c="http://schemas.openxmlformats.org/drawingml/2006/chart" xmlns:dgm="http://schemas.openxmlformats.org/drawingml/2006/diagram" xmlns:o="urn:schemas-microsoft-com:office:office" xmlns:v="urn:schemas-microsoft-com:vml" xmlns:pvml="urn:schemas-microsoft-com:office:powerpoint" xmlns:com="http://schemas.openxmlformats.org/drawingml/2006/compatibility" xmlns:p14="http://schemas.microsoft.com/office/powerpoint/2010/main" xmlns:p15="http://schemas.microsoft.com/office/powerpoint/2012/main" xmlns:ahyp="http://schemas.microsoft.com/office/drawing/2018/hyperlinkcolor">
+<p:sld xmlns:a="http://schemas.openxmlformats.org/drawingml/2006/main" xmlns:r="http://schemas.openxmlformats.org/officeDocument/2006/relationships" xmlns:p="http://schemas.openxmlformats.org/presentationml/2006/main">
   <p:cSld>
     <p:spTree>
       <p:nvGrpSpPr>
-        <p:cNvPr id="125" name="Shape 125"/>
+        <p:cNvPr id="1" name="Shape 118"/>
+        <p:cNvGrpSpPr/>
+        <p:nvPr/>
+      </p:nvGrpSpPr>
+      <p:grpSpPr>
+        <a:xfrm>
+          <a:off x="0" y="0"/>
+          <a:ext cx="0" cy="0"/>
+          <a:chOff x="0" y="0"/>
+          <a:chExt cx="0" cy="0"/>
+        </a:xfrm>
+      </p:grpSpPr>
+      <p:sp>
+        <p:nvSpPr>
+          <p:cNvPr id="119" name="Google Shape;119;p21"/>
+          <p:cNvSpPr txBox="1">
+            <a:spLocks noGrp="1"/>
+          </p:cNvSpPr>
+          <p:nvPr>
+            <p:ph type="title"/>
+          </p:nvPr>
+        </p:nvSpPr>
+        <p:spPr>
+          <a:xfrm>
+            <a:off x="311700" y="315925"/>
+            <a:ext cx="8520600" cy="831300"/>
+          </a:xfrm>
+          <a:prstGeom prst="rect">
+            <a:avLst/>
+          </a:prstGeom>
+        </p:spPr>
+        <p:txBody>
+          <a:bodyPr spcFirstLastPara="1" wrap="square" lIns="91425" tIns="91425" rIns="91425" bIns="91425" anchor="b" anchorCtr="0">
+            <a:normAutofit/>
+          </a:bodyPr>
+          <a:lstStyle/>
+          <a:p>
+            <a:pPr marL="0" lvl="0" indent="0" algn="l" rtl="0">
+              <a:spcBef>
+                <a:spcPts val="0"/>
+              </a:spcBef>
+              <a:spcAft>
+                <a:spcPts val="0"/>
+              </a:spcAft>
+              <a:buNone/>
+            </a:pPr>
+            <a:r>
+              <a:rPr lang="en"/>
+              <a:t>Cleaned Data</a:t>
+            </a:r>
+            <a:endParaRPr/>
+          </a:p>
+        </p:txBody>
+      </p:sp>
+      <p:sp>
+        <p:nvSpPr>
+          <p:cNvPr id="120" name="Google Shape;120;p21"/>
+          <p:cNvSpPr txBox="1">
+            <a:spLocks noGrp="1"/>
+          </p:cNvSpPr>
+          <p:nvPr>
+            <p:ph type="body" idx="1"/>
+          </p:nvPr>
+        </p:nvSpPr>
+        <p:spPr>
+          <a:xfrm>
+            <a:off x="311700" y="1225225"/>
+            <a:ext cx="8520600" cy="3354000"/>
+          </a:xfrm>
+          <a:prstGeom prst="rect">
+            <a:avLst/>
+          </a:prstGeom>
+        </p:spPr>
+        <p:txBody>
+          <a:bodyPr spcFirstLastPara="1" wrap="square" lIns="91425" tIns="91425" rIns="91425" bIns="91425" anchor="t" anchorCtr="0">
+            <a:normAutofit/>
+          </a:bodyPr>
+          <a:lstStyle/>
+          <a:p>
+            <a:pPr marL="0" lvl="0" indent="0" algn="l" rtl="0">
+              <a:spcBef>
+                <a:spcPts val="0"/>
+              </a:spcBef>
+              <a:spcAft>
+                <a:spcPts val="1200"/>
+              </a:spcAft>
+              <a:buNone/>
+            </a:pPr>
+            <a:endParaRPr/>
+          </a:p>
+        </p:txBody>
+      </p:sp>
+      <p:pic>
+        <p:nvPicPr>
+          <p:cNvPr id="121" name="Google Shape;121;p21"/>
+          <p:cNvPicPr preferRelativeResize="0"/>
+          <p:nvPr/>
+        </p:nvPicPr>
+        <p:blipFill>
+          <a:blip r:embed="rId4">
+            <a:alphaModFix/>
+          </a:blip>
+          <a:stretch>
+            <a:fillRect/>
+          </a:stretch>
+        </p:blipFill>
+        <p:spPr>
+          <a:xfrm>
+            <a:off x="1070372" y="1225225"/>
+            <a:ext cx="7003256" cy="3575850"/>
+          </a:xfrm>
+          <a:prstGeom prst="rect">
+            <a:avLst/>
+          </a:prstGeom>
+          <a:noFill/>
+          <a:ln w="28575" cap="flat" cmpd="sng">
+            <a:solidFill>
+              <a:schemeClr val="dk2"/>
+            </a:solidFill>
+            <a:prstDash val="solid"/>
+            <a:round/>
+            <a:headEnd type="none" w="sm" len="sm"/>
+            <a:tailEnd type="none" w="sm" len="sm"/>
+          </a:ln>
+        </p:spPr>
+      </p:pic>
+    </p:spTree>
+  </p:cSld>
+  <p:clrMapOvr>
+    <a:masterClrMapping/>
+  </p:clrMapOvr>
+  <p:extLst>
+    <p:ext uri="{6950BFC3-D8DA-4A85-94F7-54DA5524770B}">
+      <p188:commentRel xmlns:p188="http://schemas.microsoft.com/office/powerpoint/2018/8/main" r:id="rId3"/>
+    </p:ext>
+  </p:extLst>
+</p:sld>
+</file>
+
+<file path=ppt/slides/slide11.xml><?xml version="1.0" encoding="utf-8"?>
+<p:sld xmlns:a="http://schemas.openxmlformats.org/drawingml/2006/main" xmlns:r="http://schemas.openxmlformats.org/officeDocument/2006/relationships" xmlns:p="http://schemas.openxmlformats.org/presentationml/2006/main">
+  <p:cSld>
+    <p:spTree>
+      <p:nvGrpSpPr>
+        <p:cNvPr id="1" name="Shape 125"/>
         <p:cNvGrpSpPr/>
         <p:nvPr/>
       </p:nvGrpSpPr>
@@ -8052,7 +8951,9 @@
       <p:sp>
         <p:nvSpPr>
           <p:cNvPr id="126" name="Google Shape;126;p22"/>
-          <p:cNvSpPr txBox="1"/>
+          <p:cNvSpPr txBox="1">
+            <a:spLocks noGrp="1"/>
+          </p:cNvSpPr>
           <p:nvPr>
             <p:ph type="title"/>
           </p:nvPr>
@@ -8067,12 +8968,12 @@
           </a:prstGeom>
         </p:spPr>
         <p:txBody>
-          <a:bodyPr anchorCtr="0" anchor="b" bIns="91425" lIns="91425" spcFirstLastPara="1" rIns="91425" wrap="square" tIns="91425">
+          <a:bodyPr spcFirstLastPara="1" wrap="square" lIns="91425" tIns="91425" rIns="91425" bIns="91425" anchor="b" anchorCtr="0">
             <a:normAutofit/>
           </a:bodyPr>
           <a:lstStyle/>
           <a:p>
-            <a:pPr indent="0" lvl="0" marL="0" rtl="0" algn="l">
+            <a:pPr marL="0" lvl="0" indent="0" algn="l" rtl="0">
               <a:spcBef>
                 <a:spcPts val="0"/>
               </a:spcBef>
@@ -8092,9 +8993,11 @@
       <p:sp>
         <p:nvSpPr>
           <p:cNvPr id="127" name="Google Shape;127;p22"/>
-          <p:cNvSpPr txBox="1"/>
+          <p:cNvSpPr txBox="1">
+            <a:spLocks noGrp="1"/>
+          </p:cNvSpPr>
           <p:nvPr>
-            <p:ph idx="1" type="body"/>
+            <p:ph type="body" idx="1"/>
           </p:nvPr>
         </p:nvSpPr>
         <p:spPr>
@@ -8107,12 +9010,12 @@
           </a:prstGeom>
         </p:spPr>
         <p:txBody>
-          <a:bodyPr anchorCtr="0" anchor="t" bIns="91425" lIns="91425" spcFirstLastPara="1" rIns="91425" wrap="square" tIns="91425">
+          <a:bodyPr spcFirstLastPara="1" wrap="square" lIns="91425" tIns="91425" rIns="91425" bIns="91425" anchor="t" anchorCtr="0">
             <a:normAutofit/>
           </a:bodyPr>
           <a:lstStyle/>
           <a:p>
-            <a:pPr indent="-342900" lvl="0" marL="457200" rtl="0" algn="l">
+            <a:pPr marL="457200" lvl="0" indent="-342900" algn="l" rtl="0">
               <a:spcBef>
                 <a:spcPts val="0"/>
               </a:spcBef>
@@ -8123,13 +9026,13 @@
               <a:buChar char="●"/>
             </a:pPr>
             <a:r>
-              <a:rPr lang="en"/>
+              <a:rPr lang="en" dirty="0"/>
               <a:t>SQLite was used to house the clean data</a:t>
             </a:r>
-            <a:endParaRPr/>
-          </a:p>
-          <a:p>
-            <a:pPr indent="-342900" lvl="0" marL="457200" rtl="0" algn="l">
+            <a:endParaRPr dirty="0"/>
+          </a:p>
+          <a:p>
+            <a:pPr marL="457200" lvl="0" indent="-342900" algn="l" rtl="0">
               <a:spcBef>
                 <a:spcPts val="0"/>
               </a:spcBef>
@@ -8140,10 +9043,10 @@
               <a:buChar char="●"/>
             </a:pPr>
             <a:r>
-              <a:rPr lang="en"/>
+              <a:rPr lang="en" dirty="0"/>
               <a:t>SQLalchemy was used to export the data into a SQLite database</a:t>
             </a:r>
-            <a:endParaRPr/>
+            <a:endParaRPr dirty="0"/>
           </a:p>
         </p:txBody>
       </p:sp>
@@ -8163,21 +9066,21 @@
         </p:blipFill>
         <p:spPr>
           <a:xfrm>
-            <a:off x="733425" y="2239700"/>
+            <a:off x="733425" y="2251400"/>
             <a:ext cx="7677150" cy="1666875"/>
           </a:xfrm>
           <a:prstGeom prst="rect">
             <a:avLst/>
           </a:prstGeom>
           <a:noFill/>
-          <a:ln cap="flat" cmpd="sng" w="28575">
+          <a:ln w="28575" cap="flat" cmpd="sng">
             <a:solidFill>
               <a:schemeClr val="dk2"/>
             </a:solidFill>
             <a:prstDash val="solid"/>
             <a:round/>
-            <a:headEnd len="sm" w="sm" type="none"/>
-            <a:tailEnd len="sm" w="sm" type="none"/>
+            <a:headEnd type="none" w="sm" len="sm"/>
+            <a:tailEnd type="none" w="sm" len="sm"/>
           </a:ln>
         </p:spPr>
       </p:pic>
@@ -8189,12 +9092,18 @@
 </p:sld>
 </file>
 
-<file path=ppt/slides/slide11.xml><?xml version="1.0" encoding="utf-8"?>
-<p:sld xmlns:a="http://schemas.openxmlformats.org/drawingml/2006/main" xmlns:r="http://schemas.openxmlformats.org/officeDocument/2006/relationships" xmlns:mc="http://schemas.openxmlformats.org/markup-compatibility/2006" xmlns:mv="urn:schemas-microsoft-com:mac:vml" xmlns:p="http://schemas.openxmlformats.org/presentationml/2006/main" xmlns:c="http://schemas.openxmlformats.org/drawingml/2006/chart" xmlns:dgm="http://schemas.openxmlformats.org/drawingml/2006/diagram" xmlns:o="urn:schemas-microsoft-com:office:office" xmlns:v="urn:schemas-microsoft-com:vml" xmlns:pvml="urn:schemas-microsoft-com:office:powerpoint" xmlns:com="http://schemas.openxmlformats.org/drawingml/2006/compatibility" xmlns:p14="http://schemas.microsoft.com/office/powerpoint/2010/main" xmlns:p15="http://schemas.microsoft.com/office/powerpoint/2012/main" xmlns:ahyp="http://schemas.microsoft.com/office/drawing/2018/hyperlinkcolor">
+<file path=ppt/slides/slide12.xml><?xml version="1.0" encoding="utf-8"?>
+<p:sld xmlns:a="http://schemas.openxmlformats.org/drawingml/2006/main" xmlns:r="http://schemas.openxmlformats.org/officeDocument/2006/relationships" xmlns:p="http://schemas.openxmlformats.org/presentationml/2006/main">
   <p:cSld>
     <p:spTree>
       <p:nvGrpSpPr>
-        <p:cNvPr id="132" name="Shape 132"/>
+        <p:cNvPr id="1" name="Shape 132">
+          <a:extLst>
+            <a:ext uri="{FF2B5EF4-FFF2-40B4-BE49-F238E27FC236}">
+              <a16:creationId xmlns:a16="http://schemas.microsoft.com/office/drawing/2014/main" id="{F6B74712-00D3-DD2E-ACD6-97287293263C}"/>
+            </a:ext>
+          </a:extLst>
+        </p:cNvPr>
         <p:cNvGrpSpPr/>
         <p:nvPr/>
       </p:nvGrpSpPr>
@@ -8208,8 +9117,16 @@
       </p:grpSpPr>
       <p:sp>
         <p:nvSpPr>
-          <p:cNvPr id="133" name="Google Shape;133;p23"/>
-          <p:cNvSpPr txBox="1"/>
+          <p:cNvPr id="133" name="Google Shape;133;p23">
+            <a:extLst>
+              <a:ext uri="{FF2B5EF4-FFF2-40B4-BE49-F238E27FC236}">
+                <a16:creationId xmlns:a16="http://schemas.microsoft.com/office/drawing/2014/main" id="{F46AA675-7583-B153-7D9B-53D560DB4967}"/>
+              </a:ext>
+            </a:extLst>
+          </p:cNvPr>
+          <p:cNvSpPr txBox="1">
+            <a:spLocks noGrp="1"/>
+          </p:cNvSpPr>
           <p:nvPr>
             <p:ph type="title"/>
           </p:nvPr>
@@ -8224,12 +9141,12 @@
           </a:prstGeom>
         </p:spPr>
         <p:txBody>
-          <a:bodyPr anchorCtr="0" anchor="b" bIns="91425" lIns="91425" spcFirstLastPara="1" rIns="91425" wrap="square" tIns="91425">
+          <a:bodyPr spcFirstLastPara="1" wrap="square" lIns="91425" tIns="91425" rIns="91425" bIns="91425" anchor="b" anchorCtr="0">
             <a:normAutofit/>
           </a:bodyPr>
           <a:lstStyle/>
           <a:p>
-            <a:pPr indent="0" lvl="0" marL="0" rtl="0" algn="l">
+            <a:pPr marL="0" lvl="0" indent="0" algn="l" rtl="0">
               <a:spcBef>
                 <a:spcPts val="0"/>
               </a:spcBef>
@@ -8239,19 +9156,27 @@
               <a:buNone/>
             </a:pPr>
             <a:r>
-              <a:rPr lang="en"/>
-              <a:t>Model Creation (Logistic Regression)</a:t>
+              <a:rPr lang="en" dirty="0"/>
+              <a:t>Logistic Regression - Model Creation </a:t>
             </a:r>
-            <a:endParaRPr/>
+            <a:endParaRPr dirty="0"/>
           </a:p>
         </p:txBody>
       </p:sp>
       <p:sp>
         <p:nvSpPr>
-          <p:cNvPr id="134" name="Google Shape;134;p23"/>
-          <p:cNvSpPr txBox="1"/>
+          <p:cNvPr id="134" name="Google Shape;134;p23">
+            <a:extLst>
+              <a:ext uri="{FF2B5EF4-FFF2-40B4-BE49-F238E27FC236}">
+                <a16:creationId xmlns:a16="http://schemas.microsoft.com/office/drawing/2014/main" id="{FE9CE9BE-DB11-C856-3AB2-50AB9A1ECD8A}"/>
+              </a:ext>
+            </a:extLst>
+          </p:cNvPr>
+          <p:cNvSpPr txBox="1">
+            <a:spLocks noGrp="1"/>
+          </p:cNvSpPr>
           <p:nvPr>
-            <p:ph idx="1" type="body"/>
+            <p:ph type="body" idx="1"/>
           </p:nvPr>
         </p:nvSpPr>
         <p:spPr>
@@ -8264,12 +9189,12 @@
           </a:prstGeom>
         </p:spPr>
         <p:txBody>
-          <a:bodyPr anchorCtr="0" anchor="t" bIns="91425" lIns="91425" spcFirstLastPara="1" rIns="91425" wrap="square" tIns="91425">
+          <a:bodyPr spcFirstLastPara="1" wrap="square" lIns="91425" tIns="91425" rIns="91425" bIns="91425" anchor="t" anchorCtr="0">
             <a:normAutofit/>
           </a:bodyPr>
           <a:lstStyle/>
           <a:p>
-            <a:pPr indent="-311150" lvl="0" marL="457200" rtl="0" algn="l">
+            <a:pPr marL="457200" lvl="0" indent="-311150" algn="l" rtl="0">
               <a:spcBef>
                 <a:spcPts val="0"/>
               </a:spcBef>
@@ -8280,203 +9205,29 @@
               <a:buChar char="●"/>
             </a:pPr>
             <a:r>
-              <a:rPr lang="en" sz="1300"/>
+              <a:rPr lang="en" sz="1300" dirty="0"/>
               <a:t>Used SQLAlchemy to import data from</a:t>
             </a:r>
             <a:br>
-              <a:rPr lang="en" sz="1300"/>
+              <a:rPr lang="en" sz="1300" dirty="0"/>
             </a:br>
             <a:r>
-              <a:rPr lang="en" sz="1300"/>
+              <a:rPr lang="en" sz="1300" dirty="0"/>
               <a:t>SQLite database into Pandas</a:t>
             </a:r>
-            <a:br>
-              <a:rPr lang="en" sz="1300"/>
-            </a:br>
-            <a:endParaRPr sz="1300"/>
-          </a:p>
-          <a:p>
-            <a:pPr indent="-311150" lvl="0" marL="457200" rtl="0" algn="l">
-              <a:spcBef>
-                <a:spcPts val="0"/>
-              </a:spcBef>
-              <a:spcAft>
-                <a:spcPts val="0"/>
-              </a:spcAft>
-              <a:buSzPts val="1300"/>
-              <a:buChar char="●"/>
-            </a:pPr>
-            <a:r>
-              <a:rPr lang="en" sz="1300"/>
-              <a:t>Transformed ‘time’ column</a:t>
-            </a:r>
-            <a:endParaRPr sz="1300"/>
-          </a:p>
-          <a:p>
-            <a:pPr indent="-311150" lvl="1" marL="914400" rtl="0" algn="l">
-              <a:spcBef>
-                <a:spcPts val="0"/>
-              </a:spcBef>
-              <a:spcAft>
-                <a:spcPts val="0"/>
-              </a:spcAft>
-              <a:buSzPts val="1300"/>
-              <a:buChar char="○"/>
-            </a:pPr>
-            <a:r>
-              <a:rPr lang="en" sz="1300"/>
-              <a:t>Converted the ‘time’ into date_time </a:t>
-            </a:r>
-            <a:br>
-              <a:rPr lang="en" sz="1300"/>
-            </a:br>
-            <a:r>
-              <a:rPr lang="en" sz="1300"/>
-              <a:t>format</a:t>
-            </a:r>
-            <a:endParaRPr sz="1300"/>
-          </a:p>
-          <a:p>
-            <a:pPr indent="-311150" lvl="1" marL="914400" rtl="0" algn="l">
-              <a:spcBef>
-                <a:spcPts val="0"/>
-              </a:spcBef>
-              <a:spcAft>
-                <a:spcPts val="0"/>
-              </a:spcAft>
-              <a:buSzPts val="1300"/>
-              <a:buChar char="○"/>
-            </a:pPr>
-            <a:r>
-              <a:rPr lang="en" sz="1300"/>
-              <a:t>Binned the data into groups</a:t>
-            </a:r>
-            <a:endParaRPr sz="1300"/>
-          </a:p>
-          <a:p>
-            <a:pPr indent="-311150" lvl="2" marL="1371600" rtl="0" algn="l">
-              <a:spcBef>
-                <a:spcPts val="0"/>
-              </a:spcBef>
-              <a:spcAft>
-                <a:spcPts val="0"/>
-              </a:spcAft>
-              <a:buSzPts val="1300"/>
-              <a:buChar char="■"/>
-            </a:pPr>
-            <a:r>
-              <a:rPr lang="en" sz="1300"/>
-              <a:t>12am-6am: early morning</a:t>
-            </a:r>
-            <a:endParaRPr sz="1300"/>
-          </a:p>
-          <a:p>
-            <a:pPr indent="-311150" lvl="2" marL="1371600" rtl="0" algn="l">
-              <a:spcBef>
-                <a:spcPts val="0"/>
-              </a:spcBef>
-              <a:spcAft>
-                <a:spcPts val="0"/>
-              </a:spcAft>
-              <a:buSzPts val="1300"/>
-              <a:buChar char="■"/>
-            </a:pPr>
-            <a:r>
-              <a:rPr lang="en" sz="1300"/>
-              <a:t>6am-12pm: late morning</a:t>
-            </a:r>
-            <a:endParaRPr sz="1300"/>
-          </a:p>
-          <a:p>
-            <a:pPr indent="-311150" lvl="2" marL="1371600" rtl="0" algn="l">
-              <a:spcBef>
-                <a:spcPts val="0"/>
-              </a:spcBef>
-              <a:spcAft>
-                <a:spcPts val="0"/>
-              </a:spcAft>
-              <a:buSzPts val="1300"/>
-              <a:buChar char="■"/>
-            </a:pPr>
-            <a:r>
-              <a:rPr lang="en" sz="1300"/>
-              <a:t>12pm-4pm: afternoon</a:t>
-            </a:r>
-            <a:endParaRPr sz="1300"/>
-          </a:p>
-          <a:p>
-            <a:pPr indent="-311150" lvl="2" marL="1371600" rtl="0" algn="l">
-              <a:spcBef>
-                <a:spcPts val="0"/>
-              </a:spcBef>
-              <a:spcAft>
-                <a:spcPts val="0"/>
-              </a:spcAft>
-              <a:buSzPts val="1300"/>
-              <a:buChar char="■"/>
-            </a:pPr>
-            <a:r>
-              <a:rPr lang="en" sz="1300"/>
-              <a:t>4pm-8pm: evening</a:t>
-            </a:r>
-            <a:endParaRPr sz="1300"/>
-          </a:p>
-          <a:p>
-            <a:pPr indent="-311150" lvl="2" marL="1371600" rtl="0" algn="l">
-              <a:spcBef>
-                <a:spcPts val="0"/>
-              </a:spcBef>
-              <a:spcAft>
-                <a:spcPts val="0"/>
-              </a:spcAft>
-              <a:buSzPts val="1300"/>
-              <a:buChar char="■"/>
-            </a:pPr>
-            <a:r>
-              <a:rPr lang="en" sz="1300"/>
-              <a:t>8pm-12am: night</a:t>
-            </a:r>
-            <a:endParaRPr sz="1300"/>
+            <a:endParaRPr sz="1300" dirty="0"/>
           </a:p>
         </p:txBody>
       </p:sp>
       <p:pic>
         <p:nvPicPr>
-          <p:cNvPr id="135" name="Google Shape;135;p23"/>
-          <p:cNvPicPr preferRelativeResize="0"/>
-          <p:nvPr/>
-        </p:nvPicPr>
-        <p:blipFill>
-          <a:blip r:embed="rId3">
-            <a:alphaModFix/>
-          </a:blip>
-          <a:stretch>
-            <a:fillRect/>
-          </a:stretch>
-        </p:blipFill>
-        <p:spPr>
-          <a:xfrm>
-            <a:off x="5345500" y="2098109"/>
-            <a:ext cx="3798501" cy="3045390"/>
-          </a:xfrm>
-          <a:prstGeom prst="rect">
-            <a:avLst/>
-          </a:prstGeom>
-          <a:noFill/>
-          <a:ln cap="flat" cmpd="sng" w="28575">
-            <a:solidFill>
-              <a:schemeClr val="dk2"/>
-            </a:solidFill>
-            <a:prstDash val="solid"/>
-            <a:round/>
-            <a:headEnd len="sm" w="sm" type="none"/>
-            <a:tailEnd len="sm" w="sm" type="none"/>
-          </a:ln>
-        </p:spPr>
-      </p:pic>
-      <p:pic>
-        <p:nvPicPr>
-          <p:cNvPr id="136" name="Google Shape;136;p23"/>
+          <p:cNvPr id="136" name="Google Shape;136;p23">
+            <a:extLst>
+              <a:ext uri="{FF2B5EF4-FFF2-40B4-BE49-F238E27FC236}">
+                <a16:creationId xmlns:a16="http://schemas.microsoft.com/office/drawing/2014/main" id="{64F1BA8B-B510-52E2-3E0D-50F85D9AD8BC}"/>
+              </a:ext>
+            </a:extLst>
+          </p:cNvPr>
           <p:cNvPicPr preferRelativeResize="0"/>
           <p:nvPr/>
         </p:nvPicPr>
@@ -8490,38 +9241,48 @@
         </p:blipFill>
         <p:spPr>
           <a:xfrm>
-            <a:off x="5345500" y="1067876"/>
-            <a:ext cx="3798500" cy="1030220"/>
+            <a:off x="1900359" y="2095642"/>
+            <a:ext cx="5343282" cy="1822633"/>
           </a:xfrm>
           <a:prstGeom prst="rect">
             <a:avLst/>
           </a:prstGeom>
           <a:noFill/>
-          <a:ln cap="flat" cmpd="sng" w="28575">
+          <a:ln w="28575" cap="flat" cmpd="sng">
             <a:solidFill>
               <a:schemeClr val="dk2"/>
             </a:solidFill>
             <a:prstDash val="solid"/>
             <a:round/>
-            <a:headEnd len="sm" w="sm" type="none"/>
-            <a:tailEnd len="sm" w="sm" type="none"/>
+            <a:headEnd type="none" w="sm" len="sm"/>
+            <a:tailEnd type="none" w="sm" len="sm"/>
           </a:ln>
         </p:spPr>
       </p:pic>
     </p:spTree>
+    <p:extLst>
+      <p:ext uri="{BB962C8B-B14F-4D97-AF65-F5344CB8AC3E}">
+        <p14:creationId xmlns:p14="http://schemas.microsoft.com/office/powerpoint/2010/main" val="1487168628"/>
+      </p:ext>
+    </p:extLst>
   </p:cSld>
   <p:clrMapOvr>
     <a:masterClrMapping/>
   </p:clrMapOvr>
+  <p:extLst>
+    <p:ext uri="{6950BFC3-D8DA-4A85-94F7-54DA5524770B}">
+      <p188:commentRel xmlns:p188="http://schemas.microsoft.com/office/powerpoint/2018/8/main" r:id="rId3"/>
+    </p:ext>
+  </p:extLst>
 </p:sld>
 </file>
 
-<file path=ppt/slides/slide12.xml><?xml version="1.0" encoding="utf-8"?>
-<p:sld xmlns:a="http://schemas.openxmlformats.org/drawingml/2006/main" xmlns:r="http://schemas.openxmlformats.org/officeDocument/2006/relationships" xmlns:mc="http://schemas.openxmlformats.org/markup-compatibility/2006" xmlns:mv="urn:schemas-microsoft-com:mac:vml" xmlns:p="http://schemas.openxmlformats.org/presentationml/2006/main" xmlns:c="http://schemas.openxmlformats.org/drawingml/2006/chart" xmlns:dgm="http://schemas.openxmlformats.org/drawingml/2006/diagram" xmlns:o="urn:schemas-microsoft-com:office:office" xmlns:v="urn:schemas-microsoft-com:vml" xmlns:pvml="urn:schemas-microsoft-com:office:powerpoint" xmlns:com="http://schemas.openxmlformats.org/drawingml/2006/compatibility" xmlns:p14="http://schemas.microsoft.com/office/powerpoint/2010/main" xmlns:p15="http://schemas.microsoft.com/office/powerpoint/2012/main" xmlns:ahyp="http://schemas.microsoft.com/office/drawing/2018/hyperlinkcolor">
+<file path=ppt/slides/slide13.xml><?xml version="1.0" encoding="utf-8"?>
+<p:sld xmlns:a="http://schemas.openxmlformats.org/drawingml/2006/main" xmlns:r="http://schemas.openxmlformats.org/officeDocument/2006/relationships" xmlns:p="http://schemas.openxmlformats.org/presentationml/2006/main">
   <p:cSld>
     <p:spTree>
       <p:nvGrpSpPr>
-        <p:cNvPr id="140" name="Shape 140"/>
+        <p:cNvPr id="1" name="Shape 140"/>
         <p:cNvGrpSpPr/>
         <p:nvPr/>
       </p:nvGrpSpPr>
@@ -8536,7 +9297,9 @@
       <p:sp>
         <p:nvSpPr>
           <p:cNvPr id="141" name="Google Shape;141;p24"/>
-          <p:cNvSpPr txBox="1"/>
+          <p:cNvSpPr txBox="1">
+            <a:spLocks noGrp="1"/>
+          </p:cNvSpPr>
           <p:nvPr>
             <p:ph type="title"/>
           </p:nvPr>
@@ -8551,12 +9314,12 @@
           </a:prstGeom>
         </p:spPr>
         <p:txBody>
-          <a:bodyPr anchorCtr="0" anchor="b" bIns="91425" lIns="91425" spcFirstLastPara="1" rIns="91425" wrap="square" tIns="91425">
+          <a:bodyPr spcFirstLastPara="1" wrap="square" lIns="91425" tIns="91425" rIns="91425" bIns="91425" anchor="b" anchorCtr="0">
             <a:normAutofit/>
           </a:bodyPr>
           <a:lstStyle/>
           <a:p>
-            <a:pPr indent="0" lvl="0" marL="0" rtl="0" algn="l">
+            <a:pPr marL="0" lvl="0" indent="0" algn="l" rtl="0">
               <a:spcBef>
                 <a:spcPts val="0"/>
               </a:spcBef>
@@ -8566,19 +9329,21 @@
               <a:buNone/>
             </a:pPr>
             <a:r>
-              <a:rPr lang="en"/>
-              <a:t>Model Creation (Logistic Regression)</a:t>
+              <a:rPr lang="en" dirty="0"/>
+              <a:t>Logistic Regression - Model Creation </a:t>
             </a:r>
-            <a:endParaRPr/>
+            <a:endParaRPr dirty="0"/>
           </a:p>
         </p:txBody>
       </p:sp>
       <p:sp>
         <p:nvSpPr>
           <p:cNvPr id="142" name="Google Shape;142;p24"/>
-          <p:cNvSpPr txBox="1"/>
+          <p:cNvSpPr txBox="1">
+            <a:spLocks noGrp="1"/>
+          </p:cNvSpPr>
           <p:nvPr>
-            <p:ph idx="1" type="body"/>
+            <p:ph type="body" idx="1"/>
           </p:nvPr>
         </p:nvSpPr>
         <p:spPr>
@@ -8591,12 +9356,12 @@
           </a:prstGeom>
         </p:spPr>
         <p:txBody>
-          <a:bodyPr anchorCtr="0" anchor="t" bIns="91425" lIns="91425" spcFirstLastPara="1" rIns="91425" wrap="square" tIns="91425">
+          <a:bodyPr spcFirstLastPara="1" wrap="square" lIns="91425" tIns="91425" rIns="91425" bIns="91425" anchor="t" anchorCtr="0">
             <a:normAutofit/>
           </a:bodyPr>
           <a:lstStyle/>
           <a:p>
-            <a:pPr indent="-311150" lvl="0" marL="457200" rtl="0" algn="l">
+            <a:pPr marL="457200" lvl="0" indent="-311150" algn="l" rtl="0">
               <a:spcBef>
                 <a:spcPts val="0"/>
               </a:spcBef>
@@ -8613,7 +9378,7 @@
             <a:endParaRPr sz="1300"/>
           </a:p>
           <a:p>
-            <a:pPr indent="-311150" lvl="0" marL="457200" rtl="0" algn="l">
+            <a:pPr marL="457200" lvl="0" indent="-311150" algn="l" rtl="0">
               <a:spcBef>
                 <a:spcPts val="0"/>
               </a:spcBef>
@@ -8645,7 +9410,7 @@
           <p:nvPr/>
         </p:nvPicPr>
         <p:blipFill>
-          <a:blip r:embed="rId3">
+          <a:blip r:embed="rId4">
             <a:alphaModFix/>
           </a:blip>
           <a:stretch>
@@ -8661,14 +9426,14 @@
             <a:avLst/>
           </a:prstGeom>
           <a:noFill/>
-          <a:ln cap="flat" cmpd="sng" w="28575">
+          <a:ln w="28575" cap="flat" cmpd="sng">
             <a:solidFill>
               <a:schemeClr val="dk2"/>
             </a:solidFill>
             <a:prstDash val="solid"/>
             <a:round/>
-            <a:headEnd len="sm" w="sm" type="none"/>
-            <a:tailEnd len="sm" w="sm" type="none"/>
+            <a:headEnd type="none" w="sm" len="sm"/>
+            <a:tailEnd type="none" w="sm" len="sm"/>
           </a:ln>
         </p:spPr>
       </p:pic>
@@ -8677,15 +9442,20 @@
   <p:clrMapOvr>
     <a:masterClrMapping/>
   </p:clrMapOvr>
+  <p:extLst>
+    <p:ext uri="{6950BFC3-D8DA-4A85-94F7-54DA5524770B}">
+      <p188:commentRel xmlns:p188="http://schemas.microsoft.com/office/powerpoint/2018/8/main" r:id="rId3"/>
+    </p:ext>
+  </p:extLst>
 </p:sld>
 </file>
 
-<file path=ppt/slides/slide13.xml><?xml version="1.0" encoding="utf-8"?>
-<p:sld xmlns:a="http://schemas.openxmlformats.org/drawingml/2006/main" xmlns:r="http://schemas.openxmlformats.org/officeDocument/2006/relationships" xmlns:mc="http://schemas.openxmlformats.org/markup-compatibility/2006" xmlns:mv="urn:schemas-microsoft-com:mac:vml" xmlns:p="http://schemas.openxmlformats.org/presentationml/2006/main" xmlns:c="http://schemas.openxmlformats.org/drawingml/2006/chart" xmlns:dgm="http://schemas.openxmlformats.org/drawingml/2006/diagram" xmlns:o="urn:schemas-microsoft-com:office:office" xmlns:v="urn:schemas-microsoft-com:vml" xmlns:pvml="urn:schemas-microsoft-com:office:powerpoint" xmlns:com="http://schemas.openxmlformats.org/drawingml/2006/compatibility" xmlns:p14="http://schemas.microsoft.com/office/powerpoint/2010/main" xmlns:p15="http://schemas.microsoft.com/office/powerpoint/2012/main" xmlns:ahyp="http://schemas.microsoft.com/office/drawing/2018/hyperlinkcolor">
+<file path=ppt/slides/slide14.xml><?xml version="1.0" encoding="utf-8"?>
+<p:sld xmlns:a="http://schemas.openxmlformats.org/drawingml/2006/main" xmlns:r="http://schemas.openxmlformats.org/officeDocument/2006/relationships" xmlns:p="http://schemas.openxmlformats.org/presentationml/2006/main">
   <p:cSld>
     <p:spTree>
       <p:nvGrpSpPr>
-        <p:cNvPr id="147" name="Shape 147"/>
+        <p:cNvPr id="1" name="Shape 147"/>
         <p:cNvGrpSpPr/>
         <p:nvPr/>
       </p:nvGrpSpPr>
@@ -8700,7 +9470,9 @@
       <p:sp>
         <p:nvSpPr>
           <p:cNvPr id="148" name="Google Shape;148;p25"/>
-          <p:cNvSpPr txBox="1"/>
+          <p:cNvSpPr txBox="1">
+            <a:spLocks noGrp="1"/>
+          </p:cNvSpPr>
           <p:nvPr>
             <p:ph type="title"/>
           </p:nvPr>
@@ -8715,12 +9487,12 @@
           </a:prstGeom>
         </p:spPr>
         <p:txBody>
-          <a:bodyPr anchorCtr="0" anchor="b" bIns="91425" lIns="91425" spcFirstLastPara="1" rIns="91425" wrap="square" tIns="91425">
+          <a:bodyPr spcFirstLastPara="1" wrap="square" lIns="91425" tIns="91425" rIns="91425" bIns="91425" anchor="b" anchorCtr="0">
             <a:normAutofit/>
           </a:bodyPr>
           <a:lstStyle/>
           <a:p>
-            <a:pPr indent="0" lvl="0" marL="0" rtl="0" algn="l">
+            <a:pPr marL="0" lvl="0" indent="0" algn="l" rtl="0">
               <a:spcBef>
                 <a:spcPts val="0"/>
               </a:spcBef>
@@ -8731,11 +9503,7 @@
             </a:pPr>
             <a:r>
               <a:rPr lang="en"/>
-              <a:t>Logistic Regression - Model </a:t>
-            </a:r>
-            <a:r>
-              <a:rPr lang="en"/>
-              <a:t>Compiling</a:t>
+              <a:t>Logistic Regression - Model Compiling</a:t>
             </a:r>
             <a:endParaRPr/>
           </a:p>
@@ -8744,9 +9512,11 @@
       <p:sp>
         <p:nvSpPr>
           <p:cNvPr id="149" name="Google Shape;149;p25"/>
-          <p:cNvSpPr txBox="1"/>
+          <p:cNvSpPr txBox="1">
+            <a:spLocks noGrp="1"/>
+          </p:cNvSpPr>
           <p:nvPr>
-            <p:ph idx="1" type="body"/>
+            <p:ph type="body" idx="1"/>
           </p:nvPr>
         </p:nvSpPr>
         <p:spPr>
@@ -8759,12 +9529,12 @@
           </a:prstGeom>
         </p:spPr>
         <p:txBody>
-          <a:bodyPr anchorCtr="0" anchor="t" bIns="91425" lIns="91425" spcFirstLastPara="1" rIns="91425" wrap="square" tIns="91425">
+          <a:bodyPr spcFirstLastPara="1" wrap="square" lIns="91425" tIns="91425" rIns="91425" bIns="91425" anchor="t" anchorCtr="0">
             <a:normAutofit/>
           </a:bodyPr>
           <a:lstStyle/>
           <a:p>
-            <a:pPr indent="-323850" lvl="0" marL="457200" rtl="0" algn="l">
+            <a:pPr marL="457200" lvl="0" indent="-323850" algn="l" rtl="0">
               <a:spcBef>
                 <a:spcPts val="0"/>
               </a:spcBef>
@@ -8775,20 +9545,20 @@
               <a:buChar char="●"/>
             </a:pPr>
             <a:r>
-              <a:rPr lang="en" sz="1500"/>
+              <a:rPr lang="en" sz="1500" dirty="0"/>
               <a:t>Identified the Labels (fraud status </a:t>
             </a:r>
             <a:br>
-              <a:rPr lang="en" sz="1500"/>
+              <a:rPr lang="en" sz="1500" dirty="0"/>
             </a:br>
             <a:r>
-              <a:rPr lang="en" sz="1500"/>
+              <a:rPr lang="en" sz="1500" dirty="0"/>
               <a:t>column) and the features</a:t>
             </a:r>
-            <a:endParaRPr sz="1500"/>
-          </a:p>
-          <a:p>
-            <a:pPr indent="-323850" lvl="0" marL="457200" rtl="0" algn="l">
+            <a:endParaRPr sz="1500" dirty="0"/>
+          </a:p>
+          <a:p>
+            <a:pPr marL="457200" lvl="0" indent="-323850" algn="l" rtl="0">
               <a:spcBef>
                 <a:spcPts val="0"/>
               </a:spcBef>
@@ -8799,13 +9569,13 @@
               <a:buChar char="●"/>
             </a:pPr>
             <a:r>
-              <a:rPr lang="en" sz="1500"/>
+              <a:rPr lang="en" sz="1500" dirty="0"/>
               <a:t>Scaled the data</a:t>
             </a:r>
-            <a:endParaRPr sz="1500"/>
-          </a:p>
-          <a:p>
-            <a:pPr indent="-323850" lvl="0" marL="457200" rtl="0" algn="l">
+            <a:endParaRPr sz="1500" dirty="0"/>
+          </a:p>
+          <a:p>
+            <a:pPr marL="457200" lvl="0" indent="-323850" algn="l" rtl="0">
               <a:spcBef>
                 <a:spcPts val="0"/>
               </a:spcBef>
@@ -8816,21 +9586,40 @@
               <a:buChar char="●"/>
             </a:pPr>
             <a:r>
-              <a:rPr lang="en" sz="1500"/>
-              <a:t>Split</a:t>
-            </a:r>
-            <a:r>
-              <a:rPr lang="en" sz="1500"/>
-              <a:t> the data into training and </a:t>
+              <a:rPr lang="en" sz="1500" dirty="0"/>
+              <a:t>Split the data into training and </a:t>
             </a:r>
             <a:br>
-              <a:rPr lang="en" sz="1500"/>
+              <a:rPr lang="en" sz="1500" dirty="0"/>
             </a:br>
             <a:r>
-              <a:rPr lang="en" sz="1500"/>
+              <a:rPr lang="en" sz="1500" dirty="0"/>
               <a:t>testing sets</a:t>
             </a:r>
-            <a:endParaRPr sz="1500"/>
+          </a:p>
+          <a:p>
+            <a:pPr marL="457200" lvl="0" indent="-323850" algn="l" rtl="0">
+              <a:spcBef>
+                <a:spcPts val="0"/>
+              </a:spcBef>
+              <a:spcAft>
+                <a:spcPts val="0"/>
+              </a:spcAft>
+              <a:buSzPts val="1500"/>
+              <a:buChar char="●"/>
+            </a:pPr>
+            <a:r>
+              <a:rPr lang="en" sz="1500" dirty="0"/>
+              <a:t>Fit and predicted the logistic regression</a:t>
+            </a:r>
+            <a:br>
+              <a:rPr lang="en" sz="1500" dirty="0"/>
+            </a:br>
+            <a:r>
+              <a:rPr lang="en" sz="1500" dirty="0"/>
+              <a:t>to the dataset</a:t>
+            </a:r>
+            <a:endParaRPr sz="1500" dirty="0"/>
           </a:p>
         </p:txBody>
       </p:sp>
@@ -8857,14 +9646,14 @@
             <a:avLst/>
           </a:prstGeom>
           <a:noFill/>
-          <a:ln cap="flat" cmpd="sng" w="28575">
+          <a:ln w="28575" cap="flat" cmpd="sng">
             <a:solidFill>
               <a:schemeClr val="dk2"/>
             </a:solidFill>
             <a:prstDash val="solid"/>
             <a:round/>
-            <a:headEnd len="sm" w="sm" type="none"/>
-            <a:tailEnd len="sm" w="sm" type="none"/>
+            <a:headEnd type="none" w="sm" len="sm"/>
+            <a:tailEnd type="none" w="sm" len="sm"/>
           </a:ln>
         </p:spPr>
       </p:pic>
@@ -8884,21 +9673,21 @@
         </p:blipFill>
         <p:spPr>
           <a:xfrm>
-            <a:off x="4428700" y="1961500"/>
+            <a:off x="4428699" y="1775337"/>
             <a:ext cx="4715300" cy="1592825"/>
           </a:xfrm>
           <a:prstGeom prst="rect">
             <a:avLst/>
           </a:prstGeom>
           <a:noFill/>
-          <a:ln cap="flat" cmpd="sng" w="28575">
+          <a:ln w="28575" cap="flat" cmpd="sng">
             <a:solidFill>
               <a:schemeClr val="dk2"/>
             </a:solidFill>
             <a:prstDash val="solid"/>
             <a:round/>
-            <a:headEnd len="sm" w="sm" type="none"/>
-            <a:tailEnd len="sm" w="sm" type="none"/>
+            <a:headEnd type="none" w="sm" len="sm"/>
+            <a:tailEnd type="none" w="sm" len="sm"/>
           </a:ln>
         </p:spPr>
       </p:pic>
@@ -8918,21 +9707,21 @@
         </p:blipFill>
         <p:spPr>
           <a:xfrm>
-            <a:off x="4572000" y="3798800"/>
+            <a:off x="4416150" y="3426474"/>
             <a:ext cx="4572000" cy="1344706"/>
           </a:xfrm>
           <a:prstGeom prst="rect">
             <a:avLst/>
           </a:prstGeom>
           <a:noFill/>
-          <a:ln cap="flat" cmpd="sng" w="28575">
+          <a:ln w="28575" cap="flat" cmpd="sng">
             <a:solidFill>
               <a:schemeClr val="dk2"/>
             </a:solidFill>
             <a:prstDash val="solid"/>
             <a:round/>
-            <a:headEnd len="sm" w="sm" type="none"/>
-            <a:tailEnd len="sm" w="sm" type="none"/>
+            <a:headEnd type="none" w="sm" len="sm"/>
+            <a:tailEnd type="none" w="sm" len="sm"/>
           </a:ln>
         </p:spPr>
       </p:pic>
@@ -8944,12 +9733,12 @@
 </p:sld>
 </file>
 
-<file path=ppt/slides/slide14.xml><?xml version="1.0" encoding="utf-8"?>
-<p:sld xmlns:a="http://schemas.openxmlformats.org/drawingml/2006/main" xmlns:r="http://schemas.openxmlformats.org/officeDocument/2006/relationships" xmlns:mc="http://schemas.openxmlformats.org/markup-compatibility/2006" xmlns:mv="urn:schemas-microsoft-com:mac:vml" xmlns:p="http://schemas.openxmlformats.org/presentationml/2006/main" xmlns:c="http://schemas.openxmlformats.org/drawingml/2006/chart" xmlns:dgm="http://schemas.openxmlformats.org/drawingml/2006/diagram" xmlns:o="urn:schemas-microsoft-com:office:office" xmlns:v="urn:schemas-microsoft-com:vml" xmlns:pvml="urn:schemas-microsoft-com:office:powerpoint" xmlns:com="http://schemas.openxmlformats.org/drawingml/2006/compatibility" xmlns:p14="http://schemas.microsoft.com/office/powerpoint/2010/main" xmlns:p15="http://schemas.microsoft.com/office/powerpoint/2012/main" xmlns:ahyp="http://schemas.microsoft.com/office/drawing/2018/hyperlinkcolor">
+<file path=ppt/slides/slide15.xml><?xml version="1.0" encoding="utf-8"?>
+<p:sld xmlns:a="http://schemas.openxmlformats.org/drawingml/2006/main" xmlns:r="http://schemas.openxmlformats.org/officeDocument/2006/relationships" xmlns:p="http://schemas.openxmlformats.org/presentationml/2006/main">
   <p:cSld>
     <p:spTree>
       <p:nvGrpSpPr>
-        <p:cNvPr id="156" name="Shape 156"/>
+        <p:cNvPr id="1" name="Shape 156"/>
         <p:cNvGrpSpPr/>
         <p:nvPr/>
       </p:nvGrpSpPr>
@@ -8964,7 +9753,9 @@
       <p:sp>
         <p:nvSpPr>
           <p:cNvPr id="157" name="Google Shape;157;p26"/>
-          <p:cNvSpPr txBox="1"/>
+          <p:cNvSpPr txBox="1">
+            <a:spLocks noGrp="1"/>
+          </p:cNvSpPr>
           <p:nvPr>
             <p:ph type="title"/>
           </p:nvPr>
@@ -8979,12 +9770,12 @@
           </a:prstGeom>
         </p:spPr>
         <p:txBody>
-          <a:bodyPr anchorCtr="0" anchor="b" bIns="91425" lIns="91425" spcFirstLastPara="1" rIns="91425" wrap="square" tIns="91425">
+          <a:bodyPr spcFirstLastPara="1" wrap="square" lIns="91425" tIns="91425" rIns="91425" bIns="91425" anchor="b" anchorCtr="0">
             <a:normAutofit/>
           </a:bodyPr>
           <a:lstStyle/>
           <a:p>
-            <a:pPr indent="0" lvl="0" marL="0" rtl="0" algn="l">
+            <a:pPr marL="0" lvl="0" indent="0" algn="l" rtl="0">
               <a:spcBef>
                 <a:spcPts val="0"/>
               </a:spcBef>
@@ -9004,9 +9795,11 @@
       <p:sp>
         <p:nvSpPr>
           <p:cNvPr id="158" name="Google Shape;158;p26"/>
-          <p:cNvSpPr txBox="1"/>
+          <p:cNvSpPr txBox="1">
+            <a:spLocks noGrp="1"/>
+          </p:cNvSpPr>
           <p:nvPr>
-            <p:ph idx="1" type="body"/>
+            <p:ph type="body" idx="1"/>
           </p:nvPr>
         </p:nvSpPr>
         <p:spPr>
@@ -9019,12 +9812,12 @@
           </a:prstGeom>
         </p:spPr>
         <p:txBody>
-          <a:bodyPr anchorCtr="0" anchor="t" bIns="91425" lIns="91425" spcFirstLastPara="1" rIns="91425" wrap="square" tIns="91425">
+          <a:bodyPr spcFirstLastPara="1" wrap="square" lIns="91425" tIns="91425" rIns="91425" bIns="91425" anchor="t" anchorCtr="0">
             <a:normAutofit lnSpcReduction="10000"/>
           </a:bodyPr>
           <a:lstStyle/>
           <a:p>
-            <a:pPr indent="-323850" lvl="0" marL="457200" rtl="0" algn="l">
+            <a:pPr marL="457200" lvl="0" indent="-323850" algn="l" rtl="0">
               <a:spcBef>
                 <a:spcPts val="0"/>
               </a:spcBef>
@@ -9041,7 +9834,7 @@
             <a:endParaRPr sz="1500"/>
           </a:p>
           <a:p>
-            <a:pPr indent="-323850" lvl="1" marL="914400" rtl="0" algn="l">
+            <a:pPr marL="914400" lvl="1" indent="-323850" algn="l" rtl="0">
               <a:spcBef>
                 <a:spcPts val="0"/>
               </a:spcBef>
@@ -9061,7 +9854,7 @@
             <a:endParaRPr sz="1500"/>
           </a:p>
           <a:p>
-            <a:pPr indent="-323850" lvl="0" marL="457200" rtl="0" algn="l">
+            <a:pPr marL="457200" lvl="0" indent="-323850" algn="l" rtl="0">
               <a:spcBef>
                 <a:spcPts val="0"/>
               </a:spcBef>
@@ -9095,7 +9888,7 @@
             <a:endParaRPr sz="1500"/>
           </a:p>
           <a:p>
-            <a:pPr indent="-323850" lvl="0" marL="457200" rtl="0" algn="l">
+            <a:pPr marL="457200" lvl="0" indent="-323850" algn="l" rtl="0">
               <a:spcBef>
                 <a:spcPts val="0"/>
               </a:spcBef>
@@ -9129,7 +9922,7 @@
             <a:endParaRPr sz="1500"/>
           </a:p>
           <a:p>
-            <a:pPr indent="-323850" lvl="0" marL="457200" rtl="0" algn="l">
+            <a:pPr marL="457200" lvl="0" indent="-323850" algn="l" rtl="0">
               <a:spcBef>
                 <a:spcPts val="0"/>
               </a:spcBef>
@@ -9177,14 +9970,14 @@
             <a:avLst/>
           </a:prstGeom>
           <a:noFill/>
-          <a:ln cap="flat" cmpd="sng" w="28575">
+          <a:ln w="28575" cap="flat" cmpd="sng">
             <a:solidFill>
               <a:schemeClr val="dk2"/>
             </a:solidFill>
             <a:prstDash val="solid"/>
             <a:round/>
-            <a:headEnd len="sm" w="sm" type="none"/>
-            <a:tailEnd len="sm" w="sm" type="none"/>
+            <a:headEnd type="none" w="sm" len="sm"/>
+            <a:tailEnd type="none" w="sm" len="sm"/>
           </a:ln>
         </p:spPr>
       </p:pic>
@@ -9196,12 +9989,18 @@
 </p:sld>
 </file>
 
-<file path=ppt/slides/slide15.xml><?xml version="1.0" encoding="utf-8"?>
-<p:sld xmlns:a="http://schemas.openxmlformats.org/drawingml/2006/main" xmlns:r="http://schemas.openxmlformats.org/officeDocument/2006/relationships" xmlns:mc="http://schemas.openxmlformats.org/markup-compatibility/2006" xmlns:mv="urn:schemas-microsoft-com:mac:vml" xmlns:p="http://schemas.openxmlformats.org/presentationml/2006/main" xmlns:c="http://schemas.openxmlformats.org/drawingml/2006/chart" xmlns:dgm="http://schemas.openxmlformats.org/drawingml/2006/diagram" xmlns:o="urn:schemas-microsoft-com:office:office" xmlns:v="urn:schemas-microsoft-com:vml" xmlns:pvml="urn:schemas-microsoft-com:office:powerpoint" xmlns:com="http://schemas.openxmlformats.org/drawingml/2006/compatibility" xmlns:p14="http://schemas.microsoft.com/office/powerpoint/2010/main" xmlns:p15="http://schemas.microsoft.com/office/powerpoint/2012/main" xmlns:ahyp="http://schemas.microsoft.com/office/drawing/2018/hyperlinkcolor">
+<file path=ppt/slides/slide16.xml><?xml version="1.0" encoding="utf-8"?>
+<p:sld xmlns:a="http://schemas.openxmlformats.org/drawingml/2006/main" xmlns:r="http://schemas.openxmlformats.org/officeDocument/2006/relationships" xmlns:p="http://schemas.openxmlformats.org/presentationml/2006/main">
   <p:cSld>
     <p:spTree>
       <p:nvGrpSpPr>
-        <p:cNvPr id="163" name="Shape 163"/>
+        <p:cNvPr id="1" name="Shape 132">
+          <a:extLst>
+            <a:ext uri="{FF2B5EF4-FFF2-40B4-BE49-F238E27FC236}">
+              <a16:creationId xmlns:a16="http://schemas.microsoft.com/office/drawing/2014/main" id="{1D2D8324-79B2-D165-B84D-5D368017A361}"/>
+            </a:ext>
+          </a:extLst>
+        </p:cNvPr>
         <p:cNvGrpSpPr/>
         <p:nvPr/>
       </p:nvGrpSpPr>
@@ -9215,8 +10014,16 @@
       </p:grpSpPr>
       <p:sp>
         <p:nvSpPr>
-          <p:cNvPr id="164" name="Google Shape;164;p27"/>
-          <p:cNvSpPr txBox="1"/>
+          <p:cNvPr id="133" name="Google Shape;133;p23">
+            <a:extLst>
+              <a:ext uri="{FF2B5EF4-FFF2-40B4-BE49-F238E27FC236}">
+                <a16:creationId xmlns:a16="http://schemas.microsoft.com/office/drawing/2014/main" id="{37F7BAE5-B995-ED3B-AA31-3336038B4C5C}"/>
+              </a:ext>
+            </a:extLst>
+          </p:cNvPr>
+          <p:cNvSpPr txBox="1">
+            <a:spLocks noGrp="1"/>
+          </p:cNvSpPr>
           <p:nvPr>
             <p:ph type="title"/>
           </p:nvPr>
@@ -9231,12 +10038,12 @@
           </a:prstGeom>
         </p:spPr>
         <p:txBody>
-          <a:bodyPr anchorCtr="0" anchor="b" bIns="91425" lIns="91425" spcFirstLastPara="1" rIns="91425" wrap="square" tIns="91425">
+          <a:bodyPr spcFirstLastPara="1" wrap="square" lIns="91425" tIns="91425" rIns="91425" bIns="91425" anchor="b" anchorCtr="0">
             <a:normAutofit/>
           </a:bodyPr>
           <a:lstStyle/>
           <a:p>
-            <a:pPr indent="0" lvl="0" marL="0" rtl="0" algn="l">
+            <a:pPr marL="0" lvl="0" indent="0" algn="l" rtl="0">
               <a:spcBef>
                 <a:spcPts val="0"/>
               </a:spcBef>
@@ -9246,19 +10053,27 @@
               <a:buNone/>
             </a:pPr>
             <a:r>
-              <a:rPr lang="en"/>
-              <a:t>Model Creation (Random Forest)</a:t>
+              <a:rPr lang="en" dirty="0"/>
+              <a:t>Random Forest- Model Creation </a:t>
             </a:r>
-            <a:endParaRPr/>
+            <a:endParaRPr dirty="0"/>
           </a:p>
         </p:txBody>
       </p:sp>
       <p:sp>
         <p:nvSpPr>
-          <p:cNvPr id="165" name="Google Shape;165;p27"/>
-          <p:cNvSpPr txBox="1"/>
+          <p:cNvPr id="134" name="Google Shape;134;p23">
+            <a:extLst>
+              <a:ext uri="{FF2B5EF4-FFF2-40B4-BE49-F238E27FC236}">
+                <a16:creationId xmlns:a16="http://schemas.microsoft.com/office/drawing/2014/main" id="{A00A5147-5788-C495-8089-AE617F800137}"/>
+              </a:ext>
+            </a:extLst>
+          </p:cNvPr>
+          <p:cNvSpPr txBox="1">
+            <a:spLocks noGrp="1"/>
+          </p:cNvSpPr>
           <p:nvPr>
-            <p:ph idx="1" type="body"/>
+            <p:ph type="body" idx="1"/>
           </p:nvPr>
         </p:nvSpPr>
         <p:spPr>
@@ -9271,12 +10086,399 @@
           </a:prstGeom>
         </p:spPr>
         <p:txBody>
-          <a:bodyPr anchorCtr="0" anchor="t" bIns="91425" lIns="91425" spcFirstLastPara="1" rIns="91425" wrap="square" tIns="91425">
+          <a:bodyPr spcFirstLastPara="1" wrap="square" lIns="91425" tIns="91425" rIns="91425" bIns="91425" anchor="t" anchorCtr="0">
             <a:normAutofit/>
           </a:bodyPr>
           <a:lstStyle/>
           <a:p>
-            <a:pPr indent="-317500" lvl="0" marL="457200" rtl="0" algn="l">
+            <a:pPr marL="457200" lvl="0" indent="-311150" algn="l" rtl="0">
+              <a:spcBef>
+                <a:spcPts val="0"/>
+              </a:spcBef>
+              <a:spcAft>
+                <a:spcPts val="0"/>
+              </a:spcAft>
+              <a:buSzPts val="1300"/>
+              <a:buChar char="●"/>
+            </a:pPr>
+            <a:r>
+              <a:rPr lang="en" sz="1300" dirty="0"/>
+              <a:t>Used SQLAlchemy to import data from</a:t>
+            </a:r>
+            <a:br>
+              <a:rPr lang="en" sz="1300" dirty="0"/>
+            </a:br>
+            <a:r>
+              <a:rPr lang="en" sz="1300" dirty="0"/>
+              <a:t>SQLite database into Pandas</a:t>
+            </a:r>
+            <a:endParaRPr sz="1300" dirty="0"/>
+          </a:p>
+        </p:txBody>
+      </p:sp>
+      <p:pic>
+        <p:nvPicPr>
+          <p:cNvPr id="136" name="Google Shape;136;p23">
+            <a:extLst>
+              <a:ext uri="{FF2B5EF4-FFF2-40B4-BE49-F238E27FC236}">
+                <a16:creationId xmlns:a16="http://schemas.microsoft.com/office/drawing/2014/main" id="{EA1B8D44-1C48-EC45-7EF4-5F78417A87CC}"/>
+              </a:ext>
+            </a:extLst>
+          </p:cNvPr>
+          <p:cNvPicPr preferRelativeResize="0"/>
+          <p:nvPr/>
+        </p:nvPicPr>
+        <p:blipFill>
+          <a:blip r:embed="rId4">
+            <a:alphaModFix/>
+          </a:blip>
+          <a:stretch>
+            <a:fillRect/>
+          </a:stretch>
+        </p:blipFill>
+        <p:spPr>
+          <a:xfrm>
+            <a:off x="1900359" y="2095642"/>
+            <a:ext cx="5343282" cy="1822633"/>
+          </a:xfrm>
+          <a:prstGeom prst="rect">
+            <a:avLst/>
+          </a:prstGeom>
+          <a:noFill/>
+          <a:ln w="28575" cap="flat" cmpd="sng">
+            <a:solidFill>
+              <a:schemeClr val="dk2"/>
+            </a:solidFill>
+            <a:prstDash val="solid"/>
+            <a:round/>
+            <a:headEnd type="none" w="sm" len="sm"/>
+            <a:tailEnd type="none" w="sm" len="sm"/>
+          </a:ln>
+        </p:spPr>
+      </p:pic>
+    </p:spTree>
+    <p:extLst>
+      <p:ext uri="{BB962C8B-B14F-4D97-AF65-F5344CB8AC3E}">
+        <p14:creationId xmlns:p14="http://schemas.microsoft.com/office/powerpoint/2010/main" val="2569766196"/>
+      </p:ext>
+    </p:extLst>
+  </p:cSld>
+  <p:clrMapOvr>
+    <a:masterClrMapping/>
+  </p:clrMapOvr>
+  <p:extLst>
+    <p:ext uri="{6950BFC3-D8DA-4A85-94F7-54DA5524770B}">
+      <p188:commentRel xmlns:p188="http://schemas.microsoft.com/office/powerpoint/2018/8/main" r:id="rId3"/>
+    </p:ext>
+  </p:extLst>
+</p:sld>
+</file>
+
+<file path=ppt/slides/slide17.xml><?xml version="1.0" encoding="utf-8"?>
+<p:sld xmlns:a="http://schemas.openxmlformats.org/drawingml/2006/main" xmlns:r="http://schemas.openxmlformats.org/officeDocument/2006/relationships" xmlns:p="http://schemas.openxmlformats.org/presentationml/2006/main">
+  <p:cSld>
+    <p:spTree>
+      <p:nvGrpSpPr>
+        <p:cNvPr id="1" name="Shape 140">
+          <a:extLst>
+            <a:ext uri="{FF2B5EF4-FFF2-40B4-BE49-F238E27FC236}">
+              <a16:creationId xmlns:a16="http://schemas.microsoft.com/office/drawing/2014/main" id="{862FCB66-BC1B-9EF6-2F4B-030A31336D16}"/>
+            </a:ext>
+          </a:extLst>
+        </p:cNvPr>
+        <p:cNvGrpSpPr/>
+        <p:nvPr/>
+      </p:nvGrpSpPr>
+      <p:grpSpPr>
+        <a:xfrm>
+          <a:off x="0" y="0"/>
+          <a:ext cx="0" cy="0"/>
+          <a:chOff x="0" y="0"/>
+          <a:chExt cx="0" cy="0"/>
+        </a:xfrm>
+      </p:grpSpPr>
+      <p:sp>
+        <p:nvSpPr>
+          <p:cNvPr id="141" name="Google Shape;141;p24">
+            <a:extLst>
+              <a:ext uri="{FF2B5EF4-FFF2-40B4-BE49-F238E27FC236}">
+                <a16:creationId xmlns:a16="http://schemas.microsoft.com/office/drawing/2014/main" id="{B4F12E33-2E70-8948-71E2-3A93C0A3ECB8}"/>
+              </a:ext>
+            </a:extLst>
+          </p:cNvPr>
+          <p:cNvSpPr txBox="1">
+            <a:spLocks noGrp="1"/>
+          </p:cNvSpPr>
+          <p:nvPr>
+            <p:ph type="title"/>
+          </p:nvPr>
+        </p:nvSpPr>
+        <p:spPr>
+          <a:xfrm>
+            <a:off x="311700" y="315925"/>
+            <a:ext cx="8520600" cy="831300"/>
+          </a:xfrm>
+          <a:prstGeom prst="rect">
+            <a:avLst/>
+          </a:prstGeom>
+        </p:spPr>
+        <p:txBody>
+          <a:bodyPr spcFirstLastPara="1" wrap="square" lIns="91425" tIns="91425" rIns="91425" bIns="91425" anchor="b" anchorCtr="0">
+            <a:normAutofit/>
+          </a:bodyPr>
+          <a:lstStyle/>
+          <a:p>
+            <a:pPr marL="0" lvl="0" indent="0" algn="l" rtl="0">
+              <a:spcBef>
+                <a:spcPts val="0"/>
+              </a:spcBef>
+              <a:spcAft>
+                <a:spcPts val="0"/>
+              </a:spcAft>
+              <a:buNone/>
+            </a:pPr>
+            <a:r>
+              <a:rPr lang="en" dirty="0"/>
+              <a:t>Random Forest- Model Creation </a:t>
+            </a:r>
+            <a:endParaRPr dirty="0"/>
+          </a:p>
+        </p:txBody>
+      </p:sp>
+      <p:sp>
+        <p:nvSpPr>
+          <p:cNvPr id="142" name="Google Shape;142;p24">
+            <a:extLst>
+              <a:ext uri="{FF2B5EF4-FFF2-40B4-BE49-F238E27FC236}">
+                <a16:creationId xmlns:a16="http://schemas.microsoft.com/office/drawing/2014/main" id="{43D2C35E-EEDD-64E6-8806-A4CF6A960E55}"/>
+              </a:ext>
+            </a:extLst>
+          </p:cNvPr>
+          <p:cNvSpPr txBox="1">
+            <a:spLocks noGrp="1"/>
+          </p:cNvSpPr>
+          <p:nvPr>
+            <p:ph type="body" idx="1"/>
+          </p:nvPr>
+        </p:nvSpPr>
+        <p:spPr>
+          <a:xfrm>
+            <a:off x="311700" y="1225225"/>
+            <a:ext cx="8520600" cy="3354000"/>
+          </a:xfrm>
+          <a:prstGeom prst="rect">
+            <a:avLst/>
+          </a:prstGeom>
+        </p:spPr>
+        <p:txBody>
+          <a:bodyPr spcFirstLastPara="1" wrap="square" lIns="91425" tIns="91425" rIns="91425" bIns="91425" anchor="t" anchorCtr="0">
+            <a:normAutofit/>
+          </a:bodyPr>
+          <a:lstStyle/>
+          <a:p>
+            <a:pPr marL="457200" lvl="0" indent="-311150" algn="l" rtl="0">
+              <a:spcBef>
+                <a:spcPts val="0"/>
+              </a:spcBef>
+              <a:spcAft>
+                <a:spcPts val="0"/>
+              </a:spcAft>
+              <a:buSzPts val="1300"/>
+              <a:buChar char="●"/>
+            </a:pPr>
+            <a:r>
+              <a:rPr lang="en" sz="1300"/>
+              <a:t>Dropped ‘transaction_id’ since it’s not a feature</a:t>
+            </a:r>
+            <a:endParaRPr sz="1300"/>
+          </a:p>
+          <a:p>
+            <a:pPr marL="457200" lvl="0" indent="-311150" algn="l" rtl="0">
+              <a:spcBef>
+                <a:spcPts val="0"/>
+              </a:spcBef>
+              <a:spcAft>
+                <a:spcPts val="0"/>
+              </a:spcAft>
+              <a:buSzPts val="1300"/>
+              <a:buChar char="●"/>
+            </a:pPr>
+            <a:r>
+              <a:rPr lang="en" sz="1300"/>
+              <a:t>Used ‘pd.get_dummies’ to transform the </a:t>
+            </a:r>
+            <a:br>
+              <a:rPr lang="en" sz="1300"/>
+            </a:br>
+            <a:r>
+              <a:rPr lang="en" sz="1300"/>
+              <a:t>categorical data into numeric</a:t>
+            </a:r>
+            <a:endParaRPr sz="1300"/>
+          </a:p>
+        </p:txBody>
+      </p:sp>
+      <p:pic>
+        <p:nvPicPr>
+          <p:cNvPr id="143" name="Google Shape;143;p24">
+            <a:extLst>
+              <a:ext uri="{FF2B5EF4-FFF2-40B4-BE49-F238E27FC236}">
+                <a16:creationId xmlns:a16="http://schemas.microsoft.com/office/drawing/2014/main" id="{DC6B7832-0AA6-2709-FFA1-F6D920C395CC}"/>
+              </a:ext>
+            </a:extLst>
+          </p:cNvPr>
+          <p:cNvPicPr preferRelativeResize="0"/>
+          <p:nvPr/>
+        </p:nvPicPr>
+        <p:blipFill>
+          <a:blip r:embed="rId4">
+            <a:alphaModFix/>
+          </a:blip>
+          <a:stretch>
+            <a:fillRect/>
+          </a:stretch>
+        </p:blipFill>
+        <p:spPr>
+          <a:xfrm>
+            <a:off x="4572000" y="1379537"/>
+            <a:ext cx="4572001" cy="3728038"/>
+          </a:xfrm>
+          <a:prstGeom prst="rect">
+            <a:avLst/>
+          </a:prstGeom>
+          <a:noFill/>
+          <a:ln w="28575" cap="flat" cmpd="sng">
+            <a:solidFill>
+              <a:schemeClr val="dk2"/>
+            </a:solidFill>
+            <a:prstDash val="solid"/>
+            <a:round/>
+            <a:headEnd type="none" w="sm" len="sm"/>
+            <a:tailEnd type="none" w="sm" len="sm"/>
+          </a:ln>
+        </p:spPr>
+      </p:pic>
+    </p:spTree>
+    <p:extLst>
+      <p:ext uri="{BB962C8B-B14F-4D97-AF65-F5344CB8AC3E}">
+        <p14:creationId xmlns:p14="http://schemas.microsoft.com/office/powerpoint/2010/main" val="304103500"/>
+      </p:ext>
+    </p:extLst>
+  </p:cSld>
+  <p:clrMapOvr>
+    <a:masterClrMapping/>
+  </p:clrMapOvr>
+  <p:extLst>
+    <p:ext uri="{6950BFC3-D8DA-4A85-94F7-54DA5524770B}">
+      <p188:commentRel xmlns:p188="http://schemas.microsoft.com/office/powerpoint/2018/8/main" r:id="rId3"/>
+    </p:ext>
+  </p:extLst>
+</p:sld>
+</file>
+
+<file path=ppt/slides/slide18.xml><?xml version="1.0" encoding="utf-8"?>
+<p:sld xmlns:a="http://schemas.openxmlformats.org/drawingml/2006/main" xmlns:r="http://schemas.openxmlformats.org/officeDocument/2006/relationships" xmlns:p="http://schemas.openxmlformats.org/presentationml/2006/main">
+  <p:cSld>
+    <p:spTree>
+      <p:nvGrpSpPr>
+        <p:cNvPr id="1" name="Shape 163">
+          <a:extLst>
+            <a:ext uri="{FF2B5EF4-FFF2-40B4-BE49-F238E27FC236}">
+              <a16:creationId xmlns:a16="http://schemas.microsoft.com/office/drawing/2014/main" id="{AFF3E719-1781-CFB7-DCF8-03B83D235595}"/>
+            </a:ext>
+          </a:extLst>
+        </p:cNvPr>
+        <p:cNvGrpSpPr/>
+        <p:nvPr/>
+      </p:nvGrpSpPr>
+      <p:grpSpPr>
+        <a:xfrm>
+          <a:off x="0" y="0"/>
+          <a:ext cx="0" cy="0"/>
+          <a:chOff x="0" y="0"/>
+          <a:chExt cx="0" cy="0"/>
+        </a:xfrm>
+      </p:grpSpPr>
+      <p:sp>
+        <p:nvSpPr>
+          <p:cNvPr id="164" name="Google Shape;164;p27">
+            <a:extLst>
+              <a:ext uri="{FF2B5EF4-FFF2-40B4-BE49-F238E27FC236}">
+                <a16:creationId xmlns:a16="http://schemas.microsoft.com/office/drawing/2014/main" id="{080B3B76-1E6D-2A25-A46C-46148C32004A}"/>
+              </a:ext>
+            </a:extLst>
+          </p:cNvPr>
+          <p:cNvSpPr txBox="1">
+            <a:spLocks noGrp="1"/>
+          </p:cNvSpPr>
+          <p:nvPr>
+            <p:ph type="title"/>
+          </p:nvPr>
+        </p:nvSpPr>
+        <p:spPr>
+          <a:xfrm>
+            <a:off x="311700" y="315925"/>
+            <a:ext cx="8520600" cy="831300"/>
+          </a:xfrm>
+          <a:prstGeom prst="rect">
+            <a:avLst/>
+          </a:prstGeom>
+        </p:spPr>
+        <p:txBody>
+          <a:bodyPr spcFirstLastPara="1" wrap="square" lIns="91425" tIns="91425" rIns="91425" bIns="91425" anchor="b" anchorCtr="0">
+            <a:normAutofit/>
+          </a:bodyPr>
+          <a:lstStyle/>
+          <a:p>
+            <a:pPr marL="0" lvl="0" indent="0" algn="l" rtl="0">
+              <a:spcBef>
+                <a:spcPts val="0"/>
+              </a:spcBef>
+              <a:spcAft>
+                <a:spcPts val="0"/>
+              </a:spcAft>
+              <a:buNone/>
+            </a:pPr>
+            <a:r>
+              <a:rPr lang="en" dirty="0"/>
+              <a:t>Random Forest- Model Compiling</a:t>
+            </a:r>
+            <a:endParaRPr dirty="0"/>
+          </a:p>
+        </p:txBody>
+      </p:sp>
+      <p:sp>
+        <p:nvSpPr>
+          <p:cNvPr id="165" name="Google Shape;165;p27">
+            <a:extLst>
+              <a:ext uri="{FF2B5EF4-FFF2-40B4-BE49-F238E27FC236}">
+                <a16:creationId xmlns:a16="http://schemas.microsoft.com/office/drawing/2014/main" id="{61A6802A-FA06-F05A-3684-F126912908F0}"/>
+              </a:ext>
+            </a:extLst>
+          </p:cNvPr>
+          <p:cNvSpPr txBox="1">
+            <a:spLocks noGrp="1"/>
+          </p:cNvSpPr>
+          <p:nvPr>
+            <p:ph type="body" idx="1"/>
+          </p:nvPr>
+        </p:nvSpPr>
+        <p:spPr>
+          <a:xfrm>
+            <a:off x="311700" y="1225225"/>
+            <a:ext cx="8520600" cy="3354000"/>
+          </a:xfrm>
+          <a:prstGeom prst="rect">
+            <a:avLst/>
+          </a:prstGeom>
+        </p:spPr>
+        <p:txBody>
+          <a:bodyPr spcFirstLastPara="1" wrap="square" lIns="91425" tIns="91425" rIns="91425" bIns="91425" anchor="t" anchorCtr="0">
+            <a:normAutofit/>
+          </a:bodyPr>
+          <a:lstStyle/>
+          <a:p>
+            <a:pPr marL="457200" lvl="0" indent="-317500" algn="l" rtl="0">
               <a:spcBef>
                 <a:spcPts val="0"/>
               </a:spcBef>
@@ -9287,61 +10489,113 @@
               <a:buChar char="●"/>
             </a:pPr>
             <a:r>
-              <a:rPr lang="en" sz="1400"/>
-              <a:t>Data cleaning same as logistic</a:t>
+              <a:rPr lang="en" sz="1400" dirty="0"/>
+              <a:t>Data splitting and scaling same as</a:t>
             </a:r>
             <a:br>
-              <a:rPr lang="en" sz="1400"/>
+              <a:rPr lang="en" sz="1400" dirty="0"/>
             </a:br>
             <a:r>
-              <a:rPr lang="en" sz="1400"/>
-              <a:t>r</a:t>
+              <a:rPr lang="en" sz="1400" dirty="0"/>
+              <a:t>logistic regression</a:t>
             </a:r>
-            <a:r>
-              <a:rPr lang="en" sz="1400"/>
-              <a:t>egression</a:t>
-            </a:r>
-            <a:endParaRPr sz="1400"/>
-          </a:p>
-          <a:p>
-            <a:pPr indent="-317500" lvl="0" marL="457200" rtl="0" algn="l">
-              <a:spcBef>
-                <a:spcPts val="0"/>
-              </a:spcBef>
-              <a:spcAft>
-                <a:spcPts val="0"/>
-              </a:spcAft>
-              <a:buSzPts val="1400"/>
+          </a:p>
+          <a:p>
+            <a:pPr marL="457200" lvl="0" indent="-323850" algn="l" rtl="0">
+              <a:spcBef>
+                <a:spcPts val="0"/>
+              </a:spcBef>
+              <a:spcAft>
+                <a:spcPts val="0"/>
+              </a:spcAft>
+              <a:buSzPts val="1500"/>
               <a:buChar char="●"/>
             </a:pPr>
             <a:r>
-              <a:rPr lang="en" sz="1400"/>
-              <a:t>Data split into test and train sets</a:t>
+              <a:rPr lang="en-US" sz="1400" dirty="0"/>
+              <a:t>Identified the Labels (fraud status </a:t>
             </a:r>
-            <a:endParaRPr sz="1400"/>
-          </a:p>
-          <a:p>
-            <a:pPr indent="-317500" lvl="0" marL="457200" rtl="0" algn="l">
-              <a:spcBef>
-                <a:spcPts val="0"/>
-              </a:spcBef>
-              <a:spcAft>
-                <a:spcPts val="0"/>
-              </a:spcAft>
-              <a:buSzPts val="1400"/>
+            <a:br>
+              <a:rPr lang="en-US" sz="1400" dirty="0"/>
+            </a:br>
+            <a:r>
+              <a:rPr lang="en-US" sz="1400" dirty="0"/>
+              <a:t>column) and the features</a:t>
+            </a:r>
+          </a:p>
+          <a:p>
+            <a:pPr marL="457200" lvl="0" indent="-323850" algn="l" rtl="0">
+              <a:spcBef>
+                <a:spcPts val="0"/>
+              </a:spcBef>
+              <a:spcAft>
+                <a:spcPts val="0"/>
+              </a:spcAft>
+              <a:buSzPts val="1500"/>
               <a:buChar char="●"/>
             </a:pPr>
             <a:r>
-              <a:rPr lang="en" sz="1400"/>
-              <a:t>Data scaled for model performance</a:t>
+              <a:rPr lang="en-US" sz="1400" dirty="0"/>
+              <a:t>Scaled the data</a:t>
             </a:r>
-            <a:endParaRPr sz="1400"/>
+          </a:p>
+          <a:p>
+            <a:pPr marL="457200" lvl="0" indent="-323850" algn="l" rtl="0">
+              <a:spcBef>
+                <a:spcPts val="0"/>
+              </a:spcBef>
+              <a:spcAft>
+                <a:spcPts val="0"/>
+              </a:spcAft>
+              <a:buSzPts val="1500"/>
+              <a:buChar char="●"/>
+            </a:pPr>
+            <a:r>
+              <a:rPr lang="en-US" sz="1400" dirty="0"/>
+              <a:t>Split the data into training and </a:t>
+            </a:r>
+            <a:br>
+              <a:rPr lang="en-US" sz="1400" dirty="0"/>
+            </a:br>
+            <a:r>
+              <a:rPr lang="en-US" sz="1400" dirty="0"/>
+              <a:t>testing sets</a:t>
+            </a:r>
+          </a:p>
+          <a:p>
+            <a:pPr marL="457200" lvl="0" indent="-323850" algn="l" rtl="0">
+              <a:spcBef>
+                <a:spcPts val="0"/>
+              </a:spcBef>
+              <a:spcAft>
+                <a:spcPts val="0"/>
+              </a:spcAft>
+              <a:buSzPts val="1500"/>
+              <a:buChar char="●"/>
+            </a:pPr>
+            <a:r>
+              <a:rPr lang="en-US" sz="1400" dirty="0"/>
+              <a:t>Fit and predicted the random forest</a:t>
+            </a:r>
+            <a:br>
+              <a:rPr lang="en-US" sz="1400" dirty="0"/>
+            </a:br>
+            <a:r>
+              <a:rPr lang="en-US" sz="1400" dirty="0"/>
+              <a:t>classifier to the dataset</a:t>
+            </a:r>
           </a:p>
         </p:txBody>
       </p:sp>
       <p:pic>
         <p:nvPicPr>
-          <p:cNvPr id="166" name="Google Shape;166;p27"/>
+          <p:cNvPr id="166" name="Google Shape;166;p27">
+            <a:extLst>
+              <a:ext uri="{FF2B5EF4-FFF2-40B4-BE49-F238E27FC236}">
+                <a16:creationId xmlns:a16="http://schemas.microsoft.com/office/drawing/2014/main" id="{1B28A76B-FAC5-2D23-5B88-6E39E22C5179}"/>
+              </a:ext>
+            </a:extLst>
+          </p:cNvPr>
           <p:cNvPicPr preferRelativeResize="0"/>
           <p:nvPr/>
         </p:nvPicPr>
@@ -9349,7 +10603,7 @@
           <a:blip r:embed="rId3">
             <a:alphaModFix/>
           </a:blip>
-          <a:srcRect b="0" l="0" r="0" t="45226"/>
+          <a:srcRect t="45226"/>
           <a:stretch/>
         </p:blipFill>
         <p:spPr>
@@ -9361,20 +10615,26 @@
             <a:avLst/>
           </a:prstGeom>
           <a:noFill/>
-          <a:ln cap="flat" cmpd="sng" w="28575">
+          <a:ln w="28575" cap="flat" cmpd="sng">
             <a:solidFill>
               <a:schemeClr val="dk2"/>
             </a:solidFill>
             <a:prstDash val="solid"/>
             <a:round/>
-            <a:headEnd len="sm" w="sm" type="none"/>
-            <a:tailEnd len="sm" w="sm" type="none"/>
+            <a:headEnd type="none" w="sm" len="sm"/>
+            <a:tailEnd type="none" w="sm" len="sm"/>
           </a:ln>
         </p:spPr>
       </p:pic>
       <p:pic>
         <p:nvPicPr>
-          <p:cNvPr id="167" name="Google Shape;167;p27"/>
+          <p:cNvPr id="167" name="Google Shape;167;p27">
+            <a:extLst>
+              <a:ext uri="{FF2B5EF4-FFF2-40B4-BE49-F238E27FC236}">
+                <a16:creationId xmlns:a16="http://schemas.microsoft.com/office/drawing/2014/main" id="{3E773C80-D1AA-EE8B-E674-8C48827FB415}"/>
+              </a:ext>
+            </a:extLst>
+          </p:cNvPr>
           <p:cNvPicPr preferRelativeResize="0"/>
           <p:nvPr/>
         </p:nvPicPr>
@@ -9382,7 +10642,7 @@
           <a:blip r:embed="rId4">
             <a:alphaModFix/>
           </a:blip>
-          <a:srcRect b="0" l="0" r="0" t="35233"/>
+          <a:srcRect t="35233"/>
           <a:stretch/>
         </p:blipFill>
         <p:spPr>
@@ -9394,20 +10654,26 @@
             <a:avLst/>
           </a:prstGeom>
           <a:noFill/>
-          <a:ln cap="flat" cmpd="sng" w="28575">
+          <a:ln w="28575" cap="flat" cmpd="sng">
             <a:solidFill>
               <a:schemeClr val="dk2"/>
             </a:solidFill>
             <a:prstDash val="solid"/>
             <a:round/>
-            <a:headEnd len="sm" w="sm" type="none"/>
-            <a:tailEnd len="sm" w="sm" type="none"/>
+            <a:headEnd type="none" w="sm" len="sm"/>
+            <a:tailEnd type="none" w="sm" len="sm"/>
           </a:ln>
         </p:spPr>
       </p:pic>
       <p:pic>
         <p:nvPicPr>
-          <p:cNvPr id="168" name="Google Shape;168;p27"/>
+          <p:cNvPr id="168" name="Google Shape;168;p27">
+            <a:extLst>
+              <a:ext uri="{FF2B5EF4-FFF2-40B4-BE49-F238E27FC236}">
+                <a16:creationId xmlns:a16="http://schemas.microsoft.com/office/drawing/2014/main" id="{443D5953-A59B-FFC1-A25F-57E2DE8C55D0}"/>
+              </a:ext>
+            </a:extLst>
+          </p:cNvPr>
           <p:cNvPicPr preferRelativeResize="0"/>
           <p:nvPr/>
         </p:nvPicPr>
@@ -9415,7 +10681,7 @@
           <a:blip r:embed="rId5">
             <a:alphaModFix/>
           </a:blip>
-          <a:srcRect b="0" l="0" r="0" t="40796"/>
+          <a:srcRect t="40796"/>
           <a:stretch/>
         </p:blipFill>
         <p:spPr>
@@ -9427,18 +10693,23 @@
             <a:avLst/>
           </a:prstGeom>
           <a:noFill/>
-          <a:ln cap="flat" cmpd="sng" w="28575">
+          <a:ln w="28575" cap="flat" cmpd="sng">
             <a:solidFill>
               <a:schemeClr val="dk2"/>
             </a:solidFill>
             <a:prstDash val="solid"/>
             <a:round/>
-            <a:headEnd len="sm" w="sm" type="none"/>
-            <a:tailEnd len="sm" w="sm" type="none"/>
+            <a:headEnd type="none" w="sm" len="sm"/>
+            <a:tailEnd type="none" w="sm" len="sm"/>
           </a:ln>
         </p:spPr>
       </p:pic>
     </p:spTree>
+    <p:extLst>
+      <p:ext uri="{BB962C8B-B14F-4D97-AF65-F5344CB8AC3E}">
+        <p14:creationId xmlns:p14="http://schemas.microsoft.com/office/powerpoint/2010/main" val="2009110362"/>
+      </p:ext>
+    </p:extLst>
   </p:cSld>
   <p:clrMapOvr>
     <a:masterClrMapping/>
@@ -9446,12 +10717,12 @@
 </p:sld>
 </file>
 
-<file path=ppt/slides/slide16.xml><?xml version="1.0" encoding="utf-8"?>
-<p:sld xmlns:a="http://schemas.openxmlformats.org/drawingml/2006/main" xmlns:r="http://schemas.openxmlformats.org/officeDocument/2006/relationships" xmlns:mc="http://schemas.openxmlformats.org/markup-compatibility/2006" xmlns:mv="urn:schemas-microsoft-com:mac:vml" xmlns:p="http://schemas.openxmlformats.org/presentationml/2006/main" xmlns:c="http://schemas.openxmlformats.org/drawingml/2006/chart" xmlns:dgm="http://schemas.openxmlformats.org/drawingml/2006/diagram" xmlns:o="urn:schemas-microsoft-com:office:office" xmlns:v="urn:schemas-microsoft-com:vml" xmlns:pvml="urn:schemas-microsoft-com:office:powerpoint" xmlns:com="http://schemas.openxmlformats.org/drawingml/2006/compatibility" xmlns:p14="http://schemas.microsoft.com/office/powerpoint/2010/main" xmlns:p15="http://schemas.microsoft.com/office/powerpoint/2012/main" xmlns:ahyp="http://schemas.microsoft.com/office/drawing/2018/hyperlinkcolor">
+<file path=ppt/slides/slide19.xml><?xml version="1.0" encoding="utf-8"?>
+<p:sld xmlns:a="http://schemas.openxmlformats.org/drawingml/2006/main" xmlns:r="http://schemas.openxmlformats.org/officeDocument/2006/relationships" xmlns:p="http://schemas.openxmlformats.org/presentationml/2006/main">
   <p:cSld>
     <p:spTree>
       <p:nvGrpSpPr>
-        <p:cNvPr id="172" name="Shape 172"/>
+        <p:cNvPr id="1" name="Shape 172"/>
         <p:cNvGrpSpPr/>
         <p:nvPr/>
       </p:nvGrpSpPr>
@@ -9466,7 +10737,9 @@
       <p:sp>
         <p:nvSpPr>
           <p:cNvPr id="173" name="Google Shape;173;p28"/>
-          <p:cNvSpPr txBox="1"/>
+          <p:cNvSpPr txBox="1">
+            <a:spLocks noGrp="1"/>
+          </p:cNvSpPr>
           <p:nvPr>
             <p:ph type="title"/>
           </p:nvPr>
@@ -9481,12 +10754,12 @@
           </a:prstGeom>
         </p:spPr>
         <p:txBody>
-          <a:bodyPr anchorCtr="0" anchor="b" bIns="91425" lIns="91425" spcFirstLastPara="1" rIns="91425" wrap="square" tIns="91425">
+          <a:bodyPr spcFirstLastPara="1" wrap="square" lIns="91425" tIns="91425" rIns="91425" bIns="91425" anchor="b" anchorCtr="0">
             <a:normAutofit/>
           </a:bodyPr>
           <a:lstStyle/>
           <a:p>
-            <a:pPr indent="0" lvl="0" marL="0" rtl="0" algn="l">
+            <a:pPr marL="0" lvl="0" indent="0" algn="l" rtl="0">
               <a:spcBef>
                 <a:spcPts val="0"/>
               </a:spcBef>
@@ -9496,37 +10769,39 @@
               <a:buNone/>
             </a:pPr>
             <a:r>
-              <a:rPr lang="en"/>
-              <a:t>Model Creation (Random Forest)</a:t>
+              <a:rPr lang="en" dirty="0"/>
+              <a:t>Random Forest- Model Performance</a:t>
             </a:r>
-            <a:endParaRPr/>
+            <a:endParaRPr dirty="0"/>
           </a:p>
         </p:txBody>
       </p:sp>
       <p:sp>
         <p:nvSpPr>
           <p:cNvPr id="174" name="Google Shape;174;p28"/>
-          <p:cNvSpPr txBox="1"/>
+          <p:cNvSpPr txBox="1">
+            <a:spLocks noGrp="1"/>
+          </p:cNvSpPr>
           <p:nvPr>
-            <p:ph idx="1" type="body"/>
+            <p:ph type="body" idx="1"/>
           </p:nvPr>
         </p:nvSpPr>
         <p:spPr>
           <a:xfrm>
             <a:off x="311700" y="1225225"/>
-            <a:ext cx="8520600" cy="3354000"/>
+            <a:ext cx="8520600" cy="3443757"/>
           </a:xfrm>
           <a:prstGeom prst="rect">
             <a:avLst/>
           </a:prstGeom>
         </p:spPr>
         <p:txBody>
-          <a:bodyPr anchorCtr="0" anchor="t" bIns="91425" lIns="91425" spcFirstLastPara="1" rIns="91425" wrap="square" tIns="91425">
-            <a:normAutofit/>
+          <a:bodyPr spcFirstLastPara="1" wrap="square" lIns="91425" tIns="91425" rIns="91425" bIns="91425" anchor="t" anchorCtr="0">
+            <a:normAutofit lnSpcReduction="10000"/>
           </a:bodyPr>
           <a:lstStyle/>
           <a:p>
-            <a:pPr indent="-323850" lvl="0" marL="457200" rtl="0" algn="l">
+            <a:pPr marL="457200" lvl="0" indent="-323850" algn="l" rtl="0">
               <a:spcBef>
                 <a:spcPts val="0"/>
               </a:spcBef>
@@ -9537,24 +10812,20 @@
               <a:buChar char="●"/>
             </a:pPr>
             <a:r>
-              <a:rPr lang="en" sz="1500"/>
-              <a:t>Balanced accuracy score was </a:t>
-            </a:r>
-            <a:r>
-              <a:rPr lang="en" sz="1500"/>
-              <a:t>significantly</a:t>
+              <a:rPr lang="en" sz="1500" dirty="0"/>
+              <a:t>Balanced accuracy score was significantly</a:t>
             </a:r>
             <a:br>
-              <a:rPr lang="en" sz="1500"/>
+              <a:rPr lang="en" sz="1500" dirty="0"/>
             </a:br>
             <a:r>
-              <a:rPr lang="en" sz="1500"/>
+              <a:rPr lang="en" sz="1500" dirty="0"/>
               <a:t>higher than the logistic regression</a:t>
             </a:r>
-            <a:endParaRPr sz="1500"/>
-          </a:p>
-          <a:p>
-            <a:pPr indent="-323850" lvl="1" marL="914400" rtl="0" algn="l">
+            <a:endParaRPr sz="1500" dirty="0"/>
+          </a:p>
+          <a:p>
+            <a:pPr marL="914400" lvl="1" indent="-323850" algn="l" rtl="0">
               <a:spcBef>
                 <a:spcPts val="0"/>
               </a:spcBef>
@@ -9565,13 +10836,25 @@
               <a:buChar char="○"/>
             </a:pPr>
             <a:r>
-              <a:rPr lang="en" sz="1500"/>
+              <a:rPr lang="en" sz="1500" dirty="0"/>
               <a:t>Medium accuracy of 78.5%</a:t>
             </a:r>
-            <a:endParaRPr sz="1500"/>
-          </a:p>
-          <a:p>
-            <a:pPr indent="-323850" lvl="0" marL="457200" rtl="0" algn="l">
+          </a:p>
+          <a:p>
+            <a:pPr marL="914400" lvl="1" indent="-323850" algn="l" rtl="0">
+              <a:spcBef>
+                <a:spcPts val="0"/>
+              </a:spcBef>
+              <a:spcAft>
+                <a:spcPts val="0"/>
+              </a:spcAft>
+              <a:buSzPts val="1500"/>
+              <a:buChar char="○"/>
+            </a:pPr>
+            <a:endParaRPr sz="1500" dirty="0"/>
+          </a:p>
+          <a:p>
+            <a:pPr marL="457200" lvl="0" indent="-323850" algn="l" rtl="0">
               <a:spcBef>
                 <a:spcPts val="0"/>
               </a:spcBef>
@@ -9582,20 +10865,32 @@
               <a:buChar char="●"/>
             </a:pPr>
             <a:r>
-              <a:rPr lang="en" sz="1500"/>
+              <a:rPr lang="en" sz="1500" dirty="0"/>
               <a:t>Confusion matrix showed an imbalance</a:t>
             </a:r>
             <a:br>
-              <a:rPr lang="en" sz="1500"/>
+              <a:rPr lang="en" sz="1500" dirty="0"/>
             </a:br>
             <a:r>
-              <a:rPr lang="en" sz="1500"/>
+              <a:rPr lang="en" sz="1500" dirty="0"/>
               <a:t>in the groups</a:t>
             </a:r>
-            <a:endParaRPr sz="1500"/>
-          </a:p>
-          <a:p>
-            <a:pPr indent="-323850" lvl="0" marL="457200" rtl="0" algn="l">
+          </a:p>
+          <a:p>
+            <a:pPr marL="133350" lvl="0" indent="0" algn="l" rtl="0">
+              <a:spcBef>
+                <a:spcPts val="0"/>
+              </a:spcBef>
+              <a:spcAft>
+                <a:spcPts val="0"/>
+              </a:spcAft>
+              <a:buSzPts val="1500"/>
+              <a:buNone/>
+            </a:pPr>
+            <a:endParaRPr sz="1500" dirty="0"/>
+          </a:p>
+          <a:p>
+            <a:pPr marL="457200" lvl="0" indent="-323850" algn="l" rtl="0">
               <a:spcBef>
                 <a:spcPts val="0"/>
               </a:spcBef>
@@ -9606,13 +10901,13 @@
               <a:buChar char="●"/>
             </a:pPr>
             <a:r>
-              <a:rPr lang="en" sz="1500"/>
+              <a:rPr lang="en" sz="1500" dirty="0"/>
               <a:t>Precision was high for both classifications</a:t>
             </a:r>
-            <a:endParaRPr sz="1500"/>
-          </a:p>
-          <a:p>
-            <a:pPr indent="-323850" lvl="1" marL="914400" rtl="0" algn="l">
+            <a:endParaRPr sz="1500" dirty="0"/>
+          </a:p>
+          <a:p>
+            <a:pPr marL="914400" lvl="1" indent="-323850" algn="l" rtl="0">
               <a:spcBef>
                 <a:spcPts val="0"/>
               </a:spcBef>
@@ -9623,13 +10918,13 @@
               <a:buChar char="○"/>
             </a:pPr>
             <a:r>
-              <a:rPr lang="en" sz="1500"/>
+              <a:rPr lang="en" sz="1500" dirty="0"/>
               <a:t>100% for valid purchases</a:t>
             </a:r>
-            <a:endParaRPr sz="1500"/>
-          </a:p>
-          <a:p>
-            <a:pPr indent="-323850" lvl="1" marL="914400" rtl="0" algn="l">
+            <a:endParaRPr sz="1500" dirty="0"/>
+          </a:p>
+          <a:p>
+            <a:pPr marL="914400" lvl="1" indent="-323850" algn="l" rtl="0">
               <a:spcBef>
                 <a:spcPts val="0"/>
               </a:spcBef>
@@ -9640,13 +10935,25 @@
               <a:buChar char="○"/>
             </a:pPr>
             <a:r>
-              <a:rPr lang="en" sz="1500"/>
+              <a:rPr lang="en" sz="1500" dirty="0"/>
               <a:t>88% for fraudulent purchases</a:t>
             </a:r>
-            <a:endParaRPr sz="1500"/>
-          </a:p>
-          <a:p>
-            <a:pPr indent="-323850" lvl="0" marL="457200" rtl="0" algn="l">
+          </a:p>
+          <a:p>
+            <a:pPr marL="590550" lvl="1" indent="0" algn="l" rtl="0">
+              <a:spcBef>
+                <a:spcPts val="0"/>
+              </a:spcBef>
+              <a:spcAft>
+                <a:spcPts val="0"/>
+              </a:spcAft>
+              <a:buSzPts val="1500"/>
+              <a:buNone/>
+            </a:pPr>
+            <a:endParaRPr sz="1500" dirty="0"/>
+          </a:p>
+          <a:p>
+            <a:pPr marL="457200" lvl="0" indent="-323850" algn="l" rtl="0">
               <a:spcBef>
                 <a:spcPts val="0"/>
               </a:spcBef>
@@ -9657,17 +10964,17 @@
               <a:buChar char="●"/>
             </a:pPr>
             <a:r>
-              <a:rPr lang="en" sz="1500"/>
+              <a:rPr lang="en" sz="1500" dirty="0"/>
               <a:t>Recall was high for valid purchases and low</a:t>
             </a:r>
             <a:br>
-              <a:rPr lang="en" sz="1500"/>
+              <a:rPr lang="en" sz="1500" dirty="0"/>
             </a:br>
             <a:r>
-              <a:rPr lang="en" sz="1500"/>
+              <a:rPr lang="en" sz="1500" dirty="0"/>
               <a:t>for fraudulent (100% vs. 57%)</a:t>
             </a:r>
-            <a:endParaRPr sz="1500"/>
+            <a:endParaRPr sz="1500" dirty="0"/>
           </a:p>
         </p:txBody>
       </p:sp>
@@ -9694,14 +11001,14 @@
             <a:avLst/>
           </a:prstGeom>
           <a:noFill/>
-          <a:ln cap="flat" cmpd="sng" w="28575">
+          <a:ln w="28575" cap="flat" cmpd="sng">
             <a:solidFill>
               <a:schemeClr val="dk2"/>
             </a:solidFill>
             <a:prstDash val="solid"/>
             <a:round/>
-            <a:headEnd len="sm" w="sm" type="none"/>
-            <a:tailEnd len="sm" w="sm" type="none"/>
+            <a:headEnd type="none" w="sm" len="sm"/>
+            <a:tailEnd type="none" w="sm" len="sm"/>
           </a:ln>
         </p:spPr>
       </p:pic>
@@ -9713,12 +11020,229 @@
 </p:sld>
 </file>
 
-<file path=ppt/slides/slide17.xml><?xml version="1.0" encoding="utf-8"?>
-<p:sld xmlns:a="http://schemas.openxmlformats.org/drawingml/2006/main" xmlns:r="http://schemas.openxmlformats.org/officeDocument/2006/relationships" xmlns:mc="http://schemas.openxmlformats.org/markup-compatibility/2006" xmlns:mv="urn:schemas-microsoft-com:mac:vml" xmlns:p="http://schemas.openxmlformats.org/presentationml/2006/main" xmlns:c="http://schemas.openxmlformats.org/drawingml/2006/chart" xmlns:dgm="http://schemas.openxmlformats.org/drawingml/2006/diagram" xmlns:o="urn:schemas-microsoft-com:office:office" xmlns:v="urn:schemas-microsoft-com:vml" xmlns:pvml="urn:schemas-microsoft-com:office:powerpoint" xmlns:com="http://schemas.openxmlformats.org/drawingml/2006/compatibility" xmlns:p14="http://schemas.microsoft.com/office/powerpoint/2010/main" xmlns:p15="http://schemas.microsoft.com/office/powerpoint/2012/main" xmlns:ahyp="http://schemas.microsoft.com/office/drawing/2018/hyperlinkcolor">
+<file path=ppt/slides/slide2.xml><?xml version="1.0" encoding="utf-8"?>
+<p:sld xmlns:a="http://schemas.openxmlformats.org/drawingml/2006/main" xmlns:r="http://schemas.openxmlformats.org/officeDocument/2006/relationships" xmlns:p="http://schemas.openxmlformats.org/presentationml/2006/main">
   <p:cSld>
     <p:spTree>
       <p:nvGrpSpPr>
-        <p:cNvPr id="179" name="Shape 179"/>
+        <p:cNvPr id="1" name="Shape 67"/>
+        <p:cNvGrpSpPr/>
+        <p:nvPr/>
+      </p:nvGrpSpPr>
+      <p:grpSpPr>
+        <a:xfrm>
+          <a:off x="0" y="0"/>
+          <a:ext cx="0" cy="0"/>
+          <a:chOff x="0" y="0"/>
+          <a:chExt cx="0" cy="0"/>
+        </a:xfrm>
+      </p:grpSpPr>
+      <p:sp>
+        <p:nvSpPr>
+          <p:cNvPr id="68" name="Google Shape;68;p14"/>
+          <p:cNvSpPr txBox="1">
+            <a:spLocks noGrp="1"/>
+          </p:cNvSpPr>
+          <p:nvPr>
+            <p:ph type="title"/>
+          </p:nvPr>
+        </p:nvSpPr>
+        <p:spPr>
+          <a:xfrm>
+            <a:off x="311700" y="315925"/>
+            <a:ext cx="8520600" cy="831300"/>
+          </a:xfrm>
+          <a:prstGeom prst="rect">
+            <a:avLst/>
+          </a:prstGeom>
+        </p:spPr>
+        <p:txBody>
+          <a:bodyPr spcFirstLastPara="1" wrap="square" lIns="91425" tIns="91425" rIns="91425" bIns="91425" anchor="b" anchorCtr="0">
+            <a:noAutofit/>
+          </a:bodyPr>
+          <a:lstStyle/>
+          <a:p>
+            <a:pPr marL="0" lvl="0" indent="0" algn="l" rtl="0">
+              <a:spcBef>
+                <a:spcPts val="0"/>
+              </a:spcBef>
+              <a:spcAft>
+                <a:spcPts val="0"/>
+              </a:spcAft>
+              <a:buSzPts val="990"/>
+              <a:buNone/>
+            </a:pPr>
+            <a:r>
+              <a:rPr lang="en" sz="3480" dirty="0"/>
+              <a:t>Background</a:t>
+            </a:r>
+            <a:endParaRPr sz="3480" dirty="0"/>
+          </a:p>
+        </p:txBody>
+      </p:sp>
+      <p:sp>
+        <p:nvSpPr>
+          <p:cNvPr id="69" name="Google Shape;69;p14"/>
+          <p:cNvSpPr txBox="1">
+            <a:spLocks noGrp="1"/>
+          </p:cNvSpPr>
+          <p:nvPr>
+            <p:ph type="body" idx="1"/>
+          </p:nvPr>
+        </p:nvSpPr>
+        <p:spPr>
+          <a:xfrm>
+            <a:off x="311700" y="1225225"/>
+            <a:ext cx="8520600" cy="3354000"/>
+          </a:xfrm>
+          <a:prstGeom prst="rect">
+            <a:avLst/>
+          </a:prstGeom>
+        </p:spPr>
+        <p:txBody>
+          <a:bodyPr spcFirstLastPara="1" wrap="square" lIns="91425" tIns="91425" rIns="91425" bIns="91425" anchor="t" anchorCtr="0">
+            <a:normAutofit/>
+          </a:bodyPr>
+          <a:lstStyle/>
+          <a:p>
+            <a:pPr marL="285750" indent="-285750">
+              <a:spcAft>
+                <a:spcPts val="1200"/>
+              </a:spcAft>
+            </a:pPr>
+            <a:r>
+              <a:rPr lang="en-US" dirty="0">
+                <a:solidFill>
+                  <a:schemeClr val="tx1"/>
+                </a:solidFill>
+              </a:rPr>
+              <a:t>Recent data from the Federal Trade Commission (FTC) show that consumers lost nearly $8.8 billion to fraud in 2022</a:t>
+            </a:r>
+          </a:p>
+          <a:p>
+            <a:pPr marL="285750" indent="-285750">
+              <a:spcAft>
+                <a:spcPts val="1200"/>
+              </a:spcAft>
+            </a:pPr>
+            <a:r>
+              <a:rPr lang="en-US" dirty="0">
+                <a:solidFill>
+                  <a:schemeClr val="tx1"/>
+                </a:solidFill>
+              </a:rPr>
+              <a:t>According to the FTC, the 2.4 million consumers have been affected by scams</a:t>
+            </a:r>
+          </a:p>
+          <a:p>
+            <a:pPr marL="742950" lvl="1" indent="-285750">
+              <a:spcAft>
+                <a:spcPts val="1200"/>
+              </a:spcAft>
+            </a:pPr>
+            <a:r>
+              <a:rPr lang="en-US" dirty="0">
+                <a:solidFill>
+                  <a:schemeClr val="tx1"/>
+                </a:solidFill>
+              </a:rPr>
+              <a:t>Most scams are imposters scams, followed by online shopping scams.</a:t>
+            </a:r>
+          </a:p>
+          <a:p>
+            <a:pPr marL="285750" indent="-285750">
+              <a:spcAft>
+                <a:spcPts val="1200"/>
+              </a:spcAft>
+            </a:pPr>
+            <a:r>
+              <a:rPr lang="en-US" dirty="0">
+                <a:solidFill>
+                  <a:schemeClr val="tx1"/>
+                </a:solidFill>
+              </a:rPr>
+              <a:t>Due to significant financial burden of scams, we used a dataset from Kaggle to create a supervised machine learning model to predict future transactions as scams</a:t>
+            </a:r>
+            <a:endParaRPr dirty="0">
+              <a:solidFill>
+                <a:schemeClr val="tx1"/>
+              </a:solidFill>
+            </a:endParaRPr>
+          </a:p>
+        </p:txBody>
+      </p:sp>
+      <p:sp>
+        <p:nvSpPr>
+          <p:cNvPr id="2" name="TextBox 1">
+            <a:extLst>
+              <a:ext uri="{FF2B5EF4-FFF2-40B4-BE49-F238E27FC236}">
+                <a16:creationId xmlns:a16="http://schemas.microsoft.com/office/drawing/2014/main" id="{B5BE50E0-214F-F42D-22A9-6AAC275B0D9A}"/>
+              </a:ext>
+            </a:extLst>
+          </p:cNvPr>
+          <p:cNvSpPr txBox="1"/>
+          <p:nvPr/>
+        </p:nvSpPr>
+        <p:spPr>
+          <a:xfrm>
+            <a:off x="7051965" y="4657225"/>
+            <a:ext cx="2279072" cy="523220"/>
+          </a:xfrm>
+          <a:prstGeom prst="rect">
+            <a:avLst/>
+          </a:prstGeom>
+          <a:noFill/>
+        </p:spPr>
+        <p:txBody>
+          <a:bodyPr wrap="square" rtlCol="0">
+            <a:spAutoFit/>
+          </a:bodyPr>
+          <a:lstStyle/>
+          <a:p>
+            <a:r>
+              <a:rPr lang="en-US" dirty="0">
+                <a:solidFill>
+                  <a:schemeClr val="tx1"/>
+                </a:solidFill>
+              </a:rPr>
+              <a:t>("</a:t>
+            </a:r>
+            <a:r>
+              <a:rPr lang="en-US" i="1" dirty="0">
+                <a:solidFill>
+                  <a:schemeClr val="tx1"/>
+                </a:solidFill>
+              </a:rPr>
+              <a:t>New FTC data</a:t>
+            </a:r>
+            <a:r>
+              <a:rPr lang="en-US" dirty="0">
+                <a:solidFill>
+                  <a:schemeClr val="tx1"/>
+                </a:solidFill>
+              </a:rPr>
+              <a:t>," 2023)</a:t>
+            </a:r>
+          </a:p>
+          <a:p>
+            <a:endParaRPr lang="en-US" dirty="0"/>
+          </a:p>
+        </p:txBody>
+      </p:sp>
+    </p:spTree>
+  </p:cSld>
+  <p:clrMapOvr>
+    <a:masterClrMapping/>
+  </p:clrMapOvr>
+</p:sld>
+</file>
+
+<file path=ppt/slides/slide20.xml><?xml version="1.0" encoding="utf-8"?>
+<p:sld xmlns:a="http://schemas.openxmlformats.org/drawingml/2006/main" xmlns:r="http://schemas.openxmlformats.org/officeDocument/2006/relationships" xmlns:p="http://schemas.openxmlformats.org/presentationml/2006/main">
+  <p:cSld>
+    <p:spTree>
+      <p:nvGrpSpPr>
+        <p:cNvPr id="1" name="Shape 179"/>
         <p:cNvGrpSpPr/>
         <p:nvPr/>
       </p:nvGrpSpPr>
@@ -9733,7 +11257,9 @@
       <p:sp>
         <p:nvSpPr>
           <p:cNvPr id="180" name="Google Shape;180;p29"/>
-          <p:cNvSpPr txBox="1"/>
+          <p:cNvSpPr txBox="1">
+            <a:spLocks noGrp="1"/>
+          </p:cNvSpPr>
           <p:nvPr>
             <p:ph type="title"/>
           </p:nvPr>
@@ -9748,12 +11274,12 @@
           </a:prstGeom>
         </p:spPr>
         <p:txBody>
-          <a:bodyPr anchorCtr="0" anchor="b" bIns="91425" lIns="91425" spcFirstLastPara="1" rIns="91425" wrap="square" tIns="91425">
+          <a:bodyPr spcFirstLastPara="1" wrap="square" lIns="91425" tIns="91425" rIns="91425" bIns="91425" anchor="b" anchorCtr="0">
             <a:normAutofit/>
           </a:bodyPr>
           <a:lstStyle/>
           <a:p>
-            <a:pPr indent="0" lvl="0" marL="0" rtl="0" algn="l">
+            <a:pPr marL="0" lvl="0" indent="0" algn="l" rtl="0">
               <a:spcBef>
                 <a:spcPts val="0"/>
               </a:spcBef>
@@ -9773,9 +11299,11 @@
       <p:sp>
         <p:nvSpPr>
           <p:cNvPr id="181" name="Google Shape;181;p29"/>
-          <p:cNvSpPr txBox="1"/>
+          <p:cNvSpPr txBox="1">
+            <a:spLocks noGrp="1"/>
+          </p:cNvSpPr>
           <p:nvPr>
-            <p:ph idx="1" type="body"/>
+            <p:ph type="body" idx="1"/>
           </p:nvPr>
         </p:nvSpPr>
         <p:spPr>
@@ -9788,12 +11316,12 @@
           </a:prstGeom>
         </p:spPr>
         <p:txBody>
-          <a:bodyPr anchorCtr="0" anchor="t" bIns="91425" lIns="91425" spcFirstLastPara="1" rIns="91425" wrap="square" tIns="91425">
+          <a:bodyPr spcFirstLastPara="1" wrap="square" lIns="91425" tIns="91425" rIns="91425" bIns="91425" anchor="t" anchorCtr="0">
             <a:normAutofit/>
           </a:bodyPr>
           <a:lstStyle/>
           <a:p>
-            <a:pPr indent="-342900" lvl="0" marL="457200" rtl="0" algn="l">
+            <a:pPr marL="457200" lvl="0" indent="-342900" algn="l" rtl="0">
               <a:spcBef>
                 <a:spcPts val="0"/>
               </a:spcBef>
@@ -9810,7 +11338,7 @@
             <a:endParaRPr/>
           </a:p>
           <a:p>
-            <a:pPr indent="-342900" lvl="0" marL="457200" rtl="0" algn="l">
+            <a:pPr marL="457200" lvl="0" indent="-342900" algn="l" rtl="0">
               <a:spcBef>
                 <a:spcPts val="0"/>
               </a:spcBef>
@@ -9836,12 +11364,12 @@
 </p:sld>
 </file>
 
-<file path=ppt/slides/slide18.xml><?xml version="1.0" encoding="utf-8"?>
-<p:sld xmlns:a="http://schemas.openxmlformats.org/drawingml/2006/main" xmlns:r="http://schemas.openxmlformats.org/officeDocument/2006/relationships" xmlns:mc="http://schemas.openxmlformats.org/markup-compatibility/2006" xmlns:mv="urn:schemas-microsoft-com:mac:vml" xmlns:p="http://schemas.openxmlformats.org/presentationml/2006/main" xmlns:c="http://schemas.openxmlformats.org/drawingml/2006/chart" xmlns:dgm="http://schemas.openxmlformats.org/drawingml/2006/diagram" xmlns:o="urn:schemas-microsoft-com:office:office" xmlns:v="urn:schemas-microsoft-com:vml" xmlns:pvml="urn:schemas-microsoft-com:office:powerpoint" xmlns:com="http://schemas.openxmlformats.org/drawingml/2006/compatibility" xmlns:p14="http://schemas.microsoft.com/office/powerpoint/2010/main" xmlns:p15="http://schemas.microsoft.com/office/powerpoint/2012/main" xmlns:ahyp="http://schemas.microsoft.com/office/drawing/2018/hyperlinkcolor">
+<file path=ppt/slides/slide21.xml><?xml version="1.0" encoding="utf-8"?>
+<p:sld xmlns:a="http://schemas.openxmlformats.org/drawingml/2006/main" xmlns:r="http://schemas.openxmlformats.org/officeDocument/2006/relationships" xmlns:p="http://schemas.openxmlformats.org/presentationml/2006/main">
   <p:cSld>
     <p:spTree>
       <p:nvGrpSpPr>
-        <p:cNvPr id="185" name="Shape 185"/>
+        <p:cNvPr id="1" name="Shape 185"/>
         <p:cNvGrpSpPr/>
         <p:nvPr/>
       </p:nvGrpSpPr>
@@ -9856,7 +11384,9 @@
       <p:sp>
         <p:nvSpPr>
           <p:cNvPr id="186" name="Google Shape;186;p30"/>
-          <p:cNvSpPr txBox="1"/>
+          <p:cNvSpPr txBox="1">
+            <a:spLocks noGrp="1"/>
+          </p:cNvSpPr>
           <p:nvPr>
             <p:ph type="title"/>
           </p:nvPr>
@@ -9871,12 +11401,12 @@
           </a:prstGeom>
         </p:spPr>
         <p:txBody>
-          <a:bodyPr anchorCtr="0" anchor="b" bIns="91425" lIns="91425" spcFirstLastPara="1" rIns="91425" wrap="square" tIns="91425">
+          <a:bodyPr spcFirstLastPara="1" wrap="square" lIns="91425" tIns="91425" rIns="91425" bIns="91425" anchor="b" anchorCtr="0">
             <a:normAutofit/>
           </a:bodyPr>
           <a:lstStyle/>
           <a:p>
-            <a:pPr indent="0" lvl="0" marL="0" rtl="0" algn="l">
+            <a:pPr marL="0" lvl="0" indent="0" algn="l" rtl="0">
               <a:spcBef>
                 <a:spcPts val="0"/>
               </a:spcBef>
@@ -9896,27 +11426,29 @@
       <p:sp>
         <p:nvSpPr>
           <p:cNvPr id="187" name="Google Shape;187;p30"/>
-          <p:cNvSpPr txBox="1"/>
+          <p:cNvSpPr txBox="1">
+            <a:spLocks noGrp="1"/>
+          </p:cNvSpPr>
           <p:nvPr>
-            <p:ph idx="1" type="body"/>
+            <p:ph type="body" idx="1"/>
           </p:nvPr>
         </p:nvSpPr>
         <p:spPr>
           <a:xfrm>
-            <a:off x="311700" y="1225225"/>
-            <a:ext cx="8520600" cy="3354000"/>
+            <a:off x="311700" y="1147225"/>
+            <a:ext cx="8728391" cy="3354000"/>
           </a:xfrm>
           <a:prstGeom prst="rect">
             <a:avLst/>
           </a:prstGeom>
         </p:spPr>
         <p:txBody>
-          <a:bodyPr anchorCtr="0" anchor="t" bIns="91425" lIns="91425" spcFirstLastPara="1" rIns="91425" wrap="square" tIns="91425">
+          <a:bodyPr spcFirstLastPara="1" wrap="square" lIns="91425" tIns="91425" rIns="91425" bIns="91425" anchor="t" anchorCtr="0">
             <a:normAutofit/>
           </a:bodyPr>
           <a:lstStyle/>
           <a:p>
-            <a:pPr indent="0" lvl="0" marL="0" rtl="0" algn="l">
+            <a:pPr marL="0" lvl="0" indent="0" algn="l" rtl="0">
               <a:lnSpc>
                 <a:spcPct val="115000"/>
               </a:lnSpc>
@@ -9929,321 +11461,157 @@
               <a:buNone/>
             </a:pPr>
             <a:r>
-              <a:rPr lang="en" sz="900">
+              <a:rPr lang="en-US" sz="1000" i="1" dirty="0">
                 <a:solidFill>
-                  <a:srgbClr val="222222"/>
+                  <a:schemeClr val="tx1"/>
                 </a:solidFill>
                 <a:highlight>
                   <a:srgbClr val="FFFFFF"/>
                 </a:highlight>
-                <a:latin typeface="Arial"/>
-                <a:ea typeface="Arial"/>
-                <a:cs typeface="Arial"/>
+                <a:latin typeface="Open Sans" panose="020B0606030504020204" pitchFamily="34" charset="0"/>
+                <a:ea typeface="Open Sans" panose="020B0606030504020204" pitchFamily="34" charset="0"/>
+                <a:cs typeface="Open Sans" panose="020B0606030504020204" pitchFamily="34" charset="0"/>
                 <a:sym typeface="Arial"/>
               </a:rPr>
-              <a:t>Shenoy, Kartik</a:t>
+              <a:t>New FTC data show consumers reported losing nearly $8.8 billion to scams in 2022</a:t>
             </a:r>
             <a:r>
-              <a:rPr lang="en" sz="900">
+              <a:rPr lang="en-US" sz="1000" dirty="0">
                 <a:solidFill>
-                  <a:srgbClr val="222222"/>
+                  <a:schemeClr val="tx1"/>
                 </a:solidFill>
                 <a:highlight>
                   <a:srgbClr val="FFFFFF"/>
                 </a:highlight>
-                <a:latin typeface="Arial"/>
-                <a:ea typeface="Arial"/>
-                <a:cs typeface="Arial"/>
+                <a:latin typeface="Open Sans" panose="020B0606030504020204" pitchFamily="34" charset="0"/>
+                <a:ea typeface="Open Sans" panose="020B0606030504020204" pitchFamily="34" charset="0"/>
+                <a:cs typeface="Open Sans" panose="020B0606030504020204" pitchFamily="34" charset="0"/>
                 <a:sym typeface="Arial"/>
               </a:rPr>
-              <a:t>. (2020). Credit Card Transactions Fraud Detection Dataset</a:t>
+              <a:t>. (2023, February 2023). Federal Trade </a:t>
             </a:r>
             <a:r>
-              <a:rPr lang="en" sz="900">
+              <a:rPr lang="en-US" sz="1000" dirty="0" err="1">
                 <a:solidFill>
-                  <a:srgbClr val="222222"/>
+                  <a:schemeClr val="tx1"/>
                 </a:solidFill>
                 <a:highlight>
                   <a:srgbClr val="FFFFFF"/>
                 </a:highlight>
-                <a:latin typeface="Arial"/>
-                <a:ea typeface="Arial"/>
-                <a:cs typeface="Arial"/>
+                <a:latin typeface="Open Sans" panose="020B0606030504020204" pitchFamily="34" charset="0"/>
+                <a:ea typeface="Open Sans" panose="020B0606030504020204" pitchFamily="34" charset="0"/>
+                <a:cs typeface="Open Sans" panose="020B0606030504020204" pitchFamily="34" charset="0"/>
                 <a:sym typeface="Arial"/>
               </a:rPr>
-              <a:t>. Kaggle.</a:t>
+              <a:t>Comission</a:t>
             </a:r>
             <a:r>
-              <a:rPr lang="en" sz="900">
+              <a:rPr lang="en-US" sz="1000" dirty="0">
                 <a:solidFill>
-                  <a:srgbClr val="222222"/>
+                  <a:schemeClr val="tx1"/>
                 </a:solidFill>
                 <a:highlight>
                   <a:srgbClr val="FFFFFF"/>
                 </a:highlight>
-                <a:latin typeface="Arial"/>
-                <a:ea typeface="Arial"/>
-                <a:cs typeface="Arial"/>
+                <a:latin typeface="Open Sans" panose="020B0606030504020204" pitchFamily="34" charset="0"/>
+                <a:ea typeface="Open Sans" panose="020B0606030504020204" pitchFamily="34" charset="0"/>
+                <a:cs typeface="Open Sans" panose="020B0606030504020204" pitchFamily="34" charset="0"/>
                 <a:sym typeface="Arial"/>
               </a:rPr>
-              <a:t> </a:t>
+              <a:t>. Retrieved November 29, 2023, from https://www.ftc.gov/news-events/news/press-releases/2023/02/new-ftc-data-show-consumers-reported-losing-nearly-88-billion-scams-2022</a:t>
             </a:r>
+            <a:endParaRPr lang="en" sz="1000" dirty="0">
+              <a:solidFill>
+                <a:schemeClr val="tx1"/>
+              </a:solidFill>
+              <a:highlight>
+                <a:srgbClr val="FFFFFF"/>
+              </a:highlight>
+              <a:latin typeface="Open Sans" panose="020B0606030504020204" pitchFamily="34" charset="0"/>
+              <a:ea typeface="Open Sans" panose="020B0606030504020204" pitchFamily="34" charset="0"/>
+              <a:cs typeface="Open Sans" panose="020B0606030504020204" pitchFamily="34" charset="0"/>
+              <a:sym typeface="Arial"/>
+            </a:endParaRPr>
+          </a:p>
+          <a:p>
+            <a:pPr marL="0" lvl="0" indent="0" algn="l" rtl="0">
+              <a:lnSpc>
+                <a:spcPct val="115000"/>
+              </a:lnSpc>
+              <a:spcBef>
+                <a:spcPts val="1200"/>
+              </a:spcBef>
+              <a:spcAft>
+                <a:spcPts val="0"/>
+              </a:spcAft>
+              <a:buNone/>
+            </a:pPr>
             <a:r>
-              <a:rPr lang="en" sz="900" u="sng">
+              <a:rPr lang="en" sz="1000" dirty="0">
                 <a:solidFill>
-                  <a:schemeClr val="hlink"/>
+                  <a:schemeClr val="tx1"/>
                 </a:solidFill>
                 <a:highlight>
                   <a:srgbClr val="FFFFFF"/>
                 </a:highlight>
-                <a:latin typeface="Arial"/>
-                <a:ea typeface="Arial"/>
-                <a:cs typeface="Arial"/>
+                <a:latin typeface="Open Sans" panose="020B0606030504020204" pitchFamily="34" charset="0"/>
+                <a:ea typeface="Open Sans" panose="020B0606030504020204" pitchFamily="34" charset="0"/>
+                <a:cs typeface="Open Sans" panose="020B0606030504020204" pitchFamily="34" charset="0"/>
                 <a:sym typeface="Arial"/>
-                <a:hlinkClick r:id="rId3"/>
+              </a:rPr>
+              <a:t>Shenoy, Kartik. (2020). Credit Card Transactions Fraud Detection Dataset. Kaggle. </a:t>
+            </a:r>
+            <a:r>
+              <a:rPr lang="en" sz="1000" u="sng" dirty="0">
+                <a:solidFill>
+                  <a:schemeClr val="tx1"/>
+                </a:solidFill>
+                <a:highlight>
+                  <a:srgbClr val="FFFFFF"/>
+                </a:highlight>
+                <a:latin typeface="Open Sans" panose="020B0606030504020204" pitchFamily="34" charset="0"/>
+                <a:ea typeface="Open Sans" panose="020B0606030504020204" pitchFamily="34" charset="0"/>
+                <a:cs typeface="Open Sans" panose="020B0606030504020204" pitchFamily="34" charset="0"/>
+                <a:sym typeface="Arial"/>
+                <a:hlinkClick r:id="rId3">
+                  <a:extLst>
+                    <a:ext uri="{A12FA001-AC4F-418D-AE19-62706E023703}">
+                      <ahyp:hlinkClr xmlns:ahyp="http://schemas.microsoft.com/office/drawing/2018/hyperlinkcolor" val="tx"/>
+                    </a:ext>
+                  </a:extLst>
+                </a:hlinkClick>
               </a:rPr>
               <a:t>https://www.</a:t>
             </a:r>
             <a:r>
-              <a:rPr lang="en" sz="900" u="sng">
+              <a:rPr lang="en" sz="1000" u="sng" dirty="0">
                 <a:solidFill>
-                  <a:schemeClr val="hlink"/>
+                  <a:schemeClr val="tx1"/>
                 </a:solidFill>
                 <a:highlight>
                   <a:srgbClr val="FFFFFF"/>
                 </a:highlight>
-                <a:latin typeface="Arial"/>
-                <a:ea typeface="Arial"/>
-                <a:cs typeface="Arial"/>
+                <a:latin typeface="Open Sans" panose="020B0606030504020204" pitchFamily="34" charset="0"/>
+                <a:ea typeface="Open Sans" panose="020B0606030504020204" pitchFamily="34" charset="0"/>
+                <a:cs typeface="Open Sans" panose="020B0606030504020204" pitchFamily="34" charset="0"/>
                 <a:sym typeface="Arial"/>
-                <a:hlinkClick r:id="rId4"/>
+                <a:hlinkClick r:id="rId3">
+                  <a:extLst>
+                    <a:ext uri="{A12FA001-AC4F-418D-AE19-62706E023703}">
+                      <ahyp:hlinkClr xmlns:ahyp="http://schemas.microsoft.com/office/drawing/2018/hyperlinkcolor" val="tx"/>
+                    </a:ext>
+                  </a:extLst>
+                </a:hlinkClick>
               </a:rPr>
               <a:t>kaggle.com/datasets/kartik2112/fraud-detection?select=fraudTrain</a:t>
             </a:r>
-            <a:endParaRPr sz="1500"/>
-          </a:p>
-        </p:txBody>
-      </p:sp>
-    </p:spTree>
-  </p:cSld>
-  <p:clrMapOvr>
-    <a:masterClrMapping/>
-  </p:clrMapOvr>
-</p:sld>
-</file>
-
-<file path=ppt/slides/slide2.xml><?xml version="1.0" encoding="utf-8"?>
-<p:sld xmlns:a="http://schemas.openxmlformats.org/drawingml/2006/main" xmlns:r="http://schemas.openxmlformats.org/officeDocument/2006/relationships" xmlns:mc="http://schemas.openxmlformats.org/markup-compatibility/2006" xmlns:mv="urn:schemas-microsoft-com:mac:vml" xmlns:p="http://schemas.openxmlformats.org/presentationml/2006/main" xmlns:c="http://schemas.openxmlformats.org/drawingml/2006/chart" xmlns:dgm="http://schemas.openxmlformats.org/drawingml/2006/diagram" xmlns:o="urn:schemas-microsoft-com:office:office" xmlns:v="urn:schemas-microsoft-com:vml" xmlns:pvml="urn:schemas-microsoft-com:office:powerpoint" xmlns:com="http://schemas.openxmlformats.org/drawingml/2006/compatibility" xmlns:p14="http://schemas.microsoft.com/office/powerpoint/2010/main" xmlns:p15="http://schemas.microsoft.com/office/powerpoint/2012/main" xmlns:ahyp="http://schemas.microsoft.com/office/drawing/2018/hyperlinkcolor">
-  <p:cSld>
-    <p:spTree>
-      <p:nvGrpSpPr>
-        <p:cNvPr id="67" name="Shape 67"/>
-        <p:cNvGrpSpPr/>
-        <p:nvPr/>
-      </p:nvGrpSpPr>
-      <p:grpSpPr>
-        <a:xfrm>
-          <a:off x="0" y="0"/>
-          <a:ext cx="0" cy="0"/>
-          <a:chOff x="0" y="0"/>
-          <a:chExt cx="0" cy="0"/>
-        </a:xfrm>
-      </p:grpSpPr>
-      <p:sp>
-        <p:nvSpPr>
-          <p:cNvPr id="68" name="Google Shape;68;p14"/>
-          <p:cNvSpPr txBox="1"/>
-          <p:nvPr>
-            <p:ph type="title"/>
-          </p:nvPr>
-        </p:nvSpPr>
-        <p:spPr>
-          <a:xfrm>
-            <a:off x="311700" y="315925"/>
-            <a:ext cx="8520600" cy="831300"/>
-          </a:xfrm>
-          <a:prstGeom prst="rect">
-            <a:avLst/>
-          </a:prstGeom>
-        </p:spPr>
-        <p:txBody>
-          <a:bodyPr anchorCtr="0" anchor="b" bIns="91425" lIns="91425" spcFirstLastPara="1" rIns="91425" wrap="square" tIns="91425">
-            <a:noAutofit/>
-          </a:bodyPr>
-          <a:lstStyle/>
-          <a:p>
-            <a:pPr indent="0" lvl="0" marL="0" rtl="0" algn="l">
-              <a:spcBef>
-                <a:spcPts val="0"/>
-              </a:spcBef>
-              <a:spcAft>
-                <a:spcPts val="0"/>
-              </a:spcAft>
-              <a:buSzPts val="990"/>
-              <a:buNone/>
-            </a:pPr>
-            <a:r>
-              <a:rPr lang="en" sz="3480"/>
-              <a:t>Data Story (Credit Card Transactions Fraud Detection Dataset)</a:t>
-            </a:r>
-            <a:endParaRPr sz="3480"/>
-          </a:p>
-        </p:txBody>
-      </p:sp>
-      <p:sp>
-        <p:nvSpPr>
-          <p:cNvPr id="69" name="Google Shape;69;p14"/>
-          <p:cNvSpPr txBox="1"/>
-          <p:nvPr>
-            <p:ph idx="1" type="body"/>
-          </p:nvPr>
-        </p:nvSpPr>
-        <p:spPr>
-          <a:xfrm>
-            <a:off x="311700" y="1225225"/>
-            <a:ext cx="8520600" cy="3354000"/>
-          </a:xfrm>
-          <a:prstGeom prst="rect">
-            <a:avLst/>
-          </a:prstGeom>
-        </p:spPr>
-        <p:txBody>
-          <a:bodyPr anchorCtr="0" anchor="t" bIns="91425" lIns="91425" spcFirstLastPara="1" rIns="91425" wrap="square" tIns="91425">
-            <a:normAutofit/>
-          </a:bodyPr>
-          <a:lstStyle/>
-          <a:p>
-            <a:pPr indent="457200" lvl="0" marL="0" rtl="0" algn="l">
-              <a:spcBef>
-                <a:spcPts val="0"/>
-              </a:spcBef>
-              <a:spcAft>
-                <a:spcPts val="1200"/>
-              </a:spcAft>
-              <a:buNone/>
-            </a:pPr>
-            <a:r>
-              <a:rPr lang="en"/>
-              <a:t>Our dataset takes the transaction data from the duration of January 2019 to December 2020. </a:t>
-            </a:r>
-            <a:r>
-              <a:rPr lang="en"/>
-              <a:t>Where</a:t>
-            </a:r>
-            <a:r>
-              <a:rPr lang="en"/>
-              <a:t> it covers 1000 </a:t>
-            </a:r>
-            <a:r>
-              <a:rPr lang="en"/>
-              <a:t>customers</a:t>
-            </a:r>
-            <a:r>
-              <a:rPr lang="en"/>
-              <a:t> who made purchases at 800 different businesses. Our goal was to create a model to display our data and show trends on the transactions that were happening. The models created </a:t>
-            </a:r>
-            <a:r>
-              <a:rPr lang="en"/>
-              <a:t>were</a:t>
-            </a:r>
-            <a:r>
-              <a:rPr lang="en"/>
-              <a:t> the random forest model and </a:t>
-            </a:r>
-            <a:r>
-              <a:rPr lang="en"/>
-              <a:t>logistic</a:t>
-            </a:r>
-            <a:r>
-              <a:rPr lang="en"/>
-              <a:t> regression model. We also used </a:t>
-            </a:r>
-            <a:r>
-              <a:rPr lang="en"/>
-              <a:t>Tableau and SQLite to manipulate the data to show where the transactions were happening and to also show percentages on the types of transactions made. </a:t>
-            </a:r>
-            <a:r>
-              <a:rPr lang="en"/>
-              <a:t> All of the transactions were rooted in the US  and include the majority of the states. </a:t>
-            </a:r>
-            <a:endParaRPr/>
-          </a:p>
-        </p:txBody>
-      </p:sp>
-      <p:sp>
-        <p:nvSpPr>
-          <p:cNvPr id="70" name="Google Shape;70;p14"/>
-          <p:cNvSpPr txBox="1"/>
-          <p:nvPr/>
-        </p:nvSpPr>
-        <p:spPr>
-          <a:xfrm>
-            <a:off x="7342300" y="4579225"/>
-            <a:ext cx="1864800" cy="461700"/>
-          </a:xfrm>
-          <a:prstGeom prst="rect">
-            <a:avLst/>
-          </a:prstGeom>
-          <a:noFill/>
-          <a:ln>
-            <a:noFill/>
-          </a:ln>
-        </p:spPr>
-        <p:txBody>
-          <a:bodyPr anchorCtr="0" anchor="t" bIns="91425" lIns="91425" spcFirstLastPara="1" rIns="91425" wrap="square" tIns="91425">
-            <a:spAutoFit/>
-          </a:bodyPr>
-          <a:lstStyle/>
-          <a:p>
-            <a:pPr indent="0" lvl="0" marL="0" rtl="0" algn="l">
-              <a:lnSpc>
-                <a:spcPct val="115000"/>
-              </a:lnSpc>
-              <a:spcBef>
-                <a:spcPts val="1200"/>
-              </a:spcBef>
-              <a:spcAft>
-                <a:spcPts val="0"/>
-              </a:spcAft>
-              <a:buClr>
-                <a:schemeClr val="dk1"/>
-              </a:buClr>
-              <a:buSzPts val="1100"/>
-              <a:buFont typeface="Arial"/>
-              <a:buNone/>
-            </a:pPr>
-            <a:r>
-              <a:rPr lang="en" sz="1800">
-                <a:solidFill>
-                  <a:schemeClr val="dk1"/>
-                </a:solidFill>
-                <a:latin typeface="Open Sans"/>
-                <a:ea typeface="Open Sans"/>
-                <a:cs typeface="Open Sans"/>
-                <a:sym typeface="Open Sans"/>
-              </a:rPr>
-              <a:t>(</a:t>
-            </a:r>
-            <a:r>
-              <a:rPr lang="en" sz="1800">
-                <a:solidFill>
-                  <a:schemeClr val="dk1"/>
-                </a:solidFill>
-                <a:latin typeface="Open Sans"/>
-                <a:ea typeface="Open Sans"/>
-                <a:cs typeface="Open Sans"/>
-                <a:sym typeface="Open Sans"/>
-              </a:rPr>
-              <a:t>Shenoy, 2020)</a:t>
-            </a:r>
-            <a:endParaRPr sz="1800">
+            <a:endParaRPr sz="1000" dirty="0">
               <a:solidFill>
-                <a:schemeClr val="dk1"/>
+                <a:schemeClr val="tx1"/>
               </a:solidFill>
-              <a:latin typeface="Open Sans"/>
-              <a:ea typeface="Open Sans"/>
-              <a:cs typeface="Open Sans"/>
-              <a:sym typeface="Open Sans"/>
+              <a:latin typeface="Open Sans" panose="020B0606030504020204" pitchFamily="34" charset="0"/>
+              <a:ea typeface="Open Sans" panose="020B0606030504020204" pitchFamily="34" charset="0"/>
+              <a:cs typeface="Open Sans" panose="020B0606030504020204" pitchFamily="34" charset="0"/>
             </a:endParaRPr>
           </a:p>
         </p:txBody>
@@ -10257,11 +11625,11 @@
 </file>
 
 <file path=ppt/slides/slide3.xml><?xml version="1.0" encoding="utf-8"?>
-<p:sld xmlns:a="http://schemas.openxmlformats.org/drawingml/2006/main" xmlns:r="http://schemas.openxmlformats.org/officeDocument/2006/relationships" xmlns:mc="http://schemas.openxmlformats.org/markup-compatibility/2006" xmlns:mv="urn:schemas-microsoft-com:mac:vml" xmlns:p="http://schemas.openxmlformats.org/presentationml/2006/main" xmlns:c="http://schemas.openxmlformats.org/drawingml/2006/chart" xmlns:dgm="http://schemas.openxmlformats.org/drawingml/2006/diagram" xmlns:o="urn:schemas-microsoft-com:office:office" xmlns:v="urn:schemas-microsoft-com:vml" xmlns:pvml="urn:schemas-microsoft-com:office:powerpoint" xmlns:com="http://schemas.openxmlformats.org/drawingml/2006/compatibility" xmlns:p14="http://schemas.microsoft.com/office/powerpoint/2010/main" xmlns:p15="http://schemas.microsoft.com/office/powerpoint/2012/main" xmlns:ahyp="http://schemas.microsoft.com/office/drawing/2018/hyperlinkcolor">
+<p:sld xmlns:a="http://schemas.openxmlformats.org/drawingml/2006/main" xmlns:r="http://schemas.openxmlformats.org/officeDocument/2006/relationships" xmlns:p="http://schemas.openxmlformats.org/presentationml/2006/main">
   <p:cSld>
     <p:spTree>
       <p:nvGrpSpPr>
-        <p:cNvPr id="74" name="Shape 74"/>
+        <p:cNvPr id="1" name="Shape 74"/>
         <p:cNvGrpSpPr/>
         <p:nvPr/>
       </p:nvGrpSpPr>
@@ -10276,7 +11644,9 @@
       <p:sp>
         <p:nvSpPr>
           <p:cNvPr id="75" name="Google Shape;75;p15"/>
-          <p:cNvSpPr txBox="1"/>
+          <p:cNvSpPr txBox="1">
+            <a:spLocks noGrp="1"/>
+          </p:cNvSpPr>
           <p:nvPr>
             <p:ph type="title"/>
           </p:nvPr>
@@ -10291,12 +11661,12 @@
           </a:prstGeom>
         </p:spPr>
         <p:txBody>
-          <a:bodyPr anchorCtr="0" anchor="b" bIns="91425" lIns="91425" spcFirstLastPara="1" rIns="91425" wrap="square" tIns="91425">
+          <a:bodyPr spcFirstLastPara="1" wrap="square" lIns="91425" tIns="91425" rIns="91425" bIns="91425" anchor="b" anchorCtr="0">
             <a:normAutofit/>
           </a:bodyPr>
           <a:lstStyle/>
           <a:p>
-            <a:pPr indent="0" lvl="0" marL="0" rtl="0" algn="l">
+            <a:pPr marL="0" lvl="0" indent="0" algn="l" rtl="0">
               <a:spcBef>
                 <a:spcPts val="0"/>
               </a:spcBef>
@@ -10316,9 +11686,11 @@
       <p:sp>
         <p:nvSpPr>
           <p:cNvPr id="76" name="Google Shape;76;p15"/>
-          <p:cNvSpPr txBox="1"/>
+          <p:cNvSpPr txBox="1">
+            <a:spLocks noGrp="1"/>
+          </p:cNvSpPr>
           <p:nvPr>
-            <p:ph idx="1" type="body"/>
+            <p:ph type="body" idx="1"/>
           </p:nvPr>
         </p:nvSpPr>
         <p:spPr>
@@ -10331,12 +11703,12 @@
           </a:prstGeom>
         </p:spPr>
         <p:txBody>
-          <a:bodyPr anchorCtr="0" anchor="t" bIns="91425" lIns="91425" spcFirstLastPara="1" rIns="91425" wrap="square" tIns="91425">
+          <a:bodyPr spcFirstLastPara="1" wrap="square" lIns="91425" tIns="91425" rIns="91425" bIns="91425" anchor="t" anchorCtr="0">
             <a:normAutofit/>
           </a:bodyPr>
           <a:lstStyle/>
           <a:p>
-            <a:pPr indent="-342900" lvl="0" marL="457200" rtl="0" algn="l">
+            <a:pPr marL="457200" lvl="0" indent="-342900" algn="l" rtl="0">
               <a:spcBef>
                 <a:spcPts val="0"/>
               </a:spcBef>
@@ -10348,16 +11720,12 @@
             </a:pPr>
             <a:r>
               <a:rPr lang="en"/>
-              <a:t>Data</a:t>
-            </a:r>
-            <a:r>
-              <a:rPr lang="en"/>
-              <a:t> of 111,144 transactions were collected</a:t>
+              <a:t>Data of 111,144 transactions were collected</a:t>
             </a:r>
             <a:endParaRPr/>
           </a:p>
           <a:p>
-            <a:pPr indent="-342900" lvl="0" marL="457200" rtl="0" algn="l">
+            <a:pPr marL="457200" lvl="0" indent="-342900" algn="l" rtl="0">
               <a:spcBef>
                 <a:spcPts val="0"/>
               </a:spcBef>
@@ -10374,7 +11742,7 @@
             <a:endParaRPr/>
           </a:p>
           <a:p>
-            <a:pPr indent="-317500" lvl="1" marL="914400" rtl="0" algn="l">
+            <a:pPr marL="914400" lvl="1" indent="-317500" algn="l" rtl="0">
               <a:spcBef>
                 <a:spcPts val="0"/>
               </a:spcBef>
@@ -10391,7 +11759,7 @@
             <a:endParaRPr/>
           </a:p>
           <a:p>
-            <a:pPr indent="-317500" lvl="1" marL="914400" rtl="0" algn="l">
+            <a:pPr marL="914400" lvl="1" indent="-317500" algn="l" rtl="0">
               <a:spcBef>
                 <a:spcPts val="0"/>
               </a:spcBef>
@@ -10408,7 +11776,7 @@
             <a:endParaRPr/>
           </a:p>
           <a:p>
-            <a:pPr indent="-317500" lvl="1" marL="914400" rtl="0" algn="l">
+            <a:pPr marL="914400" lvl="1" indent="-317500" algn="l" rtl="0">
               <a:spcBef>
                 <a:spcPts val="0"/>
               </a:spcBef>
@@ -10425,7 +11793,7 @@
             <a:endParaRPr/>
           </a:p>
           <a:p>
-            <a:pPr indent="-317500" lvl="1" marL="914400" rtl="0" algn="l">
+            <a:pPr marL="914400" lvl="1" indent="-317500" algn="l" rtl="0">
               <a:spcBef>
                 <a:spcPts val="0"/>
               </a:spcBef>
@@ -10442,7 +11810,7 @@
             <a:endParaRPr/>
           </a:p>
           <a:p>
-            <a:pPr indent="-317500" lvl="1" marL="914400" rtl="0" algn="l">
+            <a:pPr marL="914400" lvl="1" indent="-317500" algn="l" rtl="0">
               <a:spcBef>
                 <a:spcPts val="0"/>
               </a:spcBef>
@@ -10459,7 +11827,7 @@
             <a:endParaRPr/>
           </a:p>
           <a:p>
-            <a:pPr indent="-317500" lvl="1" marL="914400" rtl="0" algn="l">
+            <a:pPr marL="914400" lvl="1" indent="-317500" algn="l" rtl="0">
               <a:spcBef>
                 <a:spcPts val="0"/>
               </a:spcBef>
@@ -10476,7 +11844,7 @@
             <a:endParaRPr/>
           </a:p>
           <a:p>
-            <a:pPr indent="-317500" lvl="1" marL="914400" rtl="0" algn="l">
+            <a:pPr marL="914400" lvl="1" indent="-317500" algn="l" rtl="0">
               <a:spcBef>
                 <a:spcPts val="0"/>
               </a:spcBef>
@@ -10493,7 +11861,7 @@
             <a:endParaRPr/>
           </a:p>
           <a:p>
-            <a:pPr indent="-317500" lvl="1" marL="914400" rtl="0" algn="l">
+            <a:pPr marL="914400" lvl="1" indent="-317500" algn="l" rtl="0">
               <a:spcBef>
                 <a:spcPts val="0"/>
               </a:spcBef>
@@ -10510,7 +11878,7 @@
             <a:endParaRPr/>
           </a:p>
           <a:p>
-            <a:pPr indent="-317500" lvl="1" marL="914400" rtl="0" algn="l">
+            <a:pPr marL="914400" lvl="1" indent="-317500" algn="l" rtl="0">
               <a:spcBef>
                 <a:spcPts val="0"/>
               </a:spcBef>
@@ -10521,21 +11889,13 @@
               <a:buChar char="○"/>
             </a:pPr>
             <a:r>
-              <a:rPr b="1" lang="en"/>
-              <a:t>Fraud status (If transaction was </a:t>
-            </a:r>
-            <a:r>
-              <a:rPr b="1" lang="en"/>
-              <a:t>fraudulent</a:t>
-            </a:r>
-            <a:r>
-              <a:rPr b="1" lang="en"/>
-              <a:t> or not)</a:t>
+              <a:rPr lang="en" b="1"/>
+              <a:t>Fraud status (If transaction was fraudulent or not)</a:t>
             </a:r>
             <a:endParaRPr b="1"/>
           </a:p>
           <a:p>
-            <a:pPr indent="-317500" lvl="1" marL="914400" rtl="0" algn="l">
+            <a:pPr marL="914400" lvl="1" indent="-317500" algn="l" rtl="0">
               <a:spcBef>
                 <a:spcPts val="0"/>
               </a:spcBef>
@@ -10562,11 +11922,11 @@
 </file>
 
 <file path=ppt/slides/slide4.xml><?xml version="1.0" encoding="utf-8"?>
-<p:sld xmlns:a="http://schemas.openxmlformats.org/drawingml/2006/main" xmlns:r="http://schemas.openxmlformats.org/officeDocument/2006/relationships" xmlns:mc="http://schemas.openxmlformats.org/markup-compatibility/2006" xmlns:mv="urn:schemas-microsoft-com:mac:vml" xmlns:p="http://schemas.openxmlformats.org/presentationml/2006/main" xmlns:c="http://schemas.openxmlformats.org/drawingml/2006/chart" xmlns:dgm="http://schemas.openxmlformats.org/drawingml/2006/diagram" xmlns:o="urn:schemas-microsoft-com:office:office" xmlns:v="urn:schemas-microsoft-com:vml" xmlns:pvml="urn:schemas-microsoft-com:office:powerpoint" xmlns:com="http://schemas.openxmlformats.org/drawingml/2006/compatibility" xmlns:p14="http://schemas.microsoft.com/office/powerpoint/2010/main" xmlns:p15="http://schemas.microsoft.com/office/powerpoint/2012/main" xmlns:ahyp="http://schemas.microsoft.com/office/drawing/2018/hyperlinkcolor">
+<p:sld xmlns:a="http://schemas.openxmlformats.org/drawingml/2006/main" xmlns:r="http://schemas.openxmlformats.org/officeDocument/2006/relationships" xmlns:p="http://schemas.openxmlformats.org/presentationml/2006/main">
   <p:cSld>
     <p:spTree>
       <p:nvGrpSpPr>
-        <p:cNvPr id="80" name="Shape 80"/>
+        <p:cNvPr id="1" name="Shape 80"/>
         <p:cNvGrpSpPr/>
         <p:nvPr/>
       </p:nvGrpSpPr>
@@ -10581,7 +11941,9 @@
       <p:sp>
         <p:nvSpPr>
           <p:cNvPr id="81" name="Google Shape;81;p16"/>
-          <p:cNvSpPr txBox="1"/>
+          <p:cNvSpPr txBox="1">
+            <a:spLocks noGrp="1"/>
+          </p:cNvSpPr>
           <p:nvPr>
             <p:ph type="title"/>
           </p:nvPr>
@@ -10596,12 +11958,12 @@
           </a:prstGeom>
         </p:spPr>
         <p:txBody>
-          <a:bodyPr anchorCtr="0" anchor="b" bIns="91425" lIns="91425" spcFirstLastPara="1" rIns="91425" wrap="square" tIns="91425">
+          <a:bodyPr spcFirstLastPara="1" wrap="square" lIns="91425" tIns="91425" rIns="91425" bIns="91425" anchor="b" anchorCtr="0">
             <a:normAutofit/>
           </a:bodyPr>
           <a:lstStyle/>
           <a:p>
-            <a:pPr indent="0" lvl="0" marL="0" rtl="0" algn="l">
+            <a:pPr marL="0" lvl="0" indent="0" algn="l" rtl="0">
               <a:spcBef>
                 <a:spcPts val="0"/>
               </a:spcBef>
@@ -10611,19 +11973,21 @@
               <a:buNone/>
             </a:pPr>
             <a:r>
-              <a:rPr lang="en"/>
-              <a:t>The Dataset</a:t>
+              <a:rPr lang="en" dirty="0"/>
+              <a:t>The Raw Dataset</a:t>
             </a:r>
-            <a:endParaRPr/>
+            <a:endParaRPr dirty="0"/>
           </a:p>
         </p:txBody>
       </p:sp>
       <p:sp>
         <p:nvSpPr>
           <p:cNvPr id="82" name="Google Shape;82;p16"/>
-          <p:cNvSpPr txBox="1"/>
+          <p:cNvSpPr txBox="1">
+            <a:spLocks noGrp="1"/>
+          </p:cNvSpPr>
           <p:nvPr>
-            <p:ph idx="1" type="body"/>
+            <p:ph type="body" idx="1"/>
           </p:nvPr>
         </p:nvSpPr>
         <p:spPr>
@@ -10636,12 +12000,12 @@
           </a:prstGeom>
         </p:spPr>
         <p:txBody>
-          <a:bodyPr anchorCtr="0" anchor="t" bIns="91425" lIns="91425" spcFirstLastPara="1" rIns="91425" wrap="square" tIns="91425">
+          <a:bodyPr spcFirstLastPara="1" wrap="square" lIns="91425" tIns="91425" rIns="91425" bIns="91425" anchor="t" anchorCtr="0">
             <a:normAutofit/>
           </a:bodyPr>
           <a:lstStyle/>
           <a:p>
-            <a:pPr indent="0" lvl="0" marL="0" rtl="0" algn="l">
+            <a:pPr marL="0" lvl="0" indent="0" algn="l" rtl="0">
               <a:spcBef>
                 <a:spcPts val="0"/>
               </a:spcBef>
@@ -10650,9 +12014,6 @@
               </a:spcAft>
               <a:buNone/>
             </a:pPr>
-            <a:r>
-              <a:t/>
-            </a:r>
             <a:endParaRPr/>
           </a:p>
         </p:txBody>
@@ -10722,11 +12083,11 @@
 </file>
 
 <file path=ppt/slides/slide5.xml><?xml version="1.0" encoding="utf-8"?>
-<p:sld xmlns:a="http://schemas.openxmlformats.org/drawingml/2006/main" xmlns:r="http://schemas.openxmlformats.org/officeDocument/2006/relationships" xmlns:mc="http://schemas.openxmlformats.org/markup-compatibility/2006" xmlns:mv="urn:schemas-microsoft-com:mac:vml" xmlns:p="http://schemas.openxmlformats.org/presentationml/2006/main" xmlns:c="http://schemas.openxmlformats.org/drawingml/2006/chart" xmlns:dgm="http://schemas.openxmlformats.org/drawingml/2006/diagram" xmlns:o="urn:schemas-microsoft-com:office:office" xmlns:v="urn:schemas-microsoft-com:vml" xmlns:pvml="urn:schemas-microsoft-com:office:powerpoint" xmlns:com="http://schemas.openxmlformats.org/drawingml/2006/compatibility" xmlns:p14="http://schemas.microsoft.com/office/powerpoint/2010/main" xmlns:p15="http://schemas.microsoft.com/office/powerpoint/2012/main" xmlns:ahyp="http://schemas.microsoft.com/office/drawing/2018/hyperlinkcolor">
+<p:sld xmlns:a="http://schemas.openxmlformats.org/drawingml/2006/main" xmlns:r="http://schemas.openxmlformats.org/officeDocument/2006/relationships" xmlns:p="http://schemas.openxmlformats.org/presentationml/2006/main">
   <p:cSld>
     <p:spTree>
       <p:nvGrpSpPr>
-        <p:cNvPr id="88" name="Shape 88"/>
+        <p:cNvPr id="1" name="Shape 88"/>
         <p:cNvGrpSpPr/>
         <p:nvPr/>
       </p:nvGrpSpPr>
@@ -10741,7 +12102,9 @@
       <p:sp>
         <p:nvSpPr>
           <p:cNvPr id="89" name="Google Shape;89;p17"/>
-          <p:cNvSpPr txBox="1"/>
+          <p:cNvSpPr txBox="1">
+            <a:spLocks noGrp="1"/>
+          </p:cNvSpPr>
           <p:nvPr>
             <p:ph type="title"/>
           </p:nvPr>
@@ -10756,12 +12119,12 @@
           </a:prstGeom>
         </p:spPr>
         <p:txBody>
-          <a:bodyPr anchorCtr="0" anchor="b" bIns="91425" lIns="91425" spcFirstLastPara="1" rIns="91425" wrap="square" tIns="91425">
+          <a:bodyPr spcFirstLastPara="1" wrap="square" lIns="91425" tIns="91425" rIns="91425" bIns="91425" anchor="b" anchorCtr="0">
             <a:normAutofit/>
           </a:bodyPr>
           <a:lstStyle/>
           <a:p>
-            <a:pPr indent="0" lvl="0" marL="0" rtl="0" algn="l">
+            <a:pPr marL="0" lvl="0" indent="0" algn="l" rtl="0">
               <a:spcBef>
                 <a:spcPts val="0"/>
               </a:spcBef>
@@ -10781,9 +12144,11 @@
       <p:sp>
         <p:nvSpPr>
           <p:cNvPr id="90" name="Google Shape;90;p17"/>
-          <p:cNvSpPr txBox="1"/>
+          <p:cNvSpPr txBox="1">
+            <a:spLocks noGrp="1"/>
+          </p:cNvSpPr>
           <p:nvPr>
-            <p:ph idx="1" type="body"/>
+            <p:ph type="body" idx="1"/>
           </p:nvPr>
         </p:nvSpPr>
         <p:spPr>
@@ -10796,12 +12161,12 @@
           </a:prstGeom>
         </p:spPr>
         <p:txBody>
-          <a:bodyPr anchorCtr="0" anchor="t" bIns="91425" lIns="91425" spcFirstLastPara="1" rIns="91425" wrap="square" tIns="91425">
+          <a:bodyPr spcFirstLastPara="1" wrap="square" lIns="91425" tIns="91425" rIns="91425" bIns="91425" anchor="t" anchorCtr="0">
             <a:normAutofit/>
           </a:bodyPr>
           <a:lstStyle/>
           <a:p>
-            <a:pPr indent="-330200" lvl="0" marL="457200" rtl="0" algn="l">
+            <a:pPr marL="457200" lvl="0" indent="-330200" algn="l" rtl="0">
               <a:spcBef>
                 <a:spcPts val="0"/>
               </a:spcBef>
@@ -10818,7 +12183,7 @@
             <a:endParaRPr sz="1600"/>
           </a:p>
           <a:p>
-            <a:pPr indent="-330200" lvl="0" marL="457200" rtl="0" algn="l">
+            <a:pPr marL="457200" lvl="0" indent="-330200" algn="l" rtl="0">
               <a:lnSpc>
                 <a:spcPct val="110795"/>
               </a:lnSpc>
@@ -10838,7 +12203,7 @@
             <a:endParaRPr sz="1600"/>
           </a:p>
           <a:p>
-            <a:pPr indent="-304800" lvl="1" marL="914400" rtl="0" algn="l">
+            <a:pPr marL="914400" lvl="1" indent="-304800" algn="l" rtl="0">
               <a:lnSpc>
                 <a:spcPct val="110795"/>
               </a:lnSpc>
@@ -10858,7 +12223,7 @@
             <a:endParaRPr sz="1600"/>
           </a:p>
           <a:p>
-            <a:pPr indent="-304800" lvl="1" marL="914400" rtl="0" algn="l">
+            <a:pPr marL="914400" lvl="1" indent="-304800" algn="l" rtl="0">
               <a:lnSpc>
                 <a:spcPct val="110795"/>
               </a:lnSpc>
@@ -10875,7 +12240,7 @@
               <a:rPr lang="en" sz="1600"/>
               <a:t>'amt' : 'amount'</a:t>
             </a:r>
-            <a:endParaRPr b="1" sz="1200"/>
+            <a:endParaRPr sz="1200" b="1"/>
           </a:p>
         </p:txBody>
       </p:sp>
@@ -10972,11 +12337,11 @@
 </file>
 
 <file path=ppt/slides/slide6.xml><?xml version="1.0" encoding="utf-8"?>
-<p:sld xmlns:a="http://schemas.openxmlformats.org/drawingml/2006/main" xmlns:r="http://schemas.openxmlformats.org/officeDocument/2006/relationships" xmlns:mc="http://schemas.openxmlformats.org/markup-compatibility/2006" xmlns:mv="urn:schemas-microsoft-com:mac:vml" xmlns:p="http://schemas.openxmlformats.org/presentationml/2006/main" xmlns:c="http://schemas.openxmlformats.org/drawingml/2006/chart" xmlns:dgm="http://schemas.openxmlformats.org/drawingml/2006/diagram" xmlns:o="urn:schemas-microsoft-com:office:office" xmlns:v="urn:schemas-microsoft-com:vml" xmlns:pvml="urn:schemas-microsoft-com:office:powerpoint" xmlns:com="http://schemas.openxmlformats.org/drawingml/2006/compatibility" xmlns:p14="http://schemas.microsoft.com/office/powerpoint/2010/main" xmlns:p15="http://schemas.microsoft.com/office/powerpoint/2012/main" xmlns:ahyp="http://schemas.microsoft.com/office/drawing/2018/hyperlinkcolor">
+<p:sld xmlns:a="http://schemas.openxmlformats.org/drawingml/2006/main" xmlns:r="http://schemas.openxmlformats.org/officeDocument/2006/relationships" xmlns:p="http://schemas.openxmlformats.org/presentationml/2006/main">
   <p:cSld>
     <p:spTree>
       <p:nvGrpSpPr>
-        <p:cNvPr id="97" name="Shape 97"/>
+        <p:cNvPr id="1" name="Shape 97"/>
         <p:cNvGrpSpPr/>
         <p:nvPr/>
       </p:nvGrpSpPr>
@@ -10991,7 +12356,9 @@
       <p:sp>
         <p:nvSpPr>
           <p:cNvPr id="98" name="Google Shape;98;p18"/>
-          <p:cNvSpPr txBox="1"/>
+          <p:cNvSpPr txBox="1">
+            <a:spLocks noGrp="1"/>
+          </p:cNvSpPr>
           <p:nvPr>
             <p:ph type="title"/>
           </p:nvPr>
@@ -11006,12 +12373,12 @@
           </a:prstGeom>
         </p:spPr>
         <p:txBody>
-          <a:bodyPr anchorCtr="0" anchor="b" bIns="91425" lIns="91425" spcFirstLastPara="1" rIns="91425" wrap="square" tIns="91425">
+          <a:bodyPr spcFirstLastPara="1" wrap="square" lIns="91425" tIns="91425" rIns="91425" bIns="91425" anchor="b" anchorCtr="0">
             <a:normAutofit/>
           </a:bodyPr>
           <a:lstStyle/>
           <a:p>
-            <a:pPr indent="0" lvl="0" marL="0" rtl="0" algn="l">
+            <a:pPr marL="0" lvl="0" indent="0" algn="l" rtl="0">
               <a:spcBef>
                 <a:spcPts val="0"/>
               </a:spcBef>
@@ -11031,9 +12398,11 @@
       <p:sp>
         <p:nvSpPr>
           <p:cNvPr id="99" name="Google Shape;99;p18"/>
-          <p:cNvSpPr txBox="1"/>
+          <p:cNvSpPr txBox="1">
+            <a:spLocks noGrp="1"/>
+          </p:cNvSpPr>
           <p:nvPr>
-            <p:ph idx="1" type="body"/>
+            <p:ph type="body" idx="1"/>
           </p:nvPr>
         </p:nvSpPr>
         <p:spPr>
@@ -11046,12 +12415,12 @@
           </a:prstGeom>
         </p:spPr>
         <p:txBody>
-          <a:bodyPr anchorCtr="0" anchor="t" bIns="91425" lIns="91425" spcFirstLastPara="1" rIns="91425" wrap="square" tIns="91425">
+          <a:bodyPr spcFirstLastPara="1" wrap="square" lIns="91425" tIns="91425" rIns="91425" bIns="91425" anchor="t" anchorCtr="0">
             <a:normAutofit/>
           </a:bodyPr>
           <a:lstStyle/>
           <a:p>
-            <a:pPr indent="-330200" lvl="0" marL="457200" rtl="0" algn="l">
+            <a:pPr marL="457200" lvl="0" indent="-330200" algn="l" rtl="0">
               <a:spcBef>
                 <a:spcPts val="0"/>
               </a:spcBef>
@@ -11068,7 +12437,7 @@
             <a:endParaRPr/>
           </a:p>
           <a:p>
-            <a:pPr indent="0" lvl="0" marL="457200" rtl="0" algn="l">
+            <a:pPr marL="457200" lvl="0" indent="0" algn="l" rtl="0">
               <a:spcBef>
                 <a:spcPts val="1200"/>
               </a:spcBef>
@@ -11077,9 +12446,6 @@
               </a:spcAft>
               <a:buNone/>
             </a:pPr>
-            <a:r>
-              <a:t/>
-            </a:r>
             <a:endParaRPr/>
           </a:p>
         </p:txBody>
@@ -11107,14 +12473,14 @@
             <a:avLst/>
           </a:prstGeom>
           <a:noFill/>
-          <a:ln cap="flat" cmpd="sng" w="28575">
+          <a:ln w="28575" cap="flat" cmpd="sng">
             <a:solidFill>
               <a:schemeClr val="dk2"/>
             </a:solidFill>
             <a:prstDash val="solid"/>
             <a:round/>
-            <a:headEnd len="sm" w="sm" type="none"/>
-            <a:tailEnd len="sm" w="sm" type="none"/>
+            <a:headEnd type="none" w="sm" len="sm"/>
+            <a:tailEnd type="none" w="sm" len="sm"/>
           </a:ln>
         </p:spPr>
       </p:pic>
@@ -11127,11 +12493,11 @@
 </file>
 
 <file path=ppt/slides/slide7.xml><?xml version="1.0" encoding="utf-8"?>
-<p:sld xmlns:a="http://schemas.openxmlformats.org/drawingml/2006/main" xmlns:r="http://schemas.openxmlformats.org/officeDocument/2006/relationships" xmlns:mc="http://schemas.openxmlformats.org/markup-compatibility/2006" xmlns:mv="urn:schemas-microsoft-com:mac:vml" xmlns:p="http://schemas.openxmlformats.org/presentationml/2006/main" xmlns:c="http://schemas.openxmlformats.org/drawingml/2006/chart" xmlns:dgm="http://schemas.openxmlformats.org/drawingml/2006/diagram" xmlns:o="urn:schemas-microsoft-com:office:office" xmlns:v="urn:schemas-microsoft-com:vml" xmlns:pvml="urn:schemas-microsoft-com:office:powerpoint" xmlns:com="http://schemas.openxmlformats.org/drawingml/2006/compatibility" xmlns:p14="http://schemas.microsoft.com/office/powerpoint/2010/main" xmlns:p15="http://schemas.microsoft.com/office/powerpoint/2012/main" xmlns:ahyp="http://schemas.microsoft.com/office/drawing/2018/hyperlinkcolor">
+<p:sld xmlns:a="http://schemas.openxmlformats.org/drawingml/2006/main" xmlns:r="http://schemas.openxmlformats.org/officeDocument/2006/relationships" xmlns:p="http://schemas.openxmlformats.org/presentationml/2006/main">
   <p:cSld>
     <p:spTree>
       <p:nvGrpSpPr>
-        <p:cNvPr id="104" name="Shape 104"/>
+        <p:cNvPr id="1" name="Shape 104"/>
         <p:cNvGrpSpPr/>
         <p:nvPr/>
       </p:nvGrpSpPr>
@@ -11146,7 +12512,9 @@
       <p:sp>
         <p:nvSpPr>
           <p:cNvPr id="105" name="Google Shape;105;p19"/>
-          <p:cNvSpPr txBox="1"/>
+          <p:cNvSpPr txBox="1">
+            <a:spLocks noGrp="1"/>
+          </p:cNvSpPr>
           <p:nvPr>
             <p:ph type="title"/>
           </p:nvPr>
@@ -11161,12 +12529,12 @@
           </a:prstGeom>
         </p:spPr>
         <p:txBody>
-          <a:bodyPr anchorCtr="0" anchor="b" bIns="91425" lIns="91425" spcFirstLastPara="1" rIns="91425" wrap="square" tIns="91425">
+          <a:bodyPr spcFirstLastPara="1" wrap="square" lIns="91425" tIns="91425" rIns="91425" bIns="91425" anchor="b" anchorCtr="0">
             <a:normAutofit/>
           </a:bodyPr>
           <a:lstStyle/>
           <a:p>
-            <a:pPr indent="0" lvl="0" marL="0" rtl="0" algn="l">
+            <a:pPr marL="0" lvl="0" indent="0" algn="l" rtl="0">
               <a:spcBef>
                 <a:spcPts val="0"/>
               </a:spcBef>
@@ -11186,9 +12554,11 @@
       <p:sp>
         <p:nvSpPr>
           <p:cNvPr id="106" name="Google Shape;106;p19"/>
-          <p:cNvSpPr txBox="1"/>
+          <p:cNvSpPr txBox="1">
+            <a:spLocks noGrp="1"/>
+          </p:cNvSpPr>
           <p:nvPr>
-            <p:ph idx="1" type="body"/>
+            <p:ph type="body" idx="1"/>
           </p:nvPr>
         </p:nvSpPr>
         <p:spPr>
@@ -11201,12 +12571,12 @@
           </a:prstGeom>
         </p:spPr>
         <p:txBody>
-          <a:bodyPr anchorCtr="0" anchor="t" bIns="91425" lIns="91425" spcFirstLastPara="1" rIns="91425" wrap="square" tIns="91425">
+          <a:bodyPr spcFirstLastPara="1" wrap="square" lIns="91425" tIns="91425" rIns="91425" bIns="91425" anchor="t" anchorCtr="0">
             <a:normAutofit/>
           </a:bodyPr>
           <a:lstStyle/>
           <a:p>
-            <a:pPr indent="-342900" lvl="0" marL="457200" rtl="0" algn="l">
+            <a:pPr marL="457200" lvl="0" indent="-342900" algn="l" rtl="0">
               <a:spcBef>
                 <a:spcPts val="0"/>
               </a:spcBef>
@@ -11247,14 +12617,14 @@
             <a:avLst/>
           </a:prstGeom>
           <a:noFill/>
-          <a:ln cap="flat" cmpd="sng" w="28575">
+          <a:ln w="28575" cap="flat" cmpd="sng">
             <a:solidFill>
               <a:schemeClr val="dk2"/>
             </a:solidFill>
             <a:prstDash val="solid"/>
             <a:round/>
-            <a:headEnd len="sm" w="sm" type="none"/>
-            <a:tailEnd len="sm" w="sm" type="none"/>
+            <a:headEnd type="none" w="sm" len="sm"/>
+            <a:tailEnd type="none" w="sm" len="sm"/>
           </a:ln>
         </p:spPr>
       </p:pic>
@@ -11267,11 +12637,11 @@
 </file>
 
 <file path=ppt/slides/slide8.xml><?xml version="1.0" encoding="utf-8"?>
-<p:sld xmlns:a="http://schemas.openxmlformats.org/drawingml/2006/main" xmlns:r="http://schemas.openxmlformats.org/officeDocument/2006/relationships" xmlns:mc="http://schemas.openxmlformats.org/markup-compatibility/2006" xmlns:mv="urn:schemas-microsoft-com:mac:vml" xmlns:p="http://schemas.openxmlformats.org/presentationml/2006/main" xmlns:c="http://schemas.openxmlformats.org/drawingml/2006/chart" xmlns:dgm="http://schemas.openxmlformats.org/drawingml/2006/diagram" xmlns:o="urn:schemas-microsoft-com:office:office" xmlns:v="urn:schemas-microsoft-com:vml" xmlns:pvml="urn:schemas-microsoft-com:office:powerpoint" xmlns:com="http://schemas.openxmlformats.org/drawingml/2006/compatibility" xmlns:p14="http://schemas.microsoft.com/office/powerpoint/2010/main" xmlns:p15="http://schemas.microsoft.com/office/powerpoint/2012/main" xmlns:ahyp="http://schemas.microsoft.com/office/drawing/2018/hyperlinkcolor">
+<p:sld xmlns:a="http://schemas.openxmlformats.org/drawingml/2006/main" xmlns:r="http://schemas.openxmlformats.org/officeDocument/2006/relationships" xmlns:p="http://schemas.openxmlformats.org/presentationml/2006/main">
   <p:cSld>
     <p:spTree>
       <p:nvGrpSpPr>
-        <p:cNvPr id="111" name="Shape 111"/>
+        <p:cNvPr id="1" name="Shape 111"/>
         <p:cNvGrpSpPr/>
         <p:nvPr/>
       </p:nvGrpSpPr>
@@ -11286,7 +12656,9 @@
       <p:sp>
         <p:nvSpPr>
           <p:cNvPr id="112" name="Google Shape;112;p20"/>
-          <p:cNvSpPr txBox="1"/>
+          <p:cNvSpPr txBox="1">
+            <a:spLocks noGrp="1"/>
+          </p:cNvSpPr>
           <p:nvPr>
             <p:ph type="title"/>
           </p:nvPr>
@@ -11301,12 +12673,12 @@
           </a:prstGeom>
         </p:spPr>
         <p:txBody>
-          <a:bodyPr anchorCtr="0" anchor="b" bIns="91425" lIns="91425" spcFirstLastPara="1" rIns="91425" wrap="square" tIns="91425">
+          <a:bodyPr spcFirstLastPara="1" wrap="square" lIns="91425" tIns="91425" rIns="91425" bIns="91425" anchor="b" anchorCtr="0">
             <a:normAutofit/>
           </a:bodyPr>
           <a:lstStyle/>
           <a:p>
-            <a:pPr indent="0" lvl="0" marL="0" rtl="0" algn="l">
+            <a:pPr marL="0" lvl="0" indent="0" algn="l" rtl="0">
               <a:spcBef>
                 <a:spcPts val="0"/>
               </a:spcBef>
@@ -11326,9 +12698,11 @@
       <p:sp>
         <p:nvSpPr>
           <p:cNvPr id="113" name="Google Shape;113;p20"/>
-          <p:cNvSpPr txBox="1"/>
+          <p:cNvSpPr txBox="1">
+            <a:spLocks noGrp="1"/>
+          </p:cNvSpPr>
           <p:nvPr>
-            <p:ph idx="1" type="body"/>
+            <p:ph type="body" idx="1"/>
           </p:nvPr>
         </p:nvSpPr>
         <p:spPr>
@@ -11341,12 +12715,12 @@
           </a:prstGeom>
         </p:spPr>
         <p:txBody>
-          <a:bodyPr anchorCtr="0" anchor="t" bIns="91425" lIns="91425" spcFirstLastPara="1" rIns="91425" wrap="square" tIns="91425">
+          <a:bodyPr spcFirstLastPara="1" wrap="square" lIns="91425" tIns="91425" rIns="91425" bIns="91425" anchor="t" anchorCtr="0">
             <a:normAutofit/>
           </a:bodyPr>
           <a:lstStyle/>
           <a:p>
-            <a:pPr indent="-342900" lvl="0" marL="457200" rtl="0" algn="l">
+            <a:pPr marL="457200" lvl="0" indent="-342900" algn="l" rtl="0">
               <a:spcBef>
                 <a:spcPts val="0"/>
               </a:spcBef>
@@ -11363,7 +12737,7 @@
             <a:endParaRPr/>
           </a:p>
           <a:p>
-            <a:pPr indent="-342900" lvl="0" marL="457200" rtl="0" algn="l">
+            <a:pPr marL="457200" lvl="0" indent="-342900" algn="l" rtl="0">
               <a:spcBef>
                 <a:spcPts val="0"/>
               </a:spcBef>
@@ -11404,14 +12778,14 @@
             <a:avLst/>
           </a:prstGeom>
           <a:noFill/>
-          <a:ln cap="flat" cmpd="sng" w="28575">
+          <a:ln w="28575" cap="flat" cmpd="sng">
             <a:solidFill>
               <a:schemeClr val="dk2"/>
             </a:solidFill>
             <a:prstDash val="solid"/>
             <a:round/>
-            <a:headEnd len="sm" w="sm" type="none"/>
-            <a:tailEnd len="sm" w="sm" type="none"/>
+            <a:headEnd type="none" w="sm" len="sm"/>
+            <a:tailEnd type="none" w="sm" len="sm"/>
           </a:ln>
         </p:spPr>
       </p:pic>
@@ -11424,11 +12798,11 @@
 </file>
 
 <file path=ppt/slides/slide9.xml><?xml version="1.0" encoding="utf-8"?>
-<p:sld xmlns:a="http://schemas.openxmlformats.org/drawingml/2006/main" xmlns:r="http://schemas.openxmlformats.org/officeDocument/2006/relationships" xmlns:mc="http://schemas.openxmlformats.org/markup-compatibility/2006" xmlns:mv="urn:schemas-microsoft-com:mac:vml" xmlns:p="http://schemas.openxmlformats.org/presentationml/2006/main" xmlns:c="http://schemas.openxmlformats.org/drawingml/2006/chart" xmlns:dgm="http://schemas.openxmlformats.org/drawingml/2006/diagram" xmlns:o="urn:schemas-microsoft-com:office:office" xmlns:v="urn:schemas-microsoft-com:vml" xmlns:pvml="urn:schemas-microsoft-com:office:powerpoint" xmlns:com="http://schemas.openxmlformats.org/drawingml/2006/compatibility" xmlns:p14="http://schemas.microsoft.com/office/powerpoint/2010/main" xmlns:p15="http://schemas.microsoft.com/office/powerpoint/2012/main" xmlns:ahyp="http://schemas.microsoft.com/office/drawing/2018/hyperlinkcolor">
+<p:sld xmlns:a="http://schemas.openxmlformats.org/drawingml/2006/main" xmlns:r="http://schemas.openxmlformats.org/officeDocument/2006/relationships" xmlns:p="http://schemas.openxmlformats.org/presentationml/2006/main">
   <p:cSld>
     <p:spTree>
       <p:nvGrpSpPr>
-        <p:cNvPr id="118" name="Shape 118"/>
+        <p:cNvPr id="1" name="Shape 132"/>
         <p:cNvGrpSpPr/>
         <p:nvPr/>
       </p:nvGrpSpPr>
@@ -11442,8 +12816,10 @@
       </p:grpSpPr>
       <p:sp>
         <p:nvSpPr>
-          <p:cNvPr id="119" name="Google Shape;119;p21"/>
-          <p:cNvSpPr txBox="1"/>
+          <p:cNvPr id="133" name="Google Shape;133;p23"/>
+          <p:cNvSpPr txBox="1">
+            <a:spLocks noGrp="1"/>
+          </p:cNvSpPr>
           <p:nvPr>
             <p:ph type="title"/>
           </p:nvPr>
@@ -11458,12 +12834,12 @@
           </a:prstGeom>
         </p:spPr>
         <p:txBody>
-          <a:bodyPr anchorCtr="0" anchor="b" bIns="91425" lIns="91425" spcFirstLastPara="1" rIns="91425" wrap="square" tIns="91425">
+          <a:bodyPr spcFirstLastPara="1" wrap="square" lIns="91425" tIns="91425" rIns="91425" bIns="91425" anchor="b" anchorCtr="0">
             <a:normAutofit/>
           </a:bodyPr>
           <a:lstStyle/>
           <a:p>
-            <a:pPr indent="0" lvl="0" marL="0" rtl="0" algn="l">
+            <a:pPr marL="0" lvl="0" indent="0" algn="l" rtl="0">
               <a:spcBef>
                 <a:spcPts val="0"/>
               </a:spcBef>
@@ -11473,19 +12849,21 @@
               <a:buNone/>
             </a:pPr>
             <a:r>
-              <a:rPr lang="en"/>
-              <a:t>Cleaned Data</a:t>
+              <a:rPr lang="en" dirty="0"/>
+              <a:t>Data Cleaning</a:t>
             </a:r>
-            <a:endParaRPr/>
+            <a:endParaRPr dirty="0"/>
           </a:p>
         </p:txBody>
       </p:sp>
       <p:sp>
         <p:nvSpPr>
-          <p:cNvPr id="120" name="Google Shape;120;p21"/>
-          <p:cNvSpPr txBox="1"/>
+          <p:cNvPr id="134" name="Google Shape;134;p23"/>
+          <p:cNvSpPr txBox="1">
+            <a:spLocks noGrp="1"/>
+          </p:cNvSpPr>
           <p:nvPr>
-            <p:ph idx="1" type="body"/>
+            <p:ph type="body" idx="1"/>
           </p:nvPr>
         </p:nvSpPr>
         <p:spPr>
@@ -11498,35 +12876,179 @@
           </a:prstGeom>
         </p:spPr>
         <p:txBody>
-          <a:bodyPr anchorCtr="0" anchor="t" bIns="91425" lIns="91425" spcFirstLastPara="1" rIns="91425" wrap="square" tIns="91425">
+          <a:bodyPr spcFirstLastPara="1" wrap="square" lIns="91425" tIns="91425" rIns="91425" bIns="91425" anchor="t" anchorCtr="0">
             <a:normAutofit/>
           </a:bodyPr>
           <a:lstStyle/>
           <a:p>
-            <a:pPr indent="0" lvl="0" marL="0" rtl="0" algn="l">
-              <a:spcBef>
-                <a:spcPts val="0"/>
-              </a:spcBef>
-              <a:spcAft>
-                <a:spcPts val="1200"/>
-              </a:spcAft>
-              <a:buNone/>
+            <a:pPr marL="457200" lvl="0" indent="-311150" algn="l" rtl="0">
+              <a:spcBef>
+                <a:spcPts val="0"/>
+              </a:spcBef>
+              <a:spcAft>
+                <a:spcPts val="0"/>
+              </a:spcAft>
+              <a:buSzPts val="1300"/>
+              <a:buChar char="●"/>
             </a:pPr>
             <a:r>
-              <a:t/>
+              <a:rPr lang="en-US" sz="1300" dirty="0"/>
+              <a:t>Transformed ‘time’ column</a:t>
             </a:r>
-            <a:endParaRPr/>
+          </a:p>
+          <a:p>
+            <a:pPr marL="914400" lvl="1" indent="-311150" algn="l" rtl="0">
+              <a:spcBef>
+                <a:spcPts val="0"/>
+              </a:spcBef>
+              <a:spcAft>
+                <a:spcPts val="0"/>
+              </a:spcAft>
+              <a:buSzPts val="1300"/>
+              <a:buChar char="○"/>
+            </a:pPr>
+            <a:r>
+              <a:rPr lang="en-US" sz="1300" dirty="0"/>
+              <a:t>Converted the ‘time’ into </a:t>
+            </a:r>
+            <a:r>
+              <a:rPr lang="en-US" sz="1300" dirty="0" err="1"/>
+              <a:t>date_time</a:t>
+            </a:r>
+            <a:r>
+              <a:rPr lang="en-US" sz="1300" dirty="0"/>
+              <a:t> </a:t>
+            </a:r>
+            <a:br>
+              <a:rPr lang="en-US" sz="1300" dirty="0"/>
+            </a:br>
+            <a:r>
+              <a:rPr lang="en-US" sz="1300" dirty="0"/>
+              <a:t>format</a:t>
+            </a:r>
+          </a:p>
+          <a:p>
+            <a:pPr marL="914400" lvl="1" indent="-311150" algn="l" rtl="0">
+              <a:spcBef>
+                <a:spcPts val="0"/>
+              </a:spcBef>
+              <a:spcAft>
+                <a:spcPts val="0"/>
+              </a:spcAft>
+              <a:buSzPts val="1300"/>
+              <a:buChar char="○"/>
+            </a:pPr>
+            <a:r>
+              <a:rPr lang="en-US" sz="1300" dirty="0"/>
+              <a:t>Binned the data into groups</a:t>
+            </a:r>
+          </a:p>
+          <a:p>
+            <a:pPr marL="1371600" lvl="2" indent="-311150" algn="l" rtl="0">
+              <a:spcBef>
+                <a:spcPts val="0"/>
+              </a:spcBef>
+              <a:spcAft>
+                <a:spcPts val="0"/>
+              </a:spcAft>
+              <a:buSzPts val="1300"/>
+              <a:buChar char="■"/>
+            </a:pPr>
+            <a:r>
+              <a:rPr lang="en-US" sz="1300" dirty="0"/>
+              <a:t>12am-6am: early morning</a:t>
+            </a:r>
+          </a:p>
+          <a:p>
+            <a:pPr marL="1371600" lvl="2" indent="-311150" algn="l" rtl="0">
+              <a:spcBef>
+                <a:spcPts val="0"/>
+              </a:spcBef>
+              <a:spcAft>
+                <a:spcPts val="0"/>
+              </a:spcAft>
+              <a:buSzPts val="1300"/>
+              <a:buChar char="■"/>
+            </a:pPr>
+            <a:r>
+              <a:rPr lang="en-US" sz="1300" dirty="0"/>
+              <a:t>6am-12pm: late morning</a:t>
+            </a:r>
+          </a:p>
+          <a:p>
+            <a:pPr marL="1371600" lvl="2" indent="-311150" algn="l" rtl="0">
+              <a:spcBef>
+                <a:spcPts val="0"/>
+              </a:spcBef>
+              <a:spcAft>
+                <a:spcPts val="0"/>
+              </a:spcAft>
+              <a:buSzPts val="1300"/>
+              <a:buChar char="■"/>
+            </a:pPr>
+            <a:r>
+              <a:rPr lang="en-US" sz="1300" dirty="0"/>
+              <a:t>12pm-4pm: afternoon</a:t>
+            </a:r>
+          </a:p>
+          <a:p>
+            <a:pPr marL="1371600" lvl="2" indent="-311150" algn="l" rtl="0">
+              <a:spcBef>
+                <a:spcPts val="0"/>
+              </a:spcBef>
+              <a:spcAft>
+                <a:spcPts val="0"/>
+              </a:spcAft>
+              <a:buSzPts val="1300"/>
+              <a:buChar char="■"/>
+            </a:pPr>
+            <a:r>
+              <a:rPr lang="en-US" sz="1300" dirty="0"/>
+              <a:t>4pm-8pm: evening</a:t>
+            </a:r>
+          </a:p>
+          <a:p>
+            <a:pPr marL="1371600" lvl="2" indent="-311150" algn="l" rtl="0">
+              <a:spcBef>
+                <a:spcPts val="0"/>
+              </a:spcBef>
+              <a:spcAft>
+                <a:spcPts val="0"/>
+              </a:spcAft>
+              <a:buSzPts val="1300"/>
+              <a:buChar char="■"/>
+            </a:pPr>
+            <a:r>
+              <a:rPr lang="en-US" sz="1300" dirty="0"/>
+              <a:t>8pm-12am: night</a:t>
+            </a:r>
+          </a:p>
+          <a:p>
+            <a:pPr marL="431800" indent="-285750">
+              <a:buSzPts val="1300"/>
+            </a:pPr>
+            <a:r>
+              <a:rPr lang="en" sz="1300" dirty="0"/>
+              <a:t>This is necessary since the model cannot interpret time</a:t>
+            </a:r>
+            <a:br>
+              <a:rPr lang="en" sz="1300" dirty="0"/>
+            </a:br>
+            <a:r>
+              <a:rPr lang="en" sz="1300" dirty="0"/>
+              <a:t>correctly since it is not a continuous variable</a:t>
+            </a:r>
           </a:p>
         </p:txBody>
       </p:sp>
       <p:pic>
         <p:nvPicPr>
-          <p:cNvPr id="121" name="Google Shape;121;p21"/>
+          <p:cNvPr id="135" name="Google Shape;135;p23"/>
           <p:cNvPicPr preferRelativeResize="0"/>
           <p:nvPr/>
         </p:nvPicPr>
         <p:blipFill>
-          <a:blip r:embed="rId3">
+          <a:blip r:embed="rId4">
             <a:alphaModFix/>
           </a:blip>
           <a:stretch>
@@ -11535,21 +13057,21 @@
         </p:blipFill>
         <p:spPr>
           <a:xfrm>
-            <a:off x="1762125" y="1251725"/>
-            <a:ext cx="5619750" cy="3301000"/>
+            <a:off x="5140036" y="1355953"/>
+            <a:ext cx="4003964" cy="3301272"/>
           </a:xfrm>
           <a:prstGeom prst="rect">
             <a:avLst/>
           </a:prstGeom>
           <a:noFill/>
-          <a:ln cap="flat" cmpd="sng" w="28575">
+          <a:ln w="28575" cap="flat" cmpd="sng">
             <a:solidFill>
               <a:schemeClr val="dk2"/>
             </a:solidFill>
             <a:prstDash val="solid"/>
             <a:round/>
-            <a:headEnd len="sm" w="sm" type="none"/>
-            <a:tailEnd len="sm" w="sm" type="none"/>
+            <a:headEnd type="none" w="sm" len="sm"/>
+            <a:tailEnd type="none" w="sm" len="sm"/>
           </a:ln>
         </p:spPr>
       </p:pic>
@@ -11558,11 +13080,16 @@
   <p:clrMapOvr>
     <a:masterClrMapping/>
   </p:clrMapOvr>
+  <p:extLst>
+    <p:ext uri="{6950BFC3-D8DA-4A85-94F7-54DA5524770B}">
+      <p188:commentRel xmlns:p188="http://schemas.microsoft.com/office/powerpoint/2018/8/main" r:id="rId3"/>
+    </p:ext>
+  </p:extLst>
 </p:sld>
 </file>
 
 <file path=ppt/theme/theme1.xml><?xml version="1.0" encoding="utf-8"?>
-<a:theme xmlns:a="http://schemas.openxmlformats.org/drawingml/2006/main" xmlns:r="http://schemas.openxmlformats.org/officeDocument/2006/relationships" name="Luxe">
+<a:theme xmlns:a="http://schemas.openxmlformats.org/drawingml/2006/main" name="Luxe">
   <a:themeElements>
     <a:clrScheme name="Luxe">
       <a:dk1>
@@ -11837,11 +13364,13 @@
       </a:bgFillStyleLst>
     </a:fmtScheme>
   </a:themeElements>
+  <a:objectDefaults/>
+  <a:extraClrSchemeLst/>
 </a:theme>
 </file>
 
 <file path=ppt/theme/theme2.xml><?xml version="1.0" encoding="utf-8"?>
-<a:theme xmlns:a="http://schemas.openxmlformats.org/drawingml/2006/main" xmlns:r="http://schemas.openxmlformats.org/officeDocument/2006/relationships">
+<a:theme xmlns:a="http://schemas.openxmlformats.org/drawingml/2006/main">
   <a:themeElements>
     <a:clrScheme name="Default">
       <a:dk1>
@@ -12116,5 +13645,7 @@
       </a:bgFillStyleLst>
     </a:fmtScheme>
   </a:themeElements>
+  <a:objectDefaults/>
+  <a:extraClrSchemeLst/>
 </a:theme>
 </file>